--- a/1_logit_and_random_forest/files/document.pptx
+++ b/1_logit_and_random_forest/files/document.pptx
@@ -5,10 +5,10 @@
     <p:sldMasterId id="2147483648" r:id="rId1"/>
   </p:sldMasterIdLst>
   <p:notesMasterIdLst>
-    <p:notesMasterId r:id="rId8"/>
+    <p:notesMasterId r:id="rId9"/>
   </p:notesMasterIdLst>
   <p:handoutMasterIdLst>
-    <p:handoutMasterId r:id="rId9"/>
+    <p:handoutMasterId r:id="rId10"/>
   </p:handoutMasterIdLst>
   <p:sldIdLst>
     <p:sldId id="457" r:id="rId2"/>
@@ -16,7 +16,8 @@
     <p:sldId id="459" r:id="rId4"/>
     <p:sldId id="463" r:id="rId5"/>
     <p:sldId id="461" r:id="rId6"/>
-    <p:sldId id="462" r:id="rId7"/>
+    <p:sldId id="464" r:id="rId7"/>
+    <p:sldId id="462" r:id="rId8"/>
   </p:sldIdLst>
   <p:sldSz cx="9144000" cy="6858000" type="screen4x3"/>
   <p:notesSz cx="6858000" cy="9144000"/>
@@ -236,7 +237,7 @@
           <a:p>
             <a:fld id="{AB0F6CEE-40B5-8742-AB0C-8FE9D5B27429}" type="datetimeFigureOut">
               <a:rPr kumimoji="1" lang="ja-JP" altLang="en-US" smtClean="0"/>
-              <a:t>2016/12/7</a:t>
+              <a:t>2016/12/8</a:t>
             </a:fld>
             <a:endParaRPr kumimoji="1" lang="ja-JP" altLang="en-US" dirty="0"/>
           </a:p>
@@ -402,7 +403,7 @@
           <a:p>
             <a:fld id="{94939BE9-5583-564F-BE23-BB256CE776E6}" type="datetimeFigureOut">
               <a:rPr kumimoji="1" lang="ja-JP" altLang="en-US" smtClean="0"/>
-              <a:t>2016/12/7</a:t>
+              <a:t>2016/12/8</a:t>
             </a:fld>
             <a:endParaRPr kumimoji="1" lang="ja-JP" altLang="en-US" dirty="0"/>
           </a:p>
@@ -1197,6 +1198,90 @@
     </p:spTree>
     <p:extLst>
       <p:ext uri="{BB962C8B-B14F-4D97-AF65-F5344CB8AC3E}">
+        <p14:creationId xmlns:p14="http://schemas.microsoft.com/office/powerpoint/2010/main" val="3341476951"/>
+      </p:ext>
+    </p:extLst>
+  </p:cSld>
+  <p:clrMapOvr>
+    <a:masterClrMapping/>
+  </p:clrMapOvr>
+</p:notes>
+</file>
+
+<file path=ppt/notesSlides/notesSlide7.xml><?xml version="1.0" encoding="utf-8"?>
+<p:notes xmlns:a="http://schemas.openxmlformats.org/drawingml/2006/main" xmlns:r="http://schemas.openxmlformats.org/officeDocument/2006/relationships" xmlns:p="http://schemas.openxmlformats.org/presentationml/2006/main">
+  <p:cSld>
+    <p:spTree>
+      <p:nvGrpSpPr>
+        <p:cNvPr id="1" name=""/>
+        <p:cNvGrpSpPr/>
+        <p:nvPr/>
+      </p:nvGrpSpPr>
+      <p:grpSpPr>
+        <a:xfrm>
+          <a:off x="0" y="0"/>
+          <a:ext cx="0" cy="0"/>
+          <a:chOff x="0" y="0"/>
+          <a:chExt cx="0" cy="0"/>
+        </a:xfrm>
+      </p:grpSpPr>
+      <p:sp>
+        <p:nvSpPr>
+          <p:cNvPr id="2" name="スライド イメージ プレースホルダー 1"/>
+          <p:cNvSpPr>
+            <a:spLocks noGrp="1" noRot="1" noChangeAspect="1"/>
+          </p:cNvSpPr>
+          <p:nvPr>
+            <p:ph type="sldImg"/>
+          </p:nvPr>
+        </p:nvSpPr>
+        <p:spPr/>
+      </p:sp>
+      <p:sp>
+        <p:nvSpPr>
+          <p:cNvPr id="3" name="ノート プレースホルダー 2"/>
+          <p:cNvSpPr>
+            <a:spLocks noGrp="1"/>
+          </p:cNvSpPr>
+          <p:nvPr>
+            <p:ph type="body" idx="1"/>
+          </p:nvPr>
+        </p:nvSpPr>
+        <p:spPr/>
+        <p:txBody>
+          <a:bodyPr/>
+          <a:lstStyle/>
+          <a:p>
+            <a:endParaRPr kumimoji="1" lang="ja-JP" altLang="en-US" dirty="0"/>
+          </a:p>
+        </p:txBody>
+      </p:sp>
+      <p:sp>
+        <p:nvSpPr>
+          <p:cNvPr id="4" name="スライド番号プレースホルダー 3"/>
+          <p:cNvSpPr>
+            <a:spLocks noGrp="1"/>
+          </p:cNvSpPr>
+          <p:nvPr>
+            <p:ph type="sldNum" sz="quarter" idx="10"/>
+          </p:nvPr>
+        </p:nvSpPr>
+        <p:spPr/>
+        <p:txBody>
+          <a:bodyPr/>
+          <a:lstStyle/>
+          <a:p>
+            <a:fld id="{F60852FA-02EF-1944-8A45-2882F349894A}" type="slidenum">
+              <a:rPr kumimoji="1" lang="ja-JP" altLang="en-US" smtClean="0"/>
+              <a:t>7</a:t>
+            </a:fld>
+            <a:endParaRPr kumimoji="1" lang="ja-JP" altLang="en-US"/>
+          </a:p>
+        </p:txBody>
+      </p:sp>
+    </p:spTree>
+    <p:extLst>
+      <p:ext uri="{BB962C8B-B14F-4D97-AF65-F5344CB8AC3E}">
         <p14:creationId xmlns:p14="http://schemas.microsoft.com/office/powerpoint/2010/main" val="3478964663"/>
       </p:ext>
     </p:extLst>
@@ -1395,7 +1480,7 @@
           <a:p>
             <a:fld id="{78CFA527-9AAD-7243-9730-B2647F2E80CF}" type="datetime1">
               <a:rPr lang="ja-JP" altLang="en-US" smtClean="0"/>
-              <a:t>2016/12/7</a:t>
+              <a:t>2016/12/8</a:t>
             </a:fld>
             <a:endParaRPr lang="ja-JP" altLang="en-US" dirty="0"/>
           </a:p>
@@ -1681,7 +1766,7 @@
           <a:p>
             <a:fld id="{0803246B-A8ED-7941-B284-C1C6B9FBEA88}" type="datetime1">
               <a:rPr kumimoji="1" lang="ja-JP" altLang="en-US" smtClean="0"/>
-              <a:t>2016/12/7</a:t>
+              <a:t>2016/12/8</a:t>
             </a:fld>
             <a:endParaRPr kumimoji="1" lang="ja-JP" altLang="en-US" dirty="0"/>
           </a:p>
@@ -1887,7 +1972,7 @@
           <a:p>
             <a:fld id="{FA30A1F9-35FE-784B-8E76-51209971ED9E}" type="datetime1">
               <a:rPr kumimoji="1" lang="ja-JP" altLang="en-US" smtClean="0"/>
-              <a:t>2016/12/7</a:t>
+              <a:t>2016/12/8</a:t>
             </a:fld>
             <a:endParaRPr kumimoji="1" lang="ja-JP" altLang="en-US" dirty="0"/>
           </a:p>
@@ -2103,7 +2188,7 @@
           <a:p>
             <a:fld id="{1CF2BA45-EF75-1D49-9857-E0D9F2B90087}" type="datetime1">
               <a:rPr kumimoji="1" lang="ja-JP" altLang="en-US" smtClean="0"/>
-              <a:t>2016/12/7</a:t>
+              <a:t>2016/12/8</a:t>
             </a:fld>
             <a:endParaRPr kumimoji="1" lang="ja-JP" altLang="en-US" dirty="0"/>
           </a:p>
@@ -2377,7 +2462,7 @@
           <a:p>
             <a:fld id="{2BA27432-2CAB-2D41-94DB-9B3950414CFB}" type="datetime1">
               <a:rPr kumimoji="1" lang="ja-JP" altLang="en-US" smtClean="0"/>
-              <a:t>2016/12/7</a:t>
+              <a:t>2016/12/8</a:t>
             </a:fld>
             <a:endParaRPr kumimoji="1" lang="ja-JP" altLang="en-US" dirty="0"/>
           </a:p>
@@ -2757,7 +2842,7 @@
           <a:p>
             <a:fld id="{29D4E747-0B65-5740-95A9-1BDC22306067}" type="datetime1">
               <a:rPr kumimoji="1" lang="ja-JP" altLang="en-US" smtClean="0"/>
-              <a:t>2016/12/7</a:t>
+              <a:t>2016/12/8</a:t>
             </a:fld>
             <a:endParaRPr kumimoji="1" lang="ja-JP" altLang="en-US" dirty="0"/>
           </a:p>
@@ -3032,7 +3117,7 @@
           <a:p>
             <a:fld id="{BB434ACD-CCA1-2345-BD46-0DAD7667A790}" type="datetime1">
               <a:rPr kumimoji="1" lang="ja-JP" altLang="en-US" smtClean="0"/>
-              <a:t>2016/12/7</a:t>
+              <a:t>2016/12/8</a:t>
             </a:fld>
             <a:endParaRPr kumimoji="1" lang="ja-JP" altLang="en-US" dirty="0"/>
           </a:p>
@@ -3388,7 +3473,7 @@
           <a:p>
             <a:fld id="{D60090B1-75F3-344A-B78E-6D424503B66C}" type="datetime1">
               <a:rPr kumimoji="1" lang="ja-JP" altLang="en-US" smtClean="0"/>
-              <a:t>2016/12/7</a:t>
+              <a:t>2016/12/8</a:t>
             </a:fld>
             <a:endParaRPr kumimoji="1" lang="ja-JP" altLang="en-US" dirty="0"/>
           </a:p>
@@ -3878,7 +3963,7 @@
           <a:p>
             <a:fld id="{36006B1D-EB23-D44F-B3BD-B0D1EF8AEC18}" type="datetime1">
               <a:rPr kumimoji="1" lang="ja-JP" altLang="en-US" smtClean="0"/>
-              <a:t>2016/12/7</a:t>
+              <a:t>2016/12/8</a:t>
             </a:fld>
             <a:endParaRPr kumimoji="1" lang="ja-JP" altLang="en-US" dirty="0"/>
           </a:p>
@@ -4000,7 +4085,7 @@
           <a:p>
             <a:fld id="{1664A17C-F314-3D40-93A0-D679626D7FCA}" type="datetime1">
               <a:rPr kumimoji="1" lang="ja-JP" altLang="en-US" smtClean="0"/>
-              <a:t>2016/12/7</a:t>
+              <a:t>2016/12/8</a:t>
             </a:fld>
             <a:endParaRPr kumimoji="1" lang="ja-JP" altLang="en-US" dirty="0"/>
           </a:p>
@@ -4099,7 +4184,7 @@
           <a:p>
             <a:fld id="{51271593-34F6-724E-9C1F-F5BAD46AD726}" type="datetime1">
               <a:rPr kumimoji="1" lang="ja-JP" altLang="en-US" smtClean="0"/>
-              <a:t>2016/12/7</a:t>
+              <a:t>2016/12/8</a:t>
             </a:fld>
             <a:endParaRPr kumimoji="1" lang="ja-JP" altLang="en-US" dirty="0"/>
           </a:p>
@@ -4412,7 +4497,7 @@
           <a:p>
             <a:fld id="{9218DE23-0731-4A40-9AB8-F9D59E48706E}" type="datetime1">
               <a:rPr kumimoji="1" lang="ja-JP" altLang="en-US" smtClean="0"/>
-              <a:t>2016/12/7</a:t>
+              <a:t>2016/12/8</a:t>
             </a:fld>
             <a:endParaRPr kumimoji="1" lang="ja-JP" altLang="en-US" dirty="0"/>
           </a:p>
@@ -4664,7 +4749,7 @@
           <a:p>
             <a:fld id="{8DC1A32D-9695-0448-98B6-02DFA635E062}" type="datetime1">
               <a:rPr lang="ja-JP" altLang="en-US" smtClean="0"/>
-              <a:t>2016/12/7</a:t>
+              <a:t>2016/12/8</a:t>
             </a:fld>
             <a:endParaRPr lang="ja-JP" altLang="en-US" dirty="0"/>
           </a:p>
@@ -5581,11 +5666,6 @@
               </a:rPr>
               <a:t>概要</a:t>
             </a:r>
-            <a:endParaRPr kumimoji="1" lang="ja-JP" altLang="en-US" sz="2400" b="1" dirty="0" smtClean="0">
-              <a:latin typeface="メイリオ" panose="020B0604030504040204" pitchFamily="50" charset="-128"/>
-              <a:ea typeface="メイリオ" panose="020B0604030504040204" pitchFamily="50" charset="-128"/>
-              <a:cs typeface="ヒラギノ角ゴ Pro W3"/>
-            </a:endParaRPr>
           </a:p>
         </p:txBody>
       </p:sp>
@@ -5675,11 +5755,6 @@
               </a:rPr>
               <a:t>チューニング</a:t>
             </a:r>
-            <a:endParaRPr kumimoji="1" lang="ja-JP" altLang="en-US" b="1" dirty="0" smtClean="0">
-              <a:latin typeface="メイリオ" panose="020B0604030504040204" pitchFamily="50" charset="-128"/>
-              <a:ea typeface="メイリオ" panose="020B0604030504040204" pitchFamily="50" charset="-128"/>
-              <a:cs typeface="ヒラギノ角ゴ Pro W3"/>
-            </a:endParaRPr>
           </a:p>
         </p:txBody>
       </p:sp>
@@ -5826,8 +5901,8 @@
           </a:p>
         </p:txBody>
       </p:sp>
-      <mc:AlternateContent xmlns:mc="http://schemas.openxmlformats.org/markup-compatibility/2006">
-        <mc:Choice xmlns:a14="http://schemas.microsoft.com/office/drawing/2010/main" Requires="a14">
+      <mc:AlternateContent xmlns:mc="http://schemas.openxmlformats.org/markup-compatibility/2006" xmlns:a14="http://schemas.microsoft.com/office/drawing/2010/main">
+        <mc:Choice Requires="a14">
           <p:sp>
             <p:nvSpPr>
               <p:cNvPr id="72" name="テキスト ボックス 71"/>
@@ -5850,6 +5925,7 @@
               </a:bodyPr>
               <a:lstStyle/>
               <a:p>
+                <a:pPr/>
                 <a14:m>
                   <m:oMathPara xmlns:m="http://schemas.openxmlformats.org/officeDocument/2006/math">
                     <m:oMathParaPr>
@@ -5893,7 +5969,7 @@
             </p:txBody>
           </p:sp>
         </mc:Choice>
-        <mc:Fallback>
+        <mc:Fallback xmlns="">
           <p:sp>
             <p:nvSpPr>
               <p:cNvPr id="72" name="テキスト ボックス 71"/>
@@ -5932,8 +6008,8 @@
           </p:sp>
         </mc:Fallback>
       </mc:AlternateContent>
-      <mc:AlternateContent xmlns:mc="http://schemas.openxmlformats.org/markup-compatibility/2006">
-        <mc:Choice xmlns:a14="http://schemas.microsoft.com/office/drawing/2010/main" Requires="a14">
+      <mc:AlternateContent xmlns:mc="http://schemas.openxmlformats.org/markup-compatibility/2006" xmlns:a14="http://schemas.microsoft.com/office/drawing/2010/main">
+        <mc:Choice Requires="a14">
           <p:sp>
             <p:nvSpPr>
               <p:cNvPr id="73" name="テキスト ボックス 72"/>
@@ -5956,6 +6032,7 @@
               </a:bodyPr>
               <a:lstStyle/>
               <a:p>
+                <a:pPr/>
                 <a14:m>
                   <m:oMathPara xmlns:m="http://schemas.openxmlformats.org/officeDocument/2006/math">
                     <m:oMathParaPr>
@@ -5999,7 +6076,7 @@
             </p:txBody>
           </p:sp>
         </mc:Choice>
-        <mc:Fallback>
+        <mc:Fallback xmlns="">
           <p:sp>
             <p:nvSpPr>
               <p:cNvPr id="73" name="テキスト ボックス 72"/>
@@ -6038,8 +6115,8 @@
           </p:sp>
         </mc:Fallback>
       </mc:AlternateContent>
-      <mc:AlternateContent xmlns:mc="http://schemas.openxmlformats.org/markup-compatibility/2006">
-        <mc:Choice xmlns:a14="http://schemas.microsoft.com/office/drawing/2010/main" Requires="a14">
+      <mc:AlternateContent xmlns:mc="http://schemas.openxmlformats.org/markup-compatibility/2006" xmlns:a14="http://schemas.microsoft.com/office/drawing/2010/main">
+        <mc:Choice Requires="a14">
           <p:sp>
             <p:nvSpPr>
               <p:cNvPr id="74" name="テキスト ボックス 73"/>
@@ -6062,6 +6139,7 @@
               </a:bodyPr>
               <a:lstStyle/>
               <a:p>
+                <a:pPr/>
                 <a14:m>
                   <m:oMathPara xmlns:m="http://schemas.openxmlformats.org/officeDocument/2006/math">
                     <m:oMathParaPr>
@@ -6105,7 +6183,7 @@
             </p:txBody>
           </p:sp>
         </mc:Choice>
-        <mc:Fallback>
+        <mc:Fallback xmlns="">
           <p:sp>
             <p:nvSpPr>
               <p:cNvPr id="74" name="テキスト ボックス 73"/>
@@ -6502,8 +6580,8 @@
           </a:p>
         </p:txBody>
       </p:sp>
-      <mc:AlternateContent xmlns:mc="http://schemas.openxmlformats.org/markup-compatibility/2006">
-        <mc:Choice xmlns:a14="http://schemas.microsoft.com/office/drawing/2010/main" Requires="a14">
+      <mc:AlternateContent xmlns:mc="http://schemas.openxmlformats.org/markup-compatibility/2006" xmlns:a14="http://schemas.microsoft.com/office/drawing/2010/main">
+        <mc:Choice Requires="a14">
           <p:sp>
             <p:nvSpPr>
               <p:cNvPr id="83" name="テキスト ボックス 82"/>
@@ -6526,6 +6604,7 @@
               </a:bodyPr>
               <a:lstStyle/>
               <a:p>
+                <a:pPr/>
                 <a14:m>
                   <m:oMathPara xmlns:m="http://schemas.openxmlformats.org/officeDocument/2006/math">
                     <m:oMathParaPr>
@@ -6655,7 +6734,7 @@
             </p:txBody>
           </p:sp>
         </mc:Choice>
-        <mc:Fallback>
+        <mc:Fallback xmlns="">
           <p:sp>
             <p:nvSpPr>
               <p:cNvPr id="83" name="テキスト ボックス 82"/>
@@ -6694,8 +6773,8 @@
           </p:sp>
         </mc:Fallback>
       </mc:AlternateContent>
-      <mc:AlternateContent xmlns:mc="http://schemas.openxmlformats.org/markup-compatibility/2006">
-        <mc:Choice xmlns:a14="http://schemas.microsoft.com/office/drawing/2010/main" Requires="a14">
+      <mc:AlternateContent xmlns:mc="http://schemas.openxmlformats.org/markup-compatibility/2006" xmlns:a14="http://schemas.microsoft.com/office/drawing/2010/main">
+        <mc:Choice Requires="a14">
           <p:sp>
             <p:nvSpPr>
               <p:cNvPr id="84" name="テキスト ボックス 83"/>
@@ -6718,6 +6797,7 @@
               </a:bodyPr>
               <a:lstStyle/>
               <a:p>
+                <a:pPr/>
                 <a14:m>
                   <m:oMathPara xmlns:m="http://schemas.openxmlformats.org/officeDocument/2006/math">
                     <m:oMathParaPr>
@@ -6827,7 +6907,7 @@
             </p:txBody>
           </p:sp>
         </mc:Choice>
-        <mc:Fallback>
+        <mc:Fallback xmlns="">
           <p:sp>
             <p:nvSpPr>
               <p:cNvPr id="84" name="テキスト ボックス 83"/>
@@ -6990,8 +7070,8 @@
           </a:p>
         </p:txBody>
       </p:sp>
-      <mc:AlternateContent xmlns:mc="http://schemas.openxmlformats.org/markup-compatibility/2006">
-        <mc:Choice xmlns:a14="http://schemas.microsoft.com/office/drawing/2010/main" Requires="a14">
+      <mc:AlternateContent xmlns:mc="http://schemas.openxmlformats.org/markup-compatibility/2006" xmlns:a14="http://schemas.microsoft.com/office/drawing/2010/main">
+        <mc:Choice Requires="a14">
           <p:sp>
             <p:nvSpPr>
               <p:cNvPr id="90" name="テキスト ボックス 89"/>
@@ -7014,6 +7094,7 @@
               </a:bodyPr>
               <a:lstStyle/>
               <a:p>
+                <a:pPr/>
                 <a14:m>
                   <m:oMathPara xmlns:m="http://schemas.openxmlformats.org/officeDocument/2006/math">
                     <m:oMathParaPr>
@@ -7050,7 +7131,7 @@
             </p:txBody>
           </p:sp>
         </mc:Choice>
-        <mc:Fallback>
+        <mc:Fallback xmlns="">
           <p:sp>
             <p:nvSpPr>
               <p:cNvPr id="90" name="テキスト ボックス 89"/>
@@ -7254,11 +7335,6 @@
               </a:rPr>
               <a:t>機</a:t>
             </a:r>
-            <a:endParaRPr kumimoji="1" lang="ja-JP" altLang="en-US" sz="1400" dirty="0" smtClean="0">
-              <a:latin typeface="メイリオ" panose="020B0604030504040204" pitchFamily="50" charset="-128"/>
-              <a:ea typeface="メイリオ" panose="020B0604030504040204" pitchFamily="50" charset="-128"/>
-              <a:cs typeface="ヒラギノ角ゴ Pro W3"/>
-            </a:endParaRPr>
           </a:p>
         </p:txBody>
       </p:sp>
@@ -7294,18 +7370,7 @@
                 <a:ea typeface="メイリオ" panose="020B0604030504040204" pitchFamily="50" charset="-128"/>
                 <a:cs typeface="ヒラギノ角ゴ Pro W3"/>
               </a:rPr>
-              <a:t>シグモイド</a:t>
-            </a:r>
-            <a:r>
-              <a:rPr lang="ja-JP" altLang="en-US" sz="1600" b="1" dirty="0" smtClean="0">
-                <a:solidFill>
-                  <a:srgbClr val="C00000"/>
-                </a:solidFill>
-                <a:latin typeface="メイリオ" panose="020B0604030504040204" pitchFamily="50" charset="-128"/>
-                <a:ea typeface="メイリオ" panose="020B0604030504040204" pitchFamily="50" charset="-128"/>
-                <a:cs typeface="ヒラギノ角ゴ Pro W3"/>
-              </a:rPr>
-              <a:t>関数</a:t>
+              <a:t>シグモイド関数</a:t>
             </a:r>
             <a:endParaRPr kumimoji="1" lang="ja-JP" altLang="en-US" sz="1600" b="1" dirty="0" smtClean="0">
               <a:solidFill>
@@ -7563,8 +7628,8 @@
           </a:p>
         </p:txBody>
       </p:sp>
-      <mc:AlternateContent xmlns:mc="http://schemas.openxmlformats.org/markup-compatibility/2006">
-        <mc:Choice xmlns:a14="http://schemas.microsoft.com/office/drawing/2010/main" Requires="a14">
+      <mc:AlternateContent xmlns:mc="http://schemas.openxmlformats.org/markup-compatibility/2006" xmlns:a14="http://schemas.microsoft.com/office/drawing/2010/main">
+        <mc:Choice Requires="a14">
           <p:sp>
             <p:nvSpPr>
               <p:cNvPr id="4" name="テキスト ボックス 3"/>
@@ -7587,6 +7652,7 @@
               </a:bodyPr>
               <a:lstStyle/>
               <a:p>
+                <a:pPr/>
                 <a14:m>
                   <m:oMathPara xmlns:m="http://schemas.openxmlformats.org/officeDocument/2006/math">
                     <m:oMathParaPr>
@@ -7846,7 +7912,7 @@
             </p:txBody>
           </p:sp>
         </mc:Choice>
-        <mc:Fallback>
+        <mc:Fallback xmlns="">
           <p:sp>
             <p:nvSpPr>
               <p:cNvPr id="4" name="テキスト ボックス 3"/>
@@ -7885,8 +7951,8 @@
           </p:sp>
         </mc:Fallback>
       </mc:AlternateContent>
-      <mc:AlternateContent xmlns:mc="http://schemas.openxmlformats.org/markup-compatibility/2006">
-        <mc:Choice xmlns:a14="http://schemas.microsoft.com/office/drawing/2010/main" Requires="a14">
+      <mc:AlternateContent xmlns:mc="http://schemas.openxmlformats.org/markup-compatibility/2006" xmlns:a14="http://schemas.microsoft.com/office/drawing/2010/main">
+        <mc:Choice Requires="a14">
           <p:sp>
             <p:nvSpPr>
               <p:cNvPr id="6" name="テキスト ボックス 5"/>
@@ -7913,7 +7979,7 @@
                   <m:oMath xmlns:m="http://schemas.openxmlformats.org/officeDocument/2006/math">
                     <m:r>
                       <a:rPr kumimoji="1" lang="en-US" altLang="ja-JP" b="0" i="1" u="sng" smtClean="0">
-                        <a:latin typeface="メイリオおおおおおおおおおおおおおおお"/>
+                        <a:latin typeface="Cambria Math" panose="02040503050406030204" pitchFamily="18" charset="0"/>
                         <a:ea typeface="ヒラギノ角ゴ Pro W3"/>
                         <a:cs typeface="ヒラギノ角ゴ Pro W3"/>
                       </a:rPr>
@@ -7921,7 +7987,7 @@
                     </m:r>
                     <m:r>
                       <a:rPr lang="ja-JP" altLang="en-US" i="1" u="sng">
-                        <a:latin typeface="メイリオおおおおおおおおおおおおおおお"/>
+                        <a:latin typeface="Cambria Math" panose="02040503050406030204" pitchFamily="18" charset="0"/>
                         <a:ea typeface="ヒラギノ角ゴ Pro W3"/>
                         <a:cs typeface="ヒラギノ角ゴ Pro W3"/>
                       </a:rPr>
@@ -7929,7 +7995,7 @@
                     </m:r>
                     <m:r>
                       <a:rPr lang="ja-JP" altLang="en-US" i="1" u="sng">
-                        <a:latin typeface="メイリオおおおおおおおおおおおおおおお"/>
+                        <a:latin typeface="Cambria Math" panose="02040503050406030204" pitchFamily="18" charset="0"/>
                       </a:rPr>
                       <m:t>・・</m:t>
                     </m:r>
@@ -7950,7 +8016,7 @@
             </p:txBody>
           </p:sp>
         </mc:Choice>
-        <mc:Fallback>
+        <mc:Fallback xmlns="">
           <p:sp>
             <p:nvSpPr>
               <p:cNvPr id="6" name="テキスト ボックス 5"/>
@@ -8049,8 +8115,8 @@
           </a:p>
         </p:txBody>
       </p:sp>
-      <mc:AlternateContent xmlns:mc="http://schemas.openxmlformats.org/markup-compatibility/2006">
-        <mc:Choice xmlns:a14="http://schemas.microsoft.com/office/drawing/2010/main" Requires="a14">
+      <mc:AlternateContent xmlns:mc="http://schemas.openxmlformats.org/markup-compatibility/2006" xmlns:a14="http://schemas.microsoft.com/office/drawing/2010/main">
+        <mc:Choice Requires="a14">
           <p:sp>
             <p:nvSpPr>
               <p:cNvPr id="8" name="テキスト ボックス 7"/>
@@ -8073,6 +8139,7 @@
               </a:bodyPr>
               <a:lstStyle/>
               <a:p>
+                <a:pPr/>
                 <a14:m>
                   <m:oMathPara xmlns:m="http://schemas.openxmlformats.org/officeDocument/2006/math">
                     <m:oMathParaPr>
@@ -8231,7 +8298,7 @@
             </p:txBody>
           </p:sp>
         </mc:Choice>
-        <mc:Fallback>
+        <mc:Fallback xmlns="">
           <p:sp>
             <p:nvSpPr>
               <p:cNvPr id="8" name="テキスト ボックス 7"/>
@@ -8313,8 +8380,8 @@
           </a:p>
         </p:txBody>
       </p:sp>
-      <mc:AlternateContent xmlns:mc="http://schemas.openxmlformats.org/markup-compatibility/2006">
-        <mc:Choice xmlns:a14="http://schemas.microsoft.com/office/drawing/2010/main" Requires="a14">
+      <mc:AlternateContent xmlns:mc="http://schemas.openxmlformats.org/markup-compatibility/2006" xmlns:a14="http://schemas.microsoft.com/office/drawing/2010/main">
+        <mc:Choice Requires="a14">
           <p:sp>
             <p:nvSpPr>
               <p:cNvPr id="10" name="テキスト ボックス 9"/>
@@ -8337,6 +8404,7 @@
               </a:bodyPr>
               <a:lstStyle/>
               <a:p>
+                <a:pPr/>
                 <a14:m>
                   <m:oMathPara xmlns:m="http://schemas.openxmlformats.org/officeDocument/2006/math">
                     <m:oMathParaPr>
@@ -8573,7 +8641,7 @@
             </p:txBody>
           </p:sp>
         </mc:Choice>
-        <mc:Fallback>
+        <mc:Fallback xmlns="">
           <p:sp>
             <p:nvSpPr>
               <p:cNvPr id="10" name="テキスト ボックス 9"/>
@@ -8761,8 +8829,8 @@
           </a:prstGeom>
         </p:spPr>
       </p:pic>
-      <mc:AlternateContent xmlns:mc="http://schemas.openxmlformats.org/markup-compatibility/2006">
-        <mc:Choice xmlns:a14="http://schemas.microsoft.com/office/drawing/2010/main" Requires="a14">
+      <mc:AlternateContent xmlns:mc="http://schemas.openxmlformats.org/markup-compatibility/2006" xmlns:a14="http://schemas.microsoft.com/office/drawing/2010/main">
+        <mc:Choice Requires="a14">
           <p:sp>
             <p:nvSpPr>
               <p:cNvPr id="11" name="テキスト ボックス 10"/>
@@ -8785,6 +8853,7 @@
               </a:bodyPr>
               <a:lstStyle/>
               <a:p>
+                <a:pPr/>
                 <a14:m>
                   <m:oMathPara xmlns:m="http://schemas.openxmlformats.org/officeDocument/2006/math">
                     <m:oMathParaPr>
@@ -8883,7 +8952,7 @@
             </p:txBody>
           </p:sp>
         </mc:Choice>
-        <mc:Fallback>
+        <mc:Fallback xmlns="">
           <p:sp>
             <p:nvSpPr>
               <p:cNvPr id="11" name="テキスト ボックス 10"/>
@@ -8922,8 +8991,8 @@
           </p:sp>
         </mc:Fallback>
       </mc:AlternateContent>
-      <mc:AlternateContent xmlns:mc="http://schemas.openxmlformats.org/markup-compatibility/2006">
-        <mc:Choice xmlns:a14="http://schemas.microsoft.com/office/drawing/2010/main" Requires="a14">
+      <mc:AlternateContent xmlns:mc="http://schemas.openxmlformats.org/markup-compatibility/2006" xmlns:a14="http://schemas.microsoft.com/office/drawing/2010/main">
+        <mc:Choice Requires="a14">
           <p:sp>
             <p:nvSpPr>
               <p:cNvPr id="12" name="テキスト ボックス 11"/>
@@ -8946,6 +9015,7 @@
               </a:bodyPr>
               <a:lstStyle/>
               <a:p>
+                <a:pPr/>
                 <a14:m>
                   <m:oMathPara xmlns:m="http://schemas.openxmlformats.org/officeDocument/2006/math">
                     <m:oMathParaPr>
@@ -9107,7 +9177,7 @@
             </p:txBody>
           </p:sp>
         </mc:Choice>
-        <mc:Fallback>
+        <mc:Fallback xmlns="">
           <p:sp>
             <p:nvSpPr>
               <p:cNvPr id="12" name="テキスト ボックス 11"/>
@@ -9242,14 +9312,28 @@
                 <a:latin typeface="メイリオ" panose="020B0604030504040204" pitchFamily="50" charset="-128"/>
                 <a:ea typeface="メイリオ" panose="020B0604030504040204" pitchFamily="50" charset="-128"/>
               </a:rPr>
-              <a:t>情報利得が最大</a:t>
+              <a:t>あるデータ</a:t>
             </a:r>
             <a:r>
               <a:rPr lang="ja-JP" altLang="en-US" dirty="0" smtClean="0">
                 <a:latin typeface="メイリオ" panose="020B0604030504040204" pitchFamily="50" charset="-128"/>
                 <a:ea typeface="メイリオ" panose="020B0604030504040204" pitchFamily="50" charset="-128"/>
               </a:rPr>
-              <a:t>となる特徴量でノードを分割していく</a:t>
+              <a:t>群か</a:t>
+            </a:r>
+            <a:r>
+              <a:rPr lang="ja-JP" altLang="en-US" dirty="0">
+                <a:latin typeface="メイリオ" panose="020B0604030504040204" pitchFamily="50" charset="-128"/>
+                <a:ea typeface="メイリオ" panose="020B0604030504040204" pitchFamily="50" charset="-128"/>
+              </a:rPr>
+              <a:t>ら</a:t>
+            </a:r>
+            <a:r>
+              <a:rPr lang="ja-JP" altLang="en-US" dirty="0" smtClean="0">
+                <a:latin typeface="メイリオ" panose="020B0604030504040204" pitchFamily="50" charset="-128"/>
+                <a:ea typeface="メイリオ" panose="020B0604030504040204" pitchFamily="50" charset="-128"/>
+              </a:rPr>
+              <a:t>生成された決定木群を用いるアンサンブル学習</a:t>
             </a:r>
             <a:endParaRPr kumimoji="1" lang="ja-JP" altLang="en-US" dirty="0">
               <a:latin typeface="メイリオ" panose="020B0604030504040204" pitchFamily="50" charset="-128"/>
@@ -9634,11 +9718,6 @@
               </a:rPr>
               <a:t>概要</a:t>
             </a:r>
-            <a:endParaRPr kumimoji="1" lang="ja-JP" altLang="en-US" sz="2400" b="1" dirty="0" smtClean="0">
-              <a:latin typeface="メイリオ" panose="020B0604030504040204" pitchFamily="50" charset="-128"/>
-              <a:ea typeface="メイリオ" panose="020B0604030504040204" pitchFamily="50" charset="-128"/>
-              <a:cs typeface="ヒラギノ角ゴ Pro W3"/>
-            </a:endParaRPr>
           </a:p>
         </p:txBody>
       </p:sp>
@@ -9728,11 +9807,6 @@
               </a:rPr>
               <a:t>チューニング</a:t>
             </a:r>
-            <a:endParaRPr kumimoji="1" lang="ja-JP" altLang="en-US" b="1" dirty="0" smtClean="0">
-              <a:latin typeface="メイリオ" panose="020B0604030504040204" pitchFamily="50" charset="-128"/>
-              <a:ea typeface="メイリオ" panose="020B0604030504040204" pitchFamily="50" charset="-128"/>
-              <a:cs typeface="ヒラギノ角ゴ Pro W3"/>
-            </a:endParaRPr>
           </a:p>
         </p:txBody>
       </p:sp>
@@ -10039,8 +10113,8 @@
           </a:prstGeom>
         </p:spPr>
       </p:pic>
-      <mc:AlternateContent xmlns:mc="http://schemas.openxmlformats.org/markup-compatibility/2006">
-        <mc:Choice xmlns:a14="http://schemas.microsoft.com/office/drawing/2010/main" Requires="a14">
+      <mc:AlternateContent xmlns:mc="http://schemas.openxmlformats.org/markup-compatibility/2006" xmlns:a14="http://schemas.microsoft.com/office/drawing/2010/main">
+        <mc:Choice Requires="a14">
           <p:sp>
             <p:nvSpPr>
               <p:cNvPr id="4" name="テキスト ボックス 3"/>
@@ -10063,6 +10137,7 @@
               </a:bodyPr>
               <a:lstStyle/>
               <a:p>
+                <a:pPr/>
                 <a14:m>
                   <m:oMathPara xmlns:m="http://schemas.openxmlformats.org/officeDocument/2006/math">
                     <m:oMathParaPr>
@@ -10401,7 +10476,7 @@
             </p:txBody>
           </p:sp>
         </mc:Choice>
-        <mc:Fallback>
+        <mc:Fallback xmlns="">
           <p:sp>
             <p:nvSpPr>
               <p:cNvPr id="4" name="テキスト ボックス 3"/>
@@ -13482,6 +13557,57 @@
       </p:grpSpPr>
       <p:sp>
         <p:nvSpPr>
+          <p:cNvPr id="129" name="正方形/長方形 128"/>
+          <p:cNvSpPr/>
+          <p:nvPr/>
+        </p:nvSpPr>
+        <p:spPr bwMode="auto">
+          <a:xfrm>
+            <a:off x="7536356" y="4352841"/>
+            <a:ext cx="1403511" cy="1938349"/>
+          </a:xfrm>
+          <a:prstGeom prst="rect">
+            <a:avLst/>
+          </a:prstGeom>
+          <a:solidFill>
+            <a:srgbClr val="FFFFFF"/>
+          </a:solidFill>
+          <a:ln w="25400">
+            <a:solidFill>
+              <a:schemeClr val="bg1">
+                <a:lumMod val="65000"/>
+              </a:schemeClr>
+            </a:solidFill>
+            <a:miter lim="800000"/>
+            <a:headEnd/>
+            <a:tailEnd/>
+          </a:ln>
+          <a:extLst/>
+        </p:spPr>
+        <p:txBody>
+          <a:bodyPr wrap="square" rtlCol="0" anchor="ctr">
+            <a:spAutoFit/>
+          </a:bodyPr>
+          <a:lstStyle/>
+          <a:p>
+            <a:pPr algn="ctr">
+              <a:lnSpc>
+                <a:spcPct val="130000"/>
+              </a:lnSpc>
+            </a:pPr>
+            <a:endParaRPr kumimoji="1" lang="ja-JP" altLang="en-US" sz="2000" b="1" i="0" dirty="0" smtClean="0">
+              <a:solidFill>
+                <a:srgbClr val="C0504D"/>
+              </a:solidFill>
+              <a:latin typeface="メイリオ" charset="0"/>
+              <a:ea typeface="メイリオ" charset="0"/>
+              <a:cs typeface="メイリオ" charset="0"/>
+            </a:endParaRPr>
+          </a:p>
+        </p:txBody>
+      </p:sp>
+      <p:sp>
+        <p:nvSpPr>
           <p:cNvPr id="5" name="スライド番号プレースホルダー 4"/>
           <p:cNvSpPr>
             <a:spLocks noGrp="1"/>
@@ -13498,6 +13624,2944 @@
             <a:fld id="{EBB39137-EBDC-2D4F-98A6-83D1C4F5C52B}" type="slidenum">
               <a:rPr kumimoji="1" lang="ja-JP" altLang="en-US" smtClean="0"/>
               <a:t>6</a:t>
+            </a:fld>
+            <a:endParaRPr kumimoji="1" lang="ja-JP" altLang="en-US" dirty="0"/>
+          </a:p>
+        </p:txBody>
+      </p:sp>
+      <p:sp>
+        <p:nvSpPr>
+          <p:cNvPr id="39" name="タイトル 1"/>
+          <p:cNvSpPr txBox="1">
+            <a:spLocks/>
+          </p:cNvSpPr>
+          <p:nvPr/>
+        </p:nvSpPr>
+        <p:spPr>
+          <a:xfrm>
+            <a:off x="215329" y="499098"/>
+            <a:ext cx="8763679" cy="576064"/>
+          </a:xfrm>
+          <a:prstGeom prst="rect">
+            <a:avLst/>
+          </a:prstGeom>
+        </p:spPr>
+        <p:txBody>
+          <a:bodyPr vert="horz" lIns="91440" tIns="45720" rIns="91440" bIns="45720" rtlCol="0" anchor="ctr">
+            <a:noAutofit/>
+          </a:bodyPr>
+          <a:lstStyle>
+            <a:lvl1pPr algn="l" defTabSz="457200" rtl="0" eaLnBrk="1" latinLnBrk="0" hangingPunct="1">
+              <a:lnSpc>
+                <a:spcPct val="110000"/>
+              </a:lnSpc>
+              <a:spcBef>
+                <a:spcPct val="0"/>
+              </a:spcBef>
+              <a:buNone/>
+              <a:defRPr kumimoji="1" sz="2000" b="0" i="0" kern="1200">
+                <a:solidFill>
+                  <a:srgbClr val="A82831"/>
+                </a:solidFill>
+                <a:latin typeface="ヒラギノ角ゴ ProN W6"/>
+                <a:ea typeface="ヒラギノ角ゴ ProN W6"/>
+                <a:cs typeface="ヒラギノ角ゴ ProN W6"/>
+              </a:defRPr>
+            </a:lvl1pPr>
+          </a:lstStyle>
+          <a:p>
+            <a:pPr defTabSz="914400" fontAlgn="base">
+              <a:spcAft>
+                <a:spcPct val="0"/>
+              </a:spcAft>
+            </a:pPr>
+            <a:r>
+              <a:rPr lang="ja-JP" altLang="en-US" dirty="0" err="1" smtClean="0">
+                <a:latin typeface="メイリオ" panose="020B0604030504040204" pitchFamily="50" charset="-128"/>
+                <a:ea typeface="メイリオ" panose="020B0604030504040204" pitchFamily="50" charset="-128"/>
+              </a:rPr>
+              <a:t>ふじゅ</a:t>
+            </a:r>
+            <a:endParaRPr lang="en-US" altLang="ja-JP" dirty="0" smtClean="0">
+              <a:latin typeface="メイリオ" panose="020B0604030504040204" pitchFamily="50" charset="-128"/>
+              <a:ea typeface="メイリオ" panose="020B0604030504040204" pitchFamily="50" charset="-128"/>
+            </a:endParaRPr>
+          </a:p>
+        </p:txBody>
+      </p:sp>
+      <p:sp>
+        <p:nvSpPr>
+          <p:cNvPr id="40" name="テキスト プレースホルダー 6"/>
+          <p:cNvSpPr>
+            <a:spLocks noGrp="1"/>
+          </p:cNvSpPr>
+          <p:nvPr>
+            <p:ph type="body" sz="quarter" idx="13"/>
+          </p:nvPr>
+        </p:nvSpPr>
+        <p:spPr>
+          <a:xfrm>
+            <a:off x="213322" y="404664"/>
+            <a:ext cx="8652512" cy="202034"/>
+          </a:xfrm>
+        </p:spPr>
+        <p:txBody>
+          <a:bodyPr>
+            <a:noAutofit/>
+          </a:bodyPr>
+          <a:lstStyle/>
+          <a:p>
+            <a:r>
+              <a:rPr lang="ja-JP" altLang="en-US" sz="1400" dirty="0" smtClean="0">
+                <a:latin typeface="メイリオ" panose="020B0604030504040204" pitchFamily="50" charset="-128"/>
+                <a:ea typeface="メイリオ" panose="020B0604030504040204" pitchFamily="50" charset="-128"/>
+              </a:rPr>
+              <a:t>ランダムフォレスト</a:t>
+            </a:r>
+            <a:r>
+              <a:rPr lang="en-US" altLang="ja-JP" sz="1400" dirty="0" smtClean="0">
+                <a:latin typeface="メイリオ" panose="020B0604030504040204" pitchFamily="50" charset="-128"/>
+                <a:ea typeface="メイリオ" panose="020B0604030504040204" pitchFamily="50" charset="-128"/>
+              </a:rPr>
+              <a:t>(</a:t>
+            </a:r>
+            <a:r>
+              <a:rPr lang="ja-JP" altLang="en-US" sz="1400" dirty="0" smtClean="0">
+                <a:latin typeface="メイリオ" panose="020B0604030504040204" pitchFamily="50" charset="-128"/>
+                <a:ea typeface="メイリオ" panose="020B0604030504040204" pitchFamily="50" charset="-128"/>
+              </a:rPr>
+              <a:t>決定木</a:t>
+            </a:r>
+            <a:r>
+              <a:rPr lang="en-US" altLang="ja-JP" sz="1400" dirty="0" smtClean="0">
+                <a:latin typeface="メイリオ" panose="020B0604030504040204" pitchFamily="50" charset="-128"/>
+                <a:ea typeface="メイリオ" panose="020B0604030504040204" pitchFamily="50" charset="-128"/>
+              </a:rPr>
+              <a:t>)</a:t>
+            </a:r>
+            <a:endParaRPr kumimoji="1" lang="ja-JP" altLang="en-US" sz="1400" dirty="0">
+              <a:latin typeface="メイリオ" panose="020B0604030504040204" pitchFamily="50" charset="-128"/>
+              <a:ea typeface="メイリオ" panose="020B0604030504040204" pitchFamily="50" charset="-128"/>
+            </a:endParaRPr>
+          </a:p>
+        </p:txBody>
+      </p:sp>
+      <p:sp>
+        <p:nvSpPr>
+          <p:cNvPr id="69" name="正方形/長方形 68"/>
+          <p:cNvSpPr/>
+          <p:nvPr/>
+        </p:nvSpPr>
+        <p:spPr bwMode="auto">
+          <a:xfrm>
+            <a:off x="255521" y="1502228"/>
+            <a:ext cx="8610313" cy="1210492"/>
+          </a:xfrm>
+          <a:prstGeom prst="rect">
+            <a:avLst/>
+          </a:prstGeom>
+          <a:solidFill>
+            <a:srgbClr val="FFFFFF"/>
+          </a:solidFill>
+          <a:ln w="25400">
+            <a:solidFill>
+              <a:schemeClr val="bg1">
+                <a:lumMod val="65000"/>
+              </a:schemeClr>
+            </a:solidFill>
+            <a:miter lim="800000"/>
+            <a:headEnd/>
+            <a:tailEnd/>
+          </a:ln>
+          <a:extLst/>
+        </p:spPr>
+        <p:txBody>
+          <a:bodyPr wrap="square" rtlCol="0" anchor="ctr">
+            <a:spAutoFit/>
+          </a:bodyPr>
+          <a:lstStyle/>
+          <a:p>
+            <a:pPr algn="ctr">
+              <a:lnSpc>
+                <a:spcPct val="130000"/>
+              </a:lnSpc>
+            </a:pPr>
+            <a:endParaRPr kumimoji="1" lang="ja-JP" altLang="en-US" sz="2000" b="1" i="0" dirty="0" smtClean="0">
+              <a:solidFill>
+                <a:srgbClr val="C0504D"/>
+              </a:solidFill>
+              <a:latin typeface="メイリオ" charset="0"/>
+              <a:ea typeface="メイリオ" charset="0"/>
+              <a:cs typeface="メイリオ" charset="0"/>
+            </a:endParaRPr>
+          </a:p>
+        </p:txBody>
+      </p:sp>
+      <p:sp>
+        <p:nvSpPr>
+          <p:cNvPr id="70" name="テキスト ボックス 69"/>
+          <p:cNvSpPr txBox="1"/>
+          <p:nvPr/>
+        </p:nvSpPr>
+        <p:spPr>
+          <a:xfrm>
+            <a:off x="3696921" y="1184117"/>
+            <a:ext cx="1800493" cy="307777"/>
+          </a:xfrm>
+          <a:prstGeom prst="rect">
+            <a:avLst/>
+          </a:prstGeom>
+          <a:noFill/>
+        </p:spPr>
+        <p:txBody>
+          <a:bodyPr wrap="none" rtlCol="0">
+            <a:spAutoFit/>
+          </a:bodyPr>
+          <a:lstStyle/>
+          <a:p>
+            <a:r>
+              <a:rPr kumimoji="1" lang="ja-JP" altLang="en-US" sz="1400" dirty="0" smtClean="0">
+                <a:latin typeface="メイリオ" panose="020B0604030504040204" pitchFamily="50" charset="-128"/>
+                <a:ea typeface="メイリオ" panose="020B0604030504040204" pitchFamily="50" charset="-128"/>
+              </a:rPr>
+              <a:t>トレーニングデータ</a:t>
+            </a:r>
+            <a:endParaRPr kumimoji="1" lang="ja-JP" altLang="en-US" sz="1400" dirty="0">
+              <a:latin typeface="メイリオ" panose="020B0604030504040204" pitchFamily="50" charset="-128"/>
+              <a:ea typeface="メイリオ" panose="020B0604030504040204" pitchFamily="50" charset="-128"/>
+            </a:endParaRPr>
+          </a:p>
+        </p:txBody>
+      </p:sp>
+      <p:sp>
+        <p:nvSpPr>
+          <p:cNvPr id="6" name="テキスト ボックス 5"/>
+          <p:cNvSpPr txBox="1"/>
+          <p:nvPr/>
+        </p:nvSpPr>
+        <p:spPr>
+          <a:xfrm>
+            <a:off x="6732240" y="1074850"/>
+            <a:ext cx="2223686" cy="461665"/>
+          </a:xfrm>
+          <a:prstGeom prst="rect">
+            <a:avLst/>
+          </a:prstGeom>
+          <a:noFill/>
+        </p:spPr>
+        <p:txBody>
+          <a:bodyPr wrap="none" rtlCol="0">
+            <a:spAutoFit/>
+          </a:bodyPr>
+          <a:lstStyle/>
+          <a:p>
+            <a:r>
+              <a:rPr lang="en-US" altLang="ja-JP" sz="1200" dirty="0" smtClean="0">
+                <a:solidFill>
+                  <a:srgbClr val="A82831"/>
+                </a:solidFill>
+                <a:latin typeface="メイリオ" panose="020B0604030504040204" pitchFamily="50" charset="-128"/>
+                <a:ea typeface="メイリオ" panose="020B0604030504040204" pitchFamily="50" charset="-128"/>
+              </a:rPr>
+              <a:t>×</a:t>
+            </a:r>
+            <a:r>
+              <a:rPr lang="ja-JP" altLang="en-US" sz="1200" dirty="0" smtClean="0">
+                <a:latin typeface="メイリオ" panose="020B0604030504040204" pitchFamily="50" charset="-128"/>
+                <a:ea typeface="メイリオ" panose="020B0604030504040204" pitchFamily="50" charset="-128"/>
+              </a:rPr>
+              <a:t>・・・家賃</a:t>
+            </a:r>
+            <a:r>
+              <a:rPr lang="en-US" altLang="ja-JP" sz="1200" dirty="0" smtClean="0">
+                <a:latin typeface="メイリオ" panose="020B0604030504040204" pitchFamily="50" charset="-128"/>
+                <a:ea typeface="メイリオ" panose="020B0604030504040204" pitchFamily="50" charset="-128"/>
+              </a:rPr>
+              <a:t>15</a:t>
+            </a:r>
+            <a:r>
+              <a:rPr lang="ja-JP" altLang="en-US" sz="1200" dirty="0" smtClean="0">
+                <a:latin typeface="メイリオ" panose="020B0604030504040204" pitchFamily="50" charset="-128"/>
+                <a:ea typeface="メイリオ" panose="020B0604030504040204" pitchFamily="50" charset="-128"/>
+              </a:rPr>
+              <a:t>万以上の物件</a:t>
+            </a:r>
+            <a:endParaRPr lang="en-US" altLang="ja-JP" sz="1200" dirty="0" smtClean="0">
+              <a:latin typeface="メイリオ" panose="020B0604030504040204" pitchFamily="50" charset="-128"/>
+              <a:ea typeface="メイリオ" panose="020B0604030504040204" pitchFamily="50" charset="-128"/>
+            </a:endParaRPr>
+          </a:p>
+          <a:p>
+            <a:r>
+              <a:rPr kumimoji="1" lang="ja-JP" altLang="en-US" sz="1200" dirty="0" smtClean="0">
+                <a:latin typeface="メイリオ" panose="020B0604030504040204" pitchFamily="50" charset="-128"/>
+                <a:ea typeface="メイリオ" panose="020B0604030504040204" pitchFamily="50" charset="-128"/>
+              </a:rPr>
+              <a:t>○・・・家賃</a:t>
+            </a:r>
+            <a:r>
+              <a:rPr kumimoji="1" lang="en-US" altLang="ja-JP" sz="1200" dirty="0" smtClean="0">
+                <a:latin typeface="メイリオ" panose="020B0604030504040204" pitchFamily="50" charset="-128"/>
+                <a:ea typeface="メイリオ" panose="020B0604030504040204" pitchFamily="50" charset="-128"/>
+              </a:rPr>
+              <a:t>15</a:t>
+            </a:r>
+            <a:r>
+              <a:rPr kumimoji="1" lang="ja-JP" altLang="en-US" sz="1200" dirty="0" smtClean="0">
+                <a:latin typeface="メイリオ" panose="020B0604030504040204" pitchFamily="50" charset="-128"/>
+                <a:ea typeface="メイリオ" panose="020B0604030504040204" pitchFamily="50" charset="-128"/>
+              </a:rPr>
+              <a:t>万以下の物件</a:t>
+            </a:r>
+            <a:endParaRPr kumimoji="1" lang="ja-JP" altLang="en-US" sz="1200" dirty="0">
+              <a:latin typeface="メイリオ" panose="020B0604030504040204" pitchFamily="50" charset="-128"/>
+              <a:ea typeface="メイリオ" panose="020B0604030504040204" pitchFamily="50" charset="-128"/>
+            </a:endParaRPr>
+          </a:p>
+        </p:txBody>
+      </p:sp>
+      <p:sp>
+        <p:nvSpPr>
+          <p:cNvPr id="14" name="テキスト ボックス 13"/>
+          <p:cNvSpPr txBox="1"/>
+          <p:nvPr/>
+        </p:nvSpPr>
+        <p:spPr>
+          <a:xfrm>
+            <a:off x="1333132" y="1615153"/>
+            <a:ext cx="473206" cy="523220"/>
+          </a:xfrm>
+          <a:prstGeom prst="rect">
+            <a:avLst/>
+          </a:prstGeom>
+          <a:noFill/>
+        </p:spPr>
+        <p:txBody>
+          <a:bodyPr wrap="none" rtlCol="0">
+            <a:spAutoFit/>
+          </a:bodyPr>
+          <a:lstStyle/>
+          <a:p>
+            <a:r>
+              <a:rPr kumimoji="1" lang="en-US" altLang="ja-JP" sz="2800" dirty="0" smtClean="0">
+                <a:solidFill>
+                  <a:srgbClr val="A82831"/>
+                </a:solidFill>
+                <a:latin typeface="メイリオ" panose="020B0604030504040204" pitchFamily="50" charset="-128"/>
+                <a:ea typeface="メイリオ" panose="020B0604030504040204" pitchFamily="50" charset="-128"/>
+              </a:rPr>
+              <a:t>×</a:t>
+            </a:r>
+            <a:endParaRPr kumimoji="1" lang="ja-JP" altLang="en-US" dirty="0">
+              <a:solidFill>
+                <a:srgbClr val="A82831"/>
+              </a:solidFill>
+              <a:latin typeface="メイリオ" panose="020B0604030504040204" pitchFamily="50" charset="-128"/>
+              <a:ea typeface="メイリオ" panose="020B0604030504040204" pitchFamily="50" charset="-128"/>
+            </a:endParaRPr>
+          </a:p>
+        </p:txBody>
+      </p:sp>
+      <p:sp>
+        <p:nvSpPr>
+          <p:cNvPr id="71" name="テキスト ボックス 70"/>
+          <p:cNvSpPr txBox="1"/>
+          <p:nvPr/>
+        </p:nvSpPr>
+        <p:spPr>
+          <a:xfrm>
+            <a:off x="1103120" y="1686006"/>
+            <a:ext cx="473206" cy="523220"/>
+          </a:xfrm>
+          <a:prstGeom prst="rect">
+            <a:avLst/>
+          </a:prstGeom>
+          <a:noFill/>
+        </p:spPr>
+        <p:txBody>
+          <a:bodyPr wrap="none" rtlCol="0">
+            <a:spAutoFit/>
+          </a:bodyPr>
+          <a:lstStyle/>
+          <a:p>
+            <a:r>
+              <a:rPr kumimoji="1" lang="en-US" altLang="ja-JP" sz="2800" dirty="0" smtClean="0">
+                <a:solidFill>
+                  <a:srgbClr val="A82831"/>
+                </a:solidFill>
+                <a:latin typeface="メイリオ" panose="020B0604030504040204" pitchFamily="50" charset="-128"/>
+                <a:ea typeface="メイリオ" panose="020B0604030504040204" pitchFamily="50" charset="-128"/>
+              </a:rPr>
+              <a:t>×</a:t>
+            </a:r>
+            <a:endParaRPr kumimoji="1" lang="ja-JP" altLang="en-US" dirty="0">
+              <a:solidFill>
+                <a:srgbClr val="A82831"/>
+              </a:solidFill>
+              <a:latin typeface="メイリオ" panose="020B0604030504040204" pitchFamily="50" charset="-128"/>
+              <a:ea typeface="メイリオ" panose="020B0604030504040204" pitchFamily="50" charset="-128"/>
+            </a:endParaRPr>
+          </a:p>
+        </p:txBody>
+      </p:sp>
+      <p:sp>
+        <p:nvSpPr>
+          <p:cNvPr id="72" name="テキスト ボックス 71"/>
+          <p:cNvSpPr txBox="1"/>
+          <p:nvPr/>
+        </p:nvSpPr>
+        <p:spPr>
+          <a:xfrm>
+            <a:off x="1637932" y="2087737"/>
+            <a:ext cx="473206" cy="523220"/>
+          </a:xfrm>
+          <a:prstGeom prst="rect">
+            <a:avLst/>
+          </a:prstGeom>
+          <a:noFill/>
+        </p:spPr>
+        <p:txBody>
+          <a:bodyPr wrap="none" rtlCol="0">
+            <a:spAutoFit/>
+          </a:bodyPr>
+          <a:lstStyle/>
+          <a:p>
+            <a:r>
+              <a:rPr kumimoji="1" lang="en-US" altLang="ja-JP" sz="2800" dirty="0" smtClean="0">
+                <a:solidFill>
+                  <a:srgbClr val="A82831"/>
+                </a:solidFill>
+                <a:latin typeface="メイリオ" panose="020B0604030504040204" pitchFamily="50" charset="-128"/>
+                <a:ea typeface="メイリオ" panose="020B0604030504040204" pitchFamily="50" charset="-128"/>
+              </a:rPr>
+              <a:t>×</a:t>
+            </a:r>
+            <a:endParaRPr kumimoji="1" lang="ja-JP" altLang="en-US" dirty="0">
+              <a:solidFill>
+                <a:srgbClr val="A82831"/>
+              </a:solidFill>
+              <a:latin typeface="メイリオ" panose="020B0604030504040204" pitchFamily="50" charset="-128"/>
+              <a:ea typeface="メイリオ" panose="020B0604030504040204" pitchFamily="50" charset="-128"/>
+            </a:endParaRPr>
+          </a:p>
+        </p:txBody>
+      </p:sp>
+      <p:sp>
+        <p:nvSpPr>
+          <p:cNvPr id="73" name="テキスト ボックス 72"/>
+          <p:cNvSpPr txBox="1"/>
+          <p:nvPr/>
+        </p:nvSpPr>
+        <p:spPr>
+          <a:xfrm>
+            <a:off x="2033590" y="1876763"/>
+            <a:ext cx="473206" cy="523220"/>
+          </a:xfrm>
+          <a:prstGeom prst="rect">
+            <a:avLst/>
+          </a:prstGeom>
+          <a:noFill/>
+        </p:spPr>
+        <p:txBody>
+          <a:bodyPr wrap="none" rtlCol="0">
+            <a:spAutoFit/>
+          </a:bodyPr>
+          <a:lstStyle/>
+          <a:p>
+            <a:r>
+              <a:rPr kumimoji="1" lang="en-US" altLang="ja-JP" sz="2800" dirty="0" smtClean="0">
+                <a:solidFill>
+                  <a:srgbClr val="A82831"/>
+                </a:solidFill>
+                <a:latin typeface="メイリオ" panose="020B0604030504040204" pitchFamily="50" charset="-128"/>
+                <a:ea typeface="メイリオ" panose="020B0604030504040204" pitchFamily="50" charset="-128"/>
+              </a:rPr>
+              <a:t>×</a:t>
+            </a:r>
+            <a:endParaRPr kumimoji="1" lang="ja-JP" altLang="en-US" dirty="0">
+              <a:solidFill>
+                <a:srgbClr val="A82831"/>
+              </a:solidFill>
+              <a:latin typeface="メイリオ" panose="020B0604030504040204" pitchFamily="50" charset="-128"/>
+              <a:ea typeface="メイリオ" panose="020B0604030504040204" pitchFamily="50" charset="-128"/>
+            </a:endParaRPr>
+          </a:p>
+        </p:txBody>
+      </p:sp>
+      <p:sp>
+        <p:nvSpPr>
+          <p:cNvPr id="74" name="テキスト ボックス 73"/>
+          <p:cNvSpPr txBox="1"/>
+          <p:nvPr/>
+        </p:nvSpPr>
+        <p:spPr>
+          <a:xfrm>
+            <a:off x="2270193" y="2224753"/>
+            <a:ext cx="473206" cy="523220"/>
+          </a:xfrm>
+          <a:prstGeom prst="rect">
+            <a:avLst/>
+          </a:prstGeom>
+          <a:noFill/>
+        </p:spPr>
+        <p:txBody>
+          <a:bodyPr wrap="none" rtlCol="0">
+            <a:spAutoFit/>
+          </a:bodyPr>
+          <a:lstStyle/>
+          <a:p>
+            <a:r>
+              <a:rPr kumimoji="1" lang="en-US" altLang="ja-JP" sz="2800" dirty="0" smtClean="0">
+                <a:solidFill>
+                  <a:srgbClr val="A82831"/>
+                </a:solidFill>
+                <a:latin typeface="メイリオ" panose="020B0604030504040204" pitchFamily="50" charset="-128"/>
+                <a:ea typeface="メイリオ" panose="020B0604030504040204" pitchFamily="50" charset="-128"/>
+              </a:rPr>
+              <a:t>×</a:t>
+            </a:r>
+            <a:endParaRPr kumimoji="1" lang="ja-JP" altLang="en-US" dirty="0">
+              <a:solidFill>
+                <a:srgbClr val="A82831"/>
+              </a:solidFill>
+              <a:latin typeface="メイリオ" panose="020B0604030504040204" pitchFamily="50" charset="-128"/>
+              <a:ea typeface="メイリオ" panose="020B0604030504040204" pitchFamily="50" charset="-128"/>
+            </a:endParaRPr>
+          </a:p>
+        </p:txBody>
+      </p:sp>
+      <p:sp>
+        <p:nvSpPr>
+          <p:cNvPr id="75" name="テキスト ボックス 74"/>
+          <p:cNvSpPr txBox="1"/>
+          <p:nvPr/>
+        </p:nvSpPr>
+        <p:spPr>
+          <a:xfrm>
+            <a:off x="2213374" y="1549133"/>
+            <a:ext cx="473206" cy="523220"/>
+          </a:xfrm>
+          <a:prstGeom prst="rect">
+            <a:avLst/>
+          </a:prstGeom>
+          <a:noFill/>
+        </p:spPr>
+        <p:txBody>
+          <a:bodyPr wrap="none" rtlCol="0">
+            <a:spAutoFit/>
+          </a:bodyPr>
+          <a:lstStyle/>
+          <a:p>
+            <a:r>
+              <a:rPr kumimoji="1" lang="en-US" altLang="ja-JP" sz="2800" dirty="0" smtClean="0">
+                <a:solidFill>
+                  <a:srgbClr val="A82831"/>
+                </a:solidFill>
+                <a:latin typeface="メイリオ" panose="020B0604030504040204" pitchFamily="50" charset="-128"/>
+                <a:ea typeface="メイリオ" panose="020B0604030504040204" pitchFamily="50" charset="-128"/>
+              </a:rPr>
+              <a:t>×</a:t>
+            </a:r>
+            <a:endParaRPr kumimoji="1" lang="ja-JP" altLang="en-US" dirty="0">
+              <a:solidFill>
+                <a:srgbClr val="A82831"/>
+              </a:solidFill>
+              <a:latin typeface="メイリオ" panose="020B0604030504040204" pitchFamily="50" charset="-128"/>
+              <a:ea typeface="メイリオ" panose="020B0604030504040204" pitchFamily="50" charset="-128"/>
+            </a:endParaRPr>
+          </a:p>
+        </p:txBody>
+      </p:sp>
+      <p:sp>
+        <p:nvSpPr>
+          <p:cNvPr id="76" name="テキスト ボックス 75"/>
+          <p:cNvSpPr txBox="1"/>
+          <p:nvPr/>
+        </p:nvSpPr>
+        <p:spPr>
+          <a:xfrm>
+            <a:off x="2549117" y="1886943"/>
+            <a:ext cx="473206" cy="523220"/>
+          </a:xfrm>
+          <a:prstGeom prst="rect">
+            <a:avLst/>
+          </a:prstGeom>
+          <a:noFill/>
+        </p:spPr>
+        <p:txBody>
+          <a:bodyPr wrap="none" rtlCol="0">
+            <a:spAutoFit/>
+          </a:bodyPr>
+          <a:lstStyle/>
+          <a:p>
+            <a:r>
+              <a:rPr kumimoji="1" lang="en-US" altLang="ja-JP" sz="2800" dirty="0" smtClean="0">
+                <a:solidFill>
+                  <a:srgbClr val="A82831"/>
+                </a:solidFill>
+                <a:latin typeface="メイリオ" panose="020B0604030504040204" pitchFamily="50" charset="-128"/>
+                <a:ea typeface="メイリオ" panose="020B0604030504040204" pitchFamily="50" charset="-128"/>
+              </a:rPr>
+              <a:t>×</a:t>
+            </a:r>
+            <a:endParaRPr kumimoji="1" lang="ja-JP" altLang="en-US" dirty="0">
+              <a:solidFill>
+                <a:srgbClr val="A82831"/>
+              </a:solidFill>
+              <a:latin typeface="メイリオ" panose="020B0604030504040204" pitchFamily="50" charset="-128"/>
+              <a:ea typeface="メイリオ" panose="020B0604030504040204" pitchFamily="50" charset="-128"/>
+            </a:endParaRPr>
+          </a:p>
+        </p:txBody>
+      </p:sp>
+      <p:sp>
+        <p:nvSpPr>
+          <p:cNvPr id="77" name="テキスト ボックス 76"/>
+          <p:cNvSpPr txBox="1"/>
+          <p:nvPr/>
+        </p:nvSpPr>
+        <p:spPr>
+          <a:xfrm>
+            <a:off x="3026815" y="1491894"/>
+            <a:ext cx="473206" cy="523220"/>
+          </a:xfrm>
+          <a:prstGeom prst="rect">
+            <a:avLst/>
+          </a:prstGeom>
+          <a:noFill/>
+        </p:spPr>
+        <p:txBody>
+          <a:bodyPr wrap="none" rtlCol="0">
+            <a:spAutoFit/>
+          </a:bodyPr>
+          <a:lstStyle/>
+          <a:p>
+            <a:r>
+              <a:rPr kumimoji="1" lang="en-US" altLang="ja-JP" sz="2800" dirty="0" smtClean="0">
+                <a:solidFill>
+                  <a:srgbClr val="A82831"/>
+                </a:solidFill>
+                <a:latin typeface="メイリオ" panose="020B0604030504040204" pitchFamily="50" charset="-128"/>
+                <a:ea typeface="メイリオ" panose="020B0604030504040204" pitchFamily="50" charset="-128"/>
+              </a:rPr>
+              <a:t>×</a:t>
+            </a:r>
+            <a:endParaRPr kumimoji="1" lang="ja-JP" altLang="en-US" dirty="0">
+              <a:solidFill>
+                <a:srgbClr val="A82831"/>
+              </a:solidFill>
+              <a:latin typeface="メイリオ" panose="020B0604030504040204" pitchFamily="50" charset="-128"/>
+              <a:ea typeface="メイリオ" panose="020B0604030504040204" pitchFamily="50" charset="-128"/>
+            </a:endParaRPr>
+          </a:p>
+        </p:txBody>
+      </p:sp>
+      <p:sp>
+        <p:nvSpPr>
+          <p:cNvPr id="78" name="テキスト ボックス 77"/>
+          <p:cNvSpPr txBox="1"/>
+          <p:nvPr/>
+        </p:nvSpPr>
+        <p:spPr>
+          <a:xfrm>
+            <a:off x="3112415" y="2072353"/>
+            <a:ext cx="473206" cy="523220"/>
+          </a:xfrm>
+          <a:prstGeom prst="rect">
+            <a:avLst/>
+          </a:prstGeom>
+          <a:noFill/>
+        </p:spPr>
+        <p:txBody>
+          <a:bodyPr wrap="none" rtlCol="0">
+            <a:spAutoFit/>
+          </a:bodyPr>
+          <a:lstStyle/>
+          <a:p>
+            <a:r>
+              <a:rPr kumimoji="1" lang="en-US" altLang="ja-JP" sz="2800" dirty="0" smtClean="0">
+                <a:solidFill>
+                  <a:srgbClr val="A82831"/>
+                </a:solidFill>
+                <a:latin typeface="メイリオ" panose="020B0604030504040204" pitchFamily="50" charset="-128"/>
+                <a:ea typeface="メイリオ" panose="020B0604030504040204" pitchFamily="50" charset="-128"/>
+              </a:rPr>
+              <a:t>×</a:t>
+            </a:r>
+            <a:endParaRPr kumimoji="1" lang="ja-JP" altLang="en-US" dirty="0">
+              <a:solidFill>
+                <a:srgbClr val="A82831"/>
+              </a:solidFill>
+              <a:latin typeface="メイリオ" panose="020B0604030504040204" pitchFamily="50" charset="-128"/>
+              <a:ea typeface="メイリオ" panose="020B0604030504040204" pitchFamily="50" charset="-128"/>
+            </a:endParaRPr>
+          </a:p>
+        </p:txBody>
+      </p:sp>
+      <p:sp>
+        <p:nvSpPr>
+          <p:cNvPr id="79" name="テキスト ボックス 78"/>
+          <p:cNvSpPr txBox="1"/>
+          <p:nvPr/>
+        </p:nvSpPr>
+        <p:spPr>
+          <a:xfrm>
+            <a:off x="3687857" y="1940170"/>
+            <a:ext cx="473206" cy="523220"/>
+          </a:xfrm>
+          <a:prstGeom prst="rect">
+            <a:avLst/>
+          </a:prstGeom>
+          <a:noFill/>
+        </p:spPr>
+        <p:txBody>
+          <a:bodyPr wrap="none" rtlCol="0">
+            <a:spAutoFit/>
+          </a:bodyPr>
+          <a:lstStyle/>
+          <a:p>
+            <a:r>
+              <a:rPr kumimoji="1" lang="en-US" altLang="ja-JP" sz="2800" dirty="0" smtClean="0">
+                <a:solidFill>
+                  <a:srgbClr val="A82831"/>
+                </a:solidFill>
+                <a:latin typeface="メイリオ" panose="020B0604030504040204" pitchFamily="50" charset="-128"/>
+                <a:ea typeface="メイリオ" panose="020B0604030504040204" pitchFamily="50" charset="-128"/>
+              </a:rPr>
+              <a:t>×</a:t>
+            </a:r>
+            <a:endParaRPr kumimoji="1" lang="ja-JP" altLang="en-US" dirty="0">
+              <a:solidFill>
+                <a:srgbClr val="A82831"/>
+              </a:solidFill>
+              <a:latin typeface="メイリオ" panose="020B0604030504040204" pitchFamily="50" charset="-128"/>
+              <a:ea typeface="メイリオ" panose="020B0604030504040204" pitchFamily="50" charset="-128"/>
+            </a:endParaRPr>
+          </a:p>
+        </p:txBody>
+      </p:sp>
+      <p:sp>
+        <p:nvSpPr>
+          <p:cNvPr id="80" name="テキスト ボックス 79"/>
+          <p:cNvSpPr txBox="1"/>
+          <p:nvPr/>
+        </p:nvSpPr>
+        <p:spPr>
+          <a:xfrm>
+            <a:off x="5009001" y="1625333"/>
+            <a:ext cx="543739" cy="523220"/>
+          </a:xfrm>
+          <a:prstGeom prst="rect">
+            <a:avLst/>
+          </a:prstGeom>
+          <a:noFill/>
+        </p:spPr>
+        <p:txBody>
+          <a:bodyPr wrap="none" rtlCol="0">
+            <a:spAutoFit/>
+          </a:bodyPr>
+          <a:lstStyle/>
+          <a:p>
+            <a:r>
+              <a:rPr kumimoji="1" lang="ja-JP" altLang="en-US" sz="2800" dirty="0" smtClean="0">
+                <a:solidFill>
+                  <a:schemeClr val="bg1">
+                    <a:lumMod val="50000"/>
+                  </a:schemeClr>
+                </a:solidFill>
+                <a:latin typeface="メイリオ" panose="020B0604030504040204" pitchFamily="50" charset="-128"/>
+                <a:ea typeface="メイリオ" panose="020B0604030504040204" pitchFamily="50" charset="-128"/>
+              </a:rPr>
+              <a:t>○</a:t>
+            </a:r>
+            <a:endParaRPr kumimoji="1" lang="ja-JP" altLang="en-US" dirty="0">
+              <a:solidFill>
+                <a:schemeClr val="bg1">
+                  <a:lumMod val="50000"/>
+                </a:schemeClr>
+              </a:solidFill>
+              <a:latin typeface="メイリオ" panose="020B0604030504040204" pitchFamily="50" charset="-128"/>
+              <a:ea typeface="メイリオ" panose="020B0604030504040204" pitchFamily="50" charset="-128"/>
+            </a:endParaRPr>
+          </a:p>
+        </p:txBody>
+      </p:sp>
+      <p:sp>
+        <p:nvSpPr>
+          <p:cNvPr id="81" name="テキスト ボックス 80"/>
+          <p:cNvSpPr txBox="1"/>
+          <p:nvPr/>
+        </p:nvSpPr>
+        <p:spPr>
+          <a:xfrm>
+            <a:off x="5709280" y="1777733"/>
+            <a:ext cx="543739" cy="523220"/>
+          </a:xfrm>
+          <a:prstGeom prst="rect">
+            <a:avLst/>
+          </a:prstGeom>
+          <a:noFill/>
+        </p:spPr>
+        <p:txBody>
+          <a:bodyPr wrap="none" rtlCol="0">
+            <a:spAutoFit/>
+          </a:bodyPr>
+          <a:lstStyle/>
+          <a:p>
+            <a:r>
+              <a:rPr kumimoji="1" lang="ja-JP" altLang="en-US" sz="2800" dirty="0" smtClean="0">
+                <a:solidFill>
+                  <a:schemeClr val="bg1">
+                    <a:lumMod val="50000"/>
+                  </a:schemeClr>
+                </a:solidFill>
+                <a:latin typeface="メイリオ" panose="020B0604030504040204" pitchFamily="50" charset="-128"/>
+                <a:ea typeface="メイリオ" panose="020B0604030504040204" pitchFamily="50" charset="-128"/>
+              </a:rPr>
+              <a:t>○</a:t>
+            </a:r>
+            <a:endParaRPr kumimoji="1" lang="ja-JP" altLang="en-US" dirty="0">
+              <a:solidFill>
+                <a:schemeClr val="bg1">
+                  <a:lumMod val="50000"/>
+                </a:schemeClr>
+              </a:solidFill>
+              <a:latin typeface="メイリオ" panose="020B0604030504040204" pitchFamily="50" charset="-128"/>
+              <a:ea typeface="メイリオ" panose="020B0604030504040204" pitchFamily="50" charset="-128"/>
+            </a:endParaRPr>
+          </a:p>
+        </p:txBody>
+      </p:sp>
+      <p:sp>
+        <p:nvSpPr>
+          <p:cNvPr id="82" name="テキスト ボックス 81"/>
+          <p:cNvSpPr txBox="1"/>
+          <p:nvPr/>
+        </p:nvSpPr>
+        <p:spPr>
+          <a:xfrm>
+            <a:off x="5129170" y="1962797"/>
+            <a:ext cx="543739" cy="523220"/>
+          </a:xfrm>
+          <a:prstGeom prst="rect">
+            <a:avLst/>
+          </a:prstGeom>
+          <a:noFill/>
+        </p:spPr>
+        <p:txBody>
+          <a:bodyPr wrap="none" rtlCol="0">
+            <a:spAutoFit/>
+          </a:bodyPr>
+          <a:lstStyle/>
+          <a:p>
+            <a:r>
+              <a:rPr kumimoji="1" lang="ja-JP" altLang="en-US" sz="2800" dirty="0" smtClean="0">
+                <a:solidFill>
+                  <a:schemeClr val="bg1">
+                    <a:lumMod val="50000"/>
+                  </a:schemeClr>
+                </a:solidFill>
+                <a:latin typeface="メイリオ" panose="020B0604030504040204" pitchFamily="50" charset="-128"/>
+                <a:ea typeface="メイリオ" panose="020B0604030504040204" pitchFamily="50" charset="-128"/>
+              </a:rPr>
+              <a:t>○</a:t>
+            </a:r>
+            <a:endParaRPr kumimoji="1" lang="ja-JP" altLang="en-US" dirty="0">
+              <a:solidFill>
+                <a:schemeClr val="bg1">
+                  <a:lumMod val="50000"/>
+                </a:schemeClr>
+              </a:solidFill>
+              <a:latin typeface="メイリオ" panose="020B0604030504040204" pitchFamily="50" charset="-128"/>
+              <a:ea typeface="メイリオ" panose="020B0604030504040204" pitchFamily="50" charset="-128"/>
+            </a:endParaRPr>
+          </a:p>
+        </p:txBody>
+      </p:sp>
+      <p:sp>
+        <p:nvSpPr>
+          <p:cNvPr id="83" name="テキスト ボックス 82"/>
+          <p:cNvSpPr txBox="1"/>
+          <p:nvPr/>
+        </p:nvSpPr>
+        <p:spPr>
+          <a:xfrm>
+            <a:off x="5630492" y="2145390"/>
+            <a:ext cx="543739" cy="523220"/>
+          </a:xfrm>
+          <a:prstGeom prst="rect">
+            <a:avLst/>
+          </a:prstGeom>
+          <a:noFill/>
+        </p:spPr>
+        <p:txBody>
+          <a:bodyPr wrap="none" rtlCol="0">
+            <a:spAutoFit/>
+          </a:bodyPr>
+          <a:lstStyle/>
+          <a:p>
+            <a:r>
+              <a:rPr kumimoji="1" lang="ja-JP" altLang="en-US" sz="2800" dirty="0" smtClean="0">
+                <a:solidFill>
+                  <a:schemeClr val="bg1">
+                    <a:lumMod val="50000"/>
+                  </a:schemeClr>
+                </a:solidFill>
+                <a:latin typeface="メイリオ" panose="020B0604030504040204" pitchFamily="50" charset="-128"/>
+                <a:ea typeface="メイリオ" panose="020B0604030504040204" pitchFamily="50" charset="-128"/>
+              </a:rPr>
+              <a:t>○</a:t>
+            </a:r>
+            <a:endParaRPr kumimoji="1" lang="ja-JP" altLang="en-US" dirty="0">
+              <a:solidFill>
+                <a:schemeClr val="bg1">
+                  <a:lumMod val="50000"/>
+                </a:schemeClr>
+              </a:solidFill>
+              <a:latin typeface="メイリオ" panose="020B0604030504040204" pitchFamily="50" charset="-128"/>
+              <a:ea typeface="メイリオ" panose="020B0604030504040204" pitchFamily="50" charset="-128"/>
+            </a:endParaRPr>
+          </a:p>
+        </p:txBody>
+      </p:sp>
+      <p:sp>
+        <p:nvSpPr>
+          <p:cNvPr id="84" name="テキスト ボックス 83"/>
+          <p:cNvSpPr txBox="1"/>
+          <p:nvPr/>
+        </p:nvSpPr>
+        <p:spPr>
+          <a:xfrm>
+            <a:off x="5401039" y="1581223"/>
+            <a:ext cx="543739" cy="523220"/>
+          </a:xfrm>
+          <a:prstGeom prst="rect">
+            <a:avLst/>
+          </a:prstGeom>
+          <a:noFill/>
+        </p:spPr>
+        <p:txBody>
+          <a:bodyPr wrap="none" rtlCol="0">
+            <a:spAutoFit/>
+          </a:bodyPr>
+          <a:lstStyle/>
+          <a:p>
+            <a:r>
+              <a:rPr kumimoji="1" lang="ja-JP" altLang="en-US" sz="2800" dirty="0" smtClean="0">
+                <a:solidFill>
+                  <a:schemeClr val="bg1">
+                    <a:lumMod val="50000"/>
+                  </a:schemeClr>
+                </a:solidFill>
+                <a:latin typeface="メイリオ" panose="020B0604030504040204" pitchFamily="50" charset="-128"/>
+                <a:ea typeface="メイリオ" panose="020B0604030504040204" pitchFamily="50" charset="-128"/>
+              </a:rPr>
+              <a:t>○</a:t>
+            </a:r>
+            <a:endParaRPr kumimoji="1" lang="ja-JP" altLang="en-US" dirty="0">
+              <a:solidFill>
+                <a:schemeClr val="bg1">
+                  <a:lumMod val="50000"/>
+                </a:schemeClr>
+              </a:solidFill>
+              <a:latin typeface="メイリオ" panose="020B0604030504040204" pitchFamily="50" charset="-128"/>
+              <a:ea typeface="メイリオ" panose="020B0604030504040204" pitchFamily="50" charset="-128"/>
+            </a:endParaRPr>
+          </a:p>
+        </p:txBody>
+      </p:sp>
+      <p:sp>
+        <p:nvSpPr>
+          <p:cNvPr id="85" name="テキスト ボックス 84"/>
+          <p:cNvSpPr txBox="1"/>
+          <p:nvPr/>
+        </p:nvSpPr>
+        <p:spPr>
+          <a:xfrm>
+            <a:off x="6523047" y="1581223"/>
+            <a:ext cx="543739" cy="523220"/>
+          </a:xfrm>
+          <a:prstGeom prst="rect">
+            <a:avLst/>
+          </a:prstGeom>
+          <a:noFill/>
+        </p:spPr>
+        <p:txBody>
+          <a:bodyPr wrap="none" rtlCol="0">
+            <a:spAutoFit/>
+          </a:bodyPr>
+          <a:lstStyle/>
+          <a:p>
+            <a:r>
+              <a:rPr kumimoji="1" lang="ja-JP" altLang="en-US" sz="2800" dirty="0" smtClean="0">
+                <a:solidFill>
+                  <a:schemeClr val="bg1">
+                    <a:lumMod val="50000"/>
+                  </a:schemeClr>
+                </a:solidFill>
+                <a:latin typeface="メイリオ" panose="020B0604030504040204" pitchFamily="50" charset="-128"/>
+                <a:ea typeface="メイリオ" panose="020B0604030504040204" pitchFamily="50" charset="-128"/>
+              </a:rPr>
+              <a:t>○</a:t>
+            </a:r>
+            <a:endParaRPr kumimoji="1" lang="ja-JP" altLang="en-US" dirty="0">
+              <a:solidFill>
+                <a:schemeClr val="bg1">
+                  <a:lumMod val="50000"/>
+                </a:schemeClr>
+              </a:solidFill>
+              <a:latin typeface="メイリオ" panose="020B0604030504040204" pitchFamily="50" charset="-128"/>
+              <a:ea typeface="メイリオ" panose="020B0604030504040204" pitchFamily="50" charset="-128"/>
+            </a:endParaRPr>
+          </a:p>
+        </p:txBody>
+      </p:sp>
+      <p:sp>
+        <p:nvSpPr>
+          <p:cNvPr id="86" name="テキスト ボックス 85"/>
+          <p:cNvSpPr txBox="1"/>
+          <p:nvPr/>
+        </p:nvSpPr>
+        <p:spPr>
+          <a:xfrm>
+            <a:off x="6295747" y="2008289"/>
+            <a:ext cx="543739" cy="523220"/>
+          </a:xfrm>
+          <a:prstGeom prst="rect">
+            <a:avLst/>
+          </a:prstGeom>
+          <a:noFill/>
+        </p:spPr>
+        <p:txBody>
+          <a:bodyPr wrap="none" rtlCol="0">
+            <a:spAutoFit/>
+          </a:bodyPr>
+          <a:lstStyle/>
+          <a:p>
+            <a:r>
+              <a:rPr kumimoji="1" lang="ja-JP" altLang="en-US" sz="2800" dirty="0" smtClean="0">
+                <a:solidFill>
+                  <a:schemeClr val="bg1">
+                    <a:lumMod val="50000"/>
+                  </a:schemeClr>
+                </a:solidFill>
+                <a:latin typeface="メイリオ" panose="020B0604030504040204" pitchFamily="50" charset="-128"/>
+                <a:ea typeface="メイリオ" panose="020B0604030504040204" pitchFamily="50" charset="-128"/>
+              </a:rPr>
+              <a:t>○</a:t>
+            </a:r>
+            <a:endParaRPr kumimoji="1" lang="ja-JP" altLang="en-US" dirty="0">
+              <a:solidFill>
+                <a:schemeClr val="bg1">
+                  <a:lumMod val="50000"/>
+                </a:schemeClr>
+              </a:solidFill>
+              <a:latin typeface="メイリオ" panose="020B0604030504040204" pitchFamily="50" charset="-128"/>
+              <a:ea typeface="メイリオ" panose="020B0604030504040204" pitchFamily="50" charset="-128"/>
+            </a:endParaRPr>
+          </a:p>
+        </p:txBody>
+      </p:sp>
+      <p:sp>
+        <p:nvSpPr>
+          <p:cNvPr id="87" name="テキスト ボックス 86"/>
+          <p:cNvSpPr txBox="1"/>
+          <p:nvPr/>
+        </p:nvSpPr>
+        <p:spPr>
+          <a:xfrm>
+            <a:off x="6720016" y="2224407"/>
+            <a:ext cx="543739" cy="523220"/>
+          </a:xfrm>
+          <a:prstGeom prst="rect">
+            <a:avLst/>
+          </a:prstGeom>
+          <a:noFill/>
+        </p:spPr>
+        <p:txBody>
+          <a:bodyPr wrap="none" rtlCol="0">
+            <a:spAutoFit/>
+          </a:bodyPr>
+          <a:lstStyle/>
+          <a:p>
+            <a:r>
+              <a:rPr kumimoji="1" lang="ja-JP" altLang="en-US" sz="2800" dirty="0" smtClean="0">
+                <a:solidFill>
+                  <a:schemeClr val="bg1">
+                    <a:lumMod val="50000"/>
+                  </a:schemeClr>
+                </a:solidFill>
+                <a:latin typeface="メイリオ" panose="020B0604030504040204" pitchFamily="50" charset="-128"/>
+                <a:ea typeface="メイリオ" panose="020B0604030504040204" pitchFamily="50" charset="-128"/>
+              </a:rPr>
+              <a:t>○</a:t>
+            </a:r>
+            <a:endParaRPr kumimoji="1" lang="ja-JP" altLang="en-US" dirty="0">
+              <a:solidFill>
+                <a:schemeClr val="bg1">
+                  <a:lumMod val="50000"/>
+                </a:schemeClr>
+              </a:solidFill>
+              <a:latin typeface="メイリオ" panose="020B0604030504040204" pitchFamily="50" charset="-128"/>
+              <a:ea typeface="メイリオ" panose="020B0604030504040204" pitchFamily="50" charset="-128"/>
+            </a:endParaRPr>
+          </a:p>
+        </p:txBody>
+      </p:sp>
+      <p:sp>
+        <p:nvSpPr>
+          <p:cNvPr id="88" name="テキスト ボックス 87"/>
+          <p:cNvSpPr txBox="1"/>
+          <p:nvPr/>
+        </p:nvSpPr>
+        <p:spPr>
+          <a:xfrm>
+            <a:off x="7040328" y="1921828"/>
+            <a:ext cx="543739" cy="523220"/>
+          </a:xfrm>
+          <a:prstGeom prst="rect">
+            <a:avLst/>
+          </a:prstGeom>
+          <a:noFill/>
+        </p:spPr>
+        <p:txBody>
+          <a:bodyPr wrap="none" rtlCol="0">
+            <a:spAutoFit/>
+          </a:bodyPr>
+          <a:lstStyle/>
+          <a:p>
+            <a:r>
+              <a:rPr kumimoji="1" lang="ja-JP" altLang="en-US" sz="2800" dirty="0" smtClean="0">
+                <a:solidFill>
+                  <a:schemeClr val="bg1">
+                    <a:lumMod val="50000"/>
+                  </a:schemeClr>
+                </a:solidFill>
+                <a:latin typeface="メイリオ" panose="020B0604030504040204" pitchFamily="50" charset="-128"/>
+                <a:ea typeface="メイリオ" panose="020B0604030504040204" pitchFamily="50" charset="-128"/>
+              </a:rPr>
+              <a:t>○</a:t>
+            </a:r>
+            <a:endParaRPr kumimoji="1" lang="ja-JP" altLang="en-US" dirty="0">
+              <a:solidFill>
+                <a:schemeClr val="bg1">
+                  <a:lumMod val="50000"/>
+                </a:schemeClr>
+              </a:solidFill>
+              <a:latin typeface="メイリオ" panose="020B0604030504040204" pitchFamily="50" charset="-128"/>
+              <a:ea typeface="メイリオ" panose="020B0604030504040204" pitchFamily="50" charset="-128"/>
+            </a:endParaRPr>
+          </a:p>
+        </p:txBody>
+      </p:sp>
+      <p:sp>
+        <p:nvSpPr>
+          <p:cNvPr id="89" name="テキスト ボックス 88"/>
+          <p:cNvSpPr txBox="1"/>
+          <p:nvPr/>
+        </p:nvSpPr>
+        <p:spPr>
+          <a:xfrm>
+            <a:off x="7588436" y="2126567"/>
+            <a:ext cx="543739" cy="523220"/>
+          </a:xfrm>
+          <a:prstGeom prst="rect">
+            <a:avLst/>
+          </a:prstGeom>
+          <a:noFill/>
+        </p:spPr>
+        <p:txBody>
+          <a:bodyPr wrap="none" rtlCol="0">
+            <a:spAutoFit/>
+          </a:bodyPr>
+          <a:lstStyle/>
+          <a:p>
+            <a:r>
+              <a:rPr kumimoji="1" lang="ja-JP" altLang="en-US" sz="2800" dirty="0" smtClean="0">
+                <a:solidFill>
+                  <a:schemeClr val="bg1">
+                    <a:lumMod val="50000"/>
+                  </a:schemeClr>
+                </a:solidFill>
+                <a:latin typeface="メイリオ" panose="020B0604030504040204" pitchFamily="50" charset="-128"/>
+                <a:ea typeface="メイリオ" panose="020B0604030504040204" pitchFamily="50" charset="-128"/>
+              </a:rPr>
+              <a:t>○</a:t>
+            </a:r>
+            <a:endParaRPr kumimoji="1" lang="ja-JP" altLang="en-US" dirty="0">
+              <a:solidFill>
+                <a:schemeClr val="bg1">
+                  <a:lumMod val="50000"/>
+                </a:schemeClr>
+              </a:solidFill>
+              <a:latin typeface="メイリオ" panose="020B0604030504040204" pitchFamily="50" charset="-128"/>
+              <a:ea typeface="メイリオ" panose="020B0604030504040204" pitchFamily="50" charset="-128"/>
+            </a:endParaRPr>
+          </a:p>
+        </p:txBody>
+      </p:sp>
+      <p:cxnSp>
+        <p:nvCxnSpPr>
+          <p:cNvPr id="91" name="直線コネクタ 90"/>
+          <p:cNvCxnSpPr/>
+          <p:nvPr/>
+        </p:nvCxnSpPr>
+        <p:spPr>
+          <a:xfrm>
+            <a:off x="4591771" y="2712720"/>
+            <a:ext cx="0" cy="411480"/>
+          </a:xfrm>
+          <a:prstGeom prst="line">
+            <a:avLst/>
+          </a:prstGeom>
+          <a:ln w="12700">
+            <a:solidFill>
+              <a:schemeClr val="bg1">
+                <a:lumMod val="65000"/>
+              </a:schemeClr>
+            </a:solidFill>
+          </a:ln>
+        </p:spPr>
+        <p:style>
+          <a:lnRef idx="2">
+            <a:schemeClr val="accent1"/>
+          </a:lnRef>
+          <a:fillRef idx="0">
+            <a:schemeClr val="accent1"/>
+          </a:fillRef>
+          <a:effectRef idx="1">
+            <a:schemeClr val="accent1"/>
+          </a:effectRef>
+          <a:fontRef idx="minor">
+            <a:schemeClr val="tx1"/>
+          </a:fontRef>
+        </p:style>
+      </p:cxnSp>
+      <p:cxnSp>
+        <p:nvCxnSpPr>
+          <p:cNvPr id="92" name="直線コネクタ 91"/>
+          <p:cNvCxnSpPr/>
+          <p:nvPr/>
+        </p:nvCxnSpPr>
+        <p:spPr>
+          <a:xfrm>
+            <a:off x="1822866" y="3129561"/>
+            <a:ext cx="5440889" cy="0"/>
+          </a:xfrm>
+          <a:prstGeom prst="line">
+            <a:avLst/>
+          </a:prstGeom>
+          <a:ln w="12700">
+            <a:solidFill>
+              <a:schemeClr val="bg1">
+                <a:lumMod val="50000"/>
+              </a:schemeClr>
+            </a:solidFill>
+          </a:ln>
+          <a:effectLst/>
+        </p:spPr>
+        <p:style>
+          <a:lnRef idx="2">
+            <a:schemeClr val="accent1"/>
+          </a:lnRef>
+          <a:fillRef idx="0">
+            <a:schemeClr val="accent1"/>
+          </a:fillRef>
+          <a:effectRef idx="1">
+            <a:schemeClr val="accent1"/>
+          </a:effectRef>
+          <a:fontRef idx="minor">
+            <a:schemeClr val="tx1"/>
+          </a:fontRef>
+        </p:style>
+      </p:cxnSp>
+      <p:sp>
+        <p:nvSpPr>
+          <p:cNvPr id="100" name="正方形/長方形 99"/>
+          <p:cNvSpPr/>
+          <p:nvPr/>
+        </p:nvSpPr>
+        <p:spPr bwMode="auto">
+          <a:xfrm>
+            <a:off x="2023004" y="4354606"/>
+            <a:ext cx="1403511" cy="1938349"/>
+          </a:xfrm>
+          <a:prstGeom prst="rect">
+            <a:avLst/>
+          </a:prstGeom>
+          <a:solidFill>
+            <a:srgbClr val="FFFFFF"/>
+          </a:solidFill>
+          <a:ln w="25400">
+            <a:solidFill>
+              <a:schemeClr val="bg1">
+                <a:lumMod val="65000"/>
+              </a:schemeClr>
+            </a:solidFill>
+            <a:miter lim="800000"/>
+            <a:headEnd/>
+            <a:tailEnd/>
+          </a:ln>
+          <a:extLst/>
+        </p:spPr>
+        <p:txBody>
+          <a:bodyPr wrap="square" rtlCol="0" anchor="ctr">
+            <a:spAutoFit/>
+          </a:bodyPr>
+          <a:lstStyle/>
+          <a:p>
+            <a:pPr algn="ctr">
+              <a:lnSpc>
+                <a:spcPct val="130000"/>
+              </a:lnSpc>
+            </a:pPr>
+            <a:endParaRPr kumimoji="1" lang="ja-JP" altLang="en-US" sz="2000" b="1" i="0" dirty="0" smtClean="0">
+              <a:solidFill>
+                <a:srgbClr val="C0504D"/>
+              </a:solidFill>
+              <a:latin typeface="メイリオ" charset="0"/>
+              <a:ea typeface="メイリオ" charset="0"/>
+              <a:cs typeface="メイリオ" charset="0"/>
+            </a:endParaRPr>
+          </a:p>
+        </p:txBody>
+      </p:sp>
+      <p:grpSp>
+        <p:nvGrpSpPr>
+          <p:cNvPr id="36" name="グループ化 35"/>
+          <p:cNvGrpSpPr/>
+          <p:nvPr/>
+        </p:nvGrpSpPr>
+        <p:grpSpPr>
+          <a:xfrm>
+            <a:off x="234421" y="3129561"/>
+            <a:ext cx="3084420" cy="3179798"/>
+            <a:chOff x="234421" y="3129561"/>
+            <a:chExt cx="3084420" cy="3179798"/>
+          </a:xfrm>
+        </p:grpSpPr>
+        <p:cxnSp>
+          <p:nvCxnSpPr>
+            <p:cNvPr id="96" name="直線コネクタ 95"/>
+            <p:cNvCxnSpPr/>
+            <p:nvPr/>
+          </p:nvCxnSpPr>
+          <p:spPr>
+            <a:xfrm>
+              <a:off x="899160" y="3895417"/>
+              <a:ext cx="1798519" cy="0"/>
+            </a:xfrm>
+            <a:prstGeom prst="line">
+              <a:avLst/>
+            </a:prstGeom>
+            <a:ln w="12700">
+              <a:solidFill>
+                <a:schemeClr val="bg1">
+                  <a:lumMod val="50000"/>
+                </a:schemeClr>
+              </a:solidFill>
+            </a:ln>
+            <a:effectLst/>
+          </p:spPr>
+          <p:style>
+            <a:lnRef idx="2">
+              <a:schemeClr val="accent1"/>
+            </a:lnRef>
+            <a:fillRef idx="0">
+              <a:schemeClr val="accent1"/>
+            </a:fillRef>
+            <a:effectRef idx="1">
+              <a:schemeClr val="accent1"/>
+            </a:effectRef>
+            <a:fontRef idx="minor">
+              <a:schemeClr val="tx1"/>
+            </a:fontRef>
+          </p:style>
+        </p:cxnSp>
+        <p:cxnSp>
+          <p:nvCxnSpPr>
+            <p:cNvPr id="93" name="直線コネクタ 92"/>
+            <p:cNvCxnSpPr/>
+            <p:nvPr/>
+          </p:nvCxnSpPr>
+          <p:spPr>
+            <a:xfrm>
+              <a:off x="1806338" y="3129561"/>
+              <a:ext cx="0" cy="638072"/>
+            </a:xfrm>
+            <a:prstGeom prst="line">
+              <a:avLst/>
+            </a:prstGeom>
+            <a:ln w="12700">
+              <a:solidFill>
+                <a:schemeClr val="bg1">
+                  <a:lumMod val="65000"/>
+                </a:schemeClr>
+              </a:solidFill>
+            </a:ln>
+          </p:spPr>
+          <p:style>
+            <a:lnRef idx="2">
+              <a:schemeClr val="accent1"/>
+            </a:lnRef>
+            <a:fillRef idx="0">
+              <a:schemeClr val="accent1"/>
+            </a:fillRef>
+            <a:effectRef idx="1">
+              <a:schemeClr val="accent1"/>
+            </a:effectRef>
+            <a:fontRef idx="minor">
+              <a:schemeClr val="tx1"/>
+            </a:fontRef>
+          </p:style>
+        </p:cxnSp>
+        <p:sp>
+          <p:nvSpPr>
+            <p:cNvPr id="94" name="円/楕円 93"/>
+            <p:cNvSpPr/>
+            <p:nvPr/>
+          </p:nvSpPr>
+          <p:spPr bwMode="auto">
+            <a:xfrm>
+              <a:off x="1697261" y="3767633"/>
+              <a:ext cx="251210" cy="251210"/>
+            </a:xfrm>
+            <a:prstGeom prst="ellipse">
+              <a:avLst/>
+            </a:prstGeom>
+            <a:solidFill>
+              <a:schemeClr val="accent2">
+                <a:lumMod val="20000"/>
+                <a:lumOff val="80000"/>
+              </a:schemeClr>
+            </a:solidFill>
+            <a:ln>
+              <a:noFill/>
+            </a:ln>
+            <a:extLst/>
+          </p:spPr>
+          <p:txBody>
+            <a:bodyPr wrap="square" rtlCol="0" anchor="ctr">
+              <a:spAutoFit/>
+            </a:bodyPr>
+            <a:lstStyle/>
+            <a:p>
+              <a:pPr algn="ctr">
+                <a:lnSpc>
+                  <a:spcPct val="130000"/>
+                </a:lnSpc>
+              </a:pPr>
+              <a:endParaRPr kumimoji="1" lang="ja-JP" altLang="en-US" sz="2000" b="1" i="0" dirty="0" smtClean="0">
+                <a:solidFill>
+                  <a:srgbClr val="C0504D"/>
+                </a:solidFill>
+                <a:latin typeface="メイリオ" charset="0"/>
+                <a:ea typeface="メイリオ" charset="0"/>
+                <a:cs typeface="メイリオ" charset="0"/>
+              </a:endParaRPr>
+            </a:p>
+          </p:txBody>
+        </p:sp>
+        <p:sp>
+          <p:nvSpPr>
+            <p:cNvPr id="95" name="テキスト ボックス 94"/>
+            <p:cNvSpPr txBox="1"/>
+            <p:nvPr/>
+          </p:nvSpPr>
+          <p:spPr>
+            <a:xfrm>
+              <a:off x="1984070" y="3448597"/>
+              <a:ext cx="1029449" cy="338554"/>
+            </a:xfrm>
+            <a:prstGeom prst="rect">
+              <a:avLst/>
+            </a:prstGeom>
+            <a:noFill/>
+          </p:spPr>
+          <p:txBody>
+            <a:bodyPr wrap="none" rtlCol="0">
+              <a:spAutoFit/>
+            </a:bodyPr>
+            <a:lstStyle/>
+            <a:p>
+              <a:r>
+                <a:rPr lang="ja-JP" altLang="en-US" sz="1600" dirty="0" smtClean="0">
+                  <a:latin typeface="メイリオ" panose="020B0604030504040204" pitchFamily="50" charset="-128"/>
+                  <a:ea typeface="メイリオ" panose="020B0604030504040204" pitchFamily="50" charset="-128"/>
+                </a:rPr>
+                <a:t>階数 </a:t>
+              </a:r>
+              <a:r>
+                <a:rPr lang="en-US" altLang="ja-JP" sz="1600" dirty="0" smtClean="0">
+                  <a:latin typeface="メイリオ" panose="020B0604030504040204" pitchFamily="50" charset="-128"/>
+                  <a:ea typeface="メイリオ" panose="020B0604030504040204" pitchFamily="50" charset="-128"/>
+                </a:rPr>
+                <a:t>&gt; 7</a:t>
+              </a:r>
+              <a:endParaRPr kumimoji="1" lang="ja-JP" altLang="en-US" sz="1600" dirty="0">
+                <a:latin typeface="メイリオ" panose="020B0604030504040204" pitchFamily="50" charset="-128"/>
+                <a:ea typeface="メイリオ" panose="020B0604030504040204" pitchFamily="50" charset="-128"/>
+              </a:endParaRPr>
+            </a:p>
+          </p:txBody>
+        </p:sp>
+        <p:cxnSp>
+          <p:nvCxnSpPr>
+            <p:cNvPr id="97" name="直線コネクタ 96"/>
+            <p:cNvCxnSpPr/>
+            <p:nvPr/>
+          </p:nvCxnSpPr>
+          <p:spPr>
+            <a:xfrm>
+              <a:off x="899160" y="3895417"/>
+              <a:ext cx="0" cy="411480"/>
+            </a:xfrm>
+            <a:prstGeom prst="line">
+              <a:avLst/>
+            </a:prstGeom>
+            <a:ln w="12700">
+              <a:solidFill>
+                <a:schemeClr val="bg1">
+                  <a:lumMod val="65000"/>
+                </a:schemeClr>
+              </a:solidFill>
+            </a:ln>
+          </p:spPr>
+          <p:style>
+            <a:lnRef idx="2">
+              <a:schemeClr val="accent1"/>
+            </a:lnRef>
+            <a:fillRef idx="0">
+              <a:schemeClr val="accent1"/>
+            </a:fillRef>
+            <a:effectRef idx="1">
+              <a:schemeClr val="accent1"/>
+            </a:effectRef>
+            <a:fontRef idx="minor">
+              <a:schemeClr val="tx1"/>
+            </a:fontRef>
+          </p:style>
+        </p:cxnSp>
+        <p:cxnSp>
+          <p:nvCxnSpPr>
+            <p:cNvPr id="98" name="直線コネクタ 97"/>
+            <p:cNvCxnSpPr/>
+            <p:nvPr/>
+          </p:nvCxnSpPr>
+          <p:spPr>
+            <a:xfrm>
+              <a:off x="2702210" y="3895417"/>
+              <a:ext cx="0" cy="411480"/>
+            </a:xfrm>
+            <a:prstGeom prst="line">
+              <a:avLst/>
+            </a:prstGeom>
+            <a:ln w="12700">
+              <a:solidFill>
+                <a:schemeClr val="bg1">
+                  <a:lumMod val="65000"/>
+                </a:schemeClr>
+              </a:solidFill>
+            </a:ln>
+          </p:spPr>
+          <p:style>
+            <a:lnRef idx="2">
+              <a:schemeClr val="accent1"/>
+            </a:lnRef>
+            <a:fillRef idx="0">
+              <a:schemeClr val="accent1"/>
+            </a:fillRef>
+            <a:effectRef idx="1">
+              <a:schemeClr val="accent1"/>
+            </a:effectRef>
+            <a:fontRef idx="minor">
+              <a:schemeClr val="tx1"/>
+            </a:fontRef>
+          </p:style>
+        </p:cxnSp>
+        <p:sp>
+          <p:nvSpPr>
+            <p:cNvPr id="99" name="正方形/長方形 98"/>
+            <p:cNvSpPr/>
+            <p:nvPr/>
+          </p:nvSpPr>
+          <p:spPr bwMode="auto">
+            <a:xfrm>
+              <a:off x="234421" y="4371010"/>
+              <a:ext cx="1403511" cy="1938349"/>
+            </a:xfrm>
+            <a:prstGeom prst="rect">
+              <a:avLst/>
+            </a:prstGeom>
+            <a:solidFill>
+              <a:srgbClr val="FFFFFF"/>
+            </a:solidFill>
+            <a:ln w="25400">
+              <a:solidFill>
+                <a:schemeClr val="bg1">
+                  <a:lumMod val="65000"/>
+                </a:schemeClr>
+              </a:solidFill>
+              <a:miter lim="800000"/>
+              <a:headEnd/>
+              <a:tailEnd/>
+            </a:ln>
+            <a:extLst/>
+          </p:spPr>
+          <p:txBody>
+            <a:bodyPr wrap="square" rtlCol="0" anchor="ctr">
+              <a:spAutoFit/>
+            </a:bodyPr>
+            <a:lstStyle/>
+            <a:p>
+              <a:pPr algn="ctr">
+                <a:lnSpc>
+                  <a:spcPct val="130000"/>
+                </a:lnSpc>
+              </a:pPr>
+              <a:endParaRPr kumimoji="1" lang="ja-JP" altLang="en-US" sz="2000" b="1" i="0" dirty="0" smtClean="0">
+                <a:solidFill>
+                  <a:srgbClr val="C0504D"/>
+                </a:solidFill>
+                <a:latin typeface="メイリオ" charset="0"/>
+                <a:ea typeface="メイリオ" charset="0"/>
+                <a:cs typeface="メイリオ" charset="0"/>
+              </a:endParaRPr>
+            </a:p>
+          </p:txBody>
+        </p:sp>
+        <p:sp>
+          <p:nvSpPr>
+            <p:cNvPr id="101" name="テキスト ボックス 100"/>
+            <p:cNvSpPr txBox="1"/>
+            <p:nvPr/>
+          </p:nvSpPr>
+          <p:spPr>
+            <a:xfrm>
+              <a:off x="340354" y="5077596"/>
+              <a:ext cx="473206" cy="523220"/>
+            </a:xfrm>
+            <a:prstGeom prst="rect">
+              <a:avLst/>
+            </a:prstGeom>
+            <a:noFill/>
+          </p:spPr>
+          <p:txBody>
+            <a:bodyPr wrap="none" rtlCol="0">
+              <a:spAutoFit/>
+            </a:bodyPr>
+            <a:lstStyle/>
+            <a:p>
+              <a:r>
+                <a:rPr kumimoji="1" lang="en-US" altLang="ja-JP" sz="2800" dirty="0" smtClean="0">
+                  <a:solidFill>
+                    <a:srgbClr val="A82831"/>
+                  </a:solidFill>
+                  <a:latin typeface="メイリオ" panose="020B0604030504040204" pitchFamily="50" charset="-128"/>
+                  <a:ea typeface="メイリオ" panose="020B0604030504040204" pitchFamily="50" charset="-128"/>
+                </a:rPr>
+                <a:t>×</a:t>
+              </a:r>
+              <a:endParaRPr kumimoji="1" lang="ja-JP" altLang="en-US" dirty="0">
+                <a:solidFill>
+                  <a:srgbClr val="A82831"/>
+                </a:solidFill>
+                <a:latin typeface="メイリオ" panose="020B0604030504040204" pitchFamily="50" charset="-128"/>
+                <a:ea typeface="メイリオ" panose="020B0604030504040204" pitchFamily="50" charset="-128"/>
+              </a:endParaRPr>
+            </a:p>
+          </p:txBody>
+        </p:sp>
+        <p:sp>
+          <p:nvSpPr>
+            <p:cNvPr id="102" name="テキスト ボックス 101"/>
+            <p:cNvSpPr txBox="1"/>
+            <p:nvPr/>
+          </p:nvSpPr>
+          <p:spPr>
+            <a:xfrm>
+              <a:off x="425954" y="5658055"/>
+              <a:ext cx="473206" cy="523220"/>
+            </a:xfrm>
+            <a:prstGeom prst="rect">
+              <a:avLst/>
+            </a:prstGeom>
+            <a:noFill/>
+          </p:spPr>
+          <p:txBody>
+            <a:bodyPr wrap="none" rtlCol="0">
+              <a:spAutoFit/>
+            </a:bodyPr>
+            <a:lstStyle/>
+            <a:p>
+              <a:r>
+                <a:rPr kumimoji="1" lang="en-US" altLang="ja-JP" sz="2800" dirty="0" smtClean="0">
+                  <a:solidFill>
+                    <a:srgbClr val="A82831"/>
+                  </a:solidFill>
+                  <a:latin typeface="メイリオ" panose="020B0604030504040204" pitchFamily="50" charset="-128"/>
+                  <a:ea typeface="メイリオ" panose="020B0604030504040204" pitchFamily="50" charset="-128"/>
+                </a:rPr>
+                <a:t>×</a:t>
+              </a:r>
+              <a:endParaRPr kumimoji="1" lang="ja-JP" altLang="en-US" dirty="0">
+                <a:solidFill>
+                  <a:srgbClr val="A82831"/>
+                </a:solidFill>
+                <a:latin typeface="メイリオ" panose="020B0604030504040204" pitchFamily="50" charset="-128"/>
+                <a:ea typeface="メイリオ" panose="020B0604030504040204" pitchFamily="50" charset="-128"/>
+              </a:endParaRPr>
+            </a:p>
+          </p:txBody>
+        </p:sp>
+        <p:sp>
+          <p:nvSpPr>
+            <p:cNvPr id="103" name="テキスト ボックス 102"/>
+            <p:cNvSpPr txBox="1"/>
+            <p:nvPr/>
+          </p:nvSpPr>
+          <p:spPr>
+            <a:xfrm>
+              <a:off x="1001396" y="5525872"/>
+              <a:ext cx="473206" cy="523220"/>
+            </a:xfrm>
+            <a:prstGeom prst="rect">
+              <a:avLst/>
+            </a:prstGeom>
+            <a:noFill/>
+          </p:spPr>
+          <p:txBody>
+            <a:bodyPr wrap="none" rtlCol="0">
+              <a:spAutoFit/>
+            </a:bodyPr>
+            <a:lstStyle/>
+            <a:p>
+              <a:r>
+                <a:rPr kumimoji="1" lang="en-US" altLang="ja-JP" sz="2800" dirty="0" smtClean="0">
+                  <a:solidFill>
+                    <a:srgbClr val="A82831"/>
+                  </a:solidFill>
+                  <a:latin typeface="メイリオ" panose="020B0604030504040204" pitchFamily="50" charset="-128"/>
+                  <a:ea typeface="メイリオ" panose="020B0604030504040204" pitchFamily="50" charset="-128"/>
+                </a:rPr>
+                <a:t>×</a:t>
+              </a:r>
+              <a:endParaRPr kumimoji="1" lang="ja-JP" altLang="en-US" dirty="0">
+                <a:solidFill>
+                  <a:srgbClr val="A82831"/>
+                </a:solidFill>
+                <a:latin typeface="メイリオ" panose="020B0604030504040204" pitchFamily="50" charset="-128"/>
+                <a:ea typeface="メイリオ" panose="020B0604030504040204" pitchFamily="50" charset="-128"/>
+              </a:endParaRPr>
+            </a:p>
+          </p:txBody>
+        </p:sp>
+        <p:sp>
+          <p:nvSpPr>
+            <p:cNvPr id="104" name="テキスト ボックス 103"/>
+            <p:cNvSpPr txBox="1"/>
+            <p:nvPr/>
+          </p:nvSpPr>
+          <p:spPr>
+            <a:xfrm>
+              <a:off x="795627" y="4662883"/>
+              <a:ext cx="543739" cy="523220"/>
+            </a:xfrm>
+            <a:prstGeom prst="rect">
+              <a:avLst/>
+            </a:prstGeom>
+            <a:noFill/>
+          </p:spPr>
+          <p:txBody>
+            <a:bodyPr wrap="none" rtlCol="0">
+              <a:spAutoFit/>
+            </a:bodyPr>
+            <a:lstStyle/>
+            <a:p>
+              <a:r>
+                <a:rPr kumimoji="1" lang="ja-JP" altLang="en-US" sz="2800" dirty="0" smtClean="0">
+                  <a:solidFill>
+                    <a:schemeClr val="bg1">
+                      <a:lumMod val="50000"/>
+                    </a:schemeClr>
+                  </a:solidFill>
+                  <a:latin typeface="メイリオ" panose="020B0604030504040204" pitchFamily="50" charset="-128"/>
+                  <a:ea typeface="メイリオ" panose="020B0604030504040204" pitchFamily="50" charset="-128"/>
+                </a:rPr>
+                <a:t>○</a:t>
+              </a:r>
+              <a:endParaRPr kumimoji="1" lang="ja-JP" altLang="en-US" dirty="0">
+                <a:solidFill>
+                  <a:schemeClr val="bg1">
+                    <a:lumMod val="50000"/>
+                  </a:schemeClr>
+                </a:solidFill>
+                <a:latin typeface="メイリオ" panose="020B0604030504040204" pitchFamily="50" charset="-128"/>
+                <a:ea typeface="メイリオ" panose="020B0604030504040204" pitchFamily="50" charset="-128"/>
+              </a:endParaRPr>
+            </a:p>
+          </p:txBody>
+        </p:sp>
+        <p:sp>
+          <p:nvSpPr>
+            <p:cNvPr id="105" name="テキスト ボックス 104"/>
+            <p:cNvSpPr txBox="1"/>
+            <p:nvPr/>
+          </p:nvSpPr>
+          <p:spPr>
+            <a:xfrm>
+              <a:off x="915796" y="5000347"/>
+              <a:ext cx="543739" cy="523220"/>
+            </a:xfrm>
+            <a:prstGeom prst="rect">
+              <a:avLst/>
+            </a:prstGeom>
+            <a:noFill/>
+          </p:spPr>
+          <p:txBody>
+            <a:bodyPr wrap="none" rtlCol="0">
+              <a:spAutoFit/>
+            </a:bodyPr>
+            <a:lstStyle/>
+            <a:p>
+              <a:r>
+                <a:rPr kumimoji="1" lang="ja-JP" altLang="en-US" sz="2800" dirty="0" smtClean="0">
+                  <a:solidFill>
+                    <a:schemeClr val="bg1">
+                      <a:lumMod val="50000"/>
+                    </a:schemeClr>
+                  </a:solidFill>
+                  <a:latin typeface="メイリオ" panose="020B0604030504040204" pitchFamily="50" charset="-128"/>
+                  <a:ea typeface="メイリオ" panose="020B0604030504040204" pitchFamily="50" charset="-128"/>
+                </a:rPr>
+                <a:t>○</a:t>
+              </a:r>
+              <a:endParaRPr kumimoji="1" lang="ja-JP" altLang="en-US" dirty="0">
+                <a:solidFill>
+                  <a:schemeClr val="bg1">
+                    <a:lumMod val="50000"/>
+                  </a:schemeClr>
+                </a:solidFill>
+                <a:latin typeface="メイリオ" panose="020B0604030504040204" pitchFamily="50" charset="-128"/>
+                <a:ea typeface="メイリオ" panose="020B0604030504040204" pitchFamily="50" charset="-128"/>
+              </a:endParaRPr>
+            </a:p>
+          </p:txBody>
+        </p:sp>
+        <p:sp>
+          <p:nvSpPr>
+            <p:cNvPr id="106" name="テキスト ボックス 105"/>
+            <p:cNvSpPr txBox="1"/>
+            <p:nvPr/>
+          </p:nvSpPr>
+          <p:spPr>
+            <a:xfrm>
+              <a:off x="2121408" y="5063966"/>
+              <a:ext cx="543739" cy="523220"/>
+            </a:xfrm>
+            <a:prstGeom prst="rect">
+              <a:avLst/>
+            </a:prstGeom>
+            <a:noFill/>
+          </p:spPr>
+          <p:txBody>
+            <a:bodyPr wrap="none" rtlCol="0">
+              <a:spAutoFit/>
+            </a:bodyPr>
+            <a:lstStyle/>
+            <a:p>
+              <a:r>
+                <a:rPr kumimoji="1" lang="ja-JP" altLang="en-US" sz="2800" dirty="0" smtClean="0">
+                  <a:solidFill>
+                    <a:schemeClr val="bg1">
+                      <a:lumMod val="50000"/>
+                    </a:schemeClr>
+                  </a:solidFill>
+                  <a:latin typeface="メイリオ" panose="020B0604030504040204" pitchFamily="50" charset="-128"/>
+                  <a:ea typeface="メイリオ" panose="020B0604030504040204" pitchFamily="50" charset="-128"/>
+                </a:rPr>
+                <a:t>○</a:t>
+              </a:r>
+              <a:endParaRPr kumimoji="1" lang="ja-JP" altLang="en-US" dirty="0">
+                <a:solidFill>
+                  <a:schemeClr val="bg1">
+                    <a:lumMod val="50000"/>
+                  </a:schemeClr>
+                </a:solidFill>
+                <a:latin typeface="メイリオ" panose="020B0604030504040204" pitchFamily="50" charset="-128"/>
+                <a:ea typeface="メイリオ" panose="020B0604030504040204" pitchFamily="50" charset="-128"/>
+              </a:endParaRPr>
+            </a:p>
+          </p:txBody>
+        </p:sp>
+        <p:sp>
+          <p:nvSpPr>
+            <p:cNvPr id="107" name="テキスト ボックス 106"/>
+            <p:cNvSpPr txBox="1"/>
+            <p:nvPr/>
+          </p:nvSpPr>
+          <p:spPr>
+            <a:xfrm>
+              <a:off x="2241577" y="5401430"/>
+              <a:ext cx="543739" cy="523220"/>
+            </a:xfrm>
+            <a:prstGeom prst="rect">
+              <a:avLst/>
+            </a:prstGeom>
+            <a:noFill/>
+          </p:spPr>
+          <p:txBody>
+            <a:bodyPr wrap="none" rtlCol="0">
+              <a:spAutoFit/>
+            </a:bodyPr>
+            <a:lstStyle/>
+            <a:p>
+              <a:r>
+                <a:rPr kumimoji="1" lang="ja-JP" altLang="en-US" sz="2800" dirty="0" smtClean="0">
+                  <a:solidFill>
+                    <a:schemeClr val="bg1">
+                      <a:lumMod val="50000"/>
+                    </a:schemeClr>
+                  </a:solidFill>
+                  <a:latin typeface="メイリオ" panose="020B0604030504040204" pitchFamily="50" charset="-128"/>
+                  <a:ea typeface="メイリオ" panose="020B0604030504040204" pitchFamily="50" charset="-128"/>
+                </a:rPr>
+                <a:t>○</a:t>
+              </a:r>
+              <a:endParaRPr kumimoji="1" lang="ja-JP" altLang="en-US" dirty="0">
+                <a:solidFill>
+                  <a:schemeClr val="bg1">
+                    <a:lumMod val="50000"/>
+                  </a:schemeClr>
+                </a:solidFill>
+                <a:latin typeface="メイリオ" panose="020B0604030504040204" pitchFamily="50" charset="-128"/>
+                <a:ea typeface="メイリオ" panose="020B0604030504040204" pitchFamily="50" charset="-128"/>
+              </a:endParaRPr>
+            </a:p>
+          </p:txBody>
+        </p:sp>
+        <p:sp>
+          <p:nvSpPr>
+            <p:cNvPr id="108" name="テキスト ボックス 107"/>
+            <p:cNvSpPr txBox="1"/>
+            <p:nvPr/>
+          </p:nvSpPr>
+          <p:spPr>
+            <a:xfrm>
+              <a:off x="2742899" y="5584023"/>
+              <a:ext cx="543739" cy="523220"/>
+            </a:xfrm>
+            <a:prstGeom prst="rect">
+              <a:avLst/>
+            </a:prstGeom>
+            <a:noFill/>
+          </p:spPr>
+          <p:txBody>
+            <a:bodyPr wrap="none" rtlCol="0">
+              <a:spAutoFit/>
+            </a:bodyPr>
+            <a:lstStyle/>
+            <a:p>
+              <a:r>
+                <a:rPr kumimoji="1" lang="ja-JP" altLang="en-US" sz="2800" dirty="0" smtClean="0">
+                  <a:solidFill>
+                    <a:schemeClr val="bg1">
+                      <a:lumMod val="50000"/>
+                    </a:schemeClr>
+                  </a:solidFill>
+                  <a:latin typeface="メイリオ" panose="020B0604030504040204" pitchFamily="50" charset="-128"/>
+                  <a:ea typeface="メイリオ" panose="020B0604030504040204" pitchFamily="50" charset="-128"/>
+                </a:rPr>
+                <a:t>○</a:t>
+              </a:r>
+              <a:endParaRPr kumimoji="1" lang="ja-JP" altLang="en-US" dirty="0">
+                <a:solidFill>
+                  <a:schemeClr val="bg1">
+                    <a:lumMod val="50000"/>
+                  </a:schemeClr>
+                </a:solidFill>
+                <a:latin typeface="メイリオ" panose="020B0604030504040204" pitchFamily="50" charset="-128"/>
+                <a:ea typeface="メイリオ" panose="020B0604030504040204" pitchFamily="50" charset="-128"/>
+              </a:endParaRPr>
+            </a:p>
+          </p:txBody>
+        </p:sp>
+        <p:sp>
+          <p:nvSpPr>
+            <p:cNvPr id="109" name="テキスト ボックス 108"/>
+            <p:cNvSpPr txBox="1"/>
+            <p:nvPr/>
+          </p:nvSpPr>
+          <p:spPr>
+            <a:xfrm>
+              <a:off x="2270193" y="4630683"/>
+              <a:ext cx="473206" cy="523220"/>
+            </a:xfrm>
+            <a:prstGeom prst="rect">
+              <a:avLst/>
+            </a:prstGeom>
+            <a:noFill/>
+          </p:spPr>
+          <p:txBody>
+            <a:bodyPr wrap="none" rtlCol="0">
+              <a:spAutoFit/>
+            </a:bodyPr>
+            <a:lstStyle/>
+            <a:p>
+              <a:r>
+                <a:rPr kumimoji="1" lang="en-US" altLang="ja-JP" sz="2800" dirty="0" smtClean="0">
+                  <a:solidFill>
+                    <a:srgbClr val="A82831"/>
+                  </a:solidFill>
+                  <a:latin typeface="メイリオ" panose="020B0604030504040204" pitchFamily="50" charset="-128"/>
+                  <a:ea typeface="メイリオ" panose="020B0604030504040204" pitchFamily="50" charset="-128"/>
+                </a:rPr>
+                <a:t>×</a:t>
+              </a:r>
+              <a:endParaRPr kumimoji="1" lang="ja-JP" altLang="en-US" dirty="0">
+                <a:solidFill>
+                  <a:srgbClr val="A82831"/>
+                </a:solidFill>
+                <a:latin typeface="メイリオ" panose="020B0604030504040204" pitchFamily="50" charset="-128"/>
+                <a:ea typeface="メイリオ" panose="020B0604030504040204" pitchFamily="50" charset="-128"/>
+              </a:endParaRPr>
+            </a:p>
+          </p:txBody>
+        </p:sp>
+        <p:sp>
+          <p:nvSpPr>
+            <p:cNvPr id="110" name="テキスト ボックス 109"/>
+            <p:cNvSpPr txBox="1"/>
+            <p:nvPr/>
+          </p:nvSpPr>
+          <p:spPr>
+            <a:xfrm>
+              <a:off x="2845635" y="4498500"/>
+              <a:ext cx="473206" cy="523220"/>
+            </a:xfrm>
+            <a:prstGeom prst="rect">
+              <a:avLst/>
+            </a:prstGeom>
+            <a:noFill/>
+          </p:spPr>
+          <p:txBody>
+            <a:bodyPr wrap="none" rtlCol="0">
+              <a:spAutoFit/>
+            </a:bodyPr>
+            <a:lstStyle/>
+            <a:p>
+              <a:r>
+                <a:rPr kumimoji="1" lang="en-US" altLang="ja-JP" sz="2800" dirty="0" smtClean="0">
+                  <a:solidFill>
+                    <a:srgbClr val="A82831"/>
+                  </a:solidFill>
+                  <a:latin typeface="メイリオ" panose="020B0604030504040204" pitchFamily="50" charset="-128"/>
+                  <a:ea typeface="メイリオ" panose="020B0604030504040204" pitchFamily="50" charset="-128"/>
+                </a:rPr>
+                <a:t>×</a:t>
+              </a:r>
+              <a:endParaRPr kumimoji="1" lang="ja-JP" altLang="en-US" dirty="0">
+                <a:solidFill>
+                  <a:srgbClr val="A82831"/>
+                </a:solidFill>
+                <a:latin typeface="メイリオ" panose="020B0604030504040204" pitchFamily="50" charset="-128"/>
+                <a:ea typeface="メイリオ" panose="020B0604030504040204" pitchFamily="50" charset="-128"/>
+              </a:endParaRPr>
+            </a:p>
+          </p:txBody>
+        </p:sp>
+      </p:grpSp>
+      <p:grpSp>
+        <p:nvGrpSpPr>
+          <p:cNvPr id="111" name="グループ化 110"/>
+          <p:cNvGrpSpPr/>
+          <p:nvPr/>
+        </p:nvGrpSpPr>
+        <p:grpSpPr>
+          <a:xfrm>
+            <a:off x="5672341" y="3129561"/>
+            <a:ext cx="3102420" cy="3179798"/>
+            <a:chOff x="216421" y="3129561"/>
+            <a:chExt cx="3102420" cy="3179798"/>
+          </a:xfrm>
+        </p:grpSpPr>
+        <p:cxnSp>
+          <p:nvCxnSpPr>
+            <p:cNvPr id="112" name="直線コネクタ 111"/>
+            <p:cNvCxnSpPr/>
+            <p:nvPr/>
+          </p:nvCxnSpPr>
+          <p:spPr>
+            <a:xfrm>
+              <a:off x="899160" y="3895417"/>
+              <a:ext cx="1798519" cy="0"/>
+            </a:xfrm>
+            <a:prstGeom prst="line">
+              <a:avLst/>
+            </a:prstGeom>
+            <a:ln w="12700">
+              <a:solidFill>
+                <a:schemeClr val="bg1">
+                  <a:lumMod val="50000"/>
+                </a:schemeClr>
+              </a:solidFill>
+            </a:ln>
+            <a:effectLst/>
+          </p:spPr>
+          <p:style>
+            <a:lnRef idx="2">
+              <a:schemeClr val="accent1"/>
+            </a:lnRef>
+            <a:fillRef idx="0">
+              <a:schemeClr val="accent1"/>
+            </a:fillRef>
+            <a:effectRef idx="1">
+              <a:schemeClr val="accent1"/>
+            </a:effectRef>
+            <a:fontRef idx="minor">
+              <a:schemeClr val="tx1"/>
+            </a:fontRef>
+          </p:style>
+        </p:cxnSp>
+        <p:cxnSp>
+          <p:nvCxnSpPr>
+            <p:cNvPr id="113" name="直線コネクタ 112"/>
+            <p:cNvCxnSpPr/>
+            <p:nvPr/>
+          </p:nvCxnSpPr>
+          <p:spPr>
+            <a:xfrm>
+              <a:off x="1806338" y="3129561"/>
+              <a:ext cx="0" cy="638072"/>
+            </a:xfrm>
+            <a:prstGeom prst="line">
+              <a:avLst/>
+            </a:prstGeom>
+            <a:ln w="12700">
+              <a:solidFill>
+                <a:schemeClr val="bg1">
+                  <a:lumMod val="65000"/>
+                </a:schemeClr>
+              </a:solidFill>
+            </a:ln>
+          </p:spPr>
+          <p:style>
+            <a:lnRef idx="2">
+              <a:schemeClr val="accent1"/>
+            </a:lnRef>
+            <a:fillRef idx="0">
+              <a:schemeClr val="accent1"/>
+            </a:fillRef>
+            <a:effectRef idx="1">
+              <a:schemeClr val="accent1"/>
+            </a:effectRef>
+            <a:fontRef idx="minor">
+              <a:schemeClr val="tx1"/>
+            </a:fontRef>
+          </p:style>
+        </p:cxnSp>
+        <p:sp>
+          <p:nvSpPr>
+            <p:cNvPr id="114" name="円/楕円 113"/>
+            <p:cNvSpPr/>
+            <p:nvPr/>
+          </p:nvSpPr>
+          <p:spPr bwMode="auto">
+            <a:xfrm>
+              <a:off x="1697261" y="3767633"/>
+              <a:ext cx="251210" cy="251210"/>
+            </a:xfrm>
+            <a:prstGeom prst="ellipse">
+              <a:avLst/>
+            </a:prstGeom>
+            <a:solidFill>
+              <a:schemeClr val="accent2">
+                <a:lumMod val="20000"/>
+                <a:lumOff val="80000"/>
+              </a:schemeClr>
+            </a:solidFill>
+            <a:ln>
+              <a:noFill/>
+            </a:ln>
+            <a:extLst/>
+          </p:spPr>
+          <p:txBody>
+            <a:bodyPr wrap="square" rtlCol="0" anchor="ctr">
+              <a:spAutoFit/>
+            </a:bodyPr>
+            <a:lstStyle/>
+            <a:p>
+              <a:pPr algn="ctr">
+                <a:lnSpc>
+                  <a:spcPct val="130000"/>
+                </a:lnSpc>
+              </a:pPr>
+              <a:endParaRPr kumimoji="1" lang="ja-JP" altLang="en-US" sz="2000" b="1" i="0" dirty="0" smtClean="0">
+                <a:solidFill>
+                  <a:srgbClr val="C0504D"/>
+                </a:solidFill>
+                <a:latin typeface="メイリオ" charset="0"/>
+                <a:ea typeface="メイリオ" charset="0"/>
+                <a:cs typeface="メイリオ" charset="0"/>
+              </a:endParaRPr>
+            </a:p>
+          </p:txBody>
+        </p:sp>
+        <p:sp>
+          <p:nvSpPr>
+            <p:cNvPr id="115" name="テキスト ボックス 114"/>
+            <p:cNvSpPr txBox="1"/>
+            <p:nvPr/>
+          </p:nvSpPr>
+          <p:spPr>
+            <a:xfrm>
+              <a:off x="1984070" y="3448597"/>
+              <a:ext cx="1157689" cy="338554"/>
+            </a:xfrm>
+            <a:prstGeom prst="rect">
+              <a:avLst/>
+            </a:prstGeom>
+            <a:noFill/>
+          </p:spPr>
+          <p:txBody>
+            <a:bodyPr wrap="none" rtlCol="0">
+              <a:spAutoFit/>
+            </a:bodyPr>
+            <a:lstStyle/>
+            <a:p>
+              <a:r>
+                <a:rPr lang="ja-JP" altLang="en-US" sz="1600" dirty="0">
+                  <a:latin typeface="メイリオ" panose="020B0604030504040204" pitchFamily="50" charset="-128"/>
+                  <a:ea typeface="メイリオ" panose="020B0604030504040204" pitchFamily="50" charset="-128"/>
+                </a:rPr>
+                <a:t>面積</a:t>
+              </a:r>
+              <a:r>
+                <a:rPr lang="ja-JP" altLang="en-US" sz="1600" dirty="0" smtClean="0">
+                  <a:latin typeface="メイリオ" panose="020B0604030504040204" pitchFamily="50" charset="-128"/>
+                  <a:ea typeface="メイリオ" panose="020B0604030504040204" pitchFamily="50" charset="-128"/>
+                </a:rPr>
+                <a:t> </a:t>
+              </a:r>
+              <a:r>
+                <a:rPr lang="en-US" altLang="ja-JP" sz="1600" dirty="0" smtClean="0">
+                  <a:latin typeface="メイリオ" panose="020B0604030504040204" pitchFamily="50" charset="-128"/>
+                  <a:ea typeface="メイリオ" panose="020B0604030504040204" pitchFamily="50" charset="-128"/>
+                </a:rPr>
+                <a:t>&gt; 30</a:t>
+              </a:r>
+              <a:endParaRPr kumimoji="1" lang="ja-JP" altLang="en-US" sz="1600" dirty="0">
+                <a:latin typeface="メイリオ" panose="020B0604030504040204" pitchFamily="50" charset="-128"/>
+                <a:ea typeface="メイリオ" panose="020B0604030504040204" pitchFamily="50" charset="-128"/>
+              </a:endParaRPr>
+            </a:p>
+          </p:txBody>
+        </p:sp>
+        <p:cxnSp>
+          <p:nvCxnSpPr>
+            <p:cNvPr id="116" name="直線コネクタ 115"/>
+            <p:cNvCxnSpPr/>
+            <p:nvPr/>
+          </p:nvCxnSpPr>
+          <p:spPr>
+            <a:xfrm>
+              <a:off x="899160" y="3895417"/>
+              <a:ext cx="0" cy="411480"/>
+            </a:xfrm>
+            <a:prstGeom prst="line">
+              <a:avLst/>
+            </a:prstGeom>
+            <a:ln w="12700">
+              <a:solidFill>
+                <a:schemeClr val="bg1">
+                  <a:lumMod val="65000"/>
+                </a:schemeClr>
+              </a:solidFill>
+            </a:ln>
+          </p:spPr>
+          <p:style>
+            <a:lnRef idx="2">
+              <a:schemeClr val="accent1"/>
+            </a:lnRef>
+            <a:fillRef idx="0">
+              <a:schemeClr val="accent1"/>
+            </a:fillRef>
+            <a:effectRef idx="1">
+              <a:schemeClr val="accent1"/>
+            </a:effectRef>
+            <a:fontRef idx="minor">
+              <a:schemeClr val="tx1"/>
+            </a:fontRef>
+          </p:style>
+        </p:cxnSp>
+        <p:cxnSp>
+          <p:nvCxnSpPr>
+            <p:cNvPr id="117" name="直線コネクタ 116"/>
+            <p:cNvCxnSpPr/>
+            <p:nvPr/>
+          </p:nvCxnSpPr>
+          <p:spPr>
+            <a:xfrm>
+              <a:off x="2702210" y="3895417"/>
+              <a:ext cx="0" cy="411480"/>
+            </a:xfrm>
+            <a:prstGeom prst="line">
+              <a:avLst/>
+            </a:prstGeom>
+            <a:ln w="12700">
+              <a:solidFill>
+                <a:schemeClr val="bg1">
+                  <a:lumMod val="65000"/>
+                </a:schemeClr>
+              </a:solidFill>
+            </a:ln>
+          </p:spPr>
+          <p:style>
+            <a:lnRef idx="2">
+              <a:schemeClr val="accent1"/>
+            </a:lnRef>
+            <a:fillRef idx="0">
+              <a:schemeClr val="accent1"/>
+            </a:fillRef>
+            <a:effectRef idx="1">
+              <a:schemeClr val="accent1"/>
+            </a:effectRef>
+            <a:fontRef idx="minor">
+              <a:schemeClr val="tx1"/>
+            </a:fontRef>
+          </p:style>
+        </p:cxnSp>
+        <p:sp>
+          <p:nvSpPr>
+            <p:cNvPr id="118" name="正方形/長方形 117"/>
+            <p:cNvSpPr/>
+            <p:nvPr/>
+          </p:nvSpPr>
+          <p:spPr bwMode="auto">
+            <a:xfrm>
+              <a:off x="234421" y="4371010"/>
+              <a:ext cx="1403511" cy="1938349"/>
+            </a:xfrm>
+            <a:prstGeom prst="rect">
+              <a:avLst/>
+            </a:prstGeom>
+            <a:solidFill>
+              <a:srgbClr val="FFFFFF"/>
+            </a:solidFill>
+            <a:ln w="25400">
+              <a:solidFill>
+                <a:schemeClr val="bg1">
+                  <a:lumMod val="65000"/>
+                </a:schemeClr>
+              </a:solidFill>
+              <a:miter lim="800000"/>
+              <a:headEnd/>
+              <a:tailEnd/>
+            </a:ln>
+            <a:extLst/>
+          </p:spPr>
+          <p:txBody>
+            <a:bodyPr wrap="square" rtlCol="0" anchor="ctr">
+              <a:spAutoFit/>
+            </a:bodyPr>
+            <a:lstStyle/>
+            <a:p>
+              <a:pPr algn="ctr">
+                <a:lnSpc>
+                  <a:spcPct val="130000"/>
+                </a:lnSpc>
+              </a:pPr>
+              <a:endParaRPr kumimoji="1" lang="ja-JP" altLang="en-US" sz="2000" b="1" i="0" dirty="0" smtClean="0">
+                <a:solidFill>
+                  <a:srgbClr val="C0504D"/>
+                </a:solidFill>
+                <a:latin typeface="メイリオ" charset="0"/>
+                <a:ea typeface="メイリオ" charset="0"/>
+                <a:cs typeface="メイリオ" charset="0"/>
+              </a:endParaRPr>
+            </a:p>
+          </p:txBody>
+        </p:sp>
+        <p:sp>
+          <p:nvSpPr>
+            <p:cNvPr id="119" name="テキスト ボックス 118"/>
+            <p:cNvSpPr txBox="1"/>
+            <p:nvPr/>
+          </p:nvSpPr>
+          <p:spPr>
+            <a:xfrm>
+              <a:off x="2308219" y="5253388"/>
+              <a:ext cx="473206" cy="523220"/>
+            </a:xfrm>
+            <a:prstGeom prst="rect">
+              <a:avLst/>
+            </a:prstGeom>
+            <a:noFill/>
+          </p:spPr>
+          <p:txBody>
+            <a:bodyPr wrap="none" rtlCol="0">
+              <a:spAutoFit/>
+            </a:bodyPr>
+            <a:lstStyle/>
+            <a:p>
+              <a:r>
+                <a:rPr kumimoji="1" lang="en-US" altLang="ja-JP" sz="2800" dirty="0" smtClean="0">
+                  <a:solidFill>
+                    <a:srgbClr val="A82831"/>
+                  </a:solidFill>
+                  <a:latin typeface="メイリオ" panose="020B0604030504040204" pitchFamily="50" charset="-128"/>
+                  <a:ea typeface="メイリオ" panose="020B0604030504040204" pitchFamily="50" charset="-128"/>
+                </a:rPr>
+                <a:t>×</a:t>
+              </a:r>
+              <a:endParaRPr kumimoji="1" lang="ja-JP" altLang="en-US" dirty="0">
+                <a:solidFill>
+                  <a:srgbClr val="A82831"/>
+                </a:solidFill>
+                <a:latin typeface="メイリオ" panose="020B0604030504040204" pitchFamily="50" charset="-128"/>
+                <a:ea typeface="メイリオ" panose="020B0604030504040204" pitchFamily="50" charset="-128"/>
+              </a:endParaRPr>
+            </a:p>
+          </p:txBody>
+        </p:sp>
+        <p:sp>
+          <p:nvSpPr>
+            <p:cNvPr id="120" name="テキスト ボックス 119"/>
+            <p:cNvSpPr txBox="1"/>
+            <p:nvPr/>
+          </p:nvSpPr>
+          <p:spPr>
+            <a:xfrm>
+              <a:off x="425954" y="5658055"/>
+              <a:ext cx="473206" cy="523220"/>
+            </a:xfrm>
+            <a:prstGeom prst="rect">
+              <a:avLst/>
+            </a:prstGeom>
+            <a:noFill/>
+          </p:spPr>
+          <p:txBody>
+            <a:bodyPr wrap="none" rtlCol="0">
+              <a:spAutoFit/>
+            </a:bodyPr>
+            <a:lstStyle/>
+            <a:p>
+              <a:r>
+                <a:rPr kumimoji="1" lang="en-US" altLang="ja-JP" sz="2800" dirty="0" smtClean="0">
+                  <a:solidFill>
+                    <a:srgbClr val="A82831"/>
+                  </a:solidFill>
+                  <a:latin typeface="メイリオ" panose="020B0604030504040204" pitchFamily="50" charset="-128"/>
+                  <a:ea typeface="メイリオ" panose="020B0604030504040204" pitchFamily="50" charset="-128"/>
+                </a:rPr>
+                <a:t>×</a:t>
+              </a:r>
+              <a:endParaRPr kumimoji="1" lang="ja-JP" altLang="en-US" dirty="0">
+                <a:solidFill>
+                  <a:srgbClr val="A82831"/>
+                </a:solidFill>
+                <a:latin typeface="メイリオ" panose="020B0604030504040204" pitchFamily="50" charset="-128"/>
+                <a:ea typeface="メイリオ" panose="020B0604030504040204" pitchFamily="50" charset="-128"/>
+              </a:endParaRPr>
+            </a:p>
+          </p:txBody>
+        </p:sp>
+        <p:sp>
+          <p:nvSpPr>
+            <p:cNvPr id="121" name="テキスト ボックス 120"/>
+            <p:cNvSpPr txBox="1"/>
+            <p:nvPr/>
+          </p:nvSpPr>
+          <p:spPr>
+            <a:xfrm>
+              <a:off x="2738470" y="4979803"/>
+              <a:ext cx="473206" cy="523220"/>
+            </a:xfrm>
+            <a:prstGeom prst="rect">
+              <a:avLst/>
+            </a:prstGeom>
+            <a:noFill/>
+          </p:spPr>
+          <p:txBody>
+            <a:bodyPr wrap="none" rtlCol="0">
+              <a:spAutoFit/>
+            </a:bodyPr>
+            <a:lstStyle/>
+            <a:p>
+              <a:r>
+                <a:rPr kumimoji="1" lang="en-US" altLang="ja-JP" sz="2800" dirty="0" smtClean="0">
+                  <a:solidFill>
+                    <a:srgbClr val="A82831"/>
+                  </a:solidFill>
+                  <a:latin typeface="メイリオ" panose="020B0604030504040204" pitchFamily="50" charset="-128"/>
+                  <a:ea typeface="メイリオ" panose="020B0604030504040204" pitchFamily="50" charset="-128"/>
+                </a:rPr>
+                <a:t>×</a:t>
+              </a:r>
+              <a:endParaRPr kumimoji="1" lang="ja-JP" altLang="en-US" dirty="0">
+                <a:solidFill>
+                  <a:srgbClr val="A82831"/>
+                </a:solidFill>
+                <a:latin typeface="メイリオ" panose="020B0604030504040204" pitchFamily="50" charset="-128"/>
+                <a:ea typeface="メイリオ" panose="020B0604030504040204" pitchFamily="50" charset="-128"/>
+              </a:endParaRPr>
+            </a:p>
+          </p:txBody>
+        </p:sp>
+        <p:sp>
+          <p:nvSpPr>
+            <p:cNvPr id="122" name="テキスト ボックス 121"/>
+            <p:cNvSpPr txBox="1"/>
+            <p:nvPr/>
+          </p:nvSpPr>
+          <p:spPr>
+            <a:xfrm>
+              <a:off x="795627" y="4662883"/>
+              <a:ext cx="543739" cy="523220"/>
+            </a:xfrm>
+            <a:prstGeom prst="rect">
+              <a:avLst/>
+            </a:prstGeom>
+            <a:noFill/>
+          </p:spPr>
+          <p:txBody>
+            <a:bodyPr wrap="none" rtlCol="0">
+              <a:spAutoFit/>
+            </a:bodyPr>
+            <a:lstStyle/>
+            <a:p>
+              <a:r>
+                <a:rPr kumimoji="1" lang="ja-JP" altLang="en-US" sz="2800" dirty="0" smtClean="0">
+                  <a:solidFill>
+                    <a:schemeClr val="bg1">
+                      <a:lumMod val="50000"/>
+                    </a:schemeClr>
+                  </a:solidFill>
+                  <a:latin typeface="メイリオ" panose="020B0604030504040204" pitchFamily="50" charset="-128"/>
+                  <a:ea typeface="メイリオ" panose="020B0604030504040204" pitchFamily="50" charset="-128"/>
+                </a:rPr>
+                <a:t>○</a:t>
+              </a:r>
+              <a:endParaRPr kumimoji="1" lang="ja-JP" altLang="en-US" dirty="0">
+                <a:solidFill>
+                  <a:schemeClr val="bg1">
+                    <a:lumMod val="50000"/>
+                  </a:schemeClr>
+                </a:solidFill>
+                <a:latin typeface="メイリオ" panose="020B0604030504040204" pitchFamily="50" charset="-128"/>
+                <a:ea typeface="メイリオ" panose="020B0604030504040204" pitchFamily="50" charset="-128"/>
+              </a:endParaRPr>
+            </a:p>
+          </p:txBody>
+        </p:sp>
+        <p:sp>
+          <p:nvSpPr>
+            <p:cNvPr id="123" name="テキスト ボックス 122"/>
+            <p:cNvSpPr txBox="1"/>
+            <p:nvPr/>
+          </p:nvSpPr>
+          <p:spPr>
+            <a:xfrm>
+              <a:off x="915796" y="5000347"/>
+              <a:ext cx="543739" cy="523220"/>
+            </a:xfrm>
+            <a:prstGeom prst="rect">
+              <a:avLst/>
+            </a:prstGeom>
+            <a:noFill/>
+          </p:spPr>
+          <p:txBody>
+            <a:bodyPr wrap="none" rtlCol="0">
+              <a:spAutoFit/>
+            </a:bodyPr>
+            <a:lstStyle/>
+            <a:p>
+              <a:r>
+                <a:rPr kumimoji="1" lang="ja-JP" altLang="en-US" sz="2800" dirty="0" smtClean="0">
+                  <a:solidFill>
+                    <a:schemeClr val="bg1">
+                      <a:lumMod val="50000"/>
+                    </a:schemeClr>
+                  </a:solidFill>
+                  <a:latin typeface="メイリオ" panose="020B0604030504040204" pitchFamily="50" charset="-128"/>
+                  <a:ea typeface="メイリオ" panose="020B0604030504040204" pitchFamily="50" charset="-128"/>
+                </a:rPr>
+                <a:t>○</a:t>
+              </a:r>
+              <a:endParaRPr kumimoji="1" lang="ja-JP" altLang="en-US" dirty="0">
+                <a:solidFill>
+                  <a:schemeClr val="bg1">
+                    <a:lumMod val="50000"/>
+                  </a:schemeClr>
+                </a:solidFill>
+                <a:latin typeface="メイリオ" panose="020B0604030504040204" pitchFamily="50" charset="-128"/>
+                <a:ea typeface="メイリオ" panose="020B0604030504040204" pitchFamily="50" charset="-128"/>
+              </a:endParaRPr>
+            </a:p>
+          </p:txBody>
+        </p:sp>
+        <p:sp>
+          <p:nvSpPr>
+            <p:cNvPr id="124" name="テキスト ボックス 123"/>
+            <p:cNvSpPr txBox="1"/>
+            <p:nvPr/>
+          </p:nvSpPr>
+          <p:spPr>
+            <a:xfrm>
+              <a:off x="216421" y="5060405"/>
+              <a:ext cx="543739" cy="523220"/>
+            </a:xfrm>
+            <a:prstGeom prst="rect">
+              <a:avLst/>
+            </a:prstGeom>
+            <a:noFill/>
+          </p:spPr>
+          <p:txBody>
+            <a:bodyPr wrap="none" rtlCol="0">
+              <a:spAutoFit/>
+            </a:bodyPr>
+            <a:lstStyle/>
+            <a:p>
+              <a:r>
+                <a:rPr kumimoji="1" lang="ja-JP" altLang="en-US" sz="2800" dirty="0" smtClean="0">
+                  <a:solidFill>
+                    <a:schemeClr val="bg1">
+                      <a:lumMod val="50000"/>
+                    </a:schemeClr>
+                  </a:solidFill>
+                  <a:latin typeface="メイリオ" panose="020B0604030504040204" pitchFamily="50" charset="-128"/>
+                  <a:ea typeface="メイリオ" panose="020B0604030504040204" pitchFamily="50" charset="-128"/>
+                </a:rPr>
+                <a:t>○</a:t>
+              </a:r>
+              <a:endParaRPr kumimoji="1" lang="ja-JP" altLang="en-US" dirty="0">
+                <a:solidFill>
+                  <a:schemeClr val="bg1">
+                    <a:lumMod val="50000"/>
+                  </a:schemeClr>
+                </a:solidFill>
+                <a:latin typeface="メイリオ" panose="020B0604030504040204" pitchFamily="50" charset="-128"/>
+                <a:ea typeface="メイリオ" panose="020B0604030504040204" pitchFamily="50" charset="-128"/>
+              </a:endParaRPr>
+            </a:p>
+          </p:txBody>
+        </p:sp>
+        <p:sp>
+          <p:nvSpPr>
+            <p:cNvPr id="125" name="テキスト ボックス 124"/>
+            <p:cNvSpPr txBox="1"/>
+            <p:nvPr/>
+          </p:nvSpPr>
+          <p:spPr>
+            <a:xfrm>
+              <a:off x="873442" y="5553830"/>
+              <a:ext cx="543739" cy="523220"/>
+            </a:xfrm>
+            <a:prstGeom prst="rect">
+              <a:avLst/>
+            </a:prstGeom>
+            <a:noFill/>
+          </p:spPr>
+          <p:txBody>
+            <a:bodyPr wrap="none" rtlCol="0">
+              <a:spAutoFit/>
+            </a:bodyPr>
+            <a:lstStyle/>
+            <a:p>
+              <a:r>
+                <a:rPr kumimoji="1" lang="ja-JP" altLang="en-US" sz="2800" dirty="0" smtClean="0">
+                  <a:solidFill>
+                    <a:schemeClr val="bg1">
+                      <a:lumMod val="50000"/>
+                    </a:schemeClr>
+                  </a:solidFill>
+                  <a:latin typeface="メイリオ" panose="020B0604030504040204" pitchFamily="50" charset="-128"/>
+                  <a:ea typeface="メイリオ" panose="020B0604030504040204" pitchFamily="50" charset="-128"/>
+                </a:rPr>
+                <a:t>○</a:t>
+              </a:r>
+              <a:endParaRPr kumimoji="1" lang="ja-JP" altLang="en-US" dirty="0">
+                <a:solidFill>
+                  <a:schemeClr val="bg1">
+                    <a:lumMod val="50000"/>
+                  </a:schemeClr>
+                </a:solidFill>
+                <a:latin typeface="メイリオ" panose="020B0604030504040204" pitchFamily="50" charset="-128"/>
+                <a:ea typeface="メイリオ" panose="020B0604030504040204" pitchFamily="50" charset="-128"/>
+              </a:endParaRPr>
+            </a:p>
+          </p:txBody>
+        </p:sp>
+        <p:sp>
+          <p:nvSpPr>
+            <p:cNvPr id="126" name="テキスト ボックス 125"/>
+            <p:cNvSpPr txBox="1"/>
+            <p:nvPr/>
+          </p:nvSpPr>
+          <p:spPr>
+            <a:xfrm>
+              <a:off x="2742899" y="5584023"/>
+              <a:ext cx="543739" cy="523220"/>
+            </a:xfrm>
+            <a:prstGeom prst="rect">
+              <a:avLst/>
+            </a:prstGeom>
+            <a:noFill/>
+          </p:spPr>
+          <p:txBody>
+            <a:bodyPr wrap="none" rtlCol="0">
+              <a:spAutoFit/>
+            </a:bodyPr>
+            <a:lstStyle/>
+            <a:p>
+              <a:r>
+                <a:rPr kumimoji="1" lang="ja-JP" altLang="en-US" sz="2800" dirty="0" smtClean="0">
+                  <a:solidFill>
+                    <a:schemeClr val="bg1">
+                      <a:lumMod val="50000"/>
+                    </a:schemeClr>
+                  </a:solidFill>
+                  <a:latin typeface="メイリオ" panose="020B0604030504040204" pitchFamily="50" charset="-128"/>
+                  <a:ea typeface="メイリオ" panose="020B0604030504040204" pitchFamily="50" charset="-128"/>
+                </a:rPr>
+                <a:t>○</a:t>
+              </a:r>
+              <a:endParaRPr kumimoji="1" lang="ja-JP" altLang="en-US" dirty="0">
+                <a:solidFill>
+                  <a:schemeClr val="bg1">
+                    <a:lumMod val="50000"/>
+                  </a:schemeClr>
+                </a:solidFill>
+                <a:latin typeface="メイリオ" panose="020B0604030504040204" pitchFamily="50" charset="-128"/>
+                <a:ea typeface="メイリオ" panose="020B0604030504040204" pitchFamily="50" charset="-128"/>
+              </a:endParaRPr>
+            </a:p>
+          </p:txBody>
+        </p:sp>
+        <p:sp>
+          <p:nvSpPr>
+            <p:cNvPr id="127" name="テキスト ボックス 126"/>
+            <p:cNvSpPr txBox="1"/>
+            <p:nvPr/>
+          </p:nvSpPr>
+          <p:spPr>
+            <a:xfrm>
+              <a:off x="2270193" y="4630683"/>
+              <a:ext cx="473206" cy="523220"/>
+            </a:xfrm>
+            <a:prstGeom prst="rect">
+              <a:avLst/>
+            </a:prstGeom>
+            <a:noFill/>
+          </p:spPr>
+          <p:txBody>
+            <a:bodyPr wrap="none" rtlCol="0">
+              <a:spAutoFit/>
+            </a:bodyPr>
+            <a:lstStyle/>
+            <a:p>
+              <a:r>
+                <a:rPr kumimoji="1" lang="en-US" altLang="ja-JP" sz="2800" dirty="0" smtClean="0">
+                  <a:solidFill>
+                    <a:srgbClr val="A82831"/>
+                  </a:solidFill>
+                  <a:latin typeface="メイリオ" panose="020B0604030504040204" pitchFamily="50" charset="-128"/>
+                  <a:ea typeface="メイリオ" panose="020B0604030504040204" pitchFamily="50" charset="-128"/>
+                </a:rPr>
+                <a:t>×</a:t>
+              </a:r>
+              <a:endParaRPr kumimoji="1" lang="ja-JP" altLang="en-US" dirty="0">
+                <a:solidFill>
+                  <a:srgbClr val="A82831"/>
+                </a:solidFill>
+                <a:latin typeface="メイリオ" panose="020B0604030504040204" pitchFamily="50" charset="-128"/>
+                <a:ea typeface="メイリオ" panose="020B0604030504040204" pitchFamily="50" charset="-128"/>
+              </a:endParaRPr>
+            </a:p>
+          </p:txBody>
+        </p:sp>
+        <p:sp>
+          <p:nvSpPr>
+            <p:cNvPr id="128" name="テキスト ボックス 127"/>
+            <p:cNvSpPr txBox="1"/>
+            <p:nvPr/>
+          </p:nvSpPr>
+          <p:spPr>
+            <a:xfrm>
+              <a:off x="2845635" y="4498500"/>
+              <a:ext cx="473206" cy="523220"/>
+            </a:xfrm>
+            <a:prstGeom prst="rect">
+              <a:avLst/>
+            </a:prstGeom>
+            <a:noFill/>
+          </p:spPr>
+          <p:txBody>
+            <a:bodyPr wrap="none" rtlCol="0">
+              <a:spAutoFit/>
+            </a:bodyPr>
+            <a:lstStyle/>
+            <a:p>
+              <a:r>
+                <a:rPr kumimoji="1" lang="en-US" altLang="ja-JP" sz="2800" dirty="0" smtClean="0">
+                  <a:solidFill>
+                    <a:srgbClr val="A82831"/>
+                  </a:solidFill>
+                  <a:latin typeface="メイリオ" panose="020B0604030504040204" pitchFamily="50" charset="-128"/>
+                  <a:ea typeface="メイリオ" panose="020B0604030504040204" pitchFamily="50" charset="-128"/>
+                </a:rPr>
+                <a:t>×</a:t>
+              </a:r>
+              <a:endParaRPr kumimoji="1" lang="ja-JP" altLang="en-US" dirty="0">
+                <a:solidFill>
+                  <a:srgbClr val="A82831"/>
+                </a:solidFill>
+                <a:latin typeface="メイリオ" panose="020B0604030504040204" pitchFamily="50" charset="-128"/>
+                <a:ea typeface="メイリオ" panose="020B0604030504040204" pitchFamily="50" charset="-128"/>
+              </a:endParaRPr>
+            </a:p>
+          </p:txBody>
+        </p:sp>
+      </p:grpSp>
+      <p:sp>
+        <p:nvSpPr>
+          <p:cNvPr id="132" name="テキスト ボックス 131"/>
+          <p:cNvSpPr txBox="1"/>
+          <p:nvPr/>
+        </p:nvSpPr>
+        <p:spPr>
+          <a:xfrm>
+            <a:off x="1505289" y="2823235"/>
+            <a:ext cx="654346" cy="769441"/>
+          </a:xfrm>
+          <a:prstGeom prst="rect">
+            <a:avLst/>
+          </a:prstGeom>
+          <a:noFill/>
+        </p:spPr>
+        <p:txBody>
+          <a:bodyPr wrap="none" rtlCol="0">
+            <a:spAutoFit/>
+          </a:bodyPr>
+          <a:lstStyle/>
+          <a:p>
+            <a:r>
+              <a:rPr kumimoji="1" lang="en-US" altLang="ja-JP" sz="4400" b="1" dirty="0" smtClean="0">
+                <a:solidFill>
+                  <a:srgbClr val="A82831"/>
+                </a:solidFill>
+                <a:latin typeface="メイリオ" panose="020B0604030504040204" pitchFamily="50" charset="-128"/>
+                <a:ea typeface="メイリオ" panose="020B0604030504040204" pitchFamily="50" charset="-128"/>
+              </a:rPr>
+              <a:t>×</a:t>
+            </a:r>
+            <a:endParaRPr kumimoji="1" lang="ja-JP" altLang="en-US" sz="3200" b="1" dirty="0">
+              <a:solidFill>
+                <a:srgbClr val="A82831"/>
+              </a:solidFill>
+              <a:latin typeface="メイリオ" panose="020B0604030504040204" pitchFamily="50" charset="-128"/>
+              <a:ea typeface="メイリオ" panose="020B0604030504040204" pitchFamily="50" charset="-128"/>
+            </a:endParaRPr>
+          </a:p>
+        </p:txBody>
+      </p:sp>
+      <p:sp>
+        <p:nvSpPr>
+          <p:cNvPr id="133" name="テキスト ボックス 132"/>
+          <p:cNvSpPr txBox="1"/>
+          <p:nvPr/>
+        </p:nvSpPr>
+        <p:spPr>
+          <a:xfrm>
+            <a:off x="6915455" y="2823235"/>
+            <a:ext cx="748923" cy="769441"/>
+          </a:xfrm>
+          <a:prstGeom prst="rect">
+            <a:avLst/>
+          </a:prstGeom>
+          <a:noFill/>
+        </p:spPr>
+        <p:txBody>
+          <a:bodyPr wrap="none" rtlCol="0">
+            <a:spAutoFit/>
+          </a:bodyPr>
+          <a:lstStyle/>
+          <a:p>
+            <a:r>
+              <a:rPr lang="ja-JP" altLang="en-US" sz="4400" b="1" dirty="0">
+                <a:solidFill>
+                  <a:srgbClr val="A82831"/>
+                </a:solidFill>
+                <a:latin typeface="メイリオ" panose="020B0604030504040204" pitchFamily="50" charset="-128"/>
+                <a:ea typeface="メイリオ" panose="020B0604030504040204" pitchFamily="50" charset="-128"/>
+              </a:rPr>
+              <a:t>○</a:t>
+            </a:r>
+            <a:endParaRPr kumimoji="1" lang="ja-JP" altLang="en-US" sz="3200" b="1" dirty="0">
+              <a:solidFill>
+                <a:srgbClr val="A82831"/>
+              </a:solidFill>
+              <a:latin typeface="メイリオ" panose="020B0604030504040204" pitchFamily="50" charset="-128"/>
+              <a:ea typeface="メイリオ" panose="020B0604030504040204" pitchFamily="50" charset="-128"/>
+            </a:endParaRPr>
+          </a:p>
+        </p:txBody>
+      </p:sp>
+    </p:spTree>
+    <p:extLst>
+      <p:ext uri="{BB962C8B-B14F-4D97-AF65-F5344CB8AC3E}">
+        <p14:creationId xmlns:p14="http://schemas.microsoft.com/office/powerpoint/2010/main" val="3522720286"/>
+      </p:ext>
+    </p:extLst>
+  </p:cSld>
+  <p:clrMapOvr>
+    <a:masterClrMapping/>
+  </p:clrMapOvr>
+  <p:timing>
+    <p:tnLst>
+      <p:par>
+        <p:cTn id="1" dur="indefinite" restart="never" nodeType="tmRoot"/>
+      </p:par>
+    </p:tnLst>
+  </p:timing>
+</p:sld>
+</file>
+
+<file path=ppt/slides/slide7.xml><?xml version="1.0" encoding="utf-8"?>
+<p:sld xmlns:a="http://schemas.openxmlformats.org/drawingml/2006/main" xmlns:r="http://schemas.openxmlformats.org/officeDocument/2006/relationships" xmlns:p="http://schemas.openxmlformats.org/presentationml/2006/main">
+  <p:cSld>
+    <p:spTree>
+      <p:nvGrpSpPr>
+        <p:cNvPr id="1" name=""/>
+        <p:cNvGrpSpPr/>
+        <p:nvPr/>
+      </p:nvGrpSpPr>
+      <p:grpSpPr>
+        <a:xfrm>
+          <a:off x="0" y="0"/>
+          <a:ext cx="0" cy="0"/>
+          <a:chOff x="0" y="0"/>
+          <a:chExt cx="0" cy="0"/>
+        </a:xfrm>
+      </p:grpSpPr>
+      <p:sp>
+        <p:nvSpPr>
+          <p:cNvPr id="5" name="スライド番号プレースホルダー 4"/>
+          <p:cNvSpPr>
+            <a:spLocks noGrp="1"/>
+          </p:cNvSpPr>
+          <p:nvPr>
+            <p:ph type="sldNum" sz="quarter" idx="12"/>
+          </p:nvPr>
+        </p:nvSpPr>
+        <p:spPr/>
+        <p:txBody>
+          <a:bodyPr/>
+          <a:lstStyle/>
+          <a:p>
+            <a:fld id="{EBB39137-EBDC-2D4F-98A6-83D1C4F5C52B}" type="slidenum">
+              <a:rPr kumimoji="1" lang="ja-JP" altLang="en-US" smtClean="0"/>
+              <a:t>7</a:t>
             </a:fld>
             <a:endParaRPr kumimoji="1" lang="ja-JP" altLang="en-US" dirty="0"/>
           </a:p>

--- a/1_logit_and_random_forest/files/document.pptx
+++ b/1_logit_and_random_forest/files/document.pptx
@@ -5,19 +5,22 @@
     <p:sldMasterId id="2147483648" r:id="rId1"/>
   </p:sldMasterIdLst>
   <p:notesMasterIdLst>
-    <p:notesMasterId r:id="rId9"/>
+    <p:notesMasterId r:id="rId12"/>
   </p:notesMasterIdLst>
   <p:handoutMasterIdLst>
-    <p:handoutMasterId r:id="rId10"/>
+    <p:handoutMasterId r:id="rId13"/>
   </p:handoutMasterIdLst>
   <p:sldIdLst>
-    <p:sldId id="457" r:id="rId2"/>
-    <p:sldId id="458" r:id="rId3"/>
-    <p:sldId id="459" r:id="rId4"/>
-    <p:sldId id="463" r:id="rId5"/>
-    <p:sldId id="461" r:id="rId6"/>
-    <p:sldId id="464" r:id="rId7"/>
-    <p:sldId id="462" r:id="rId8"/>
+    <p:sldId id="467" r:id="rId2"/>
+    <p:sldId id="457" r:id="rId3"/>
+    <p:sldId id="458" r:id="rId4"/>
+    <p:sldId id="459" r:id="rId5"/>
+    <p:sldId id="463" r:id="rId6"/>
+    <p:sldId id="461" r:id="rId7"/>
+    <p:sldId id="464" r:id="rId8"/>
+    <p:sldId id="462" r:id="rId9"/>
+    <p:sldId id="465" r:id="rId10"/>
+    <p:sldId id="468" r:id="rId11"/>
   </p:sldIdLst>
   <p:sldSz cx="9144000" cy="6858000" type="screen4x3"/>
   <p:notesSz cx="6858000" cy="9144000"/>
@@ -769,7 +772,7 @@
           <a:p>
             <a:fld id="{F60852FA-02EF-1944-8A45-2882F349894A}" type="slidenum">
               <a:rPr kumimoji="1" lang="ja-JP" altLang="en-US" smtClean="0"/>
-              <a:t>1</a:t>
+              <a:t>2</a:t>
             </a:fld>
             <a:endParaRPr kumimoji="1" lang="ja-JP" altLang="en-US"/>
           </a:p>
@@ -853,7 +856,7 @@
           <a:p>
             <a:fld id="{F60852FA-02EF-1944-8A45-2882F349894A}" type="slidenum">
               <a:rPr kumimoji="1" lang="ja-JP" altLang="en-US" smtClean="0"/>
-              <a:t>2</a:t>
+              <a:t>3</a:t>
             </a:fld>
             <a:endParaRPr kumimoji="1" lang="ja-JP" altLang="en-US"/>
           </a:p>
@@ -937,7 +940,7 @@
           <a:p>
             <a:fld id="{F60852FA-02EF-1944-8A45-2882F349894A}" type="slidenum">
               <a:rPr kumimoji="1" lang="ja-JP" altLang="en-US" smtClean="0"/>
-              <a:t>3</a:t>
+              <a:t>4</a:t>
             </a:fld>
             <a:endParaRPr kumimoji="1" lang="ja-JP" altLang="en-US"/>
           </a:p>
@@ -1021,7 +1024,7 @@
           <a:p>
             <a:fld id="{F60852FA-02EF-1944-8A45-2882F349894A}" type="slidenum">
               <a:rPr kumimoji="1" lang="ja-JP" altLang="en-US" smtClean="0"/>
-              <a:t>4</a:t>
+              <a:t>5</a:t>
             </a:fld>
             <a:endParaRPr kumimoji="1" lang="ja-JP" altLang="en-US"/>
           </a:p>
@@ -1105,7 +1108,7 @@
           <a:p>
             <a:fld id="{F60852FA-02EF-1944-8A45-2882F349894A}" type="slidenum">
               <a:rPr kumimoji="1" lang="ja-JP" altLang="en-US" smtClean="0"/>
-              <a:t>5</a:t>
+              <a:t>6</a:t>
             </a:fld>
             <a:endParaRPr kumimoji="1" lang="ja-JP" altLang="en-US"/>
           </a:p>
@@ -1189,7 +1192,7 @@
           <a:p>
             <a:fld id="{F60852FA-02EF-1944-8A45-2882F349894A}" type="slidenum">
               <a:rPr kumimoji="1" lang="ja-JP" altLang="en-US" smtClean="0"/>
-              <a:t>6</a:t>
+              <a:t>7</a:t>
             </a:fld>
             <a:endParaRPr kumimoji="1" lang="ja-JP" altLang="en-US"/>
           </a:p>
@@ -1273,7 +1276,7 @@
           <a:p>
             <a:fld id="{F60852FA-02EF-1944-8A45-2882F349894A}" type="slidenum">
               <a:rPr kumimoji="1" lang="ja-JP" altLang="en-US" smtClean="0"/>
-              <a:t>7</a:t>
+              <a:t>8</a:t>
             </a:fld>
             <a:endParaRPr kumimoji="1" lang="ja-JP" altLang="en-US"/>
           </a:p>
@@ -1283,6 +1286,174 @@
     <p:extLst>
       <p:ext uri="{BB962C8B-B14F-4D97-AF65-F5344CB8AC3E}">
         <p14:creationId xmlns:p14="http://schemas.microsoft.com/office/powerpoint/2010/main" val="3478964663"/>
+      </p:ext>
+    </p:extLst>
+  </p:cSld>
+  <p:clrMapOvr>
+    <a:masterClrMapping/>
+  </p:clrMapOvr>
+</p:notes>
+</file>
+
+<file path=ppt/notesSlides/notesSlide8.xml><?xml version="1.0" encoding="utf-8"?>
+<p:notes xmlns:a="http://schemas.openxmlformats.org/drawingml/2006/main" xmlns:r="http://schemas.openxmlformats.org/officeDocument/2006/relationships" xmlns:p="http://schemas.openxmlformats.org/presentationml/2006/main">
+  <p:cSld>
+    <p:spTree>
+      <p:nvGrpSpPr>
+        <p:cNvPr id="1" name=""/>
+        <p:cNvGrpSpPr/>
+        <p:nvPr/>
+      </p:nvGrpSpPr>
+      <p:grpSpPr>
+        <a:xfrm>
+          <a:off x="0" y="0"/>
+          <a:ext cx="0" cy="0"/>
+          <a:chOff x="0" y="0"/>
+          <a:chExt cx="0" cy="0"/>
+        </a:xfrm>
+      </p:grpSpPr>
+      <p:sp>
+        <p:nvSpPr>
+          <p:cNvPr id="2" name="スライド イメージ プレースホルダー 1"/>
+          <p:cNvSpPr>
+            <a:spLocks noGrp="1" noRot="1" noChangeAspect="1"/>
+          </p:cNvSpPr>
+          <p:nvPr>
+            <p:ph type="sldImg"/>
+          </p:nvPr>
+        </p:nvSpPr>
+        <p:spPr/>
+      </p:sp>
+      <p:sp>
+        <p:nvSpPr>
+          <p:cNvPr id="3" name="ノート プレースホルダー 2"/>
+          <p:cNvSpPr>
+            <a:spLocks noGrp="1"/>
+          </p:cNvSpPr>
+          <p:nvPr>
+            <p:ph type="body" idx="1"/>
+          </p:nvPr>
+        </p:nvSpPr>
+        <p:spPr/>
+        <p:txBody>
+          <a:bodyPr/>
+          <a:lstStyle/>
+          <a:p>
+            <a:endParaRPr kumimoji="1" lang="ja-JP" altLang="en-US" dirty="0"/>
+          </a:p>
+        </p:txBody>
+      </p:sp>
+      <p:sp>
+        <p:nvSpPr>
+          <p:cNvPr id="4" name="スライド番号プレースホルダー 3"/>
+          <p:cNvSpPr>
+            <a:spLocks noGrp="1"/>
+          </p:cNvSpPr>
+          <p:nvPr>
+            <p:ph type="sldNum" sz="quarter" idx="10"/>
+          </p:nvPr>
+        </p:nvSpPr>
+        <p:spPr/>
+        <p:txBody>
+          <a:bodyPr/>
+          <a:lstStyle/>
+          <a:p>
+            <a:fld id="{F60852FA-02EF-1944-8A45-2882F349894A}" type="slidenum">
+              <a:rPr kumimoji="1" lang="ja-JP" altLang="en-US" smtClean="0"/>
+              <a:t>9</a:t>
+            </a:fld>
+            <a:endParaRPr kumimoji="1" lang="ja-JP" altLang="en-US"/>
+          </a:p>
+        </p:txBody>
+      </p:sp>
+    </p:spTree>
+    <p:extLst>
+      <p:ext uri="{BB962C8B-B14F-4D97-AF65-F5344CB8AC3E}">
+        <p14:creationId xmlns:p14="http://schemas.microsoft.com/office/powerpoint/2010/main" val="1962436810"/>
+      </p:ext>
+    </p:extLst>
+  </p:cSld>
+  <p:clrMapOvr>
+    <a:masterClrMapping/>
+  </p:clrMapOvr>
+</p:notes>
+</file>
+
+<file path=ppt/notesSlides/notesSlide9.xml><?xml version="1.0" encoding="utf-8"?>
+<p:notes xmlns:a="http://schemas.openxmlformats.org/drawingml/2006/main" xmlns:r="http://schemas.openxmlformats.org/officeDocument/2006/relationships" xmlns:p="http://schemas.openxmlformats.org/presentationml/2006/main">
+  <p:cSld>
+    <p:spTree>
+      <p:nvGrpSpPr>
+        <p:cNvPr id="1" name=""/>
+        <p:cNvGrpSpPr/>
+        <p:nvPr/>
+      </p:nvGrpSpPr>
+      <p:grpSpPr>
+        <a:xfrm>
+          <a:off x="0" y="0"/>
+          <a:ext cx="0" cy="0"/>
+          <a:chOff x="0" y="0"/>
+          <a:chExt cx="0" cy="0"/>
+        </a:xfrm>
+      </p:grpSpPr>
+      <p:sp>
+        <p:nvSpPr>
+          <p:cNvPr id="2" name="スライド イメージ プレースホルダー 1"/>
+          <p:cNvSpPr>
+            <a:spLocks noGrp="1" noRot="1" noChangeAspect="1"/>
+          </p:cNvSpPr>
+          <p:nvPr>
+            <p:ph type="sldImg"/>
+          </p:nvPr>
+        </p:nvSpPr>
+        <p:spPr/>
+      </p:sp>
+      <p:sp>
+        <p:nvSpPr>
+          <p:cNvPr id="3" name="ノート プレースホルダー 2"/>
+          <p:cNvSpPr>
+            <a:spLocks noGrp="1"/>
+          </p:cNvSpPr>
+          <p:nvPr>
+            <p:ph type="body" idx="1"/>
+          </p:nvPr>
+        </p:nvSpPr>
+        <p:spPr/>
+        <p:txBody>
+          <a:bodyPr/>
+          <a:lstStyle/>
+          <a:p>
+            <a:endParaRPr kumimoji="1" lang="ja-JP" altLang="en-US" dirty="0"/>
+          </a:p>
+        </p:txBody>
+      </p:sp>
+      <p:sp>
+        <p:nvSpPr>
+          <p:cNvPr id="4" name="スライド番号プレースホルダー 3"/>
+          <p:cNvSpPr>
+            <a:spLocks noGrp="1"/>
+          </p:cNvSpPr>
+          <p:nvPr>
+            <p:ph type="sldNum" sz="quarter" idx="10"/>
+          </p:nvPr>
+        </p:nvSpPr>
+        <p:spPr/>
+        <p:txBody>
+          <a:bodyPr/>
+          <a:lstStyle/>
+          <a:p>
+            <a:fld id="{F60852FA-02EF-1944-8A45-2882F349894A}" type="slidenum">
+              <a:rPr kumimoji="1" lang="ja-JP" altLang="en-US" smtClean="0"/>
+              <a:t>10</a:t>
+            </a:fld>
+            <a:endParaRPr kumimoji="1" lang="ja-JP" altLang="en-US"/>
+          </a:p>
+        </p:txBody>
+      </p:sp>
+    </p:spTree>
+    <p:extLst>
+      <p:ext uri="{BB962C8B-B14F-4D97-AF65-F5344CB8AC3E}">
+        <p14:creationId xmlns:p14="http://schemas.microsoft.com/office/powerpoint/2010/main" val="1725062813"/>
       </p:ext>
     </p:extLst>
   </p:cSld>
@@ -5162,6 +5333,1255 @@
           <a:chExt cx="0" cy="0"/>
         </a:xfrm>
       </p:grpSpPr>
+      <p:sp>
+        <p:nvSpPr>
+          <p:cNvPr id="15" name="タイトル 1"/>
+          <p:cNvSpPr>
+            <a:spLocks noGrp="1"/>
+          </p:cNvSpPr>
+          <p:nvPr>
+            <p:ph type="title"/>
+          </p:nvPr>
+        </p:nvSpPr>
+        <p:spPr bwMode="auto">
+          <a:xfrm>
+            <a:off x="400928" y="3176987"/>
+            <a:ext cx="8445500" cy="1143000"/>
+          </a:xfrm>
+          <a:noFill/>
+          <a:extLst>
+            <a:ext uri="{909E8E84-426E-40dd-AFC4-6F175D3DCCD1}">
+              <a14:hiddenFill xmlns="" xmlns:a14="http://schemas.microsoft.com/office/drawing/2010/main">
+                <a:solidFill>
+                  <a:srgbClr val="FFFFFF"/>
+                </a:solidFill>
+              </a14:hiddenFill>
+            </a:ext>
+            <a:ext uri="{91240B29-F687-4f45-9708-019B960494DF}">
+              <a14:hiddenLine xmlns="" xmlns:a14="http://schemas.microsoft.com/office/drawing/2010/main" w="9525">
+                <a:solidFill>
+                  <a:srgbClr val="000000"/>
+                </a:solidFill>
+                <a:miter lim="800000"/>
+                <a:headEnd/>
+                <a:tailEnd/>
+              </a14:hiddenLine>
+            </a:ext>
+          </a:extLst>
+        </p:spPr>
+        <p:txBody>
+          <a:bodyPr vert="horz" wrap="square" lIns="91440" tIns="45720" rIns="91440" bIns="45720" numCol="1" anchor="t" anchorCtr="0" compatLnSpc="1">
+            <a:prstTxWarp prst="textNoShape">
+              <a:avLst/>
+            </a:prstTxWarp>
+          </a:bodyPr>
+          <a:lstStyle/>
+          <a:p>
+            <a:pPr algn="l"/>
+            <a:r>
+              <a:rPr lang="ja-JP" altLang="en-US" sz="2400" dirty="0" smtClean="0">
+                <a:latin typeface="メイリオ" panose="020B0604030504040204" pitchFamily="50" charset="-128"/>
+                <a:ea typeface="メイリオ" panose="020B0604030504040204" pitchFamily="50" charset="-128"/>
+                <a:cs typeface="ヒラギノ角ゴ Pro W3" charset="0"/>
+              </a:rPr>
+              <a:t>第一回 データサイエンス勉強会</a:t>
+            </a:r>
+            <a:r>
+              <a:rPr lang="en-US" altLang="ja-JP" sz="2400" dirty="0" smtClean="0">
+                <a:latin typeface="メイリオ" panose="020B0604030504040204" pitchFamily="50" charset="-128"/>
+                <a:ea typeface="メイリオ" panose="020B0604030504040204" pitchFamily="50" charset="-128"/>
+                <a:cs typeface="ヒラギノ角ゴ Pro W3" charset="0"/>
+              </a:rPr>
+              <a:t/>
+            </a:r>
+            <a:br>
+              <a:rPr lang="en-US" altLang="ja-JP" sz="2400" dirty="0" smtClean="0">
+                <a:latin typeface="メイリオ" panose="020B0604030504040204" pitchFamily="50" charset="-128"/>
+                <a:ea typeface="メイリオ" panose="020B0604030504040204" pitchFamily="50" charset="-128"/>
+                <a:cs typeface="ヒラギノ角ゴ Pro W3" charset="0"/>
+              </a:rPr>
+            </a:br>
+            <a:r>
+              <a:rPr lang="en-US" altLang="ja-JP" sz="1800" dirty="0" smtClean="0">
+                <a:solidFill>
+                  <a:schemeClr val="tx1">
+                    <a:lumMod val="50000"/>
+                    <a:lumOff val="50000"/>
+                  </a:schemeClr>
+                </a:solidFill>
+                <a:latin typeface="メイリオ" panose="020B0604030504040204" pitchFamily="50" charset="-128"/>
+                <a:ea typeface="メイリオ" panose="020B0604030504040204" pitchFamily="50" charset="-128"/>
+                <a:cs typeface="ヒラギノ角ゴ Pro W3" charset="0"/>
+              </a:rPr>
+              <a:t>- </a:t>
+            </a:r>
+            <a:r>
+              <a:rPr lang="ja-JP" altLang="en-US" sz="1800" dirty="0" smtClean="0">
+                <a:solidFill>
+                  <a:schemeClr val="tx1">
+                    <a:lumMod val="50000"/>
+                    <a:lumOff val="50000"/>
+                  </a:schemeClr>
+                </a:solidFill>
+                <a:latin typeface="メイリオ" panose="020B0604030504040204" pitchFamily="50" charset="-128"/>
+                <a:ea typeface="メイリオ" panose="020B0604030504040204" pitchFamily="50" charset="-128"/>
+                <a:cs typeface="ヒラギノ角ゴ Pro W3" charset="0"/>
+              </a:rPr>
+              <a:t>ロジスティック回帰とランダムフォレスト回帰、その応用</a:t>
+            </a:r>
+            <a:r>
+              <a:rPr lang="en-US" altLang="ja-JP" sz="1800" dirty="0" smtClean="0">
+                <a:solidFill>
+                  <a:schemeClr val="tx1">
+                    <a:lumMod val="50000"/>
+                    <a:lumOff val="50000"/>
+                  </a:schemeClr>
+                </a:solidFill>
+                <a:latin typeface="メイリオ" panose="020B0604030504040204" pitchFamily="50" charset="-128"/>
+                <a:ea typeface="メイリオ" panose="020B0604030504040204" pitchFamily="50" charset="-128"/>
+                <a:cs typeface="ヒラギノ角ゴ Pro W3" charset="0"/>
+              </a:rPr>
+              <a:t>-  </a:t>
+            </a:r>
+            <a:endParaRPr lang="ja-JP" altLang="en-US" sz="1800" dirty="0">
+              <a:solidFill>
+                <a:schemeClr val="tx1">
+                  <a:lumMod val="50000"/>
+                  <a:lumOff val="50000"/>
+                </a:schemeClr>
+              </a:solidFill>
+              <a:latin typeface="メイリオ" panose="020B0604030504040204" pitchFamily="50" charset="-128"/>
+              <a:ea typeface="メイリオ" panose="020B0604030504040204" pitchFamily="50" charset="-128"/>
+              <a:cs typeface="ヒラギノ角ゴ Pro W3" charset="0"/>
+            </a:endParaRPr>
+          </a:p>
+        </p:txBody>
+      </p:sp>
+    </p:spTree>
+    <p:extLst>
+      <p:ext uri="{BB962C8B-B14F-4D97-AF65-F5344CB8AC3E}">
+        <p14:creationId xmlns:p14="http://schemas.microsoft.com/office/powerpoint/2010/main" val="345986634"/>
+      </p:ext>
+    </p:extLst>
+  </p:cSld>
+  <p:clrMapOvr>
+    <a:masterClrMapping/>
+  </p:clrMapOvr>
+  <p:timing>
+    <p:tnLst>
+      <p:par>
+        <p:cTn id="1" dur="indefinite" restart="never" nodeType="tmRoot"/>
+      </p:par>
+    </p:tnLst>
+  </p:timing>
+</p:sld>
+</file>
+
+<file path=ppt/slides/slide10.xml><?xml version="1.0" encoding="utf-8"?>
+<p:sld xmlns:a="http://schemas.openxmlformats.org/drawingml/2006/main" xmlns:r="http://schemas.openxmlformats.org/officeDocument/2006/relationships" xmlns:p="http://schemas.openxmlformats.org/presentationml/2006/main">
+  <p:cSld>
+    <p:spTree>
+      <p:nvGrpSpPr>
+        <p:cNvPr id="1" name=""/>
+        <p:cNvGrpSpPr/>
+        <p:nvPr/>
+      </p:nvGrpSpPr>
+      <p:grpSpPr>
+        <a:xfrm>
+          <a:off x="0" y="0"/>
+          <a:ext cx="0" cy="0"/>
+          <a:chOff x="0" y="0"/>
+          <a:chExt cx="0" cy="0"/>
+        </a:xfrm>
+      </p:grpSpPr>
+      <p:sp>
+        <p:nvSpPr>
+          <p:cNvPr id="4" name="下矢印 3"/>
+          <p:cNvSpPr/>
+          <p:nvPr/>
+        </p:nvSpPr>
+        <p:spPr bwMode="auto">
+          <a:xfrm>
+            <a:off x="6951540" y="1754969"/>
+            <a:ext cx="543739" cy="2801265"/>
+          </a:xfrm>
+          <a:prstGeom prst="downArrow">
+            <a:avLst/>
+          </a:prstGeom>
+          <a:solidFill>
+            <a:schemeClr val="accent2">
+              <a:lumMod val="40000"/>
+              <a:lumOff val="60000"/>
+            </a:schemeClr>
+          </a:solidFill>
+          <a:ln w="9525">
+            <a:solidFill>
+              <a:srgbClr val="BFBFBF"/>
+            </a:solidFill>
+            <a:miter lim="800000"/>
+            <a:headEnd/>
+            <a:tailEnd/>
+          </a:ln>
+        </p:spPr>
+        <p:txBody>
+          <a:bodyPr wrap="none" lIns="36000" rIns="36000" rtlCol="0" anchor="ctr"/>
+          <a:lstStyle/>
+          <a:p>
+            <a:pPr algn="ctr"/>
+            <a:endParaRPr kumimoji="1" lang="ja-JP" altLang="en-US" sz="1400" dirty="0">
+              <a:solidFill>
+                <a:srgbClr val="FFFFFF"/>
+              </a:solidFill>
+              <a:latin typeface="ヒラギノ角ゴ Pro W3"/>
+              <a:ea typeface="ヒラギノ角ゴ Pro W3"/>
+              <a:cs typeface="ヒラギノ角ゴ Pro W3"/>
+            </a:endParaRPr>
+          </a:p>
+        </p:txBody>
+      </p:sp>
+      <p:sp>
+        <p:nvSpPr>
+          <p:cNvPr id="2" name="タイトル 1"/>
+          <p:cNvSpPr>
+            <a:spLocks noGrp="1"/>
+          </p:cNvSpPr>
+          <p:nvPr>
+            <p:ph type="title"/>
+          </p:nvPr>
+        </p:nvSpPr>
+        <p:spPr>
+          <a:xfrm>
+            <a:off x="215330" y="531788"/>
+            <a:ext cx="8650510" cy="360040"/>
+          </a:xfrm>
+        </p:spPr>
+        <p:txBody>
+          <a:bodyPr/>
+          <a:lstStyle/>
+          <a:p>
+            <a:pPr defTabSz="914400" fontAlgn="base">
+              <a:spcAft>
+                <a:spcPct val="0"/>
+              </a:spcAft>
+            </a:pPr>
+            <a:r>
+              <a:rPr lang="ja-JP" altLang="en-US" sz="1600" dirty="0">
+                <a:latin typeface="メイリオ" panose="020B0604030504040204" pitchFamily="50" charset="-128"/>
+                <a:ea typeface="メイリオ" panose="020B0604030504040204" pitchFamily="50" charset="-128"/>
+              </a:rPr>
+              <a:t>ランダムフォレスト以外の、決定木を用いたアンサンブル</a:t>
+            </a:r>
+            <a:r>
+              <a:rPr lang="ja-JP" altLang="en-US" sz="1600" dirty="0" smtClean="0">
+                <a:latin typeface="メイリオ" panose="020B0604030504040204" pitchFamily="50" charset="-128"/>
+                <a:ea typeface="メイリオ" panose="020B0604030504040204" pitchFamily="50" charset="-128"/>
+              </a:rPr>
+              <a:t>学習</a:t>
+            </a:r>
+            <a:r>
+              <a:rPr kumimoji="1" lang="en-US" altLang="ja-JP" dirty="0" smtClean="0">
+                <a:latin typeface="メイリオ" panose="020B0604030504040204" pitchFamily="50" charset="-128"/>
+                <a:ea typeface="メイリオ" panose="020B0604030504040204" pitchFamily="50" charset="-128"/>
+              </a:rPr>
+              <a:t/>
+            </a:r>
+            <a:br>
+              <a:rPr kumimoji="1" lang="en-US" altLang="ja-JP" dirty="0" smtClean="0">
+                <a:latin typeface="メイリオ" panose="020B0604030504040204" pitchFamily="50" charset="-128"/>
+                <a:ea typeface="メイリオ" panose="020B0604030504040204" pitchFamily="50" charset="-128"/>
+              </a:rPr>
+            </a:br>
+            <a:r>
+              <a:rPr lang="ja-JP" altLang="en-US" dirty="0">
+                <a:latin typeface="メイリオ" panose="020B0604030504040204" pitchFamily="50" charset="-128"/>
+                <a:ea typeface="メイリオ" panose="020B0604030504040204" pitchFamily="50" charset="-128"/>
+              </a:rPr>
+              <a:t>勾配</a:t>
+            </a:r>
+            <a:r>
+              <a:rPr lang="ja-JP" altLang="en-US" dirty="0" smtClean="0">
+                <a:latin typeface="メイリオ" panose="020B0604030504040204" pitchFamily="50" charset="-128"/>
+                <a:ea typeface="メイリオ" panose="020B0604030504040204" pitchFamily="50" charset="-128"/>
+              </a:rPr>
+              <a:t>ブースティング</a:t>
+            </a:r>
+            <a:r>
+              <a:rPr lang="en-US" altLang="ja-JP" dirty="0" smtClean="0">
+                <a:latin typeface="メイリオ" panose="020B0604030504040204" pitchFamily="50" charset="-128"/>
+                <a:ea typeface="メイリオ" panose="020B0604030504040204" pitchFamily="50" charset="-128"/>
+              </a:rPr>
+              <a:t>:</a:t>
+            </a:r>
+            <a:r>
+              <a:rPr lang="ja-JP" altLang="en-US" dirty="0">
+                <a:latin typeface="メイリオ" panose="020B0604030504040204" pitchFamily="50" charset="-128"/>
+                <a:ea typeface="メイリオ" panose="020B0604030504040204" pitchFamily="50" charset="-128"/>
+              </a:rPr>
+              <a:t>前</a:t>
+            </a:r>
+            <a:r>
+              <a:rPr lang="ja-JP" altLang="en-US" dirty="0" smtClean="0">
+                <a:latin typeface="メイリオ" panose="020B0604030504040204" pitchFamily="50" charset="-128"/>
+                <a:ea typeface="メイリオ" panose="020B0604030504040204" pitchFamily="50" charset="-128"/>
+              </a:rPr>
+              <a:t>の決定</a:t>
+            </a:r>
+            <a:r>
+              <a:rPr lang="ja-JP" altLang="en-US" dirty="0">
+                <a:latin typeface="メイリオ" panose="020B0604030504040204" pitchFamily="50" charset="-128"/>
+                <a:ea typeface="メイリオ" panose="020B0604030504040204" pitchFamily="50" charset="-128"/>
+              </a:rPr>
+              <a:t>木の情報に基づいて次の決定木をつくる</a:t>
+            </a:r>
+            <a:endParaRPr lang="en-US" altLang="ja-JP" dirty="0">
+              <a:latin typeface="メイリオ" panose="020B0604030504040204" pitchFamily="50" charset="-128"/>
+              <a:ea typeface="メイリオ" panose="020B0604030504040204" pitchFamily="50" charset="-128"/>
+            </a:endParaRPr>
+          </a:p>
+        </p:txBody>
+      </p:sp>
+      <p:sp>
+        <p:nvSpPr>
+          <p:cNvPr id="5" name="スライド番号プレースホルダー 4"/>
+          <p:cNvSpPr>
+            <a:spLocks noGrp="1"/>
+          </p:cNvSpPr>
+          <p:nvPr>
+            <p:ph type="sldNum" sz="quarter" idx="12"/>
+          </p:nvPr>
+        </p:nvSpPr>
+        <p:spPr>
+          <a:xfrm>
+            <a:off x="6732240" y="6510016"/>
+            <a:ext cx="2133600" cy="250115"/>
+          </a:xfrm>
+        </p:spPr>
+        <p:txBody>
+          <a:bodyPr/>
+          <a:lstStyle/>
+          <a:p>
+            <a:fld id="{EBB39137-EBDC-2D4F-98A6-83D1C4F5C52B}" type="slidenum">
+              <a:rPr kumimoji="1" lang="ja-JP" altLang="en-US" smtClean="0"/>
+              <a:t>10</a:t>
+            </a:fld>
+            <a:endParaRPr kumimoji="1" lang="ja-JP" altLang="en-US" dirty="0"/>
+          </a:p>
+        </p:txBody>
+      </p:sp>
+      <p:cxnSp>
+        <p:nvCxnSpPr>
+          <p:cNvPr id="13" name="直線コネクタ 12"/>
+          <p:cNvCxnSpPr/>
+          <p:nvPr/>
+        </p:nvCxnSpPr>
+        <p:spPr>
+          <a:xfrm>
+            <a:off x="1674055" y="1308290"/>
+            <a:ext cx="3854548" cy="0"/>
+          </a:xfrm>
+          <a:prstGeom prst="line">
+            <a:avLst/>
+          </a:prstGeom>
+          <a:ln w="12700">
+            <a:solidFill>
+              <a:schemeClr val="tx1"/>
+            </a:solidFill>
+          </a:ln>
+          <a:effectLst/>
+        </p:spPr>
+        <p:style>
+          <a:lnRef idx="2">
+            <a:schemeClr val="accent1"/>
+          </a:lnRef>
+          <a:fillRef idx="0">
+            <a:schemeClr val="accent1"/>
+          </a:fillRef>
+          <a:effectRef idx="1">
+            <a:schemeClr val="accent1"/>
+          </a:effectRef>
+          <a:fontRef idx="minor">
+            <a:schemeClr val="tx1"/>
+          </a:fontRef>
+        </p:style>
+      </p:cxnSp>
+      <p:cxnSp>
+        <p:nvCxnSpPr>
+          <p:cNvPr id="59" name="直線コネクタ 58"/>
+          <p:cNvCxnSpPr/>
+          <p:nvPr/>
+        </p:nvCxnSpPr>
+        <p:spPr>
+          <a:xfrm>
+            <a:off x="5671849" y="1308290"/>
+            <a:ext cx="3205714" cy="0"/>
+          </a:xfrm>
+          <a:prstGeom prst="line">
+            <a:avLst/>
+          </a:prstGeom>
+          <a:ln w="12700">
+            <a:solidFill>
+              <a:schemeClr val="tx1"/>
+            </a:solidFill>
+          </a:ln>
+          <a:effectLst/>
+        </p:spPr>
+        <p:style>
+          <a:lnRef idx="2">
+            <a:schemeClr val="accent1"/>
+          </a:lnRef>
+          <a:fillRef idx="0">
+            <a:schemeClr val="accent1"/>
+          </a:fillRef>
+          <a:effectRef idx="1">
+            <a:schemeClr val="accent1"/>
+          </a:effectRef>
+          <a:fontRef idx="minor">
+            <a:schemeClr val="tx1"/>
+          </a:fontRef>
+        </p:style>
+      </p:cxnSp>
+      <p:sp>
+        <p:nvSpPr>
+          <p:cNvPr id="60" name="テキスト ボックス 59"/>
+          <p:cNvSpPr txBox="1"/>
+          <p:nvPr/>
+        </p:nvSpPr>
+        <p:spPr>
+          <a:xfrm>
+            <a:off x="6951540" y="1009477"/>
+            <a:ext cx="543739" cy="307777"/>
+          </a:xfrm>
+          <a:prstGeom prst="rect">
+            <a:avLst/>
+          </a:prstGeom>
+          <a:noFill/>
+        </p:spPr>
+        <p:txBody>
+          <a:bodyPr wrap="none" rtlCol="0">
+            <a:spAutoFit/>
+          </a:bodyPr>
+          <a:lstStyle/>
+          <a:p>
+            <a:r>
+              <a:rPr lang="ja-JP" altLang="en-US" sz="1400" dirty="0">
+                <a:latin typeface="メイリオ" panose="020B0604030504040204" pitchFamily="50" charset="-128"/>
+                <a:ea typeface="メイリオ" panose="020B0604030504040204" pitchFamily="50" charset="-128"/>
+                <a:cs typeface="ヒラギノ角ゴ Pro W3"/>
+              </a:rPr>
+              <a:t>参考</a:t>
+            </a:r>
+          </a:p>
+        </p:txBody>
+      </p:sp>
+      <p:sp>
+        <p:nvSpPr>
+          <p:cNvPr id="41" name="正方形/長方形 40"/>
+          <p:cNvSpPr/>
+          <p:nvPr/>
+        </p:nvSpPr>
+        <p:spPr bwMode="auto">
+          <a:xfrm>
+            <a:off x="126609" y="1542705"/>
+            <a:ext cx="1547446" cy="3013529"/>
+          </a:xfrm>
+          <a:prstGeom prst="rect">
+            <a:avLst/>
+          </a:prstGeom>
+          <a:solidFill>
+            <a:schemeClr val="accent2">
+              <a:lumMod val="60000"/>
+              <a:lumOff val="40000"/>
+            </a:schemeClr>
+          </a:solidFill>
+          <a:ln w="9525">
+            <a:solidFill>
+              <a:srgbClr val="BFBFBF"/>
+            </a:solidFill>
+            <a:miter lim="800000"/>
+            <a:headEnd/>
+            <a:tailEnd/>
+          </a:ln>
+        </p:spPr>
+        <p:txBody>
+          <a:bodyPr wrap="none" lIns="36000" rIns="36000" rtlCol="0" anchor="ctr"/>
+          <a:lstStyle/>
+          <a:p>
+            <a:pPr algn="ctr"/>
+            <a:endParaRPr kumimoji="1" lang="ja-JP" altLang="en-US" sz="1400" dirty="0">
+              <a:solidFill>
+                <a:srgbClr val="FFFFFF"/>
+              </a:solidFill>
+              <a:latin typeface="ヒラギノ角ゴ Pro W3"/>
+              <a:ea typeface="ヒラギノ角ゴ Pro W3"/>
+              <a:cs typeface="ヒラギノ角ゴ Pro W3"/>
+            </a:endParaRPr>
+          </a:p>
+        </p:txBody>
+      </p:sp>
+      <p:sp>
+        <p:nvSpPr>
+          <p:cNvPr id="61" name="正方形/長方形 60"/>
+          <p:cNvSpPr/>
+          <p:nvPr/>
+        </p:nvSpPr>
+        <p:spPr bwMode="auto">
+          <a:xfrm>
+            <a:off x="126609" y="4875415"/>
+            <a:ext cx="1547446" cy="1491175"/>
+          </a:xfrm>
+          <a:prstGeom prst="rect">
+            <a:avLst/>
+          </a:prstGeom>
+          <a:solidFill>
+            <a:schemeClr val="accent2">
+              <a:lumMod val="60000"/>
+              <a:lumOff val="40000"/>
+            </a:schemeClr>
+          </a:solidFill>
+          <a:ln w="9525">
+            <a:solidFill>
+              <a:srgbClr val="BFBFBF"/>
+            </a:solidFill>
+            <a:miter lim="800000"/>
+            <a:headEnd/>
+            <a:tailEnd/>
+          </a:ln>
+        </p:spPr>
+        <p:txBody>
+          <a:bodyPr wrap="none" lIns="36000" rIns="36000" rtlCol="0" anchor="ctr"/>
+          <a:lstStyle/>
+          <a:p>
+            <a:pPr algn="ctr"/>
+            <a:endParaRPr kumimoji="1" lang="ja-JP" altLang="en-US" sz="1400" dirty="0">
+              <a:solidFill>
+                <a:srgbClr val="FFFFFF"/>
+              </a:solidFill>
+              <a:latin typeface="ヒラギノ角ゴ Pro W3"/>
+              <a:ea typeface="ヒラギノ角ゴ Pro W3"/>
+              <a:cs typeface="ヒラギノ角ゴ Pro W3"/>
+            </a:endParaRPr>
+          </a:p>
+        </p:txBody>
+      </p:sp>
+      <p:cxnSp>
+        <p:nvCxnSpPr>
+          <p:cNvPr id="65" name="直線コネクタ 64"/>
+          <p:cNvCxnSpPr/>
+          <p:nvPr/>
+        </p:nvCxnSpPr>
+        <p:spPr>
+          <a:xfrm>
+            <a:off x="126609" y="4784148"/>
+            <a:ext cx="8765021" cy="0"/>
+          </a:xfrm>
+          <a:prstGeom prst="line">
+            <a:avLst/>
+          </a:prstGeom>
+          <a:ln w="25400">
+            <a:solidFill>
+              <a:schemeClr val="bg1">
+                <a:lumMod val="75000"/>
+              </a:schemeClr>
+            </a:solidFill>
+            <a:prstDash val="sysDot"/>
+          </a:ln>
+          <a:effectLst/>
+        </p:spPr>
+        <p:style>
+          <a:lnRef idx="2">
+            <a:schemeClr val="accent1"/>
+          </a:lnRef>
+          <a:fillRef idx="0">
+            <a:schemeClr val="accent1"/>
+          </a:fillRef>
+          <a:effectRef idx="1">
+            <a:schemeClr val="accent1"/>
+          </a:effectRef>
+          <a:fontRef idx="minor">
+            <a:schemeClr val="tx1"/>
+          </a:fontRef>
+        </p:style>
+      </p:cxnSp>
+      <p:sp>
+        <p:nvSpPr>
+          <p:cNvPr id="68" name="テキスト ボックス 67"/>
+          <p:cNvSpPr txBox="1"/>
+          <p:nvPr/>
+        </p:nvSpPr>
+        <p:spPr>
+          <a:xfrm>
+            <a:off x="500222" y="2862965"/>
+            <a:ext cx="800219" cy="461665"/>
+          </a:xfrm>
+          <a:prstGeom prst="rect">
+            <a:avLst/>
+          </a:prstGeom>
+          <a:noFill/>
+        </p:spPr>
+        <p:txBody>
+          <a:bodyPr wrap="none" rtlCol="0">
+            <a:spAutoFit/>
+          </a:bodyPr>
+          <a:lstStyle/>
+          <a:p>
+            <a:r>
+              <a:rPr kumimoji="1" lang="ja-JP" altLang="en-US" sz="2400" b="1" dirty="0" smtClean="0">
+                <a:latin typeface="メイリオ" panose="020B0604030504040204" pitchFamily="50" charset="-128"/>
+                <a:ea typeface="メイリオ" panose="020B0604030504040204" pitchFamily="50" charset="-128"/>
+                <a:cs typeface="ヒラギノ角ゴ Pro W3"/>
+              </a:rPr>
+              <a:t>概要</a:t>
+            </a:r>
+          </a:p>
+        </p:txBody>
+      </p:sp>
+      <p:sp>
+        <p:nvSpPr>
+          <p:cNvPr id="70" name="テキスト ボックス 69"/>
+          <p:cNvSpPr txBox="1"/>
+          <p:nvPr/>
+        </p:nvSpPr>
+        <p:spPr>
+          <a:xfrm>
+            <a:off x="115502" y="5409391"/>
+            <a:ext cx="1569660" cy="369332"/>
+          </a:xfrm>
+          <a:prstGeom prst="rect">
+            <a:avLst/>
+          </a:prstGeom>
+          <a:noFill/>
+        </p:spPr>
+        <p:txBody>
+          <a:bodyPr wrap="none" rtlCol="0">
+            <a:spAutoFit/>
+          </a:bodyPr>
+          <a:lstStyle/>
+          <a:p>
+            <a:pPr algn="ctr"/>
+            <a:r>
+              <a:rPr kumimoji="1" lang="ja-JP" altLang="en-US" b="1" dirty="0" smtClean="0">
+                <a:latin typeface="メイリオ" panose="020B0604030504040204" pitchFamily="50" charset="-128"/>
+                <a:ea typeface="メイリオ" panose="020B0604030504040204" pitchFamily="50" charset="-128"/>
+                <a:cs typeface="ヒラギノ角ゴ Pro W3"/>
+              </a:rPr>
+              <a:t>チューニング</a:t>
+            </a:r>
+          </a:p>
+        </p:txBody>
+      </p:sp>
+      <p:sp>
+        <p:nvSpPr>
+          <p:cNvPr id="71" name="テキスト ボックス 70"/>
+          <p:cNvSpPr txBox="1"/>
+          <p:nvPr/>
+        </p:nvSpPr>
+        <p:spPr>
+          <a:xfrm>
+            <a:off x="1793864" y="1754969"/>
+            <a:ext cx="3967753" cy="2677656"/>
+          </a:xfrm>
+          <a:prstGeom prst="rect">
+            <a:avLst/>
+          </a:prstGeom>
+          <a:noFill/>
+        </p:spPr>
+        <p:txBody>
+          <a:bodyPr wrap="none" rtlCol="0">
+            <a:spAutoFit/>
+          </a:bodyPr>
+          <a:lstStyle/>
+          <a:p>
+            <a:pPr>
+              <a:lnSpc>
+                <a:spcPct val="150000"/>
+              </a:lnSpc>
+            </a:pPr>
+            <a:r>
+              <a:rPr lang="ja-JP" altLang="en-US" sz="1600" dirty="0" smtClean="0">
+                <a:latin typeface="メイリオ" panose="020B0604030504040204" pitchFamily="50" charset="-128"/>
+                <a:ea typeface="メイリオ" panose="020B0604030504040204" pitchFamily="50" charset="-128"/>
+                <a:cs typeface="ヒラギノ角ゴ Pro W3"/>
+              </a:rPr>
+              <a:t>逐次的に決定木を生成する。</a:t>
+            </a:r>
+            <a:endParaRPr lang="en-US" altLang="ja-JP" sz="1600" dirty="0" smtClean="0">
+              <a:latin typeface="メイリオ" panose="020B0604030504040204" pitchFamily="50" charset="-128"/>
+              <a:ea typeface="メイリオ" panose="020B0604030504040204" pitchFamily="50" charset="-128"/>
+              <a:cs typeface="ヒラギノ角ゴ Pro W3"/>
+            </a:endParaRPr>
+          </a:p>
+          <a:p>
+            <a:pPr>
+              <a:lnSpc>
+                <a:spcPct val="150000"/>
+              </a:lnSpc>
+            </a:pPr>
+            <a:r>
+              <a:rPr lang="ja-JP" altLang="en-US" sz="1600" dirty="0" smtClean="0">
+                <a:latin typeface="メイリオ" panose="020B0604030504040204" pitchFamily="50" charset="-128"/>
+                <a:ea typeface="メイリオ" panose="020B0604030504040204" pitchFamily="50" charset="-128"/>
+                <a:cs typeface="ヒラギノ角ゴ Pro W3"/>
+              </a:rPr>
+              <a:t>その</a:t>
+            </a:r>
+            <a:r>
+              <a:rPr lang="ja-JP" altLang="en-US" sz="1600" dirty="0">
+                <a:latin typeface="メイリオ" panose="020B0604030504040204" pitchFamily="50" charset="-128"/>
+                <a:ea typeface="メイリオ" panose="020B0604030504040204" pitchFamily="50" charset="-128"/>
+                <a:cs typeface="ヒラギノ角ゴ Pro W3"/>
+              </a:rPr>
+              <a:t>際</a:t>
+            </a:r>
+            <a:r>
+              <a:rPr lang="ja-JP" altLang="en-US" sz="1600" dirty="0" smtClean="0">
+                <a:latin typeface="メイリオ" panose="020B0604030504040204" pitchFamily="50" charset="-128"/>
+                <a:ea typeface="メイリオ" panose="020B0604030504040204" pitchFamily="50" charset="-128"/>
+                <a:cs typeface="ヒラギノ角ゴ Pro W3"/>
+              </a:rPr>
+              <a:t>に、生成した決定木でうまく分類</a:t>
+            </a:r>
+            <a:endParaRPr lang="en-US" altLang="ja-JP" sz="1600" dirty="0" smtClean="0">
+              <a:latin typeface="メイリオ" panose="020B0604030504040204" pitchFamily="50" charset="-128"/>
+              <a:ea typeface="メイリオ" panose="020B0604030504040204" pitchFamily="50" charset="-128"/>
+              <a:cs typeface="ヒラギノ角ゴ Pro W3"/>
+            </a:endParaRPr>
+          </a:p>
+          <a:p>
+            <a:pPr>
+              <a:lnSpc>
+                <a:spcPct val="150000"/>
+              </a:lnSpc>
+            </a:pPr>
+            <a:r>
+              <a:rPr lang="ja-JP" altLang="en-US" sz="1600" dirty="0" smtClean="0">
+                <a:latin typeface="メイリオ" panose="020B0604030504040204" pitchFamily="50" charset="-128"/>
+                <a:ea typeface="メイリオ" panose="020B0604030504040204" pitchFamily="50" charset="-128"/>
+                <a:cs typeface="ヒラギノ角ゴ Pro W3"/>
+              </a:rPr>
+              <a:t>出来なかったサンプルの重みを更新し、</a:t>
+            </a:r>
+            <a:endParaRPr lang="en-US" altLang="ja-JP" sz="1600" dirty="0" smtClean="0">
+              <a:latin typeface="メイリオ" panose="020B0604030504040204" pitchFamily="50" charset="-128"/>
+              <a:ea typeface="メイリオ" panose="020B0604030504040204" pitchFamily="50" charset="-128"/>
+              <a:cs typeface="ヒラギノ角ゴ Pro W3"/>
+            </a:endParaRPr>
+          </a:p>
+          <a:p>
+            <a:pPr>
+              <a:lnSpc>
+                <a:spcPct val="150000"/>
+              </a:lnSpc>
+            </a:pPr>
+            <a:r>
+              <a:rPr lang="ja-JP" altLang="en-US" sz="1600" dirty="0">
+                <a:latin typeface="メイリオ" panose="020B0604030504040204" pitchFamily="50" charset="-128"/>
+                <a:ea typeface="メイリオ" panose="020B0604030504040204" pitchFamily="50" charset="-128"/>
+                <a:cs typeface="ヒラギノ角ゴ Pro W3"/>
+              </a:rPr>
+              <a:t>次</a:t>
+            </a:r>
+            <a:r>
+              <a:rPr lang="ja-JP" altLang="en-US" sz="1600" dirty="0" smtClean="0">
+                <a:latin typeface="メイリオ" panose="020B0604030504040204" pitchFamily="50" charset="-128"/>
+                <a:ea typeface="メイリオ" panose="020B0604030504040204" pitchFamily="50" charset="-128"/>
+                <a:cs typeface="ヒラギノ角ゴ Pro W3"/>
+              </a:rPr>
+              <a:t>の決定木を生成することを繰り返す。</a:t>
+            </a:r>
+            <a:endParaRPr lang="en-US" altLang="ja-JP" sz="1600" dirty="0" smtClean="0">
+              <a:latin typeface="メイリオ" panose="020B0604030504040204" pitchFamily="50" charset="-128"/>
+              <a:ea typeface="メイリオ" panose="020B0604030504040204" pitchFamily="50" charset="-128"/>
+              <a:cs typeface="ヒラギノ角ゴ Pro W3"/>
+            </a:endParaRPr>
+          </a:p>
+          <a:p>
+            <a:pPr>
+              <a:lnSpc>
+                <a:spcPct val="150000"/>
+              </a:lnSpc>
+            </a:pPr>
+            <a:endParaRPr lang="en-US" altLang="ja-JP" sz="1600" dirty="0" smtClean="0">
+              <a:latin typeface="メイリオ" panose="020B0604030504040204" pitchFamily="50" charset="-128"/>
+              <a:ea typeface="メイリオ" panose="020B0604030504040204" pitchFamily="50" charset="-128"/>
+              <a:cs typeface="ヒラギノ角ゴ Pro W3"/>
+            </a:endParaRPr>
+          </a:p>
+          <a:p>
+            <a:pPr>
+              <a:lnSpc>
+                <a:spcPct val="150000"/>
+              </a:lnSpc>
+            </a:pPr>
+            <a:r>
+              <a:rPr lang="en-US" altLang="ja-JP" sz="1600" dirty="0" smtClean="0">
+                <a:latin typeface="メイリオ" panose="020B0604030504040204" pitchFamily="50" charset="-128"/>
+                <a:ea typeface="メイリオ" panose="020B0604030504040204" pitchFamily="50" charset="-128"/>
+                <a:cs typeface="ヒラギノ角ゴ Pro W3"/>
+              </a:rPr>
+              <a:t>※RF</a:t>
+            </a:r>
+            <a:r>
+              <a:rPr lang="ja-JP" altLang="en-US" sz="1600" dirty="0" smtClean="0">
+                <a:latin typeface="メイリオ" panose="020B0604030504040204" pitchFamily="50" charset="-128"/>
+                <a:ea typeface="メイリオ" panose="020B0604030504040204" pitchFamily="50" charset="-128"/>
+                <a:cs typeface="ヒラギノ角ゴ Pro W3"/>
+              </a:rPr>
+              <a:t>と異なり並列計算が行えないため</a:t>
+            </a:r>
+            <a:endParaRPr lang="en-US" altLang="ja-JP" sz="1600" dirty="0" smtClean="0">
+              <a:latin typeface="メイリオ" panose="020B0604030504040204" pitchFamily="50" charset="-128"/>
+              <a:ea typeface="メイリオ" panose="020B0604030504040204" pitchFamily="50" charset="-128"/>
+              <a:cs typeface="ヒラギノ角ゴ Pro W3"/>
+            </a:endParaRPr>
+          </a:p>
+          <a:p>
+            <a:pPr>
+              <a:lnSpc>
+                <a:spcPct val="150000"/>
+              </a:lnSpc>
+            </a:pPr>
+            <a:r>
+              <a:rPr lang="ja-JP" altLang="en-US" sz="1600" dirty="0" smtClean="0">
+                <a:latin typeface="メイリオ" panose="020B0604030504040204" pitchFamily="50" charset="-128"/>
+                <a:ea typeface="メイリオ" panose="020B0604030504040204" pitchFamily="50" charset="-128"/>
+                <a:cs typeface="ヒラギノ角ゴ Pro W3"/>
+              </a:rPr>
+              <a:t>計算</a:t>
+            </a:r>
+            <a:r>
+              <a:rPr lang="ja-JP" altLang="en-US" sz="1600" dirty="0">
+                <a:latin typeface="メイリオ" panose="020B0604030504040204" pitchFamily="50" charset="-128"/>
+                <a:ea typeface="メイリオ" panose="020B0604030504040204" pitchFamily="50" charset="-128"/>
+                <a:cs typeface="ヒラギノ角ゴ Pro W3"/>
+              </a:rPr>
+              <a:t>時間</a:t>
+            </a:r>
+            <a:r>
+              <a:rPr lang="ja-JP" altLang="en-US" sz="1600" dirty="0" smtClean="0">
+                <a:latin typeface="メイリオ" panose="020B0604030504040204" pitchFamily="50" charset="-128"/>
+                <a:ea typeface="メイリオ" panose="020B0604030504040204" pitchFamily="50" charset="-128"/>
+                <a:cs typeface="ヒラギノ角ゴ Pro W3"/>
+              </a:rPr>
+              <a:t>が</a:t>
+            </a:r>
+            <a:r>
+              <a:rPr lang="ja-JP" altLang="en-US" sz="1600" dirty="0">
+                <a:latin typeface="メイリオ" panose="020B0604030504040204" pitchFamily="50" charset="-128"/>
+                <a:ea typeface="メイリオ" panose="020B0604030504040204" pitchFamily="50" charset="-128"/>
+                <a:cs typeface="ヒラギノ角ゴ Pro W3"/>
+              </a:rPr>
+              <a:t>長</a:t>
+            </a:r>
+            <a:r>
+              <a:rPr lang="ja-JP" altLang="en-US" sz="1600" dirty="0" smtClean="0">
+                <a:latin typeface="メイリオ" panose="020B0604030504040204" pitchFamily="50" charset="-128"/>
+                <a:ea typeface="メイリオ" panose="020B0604030504040204" pitchFamily="50" charset="-128"/>
+                <a:cs typeface="ヒラギノ角ゴ Pro W3"/>
+              </a:rPr>
+              <a:t>くな</a:t>
+            </a:r>
+            <a:r>
+              <a:rPr lang="ja-JP" altLang="en-US" sz="1600" dirty="0">
+                <a:latin typeface="メイリオ" panose="020B0604030504040204" pitchFamily="50" charset="-128"/>
+                <a:ea typeface="メイリオ" panose="020B0604030504040204" pitchFamily="50" charset="-128"/>
+                <a:cs typeface="ヒラギノ角ゴ Pro W3"/>
+              </a:rPr>
+              <a:t>る</a:t>
+            </a:r>
+            <a:endParaRPr lang="en-US" altLang="ja-JP" sz="1600" dirty="0" smtClean="0">
+              <a:latin typeface="メイリオ" panose="020B0604030504040204" pitchFamily="50" charset="-128"/>
+              <a:ea typeface="メイリオ" panose="020B0604030504040204" pitchFamily="50" charset="-128"/>
+              <a:cs typeface="ヒラギノ角ゴ Pro W3"/>
+            </a:endParaRPr>
+          </a:p>
+        </p:txBody>
+      </p:sp>
+      <p:sp>
+        <p:nvSpPr>
+          <p:cNvPr id="98" name="テキスト ボックス 97"/>
+          <p:cNvSpPr txBox="1"/>
+          <p:nvPr/>
+        </p:nvSpPr>
+        <p:spPr>
+          <a:xfrm>
+            <a:off x="1793864" y="5159603"/>
+            <a:ext cx="7026282" cy="1015663"/>
+          </a:xfrm>
+          <a:prstGeom prst="rect">
+            <a:avLst/>
+          </a:prstGeom>
+          <a:noFill/>
+        </p:spPr>
+        <p:txBody>
+          <a:bodyPr wrap="none" rtlCol="0">
+            <a:spAutoFit/>
+          </a:bodyPr>
+          <a:lstStyle/>
+          <a:p>
+            <a:pPr marL="171450" indent="-171450">
+              <a:lnSpc>
+                <a:spcPct val="150000"/>
+              </a:lnSpc>
+              <a:buFontTx/>
+              <a:buChar char="-"/>
+            </a:pPr>
+            <a:r>
+              <a:rPr lang="ja-JP" altLang="en-US" sz="2000" dirty="0" smtClean="0">
+                <a:latin typeface="メイリオ" panose="020B0604030504040204" pitchFamily="50" charset="-128"/>
+                <a:ea typeface="メイリオ" panose="020B0604030504040204" pitchFamily="50" charset="-128"/>
+                <a:cs typeface="ヒラギノ角ゴ Pro W3"/>
+              </a:rPr>
+              <a:t>ランダムフォレストと同様のパラメ</a:t>
+            </a:r>
+            <a:r>
+              <a:rPr lang="en-US" altLang="ja-JP" sz="2000" dirty="0" smtClean="0">
+                <a:latin typeface="メイリオ" panose="020B0604030504040204" pitchFamily="50" charset="-128"/>
+                <a:ea typeface="メイリオ" panose="020B0604030504040204" pitchFamily="50" charset="-128"/>
+                <a:cs typeface="ヒラギノ角ゴ Pro W3"/>
+              </a:rPr>
+              <a:t>―</a:t>
+            </a:r>
+            <a:r>
+              <a:rPr lang="ja-JP" altLang="en-US" sz="2000" dirty="0" smtClean="0">
+                <a:latin typeface="メイリオ" panose="020B0604030504040204" pitchFamily="50" charset="-128"/>
+                <a:ea typeface="メイリオ" panose="020B0604030504040204" pitchFamily="50" charset="-128"/>
+                <a:cs typeface="ヒラギノ角ゴ Pro W3"/>
+              </a:rPr>
+              <a:t>ター群</a:t>
+            </a:r>
+            <a:endParaRPr lang="en-US" altLang="ja-JP" sz="2000" dirty="0" smtClean="0">
+              <a:latin typeface="メイリオ" panose="020B0604030504040204" pitchFamily="50" charset="-128"/>
+              <a:ea typeface="メイリオ" panose="020B0604030504040204" pitchFamily="50" charset="-128"/>
+              <a:cs typeface="ヒラギノ角ゴ Pro W3"/>
+            </a:endParaRPr>
+          </a:p>
+          <a:p>
+            <a:pPr marL="171450" indent="-171450">
+              <a:lnSpc>
+                <a:spcPct val="150000"/>
+              </a:lnSpc>
+              <a:buFontTx/>
+              <a:buChar char="-"/>
+            </a:pPr>
+            <a:r>
+              <a:rPr lang="ja-JP" altLang="en-US" sz="2000" dirty="0" smtClean="0">
+                <a:latin typeface="メイリオ" panose="020B0604030504040204" pitchFamily="50" charset="-128"/>
+                <a:ea typeface="メイリオ" panose="020B0604030504040204" pitchFamily="50" charset="-128"/>
+                <a:cs typeface="ヒラギノ角ゴ Pro W3"/>
+              </a:rPr>
+              <a:t>既存の決定木による重みの更新をどの程度の強さで行うか</a:t>
+            </a:r>
+            <a:endParaRPr lang="en-US" altLang="ja-JP" sz="2000" dirty="0">
+              <a:latin typeface="メイリオ" panose="020B0604030504040204" pitchFamily="50" charset="-128"/>
+              <a:ea typeface="メイリオ" panose="020B0604030504040204" pitchFamily="50" charset="-128"/>
+              <a:cs typeface="ヒラギノ角ゴ Pro W3"/>
+            </a:endParaRPr>
+          </a:p>
+        </p:txBody>
+      </p:sp>
+      <p:sp>
+        <p:nvSpPr>
+          <p:cNvPr id="3" name="テキスト ボックス 2"/>
+          <p:cNvSpPr txBox="1"/>
+          <p:nvPr/>
+        </p:nvSpPr>
+        <p:spPr>
+          <a:xfrm>
+            <a:off x="6720708" y="1595216"/>
+            <a:ext cx="1107996" cy="276999"/>
+          </a:xfrm>
+          <a:prstGeom prst="rect">
+            <a:avLst/>
+          </a:prstGeom>
+          <a:noFill/>
+        </p:spPr>
+        <p:txBody>
+          <a:bodyPr wrap="none" rtlCol="0">
+            <a:spAutoFit/>
+          </a:bodyPr>
+          <a:lstStyle/>
+          <a:p>
+            <a:r>
+              <a:rPr kumimoji="1" lang="ja-JP" altLang="en-US" sz="1200" dirty="0" smtClean="0">
+                <a:latin typeface="メイリオ" panose="020B0604030504040204" pitchFamily="50" charset="-128"/>
+                <a:ea typeface="メイリオ" panose="020B0604030504040204" pitchFamily="50" charset="-128"/>
+                <a:cs typeface="ヒラギノ角ゴ Pro W3"/>
+              </a:rPr>
+              <a:t>決定木を作る</a:t>
+            </a:r>
+            <a:endParaRPr kumimoji="1" lang="ja-JP" altLang="en-US" sz="1200" dirty="0" smtClean="0">
+              <a:latin typeface="メイリオ" panose="020B0604030504040204" pitchFamily="50" charset="-128"/>
+              <a:ea typeface="メイリオ" panose="020B0604030504040204" pitchFamily="50" charset="-128"/>
+              <a:cs typeface="ヒラギノ角ゴ Pro W3"/>
+            </a:endParaRPr>
+          </a:p>
+        </p:txBody>
+      </p:sp>
+      <p:sp>
+        <p:nvSpPr>
+          <p:cNvPr id="40" name="テキスト ボックス 39"/>
+          <p:cNvSpPr txBox="1"/>
+          <p:nvPr/>
+        </p:nvSpPr>
+        <p:spPr>
+          <a:xfrm>
+            <a:off x="5761617" y="2007029"/>
+            <a:ext cx="3108543" cy="461665"/>
+          </a:xfrm>
+          <a:prstGeom prst="rect">
+            <a:avLst/>
+          </a:prstGeom>
+          <a:noFill/>
+        </p:spPr>
+        <p:txBody>
+          <a:bodyPr wrap="none" rtlCol="0">
+            <a:spAutoFit/>
+          </a:bodyPr>
+          <a:lstStyle/>
+          <a:p>
+            <a:r>
+              <a:rPr kumimoji="1" lang="ja-JP" altLang="en-US" sz="1200" dirty="0" smtClean="0">
+                <a:latin typeface="メイリオ" panose="020B0604030504040204" pitchFamily="50" charset="-128"/>
+                <a:ea typeface="メイリオ" panose="020B0604030504040204" pitchFamily="50" charset="-128"/>
+                <a:cs typeface="ヒラギノ角ゴ Pro W3"/>
+              </a:rPr>
+              <a:t>上手く分類できなかった個体の不純度算出</a:t>
+            </a:r>
+            <a:endParaRPr kumimoji="1" lang="en-US" altLang="ja-JP" sz="1200" dirty="0" smtClean="0">
+              <a:latin typeface="メイリオ" panose="020B0604030504040204" pitchFamily="50" charset="-128"/>
+              <a:ea typeface="メイリオ" panose="020B0604030504040204" pitchFamily="50" charset="-128"/>
+              <a:cs typeface="ヒラギノ角ゴ Pro W3"/>
+            </a:endParaRPr>
+          </a:p>
+          <a:p>
+            <a:r>
+              <a:rPr lang="ja-JP" altLang="en-US" sz="1200" dirty="0" smtClean="0">
+                <a:latin typeface="メイリオ" panose="020B0604030504040204" pitchFamily="50" charset="-128"/>
+                <a:ea typeface="メイリオ" panose="020B0604030504040204" pitchFamily="50" charset="-128"/>
+                <a:cs typeface="ヒラギノ角ゴ Pro W3"/>
+              </a:rPr>
+              <a:t>における重みを更新する</a:t>
+            </a:r>
+            <a:endParaRPr kumimoji="1" lang="en-US" altLang="ja-JP" sz="1200" dirty="0" smtClean="0">
+              <a:latin typeface="メイリオ" panose="020B0604030504040204" pitchFamily="50" charset="-128"/>
+              <a:ea typeface="メイリオ" panose="020B0604030504040204" pitchFamily="50" charset="-128"/>
+              <a:cs typeface="ヒラギノ角ゴ Pro W3"/>
+            </a:endParaRPr>
+          </a:p>
+        </p:txBody>
+      </p:sp>
+      <p:sp>
+        <p:nvSpPr>
+          <p:cNvPr id="42" name="テキスト ボックス 41"/>
+          <p:cNvSpPr txBox="1"/>
+          <p:nvPr/>
+        </p:nvSpPr>
+        <p:spPr>
+          <a:xfrm>
+            <a:off x="6361634" y="2645308"/>
+            <a:ext cx="1723549" cy="276999"/>
+          </a:xfrm>
+          <a:prstGeom prst="rect">
+            <a:avLst/>
+          </a:prstGeom>
+          <a:noFill/>
+        </p:spPr>
+        <p:txBody>
+          <a:bodyPr wrap="none" rtlCol="0">
+            <a:spAutoFit/>
+          </a:bodyPr>
+          <a:lstStyle/>
+          <a:p>
+            <a:r>
+              <a:rPr kumimoji="1" lang="ja-JP" altLang="en-US" sz="1200" dirty="0" smtClean="0">
+                <a:latin typeface="メイリオ" panose="020B0604030504040204" pitchFamily="50" charset="-128"/>
+                <a:ea typeface="メイリオ" panose="020B0604030504040204" pitchFamily="50" charset="-128"/>
+                <a:cs typeface="ヒラギノ角ゴ Pro W3"/>
+              </a:rPr>
+              <a:t>次の決定</a:t>
+            </a:r>
+            <a:r>
+              <a:rPr lang="ja-JP" altLang="en-US" sz="1200" dirty="0" smtClean="0">
+                <a:latin typeface="メイリオ" panose="020B0604030504040204" pitchFamily="50" charset="-128"/>
+                <a:ea typeface="メイリオ" panose="020B0604030504040204" pitchFamily="50" charset="-128"/>
+                <a:cs typeface="ヒラギノ角ゴ Pro W3"/>
+              </a:rPr>
+              <a:t>木を生成する</a:t>
+            </a:r>
+            <a:endParaRPr kumimoji="1" lang="en-US" altLang="ja-JP" sz="1200" dirty="0" smtClean="0">
+              <a:latin typeface="メイリオ" panose="020B0604030504040204" pitchFamily="50" charset="-128"/>
+              <a:ea typeface="メイリオ" panose="020B0604030504040204" pitchFamily="50" charset="-128"/>
+              <a:cs typeface="ヒラギノ角ゴ Pro W3"/>
+            </a:endParaRPr>
+          </a:p>
+        </p:txBody>
+      </p:sp>
+      <p:sp>
+        <p:nvSpPr>
+          <p:cNvPr id="43" name="テキスト ボックス 42"/>
+          <p:cNvSpPr txBox="1"/>
+          <p:nvPr/>
+        </p:nvSpPr>
+        <p:spPr>
+          <a:xfrm>
+            <a:off x="5684673" y="3110571"/>
+            <a:ext cx="3262432" cy="830997"/>
+          </a:xfrm>
+          <a:prstGeom prst="rect">
+            <a:avLst/>
+          </a:prstGeom>
+          <a:noFill/>
+        </p:spPr>
+        <p:txBody>
+          <a:bodyPr wrap="none" rtlCol="0">
+            <a:spAutoFit/>
+          </a:bodyPr>
+          <a:lstStyle/>
+          <a:p>
+            <a:r>
+              <a:rPr kumimoji="1" lang="ja-JP" altLang="en-US" sz="1200" dirty="0" smtClean="0">
+                <a:latin typeface="メイリオ" panose="020B0604030504040204" pitchFamily="50" charset="-128"/>
+                <a:ea typeface="メイリオ" panose="020B0604030504040204" pitchFamily="50" charset="-128"/>
+                <a:cs typeface="ヒラギノ角ゴ Pro W3"/>
+              </a:rPr>
+              <a:t>この時、各ノードでは前工程で更新された</a:t>
+            </a:r>
+            <a:endParaRPr kumimoji="1" lang="en-US" altLang="ja-JP" sz="1200" dirty="0" smtClean="0">
+              <a:latin typeface="メイリオ" panose="020B0604030504040204" pitchFamily="50" charset="-128"/>
+              <a:ea typeface="メイリオ" panose="020B0604030504040204" pitchFamily="50" charset="-128"/>
+              <a:cs typeface="ヒラギノ角ゴ Pro W3"/>
+            </a:endParaRPr>
+          </a:p>
+          <a:p>
+            <a:r>
+              <a:rPr lang="ja-JP" altLang="en-US" sz="1200" dirty="0" smtClean="0">
+                <a:latin typeface="メイリオ" panose="020B0604030504040204" pitchFamily="50" charset="-128"/>
+                <a:ea typeface="メイリオ" panose="020B0604030504040204" pitchFamily="50" charset="-128"/>
+                <a:cs typeface="ヒラギノ角ゴ Pro W3"/>
+              </a:rPr>
+              <a:t>重みを用いて不純度計算を行うので、</a:t>
+            </a:r>
+            <a:endParaRPr lang="en-US" altLang="ja-JP" sz="1200" dirty="0" smtClean="0">
+              <a:latin typeface="メイリオ" panose="020B0604030504040204" pitchFamily="50" charset="-128"/>
+              <a:ea typeface="メイリオ" panose="020B0604030504040204" pitchFamily="50" charset="-128"/>
+              <a:cs typeface="ヒラギノ角ゴ Pro W3"/>
+            </a:endParaRPr>
+          </a:p>
+          <a:p>
+            <a:r>
+              <a:rPr kumimoji="1" lang="ja-JP" altLang="en-US" sz="1200" dirty="0">
+                <a:latin typeface="メイリオ" panose="020B0604030504040204" pitchFamily="50" charset="-128"/>
+                <a:ea typeface="メイリオ" panose="020B0604030504040204" pitchFamily="50" charset="-128"/>
+                <a:cs typeface="ヒラギノ角ゴ Pro W3"/>
+              </a:rPr>
+              <a:t>重</a:t>
+            </a:r>
+            <a:r>
+              <a:rPr kumimoji="1" lang="ja-JP" altLang="en-US" sz="1200" dirty="0" smtClean="0">
+                <a:latin typeface="メイリオ" panose="020B0604030504040204" pitchFamily="50" charset="-128"/>
+                <a:ea typeface="メイリオ" panose="020B0604030504040204" pitchFamily="50" charset="-128"/>
+                <a:cs typeface="ヒラギノ角ゴ Pro W3"/>
+              </a:rPr>
+              <a:t>みの高い個体をうまく分類できる特徴量、</a:t>
+            </a:r>
+            <a:endParaRPr kumimoji="1" lang="en-US" altLang="ja-JP" sz="1200" dirty="0" smtClean="0">
+              <a:latin typeface="メイリオ" panose="020B0604030504040204" pitchFamily="50" charset="-128"/>
+              <a:ea typeface="メイリオ" panose="020B0604030504040204" pitchFamily="50" charset="-128"/>
+              <a:cs typeface="ヒラギノ角ゴ Pro W3"/>
+            </a:endParaRPr>
+          </a:p>
+          <a:p>
+            <a:r>
+              <a:rPr lang="ja-JP" altLang="en-US" sz="1200" dirty="0" smtClean="0">
+                <a:latin typeface="メイリオ" panose="020B0604030504040204" pitchFamily="50" charset="-128"/>
+                <a:ea typeface="メイリオ" panose="020B0604030504040204" pitchFamily="50" charset="-128"/>
+                <a:cs typeface="ヒラギノ角ゴ Pro W3"/>
+              </a:rPr>
+              <a:t>閾値が選択されやすくなる</a:t>
+            </a:r>
+            <a:endParaRPr kumimoji="1" lang="en-US" altLang="ja-JP" sz="1200" dirty="0" smtClean="0">
+              <a:latin typeface="メイリオ" panose="020B0604030504040204" pitchFamily="50" charset="-128"/>
+              <a:ea typeface="メイリオ" panose="020B0604030504040204" pitchFamily="50" charset="-128"/>
+              <a:cs typeface="ヒラギノ角ゴ Pro W3"/>
+            </a:endParaRPr>
+          </a:p>
+        </p:txBody>
+      </p:sp>
+      <p:sp>
+        <p:nvSpPr>
+          <p:cNvPr id="44" name="テキスト ボックス 43"/>
+          <p:cNvSpPr txBox="1"/>
+          <p:nvPr/>
+        </p:nvSpPr>
+        <p:spPr>
+          <a:xfrm>
+            <a:off x="6028211" y="4276279"/>
+            <a:ext cx="2492990" cy="276999"/>
+          </a:xfrm>
+          <a:prstGeom prst="rect">
+            <a:avLst/>
+          </a:prstGeom>
+          <a:noFill/>
+        </p:spPr>
+        <p:txBody>
+          <a:bodyPr wrap="none" rtlCol="0">
+            <a:spAutoFit/>
+          </a:bodyPr>
+          <a:lstStyle/>
+          <a:p>
+            <a:r>
+              <a:rPr kumimoji="1" lang="ja-JP" altLang="en-US" sz="1200" dirty="0" smtClean="0">
+                <a:latin typeface="メイリオ" panose="020B0604030504040204" pitchFamily="50" charset="-128"/>
+                <a:ea typeface="メイリオ" panose="020B0604030504040204" pitchFamily="50" charset="-128"/>
+                <a:cs typeface="ヒラギノ角ゴ Pro W3"/>
+              </a:rPr>
+              <a:t>上記を繰り返し、最後に統合する</a:t>
+            </a:r>
+            <a:endParaRPr kumimoji="1" lang="en-US" altLang="ja-JP" sz="1200" dirty="0" smtClean="0">
+              <a:latin typeface="メイリオ" panose="020B0604030504040204" pitchFamily="50" charset="-128"/>
+              <a:ea typeface="メイリオ" panose="020B0604030504040204" pitchFamily="50" charset="-128"/>
+              <a:cs typeface="ヒラギノ角ゴ Pro W3"/>
+            </a:endParaRPr>
+          </a:p>
+        </p:txBody>
+      </p:sp>
+    </p:spTree>
+    <p:extLst>
+      <p:ext uri="{BB962C8B-B14F-4D97-AF65-F5344CB8AC3E}">
+        <p14:creationId xmlns:p14="http://schemas.microsoft.com/office/powerpoint/2010/main" val="728093128"/>
+      </p:ext>
+    </p:extLst>
+  </p:cSld>
+  <p:clrMapOvr>
+    <a:masterClrMapping/>
+  </p:clrMapOvr>
+  <p:timing>
+    <p:tnLst>
+      <p:par>
+        <p:cTn id="1" dur="indefinite" restart="never" nodeType="tmRoot"/>
+      </p:par>
+    </p:tnLst>
+  </p:timing>
+</p:sld>
+</file>
+
+<file path=ppt/slides/slide2.xml><?xml version="1.0" encoding="utf-8"?>
+<p:sld xmlns:a="http://schemas.openxmlformats.org/drawingml/2006/main" xmlns:r="http://schemas.openxmlformats.org/officeDocument/2006/relationships" xmlns:p="http://schemas.openxmlformats.org/presentationml/2006/main">
+  <p:cSld>
+    <p:spTree>
+      <p:nvGrpSpPr>
+        <p:cNvPr id="1" name=""/>
+        <p:cNvGrpSpPr/>
+        <p:nvPr/>
+      </p:nvGrpSpPr>
+      <p:grpSpPr>
+        <a:xfrm>
+          <a:off x="0" y="0"/>
+          <a:ext cx="0" cy="0"/>
+          <a:chOff x="0" y="0"/>
+          <a:chExt cx="0" cy="0"/>
+        </a:xfrm>
+      </p:grpSpPr>
       <p:pic>
         <p:nvPicPr>
           <p:cNvPr id="97" name="図 96"/>
@@ -5312,7 +6732,7 @@
           <a:p>
             <a:fld id="{EBB39137-EBDC-2D4F-98A6-83D1C4F5C52B}" type="slidenum">
               <a:rPr kumimoji="1" lang="ja-JP" altLang="en-US" smtClean="0"/>
-              <a:t>1</a:t>
+              <a:t>2</a:t>
             </a:fld>
             <a:endParaRPr kumimoji="1" lang="ja-JP" altLang="en-US" dirty="0"/>
           </a:p>
@@ -7480,7 +8900,7 @@
 </p:sld>
 </file>
 
-<file path=ppt/slides/slide2.xml><?xml version="1.0" encoding="utf-8"?>
+<file path=ppt/slides/slide3.xml><?xml version="1.0" encoding="utf-8"?>
 <p:sld xmlns:a="http://schemas.openxmlformats.org/drawingml/2006/main" xmlns:r="http://schemas.openxmlformats.org/officeDocument/2006/relationships" xmlns:p="http://schemas.openxmlformats.org/presentationml/2006/main">
   <p:cSld>
     <p:spTree>
@@ -7622,7 +9042,7 @@
           <a:p>
             <a:fld id="{EBB39137-EBDC-2D4F-98A6-83D1C4F5C52B}" type="slidenum">
               <a:rPr kumimoji="1" lang="ja-JP" altLang="en-US" smtClean="0"/>
-              <a:t>2</a:t>
+              <a:t>3</a:t>
             </a:fld>
             <a:endParaRPr kumimoji="1" lang="ja-JP" altLang="en-US" dirty="0"/>
           </a:p>
@@ -8700,7 +10120,7 @@
 </p:sld>
 </file>
 
-<file path=ppt/slides/slide3.xml><?xml version="1.0" encoding="utf-8"?>
+<file path=ppt/slides/slide4.xml><?xml version="1.0" encoding="utf-8"?>
 <p:sld xmlns:a="http://schemas.openxmlformats.org/drawingml/2006/main" xmlns:r="http://schemas.openxmlformats.org/officeDocument/2006/relationships" xmlns:p="http://schemas.openxmlformats.org/presentationml/2006/main">
   <p:cSld>
     <p:spTree>
@@ -8793,7 +10213,7 @@
           <a:p>
             <a:fld id="{EBB39137-EBDC-2D4F-98A6-83D1C4F5C52B}" type="slidenum">
               <a:rPr kumimoji="1" lang="ja-JP" altLang="en-US" smtClean="0"/>
-              <a:t>3</a:t>
+              <a:t>4</a:t>
             </a:fld>
             <a:endParaRPr kumimoji="1" lang="ja-JP" altLang="en-US" dirty="0"/>
           </a:p>
@@ -9236,7 +10656,7 @@
 </p:sld>
 </file>
 
-<file path=ppt/slides/slide4.xml><?xml version="1.0" encoding="utf-8"?>
+<file path=ppt/slides/slide5.xml><?xml version="1.0" encoding="utf-8"?>
 <p:sld xmlns:a="http://schemas.openxmlformats.org/drawingml/2006/main" xmlns:r="http://schemas.openxmlformats.org/officeDocument/2006/relationships" xmlns:p="http://schemas.openxmlformats.org/presentationml/2006/main">
   <p:cSld>
     <p:spTree>
@@ -9364,7 +10784,7 @@
           <a:p>
             <a:fld id="{EBB39137-EBDC-2D4F-98A6-83D1C4F5C52B}" type="slidenum">
               <a:rPr kumimoji="1" lang="ja-JP" altLang="en-US" smtClean="0"/>
-              <a:t>4</a:t>
+              <a:t>5</a:t>
             </a:fld>
             <a:endParaRPr kumimoji="1" lang="ja-JP" altLang="en-US" dirty="0"/>
           </a:p>
@@ -9926,7 +11346,7 @@
         <p:spPr>
           <a:xfrm>
             <a:off x="1850298" y="4952179"/>
-            <a:ext cx="2409634" cy="1569660"/>
+            <a:ext cx="3666388" cy="1569660"/>
           </a:xfrm>
           <a:prstGeom prst="rect">
             <a:avLst/>
@@ -10058,6 +11478,30 @@
                 <a:cs typeface="ヒラギノ角ゴ Pro W3"/>
               </a:rPr>
               <a:t>重みづけ</a:t>
+            </a:r>
+            <a:r>
+              <a:rPr lang="en-US" altLang="ja-JP" sz="1600" dirty="0" smtClean="0">
+                <a:latin typeface="メイリオ" panose="020B0604030504040204" pitchFamily="50" charset="-128"/>
+                <a:ea typeface="メイリオ" panose="020B0604030504040204" pitchFamily="50" charset="-128"/>
+                <a:cs typeface="ヒラギノ角ゴ Pro W3"/>
+              </a:rPr>
+              <a:t>(</a:t>
+            </a:r>
+            <a:r>
+              <a:rPr lang="ja-JP" altLang="en-US" sz="1600" dirty="0" smtClean="0">
+                <a:latin typeface="メイリオ" panose="020B0604030504040204" pitchFamily="50" charset="-128"/>
+                <a:ea typeface="メイリオ" panose="020B0604030504040204" pitchFamily="50" charset="-128"/>
+                <a:cs typeface="ヒラギノ角ゴ Pro W3"/>
+              </a:rPr>
+              <a:t>不均衡データの場合</a:t>
+            </a:r>
+            <a:r>
+              <a:rPr lang="en-US" altLang="ja-JP" sz="1600" dirty="0" smtClean="0">
+                <a:latin typeface="メイリオ" panose="020B0604030504040204" pitchFamily="50" charset="-128"/>
+                <a:ea typeface="メイリオ" panose="020B0604030504040204" pitchFamily="50" charset="-128"/>
+                <a:cs typeface="ヒラギノ角ゴ Pro W3"/>
+              </a:rPr>
+              <a:t>)</a:t>
             </a:r>
             <a:endParaRPr lang="en-US" altLang="ja-JP" sz="1600" dirty="0" smtClean="0">
               <a:latin typeface="メイリオ" panose="020B0604030504040204" pitchFamily="50" charset="-128"/>
@@ -10535,7 +11979,7 @@
 </p:sld>
 </file>
 
-<file path=ppt/slides/slide5.xml><?xml version="1.0" encoding="utf-8"?>
+<file path=ppt/slides/slide6.xml><?xml version="1.0" encoding="utf-8"?>
 <p:sld xmlns:a="http://schemas.openxmlformats.org/drawingml/2006/main" xmlns:r="http://schemas.openxmlformats.org/officeDocument/2006/relationships" xmlns:p="http://schemas.openxmlformats.org/presentationml/2006/main">
   <p:cSld>
     <p:spTree>
@@ -10620,7 +12064,7 @@
           <a:p>
             <a:fld id="{EBB39137-EBDC-2D4F-98A6-83D1C4F5C52B}" type="slidenum">
               <a:rPr kumimoji="1" lang="ja-JP" altLang="en-US" smtClean="0"/>
-              <a:t>5</a:t>
+              <a:t>6</a:t>
             </a:fld>
             <a:endParaRPr kumimoji="1" lang="ja-JP" altLang="en-US" dirty="0"/>
           </a:p>
@@ -13538,7 +14982,7 @@
 </p:sld>
 </file>
 
-<file path=ppt/slides/slide6.xml><?xml version="1.0" encoding="utf-8"?>
+<file path=ppt/slides/slide7.xml><?xml version="1.0" encoding="utf-8"?>
 <p:sld xmlns:a="http://schemas.openxmlformats.org/drawingml/2006/main" xmlns:r="http://schemas.openxmlformats.org/officeDocument/2006/relationships" xmlns:p="http://schemas.openxmlformats.org/presentationml/2006/main">
   <p:cSld>
     <p:spTree>
@@ -13557,57 +15001,6 @@
       </p:grpSpPr>
       <p:sp>
         <p:nvSpPr>
-          <p:cNvPr id="129" name="正方形/長方形 128"/>
-          <p:cNvSpPr/>
-          <p:nvPr/>
-        </p:nvSpPr>
-        <p:spPr bwMode="auto">
-          <a:xfrm>
-            <a:off x="7536356" y="4352841"/>
-            <a:ext cx="1403511" cy="1938349"/>
-          </a:xfrm>
-          <a:prstGeom prst="rect">
-            <a:avLst/>
-          </a:prstGeom>
-          <a:solidFill>
-            <a:srgbClr val="FFFFFF"/>
-          </a:solidFill>
-          <a:ln w="25400">
-            <a:solidFill>
-              <a:schemeClr val="bg1">
-                <a:lumMod val="65000"/>
-              </a:schemeClr>
-            </a:solidFill>
-            <a:miter lim="800000"/>
-            <a:headEnd/>
-            <a:tailEnd/>
-          </a:ln>
-          <a:extLst/>
-        </p:spPr>
-        <p:txBody>
-          <a:bodyPr wrap="square" rtlCol="0" anchor="ctr">
-            <a:spAutoFit/>
-          </a:bodyPr>
-          <a:lstStyle/>
-          <a:p>
-            <a:pPr algn="ctr">
-              <a:lnSpc>
-                <a:spcPct val="130000"/>
-              </a:lnSpc>
-            </a:pPr>
-            <a:endParaRPr kumimoji="1" lang="ja-JP" altLang="en-US" sz="2000" b="1" i="0" dirty="0" smtClean="0">
-              <a:solidFill>
-                <a:srgbClr val="C0504D"/>
-              </a:solidFill>
-              <a:latin typeface="メイリオ" charset="0"/>
-              <a:ea typeface="メイリオ" charset="0"/>
-              <a:cs typeface="メイリオ" charset="0"/>
-            </a:endParaRPr>
-          </a:p>
-        </p:txBody>
-      </p:sp>
-      <p:sp>
-        <p:nvSpPr>
           <p:cNvPr id="5" name="スライド番号プレースホルダー 4"/>
           <p:cNvSpPr>
             <a:spLocks noGrp="1"/>
@@ -13623,7 +15016,7 @@
           <a:p>
             <a:fld id="{EBB39137-EBDC-2D4F-98A6-83D1C4F5C52B}" type="slidenum">
               <a:rPr kumimoji="1" lang="ja-JP" altLang="en-US" smtClean="0"/>
-              <a:t>6</a:t>
+              <a:t>7</a:t>
             </a:fld>
             <a:endParaRPr kumimoji="1" lang="ja-JP" altLang="en-US" dirty="0"/>
           </a:p>
@@ -13676,11 +15069,11 @@
               </a:spcAft>
             </a:pPr>
             <a:r>
-              <a:rPr lang="ja-JP" altLang="en-US" dirty="0" err="1" smtClean="0">
-                <a:latin typeface="メイリオ" panose="020B0604030504040204" pitchFamily="50" charset="-128"/>
-                <a:ea typeface="メイリオ" panose="020B0604030504040204" pitchFamily="50" charset="-128"/>
-              </a:rPr>
-              <a:t>ふじゅ</a:t>
+              <a:rPr lang="ja-JP" altLang="en-US" dirty="0" smtClean="0">
+                <a:latin typeface="メイリオ" panose="020B0604030504040204" pitchFamily="50" charset="-128"/>
+                <a:ea typeface="メイリオ" panose="020B0604030504040204" pitchFamily="50" charset="-128"/>
+              </a:rPr>
+              <a:t>不純度の計算にはジニ不純度、またはエントロピーを用いることが主流</a:t>
             </a:r>
             <a:endParaRPr lang="en-US" altLang="ja-JP" dirty="0" smtClean="0">
               <a:latin typeface="メイリオ" panose="020B0604030504040204" pitchFamily="50" charset="-128"/>
@@ -13746,1116 +15139,23 @@
           </a:p>
         </p:txBody>
       </p:sp>
-      <p:sp>
-        <p:nvSpPr>
-          <p:cNvPr id="69" name="正方形/長方形 68"/>
-          <p:cNvSpPr/>
-          <p:nvPr/>
-        </p:nvSpPr>
-        <p:spPr bwMode="auto">
-          <a:xfrm>
-            <a:off x="255521" y="1502228"/>
-            <a:ext cx="8610313" cy="1210492"/>
-          </a:xfrm>
-          <a:prstGeom prst="rect">
-            <a:avLst/>
-          </a:prstGeom>
-          <a:solidFill>
-            <a:srgbClr val="FFFFFF"/>
-          </a:solidFill>
-          <a:ln w="25400">
-            <a:solidFill>
-              <a:schemeClr val="bg1">
-                <a:lumMod val="65000"/>
-              </a:schemeClr>
-            </a:solidFill>
-            <a:miter lim="800000"/>
-            <a:headEnd/>
-            <a:tailEnd/>
-          </a:ln>
-          <a:extLst/>
-        </p:spPr>
-        <p:txBody>
-          <a:bodyPr wrap="square" rtlCol="0" anchor="ctr">
-            <a:spAutoFit/>
-          </a:bodyPr>
-          <a:lstStyle/>
-          <a:p>
-            <a:pPr algn="ctr">
-              <a:lnSpc>
-                <a:spcPct val="130000"/>
-              </a:lnSpc>
-            </a:pPr>
-            <a:endParaRPr kumimoji="1" lang="ja-JP" altLang="en-US" sz="2000" b="1" i="0" dirty="0" smtClean="0">
-              <a:solidFill>
-                <a:srgbClr val="C0504D"/>
-              </a:solidFill>
-              <a:latin typeface="メイリオ" charset="0"/>
-              <a:ea typeface="メイリオ" charset="0"/>
-              <a:cs typeface="メイリオ" charset="0"/>
-            </a:endParaRPr>
-          </a:p>
-        </p:txBody>
-      </p:sp>
-      <p:sp>
-        <p:nvSpPr>
-          <p:cNvPr id="70" name="テキスト ボックス 69"/>
-          <p:cNvSpPr txBox="1"/>
-          <p:nvPr/>
-        </p:nvSpPr>
-        <p:spPr>
-          <a:xfrm>
-            <a:off x="3696921" y="1184117"/>
-            <a:ext cx="1800493" cy="307777"/>
-          </a:xfrm>
-          <a:prstGeom prst="rect">
-            <a:avLst/>
-          </a:prstGeom>
-          <a:noFill/>
-        </p:spPr>
-        <p:txBody>
-          <a:bodyPr wrap="none" rtlCol="0">
-            <a:spAutoFit/>
-          </a:bodyPr>
-          <a:lstStyle/>
-          <a:p>
-            <a:r>
-              <a:rPr kumimoji="1" lang="ja-JP" altLang="en-US" sz="1400" dirty="0" smtClean="0">
-                <a:latin typeface="メイリオ" panose="020B0604030504040204" pitchFamily="50" charset="-128"/>
-                <a:ea typeface="メイリオ" panose="020B0604030504040204" pitchFamily="50" charset="-128"/>
-              </a:rPr>
-              <a:t>トレーニングデータ</a:t>
-            </a:r>
-            <a:endParaRPr kumimoji="1" lang="ja-JP" altLang="en-US" sz="1400" dirty="0">
-              <a:latin typeface="メイリオ" panose="020B0604030504040204" pitchFamily="50" charset="-128"/>
-              <a:ea typeface="メイリオ" panose="020B0604030504040204" pitchFamily="50" charset="-128"/>
-            </a:endParaRPr>
-          </a:p>
-        </p:txBody>
-      </p:sp>
-      <p:sp>
-        <p:nvSpPr>
-          <p:cNvPr id="6" name="テキスト ボックス 5"/>
-          <p:cNvSpPr txBox="1"/>
-          <p:nvPr/>
-        </p:nvSpPr>
-        <p:spPr>
-          <a:xfrm>
-            <a:off x="6732240" y="1074850"/>
-            <a:ext cx="2223686" cy="461665"/>
-          </a:xfrm>
-          <a:prstGeom prst="rect">
-            <a:avLst/>
-          </a:prstGeom>
-          <a:noFill/>
-        </p:spPr>
-        <p:txBody>
-          <a:bodyPr wrap="none" rtlCol="0">
-            <a:spAutoFit/>
-          </a:bodyPr>
-          <a:lstStyle/>
-          <a:p>
-            <a:r>
-              <a:rPr lang="en-US" altLang="ja-JP" sz="1200" dirty="0" smtClean="0">
-                <a:solidFill>
-                  <a:srgbClr val="A82831"/>
-                </a:solidFill>
-                <a:latin typeface="メイリオ" panose="020B0604030504040204" pitchFamily="50" charset="-128"/>
-                <a:ea typeface="メイリオ" panose="020B0604030504040204" pitchFamily="50" charset="-128"/>
-              </a:rPr>
-              <a:t>×</a:t>
-            </a:r>
-            <a:r>
-              <a:rPr lang="ja-JP" altLang="en-US" sz="1200" dirty="0" smtClean="0">
-                <a:latin typeface="メイリオ" panose="020B0604030504040204" pitchFamily="50" charset="-128"/>
-                <a:ea typeface="メイリオ" panose="020B0604030504040204" pitchFamily="50" charset="-128"/>
-              </a:rPr>
-              <a:t>・・・家賃</a:t>
-            </a:r>
-            <a:r>
-              <a:rPr lang="en-US" altLang="ja-JP" sz="1200" dirty="0" smtClean="0">
-                <a:latin typeface="メイリオ" panose="020B0604030504040204" pitchFamily="50" charset="-128"/>
-                <a:ea typeface="メイリオ" panose="020B0604030504040204" pitchFamily="50" charset="-128"/>
-              </a:rPr>
-              <a:t>15</a:t>
-            </a:r>
-            <a:r>
-              <a:rPr lang="ja-JP" altLang="en-US" sz="1200" dirty="0" smtClean="0">
-                <a:latin typeface="メイリオ" panose="020B0604030504040204" pitchFamily="50" charset="-128"/>
-                <a:ea typeface="メイリオ" panose="020B0604030504040204" pitchFamily="50" charset="-128"/>
-              </a:rPr>
-              <a:t>万以上の物件</a:t>
-            </a:r>
-            <a:endParaRPr lang="en-US" altLang="ja-JP" sz="1200" dirty="0" smtClean="0">
-              <a:latin typeface="メイリオ" panose="020B0604030504040204" pitchFamily="50" charset="-128"/>
-              <a:ea typeface="メイリオ" panose="020B0604030504040204" pitchFamily="50" charset="-128"/>
-            </a:endParaRPr>
-          </a:p>
-          <a:p>
-            <a:r>
-              <a:rPr kumimoji="1" lang="ja-JP" altLang="en-US" sz="1200" dirty="0" smtClean="0">
-                <a:latin typeface="メイリオ" panose="020B0604030504040204" pitchFamily="50" charset="-128"/>
-                <a:ea typeface="メイリオ" panose="020B0604030504040204" pitchFamily="50" charset="-128"/>
-              </a:rPr>
-              <a:t>○・・・家賃</a:t>
-            </a:r>
-            <a:r>
-              <a:rPr kumimoji="1" lang="en-US" altLang="ja-JP" sz="1200" dirty="0" smtClean="0">
-                <a:latin typeface="メイリオ" panose="020B0604030504040204" pitchFamily="50" charset="-128"/>
-                <a:ea typeface="メイリオ" panose="020B0604030504040204" pitchFamily="50" charset="-128"/>
-              </a:rPr>
-              <a:t>15</a:t>
-            </a:r>
-            <a:r>
-              <a:rPr kumimoji="1" lang="ja-JP" altLang="en-US" sz="1200" dirty="0" smtClean="0">
-                <a:latin typeface="メイリオ" panose="020B0604030504040204" pitchFamily="50" charset="-128"/>
-                <a:ea typeface="メイリオ" panose="020B0604030504040204" pitchFamily="50" charset="-128"/>
-              </a:rPr>
-              <a:t>万以下の物件</a:t>
-            </a:r>
-            <a:endParaRPr kumimoji="1" lang="ja-JP" altLang="en-US" sz="1200" dirty="0">
-              <a:latin typeface="メイリオ" panose="020B0604030504040204" pitchFamily="50" charset="-128"/>
-              <a:ea typeface="メイリオ" panose="020B0604030504040204" pitchFamily="50" charset="-128"/>
-            </a:endParaRPr>
-          </a:p>
-        </p:txBody>
-      </p:sp>
-      <p:sp>
-        <p:nvSpPr>
-          <p:cNvPr id="14" name="テキスト ボックス 13"/>
-          <p:cNvSpPr txBox="1"/>
-          <p:nvPr/>
-        </p:nvSpPr>
-        <p:spPr>
-          <a:xfrm>
-            <a:off x="1333132" y="1615153"/>
-            <a:ext cx="473206" cy="523220"/>
-          </a:xfrm>
-          <a:prstGeom prst="rect">
-            <a:avLst/>
-          </a:prstGeom>
-          <a:noFill/>
-        </p:spPr>
-        <p:txBody>
-          <a:bodyPr wrap="none" rtlCol="0">
-            <a:spAutoFit/>
-          </a:bodyPr>
-          <a:lstStyle/>
-          <a:p>
-            <a:r>
-              <a:rPr kumimoji="1" lang="en-US" altLang="ja-JP" sz="2800" dirty="0" smtClean="0">
-                <a:solidFill>
-                  <a:srgbClr val="A82831"/>
-                </a:solidFill>
-                <a:latin typeface="メイリオ" panose="020B0604030504040204" pitchFamily="50" charset="-128"/>
-                <a:ea typeface="メイリオ" panose="020B0604030504040204" pitchFamily="50" charset="-128"/>
-              </a:rPr>
-              <a:t>×</a:t>
-            </a:r>
-            <a:endParaRPr kumimoji="1" lang="ja-JP" altLang="en-US" dirty="0">
-              <a:solidFill>
-                <a:srgbClr val="A82831"/>
-              </a:solidFill>
-              <a:latin typeface="メイリオ" panose="020B0604030504040204" pitchFamily="50" charset="-128"/>
-              <a:ea typeface="メイリオ" panose="020B0604030504040204" pitchFamily="50" charset="-128"/>
-            </a:endParaRPr>
-          </a:p>
-        </p:txBody>
-      </p:sp>
-      <p:sp>
-        <p:nvSpPr>
-          <p:cNvPr id="71" name="テキスト ボックス 70"/>
-          <p:cNvSpPr txBox="1"/>
-          <p:nvPr/>
-        </p:nvSpPr>
-        <p:spPr>
-          <a:xfrm>
-            <a:off x="1103120" y="1686006"/>
-            <a:ext cx="473206" cy="523220"/>
-          </a:xfrm>
-          <a:prstGeom prst="rect">
-            <a:avLst/>
-          </a:prstGeom>
-          <a:noFill/>
-        </p:spPr>
-        <p:txBody>
-          <a:bodyPr wrap="none" rtlCol="0">
-            <a:spAutoFit/>
-          </a:bodyPr>
-          <a:lstStyle/>
-          <a:p>
-            <a:r>
-              <a:rPr kumimoji="1" lang="en-US" altLang="ja-JP" sz="2800" dirty="0" smtClean="0">
-                <a:solidFill>
-                  <a:srgbClr val="A82831"/>
-                </a:solidFill>
-                <a:latin typeface="メイリオ" panose="020B0604030504040204" pitchFamily="50" charset="-128"/>
-                <a:ea typeface="メイリオ" panose="020B0604030504040204" pitchFamily="50" charset="-128"/>
-              </a:rPr>
-              <a:t>×</a:t>
-            </a:r>
-            <a:endParaRPr kumimoji="1" lang="ja-JP" altLang="en-US" dirty="0">
-              <a:solidFill>
-                <a:srgbClr val="A82831"/>
-              </a:solidFill>
-              <a:latin typeface="メイリオ" panose="020B0604030504040204" pitchFamily="50" charset="-128"/>
-              <a:ea typeface="メイリオ" panose="020B0604030504040204" pitchFamily="50" charset="-128"/>
-            </a:endParaRPr>
-          </a:p>
-        </p:txBody>
-      </p:sp>
-      <p:sp>
-        <p:nvSpPr>
-          <p:cNvPr id="72" name="テキスト ボックス 71"/>
-          <p:cNvSpPr txBox="1"/>
-          <p:nvPr/>
-        </p:nvSpPr>
-        <p:spPr>
-          <a:xfrm>
-            <a:off x="1637932" y="2087737"/>
-            <a:ext cx="473206" cy="523220"/>
-          </a:xfrm>
-          <a:prstGeom prst="rect">
-            <a:avLst/>
-          </a:prstGeom>
-          <a:noFill/>
-        </p:spPr>
-        <p:txBody>
-          <a:bodyPr wrap="none" rtlCol="0">
-            <a:spAutoFit/>
-          </a:bodyPr>
-          <a:lstStyle/>
-          <a:p>
-            <a:r>
-              <a:rPr kumimoji="1" lang="en-US" altLang="ja-JP" sz="2800" dirty="0" smtClean="0">
-                <a:solidFill>
-                  <a:srgbClr val="A82831"/>
-                </a:solidFill>
-                <a:latin typeface="メイリオ" panose="020B0604030504040204" pitchFamily="50" charset="-128"/>
-                <a:ea typeface="メイリオ" panose="020B0604030504040204" pitchFamily="50" charset="-128"/>
-              </a:rPr>
-              <a:t>×</a:t>
-            </a:r>
-            <a:endParaRPr kumimoji="1" lang="ja-JP" altLang="en-US" dirty="0">
-              <a:solidFill>
-                <a:srgbClr val="A82831"/>
-              </a:solidFill>
-              <a:latin typeface="メイリオ" panose="020B0604030504040204" pitchFamily="50" charset="-128"/>
-              <a:ea typeface="メイリオ" panose="020B0604030504040204" pitchFamily="50" charset="-128"/>
-            </a:endParaRPr>
-          </a:p>
-        </p:txBody>
-      </p:sp>
-      <p:sp>
-        <p:nvSpPr>
-          <p:cNvPr id="73" name="テキスト ボックス 72"/>
-          <p:cNvSpPr txBox="1"/>
-          <p:nvPr/>
-        </p:nvSpPr>
-        <p:spPr>
-          <a:xfrm>
-            <a:off x="2033590" y="1876763"/>
-            <a:ext cx="473206" cy="523220"/>
-          </a:xfrm>
-          <a:prstGeom prst="rect">
-            <a:avLst/>
-          </a:prstGeom>
-          <a:noFill/>
-        </p:spPr>
-        <p:txBody>
-          <a:bodyPr wrap="none" rtlCol="0">
-            <a:spAutoFit/>
-          </a:bodyPr>
-          <a:lstStyle/>
-          <a:p>
-            <a:r>
-              <a:rPr kumimoji="1" lang="en-US" altLang="ja-JP" sz="2800" dirty="0" smtClean="0">
-                <a:solidFill>
-                  <a:srgbClr val="A82831"/>
-                </a:solidFill>
-                <a:latin typeface="メイリオ" panose="020B0604030504040204" pitchFamily="50" charset="-128"/>
-                <a:ea typeface="メイリオ" panose="020B0604030504040204" pitchFamily="50" charset="-128"/>
-              </a:rPr>
-              <a:t>×</a:t>
-            </a:r>
-            <a:endParaRPr kumimoji="1" lang="ja-JP" altLang="en-US" dirty="0">
-              <a:solidFill>
-                <a:srgbClr val="A82831"/>
-              </a:solidFill>
-              <a:latin typeface="メイリオ" panose="020B0604030504040204" pitchFamily="50" charset="-128"/>
-              <a:ea typeface="メイリオ" panose="020B0604030504040204" pitchFamily="50" charset="-128"/>
-            </a:endParaRPr>
-          </a:p>
-        </p:txBody>
-      </p:sp>
-      <p:sp>
-        <p:nvSpPr>
-          <p:cNvPr id="74" name="テキスト ボックス 73"/>
-          <p:cNvSpPr txBox="1"/>
-          <p:nvPr/>
-        </p:nvSpPr>
-        <p:spPr>
-          <a:xfrm>
-            <a:off x="2270193" y="2224753"/>
-            <a:ext cx="473206" cy="523220"/>
-          </a:xfrm>
-          <a:prstGeom prst="rect">
-            <a:avLst/>
-          </a:prstGeom>
-          <a:noFill/>
-        </p:spPr>
-        <p:txBody>
-          <a:bodyPr wrap="none" rtlCol="0">
-            <a:spAutoFit/>
-          </a:bodyPr>
-          <a:lstStyle/>
-          <a:p>
-            <a:r>
-              <a:rPr kumimoji="1" lang="en-US" altLang="ja-JP" sz="2800" dirty="0" smtClean="0">
-                <a:solidFill>
-                  <a:srgbClr val="A82831"/>
-                </a:solidFill>
-                <a:latin typeface="メイリオ" panose="020B0604030504040204" pitchFamily="50" charset="-128"/>
-                <a:ea typeface="メイリオ" panose="020B0604030504040204" pitchFamily="50" charset="-128"/>
-              </a:rPr>
-              <a:t>×</a:t>
-            </a:r>
-            <a:endParaRPr kumimoji="1" lang="ja-JP" altLang="en-US" dirty="0">
-              <a:solidFill>
-                <a:srgbClr val="A82831"/>
-              </a:solidFill>
-              <a:latin typeface="メイリオ" panose="020B0604030504040204" pitchFamily="50" charset="-128"/>
-              <a:ea typeface="メイリオ" panose="020B0604030504040204" pitchFamily="50" charset="-128"/>
-            </a:endParaRPr>
-          </a:p>
-        </p:txBody>
-      </p:sp>
-      <p:sp>
-        <p:nvSpPr>
-          <p:cNvPr id="75" name="テキスト ボックス 74"/>
-          <p:cNvSpPr txBox="1"/>
-          <p:nvPr/>
-        </p:nvSpPr>
-        <p:spPr>
-          <a:xfrm>
-            <a:off x="2213374" y="1549133"/>
-            <a:ext cx="473206" cy="523220"/>
-          </a:xfrm>
-          <a:prstGeom prst="rect">
-            <a:avLst/>
-          </a:prstGeom>
-          <a:noFill/>
-        </p:spPr>
-        <p:txBody>
-          <a:bodyPr wrap="none" rtlCol="0">
-            <a:spAutoFit/>
-          </a:bodyPr>
-          <a:lstStyle/>
-          <a:p>
-            <a:r>
-              <a:rPr kumimoji="1" lang="en-US" altLang="ja-JP" sz="2800" dirty="0" smtClean="0">
-                <a:solidFill>
-                  <a:srgbClr val="A82831"/>
-                </a:solidFill>
-                <a:latin typeface="メイリオ" panose="020B0604030504040204" pitchFamily="50" charset="-128"/>
-                <a:ea typeface="メイリオ" panose="020B0604030504040204" pitchFamily="50" charset="-128"/>
-              </a:rPr>
-              <a:t>×</a:t>
-            </a:r>
-            <a:endParaRPr kumimoji="1" lang="ja-JP" altLang="en-US" dirty="0">
-              <a:solidFill>
-                <a:srgbClr val="A82831"/>
-              </a:solidFill>
-              <a:latin typeface="メイリオ" panose="020B0604030504040204" pitchFamily="50" charset="-128"/>
-              <a:ea typeface="メイリオ" panose="020B0604030504040204" pitchFamily="50" charset="-128"/>
-            </a:endParaRPr>
-          </a:p>
-        </p:txBody>
-      </p:sp>
-      <p:sp>
-        <p:nvSpPr>
-          <p:cNvPr id="76" name="テキスト ボックス 75"/>
-          <p:cNvSpPr txBox="1"/>
-          <p:nvPr/>
-        </p:nvSpPr>
-        <p:spPr>
-          <a:xfrm>
-            <a:off x="2549117" y="1886943"/>
-            <a:ext cx="473206" cy="523220"/>
-          </a:xfrm>
-          <a:prstGeom prst="rect">
-            <a:avLst/>
-          </a:prstGeom>
-          <a:noFill/>
-        </p:spPr>
-        <p:txBody>
-          <a:bodyPr wrap="none" rtlCol="0">
-            <a:spAutoFit/>
-          </a:bodyPr>
-          <a:lstStyle/>
-          <a:p>
-            <a:r>
-              <a:rPr kumimoji="1" lang="en-US" altLang="ja-JP" sz="2800" dirty="0" smtClean="0">
-                <a:solidFill>
-                  <a:srgbClr val="A82831"/>
-                </a:solidFill>
-                <a:latin typeface="メイリオ" panose="020B0604030504040204" pitchFamily="50" charset="-128"/>
-                <a:ea typeface="メイリオ" panose="020B0604030504040204" pitchFamily="50" charset="-128"/>
-              </a:rPr>
-              <a:t>×</a:t>
-            </a:r>
-            <a:endParaRPr kumimoji="1" lang="ja-JP" altLang="en-US" dirty="0">
-              <a:solidFill>
-                <a:srgbClr val="A82831"/>
-              </a:solidFill>
-              <a:latin typeface="メイリオ" panose="020B0604030504040204" pitchFamily="50" charset="-128"/>
-              <a:ea typeface="メイリオ" panose="020B0604030504040204" pitchFamily="50" charset="-128"/>
-            </a:endParaRPr>
-          </a:p>
-        </p:txBody>
-      </p:sp>
-      <p:sp>
-        <p:nvSpPr>
-          <p:cNvPr id="77" name="テキスト ボックス 76"/>
-          <p:cNvSpPr txBox="1"/>
-          <p:nvPr/>
-        </p:nvSpPr>
-        <p:spPr>
-          <a:xfrm>
-            <a:off x="3026815" y="1491894"/>
-            <a:ext cx="473206" cy="523220"/>
-          </a:xfrm>
-          <a:prstGeom prst="rect">
-            <a:avLst/>
-          </a:prstGeom>
-          <a:noFill/>
-        </p:spPr>
-        <p:txBody>
-          <a:bodyPr wrap="none" rtlCol="0">
-            <a:spAutoFit/>
-          </a:bodyPr>
-          <a:lstStyle/>
-          <a:p>
-            <a:r>
-              <a:rPr kumimoji="1" lang="en-US" altLang="ja-JP" sz="2800" dirty="0" smtClean="0">
-                <a:solidFill>
-                  <a:srgbClr val="A82831"/>
-                </a:solidFill>
-                <a:latin typeface="メイリオ" panose="020B0604030504040204" pitchFamily="50" charset="-128"/>
-                <a:ea typeface="メイリオ" panose="020B0604030504040204" pitchFamily="50" charset="-128"/>
-              </a:rPr>
-              <a:t>×</a:t>
-            </a:r>
-            <a:endParaRPr kumimoji="1" lang="ja-JP" altLang="en-US" dirty="0">
-              <a:solidFill>
-                <a:srgbClr val="A82831"/>
-              </a:solidFill>
-              <a:latin typeface="メイリオ" panose="020B0604030504040204" pitchFamily="50" charset="-128"/>
-              <a:ea typeface="メイリオ" panose="020B0604030504040204" pitchFamily="50" charset="-128"/>
-            </a:endParaRPr>
-          </a:p>
-        </p:txBody>
-      </p:sp>
-      <p:sp>
-        <p:nvSpPr>
-          <p:cNvPr id="78" name="テキスト ボックス 77"/>
-          <p:cNvSpPr txBox="1"/>
-          <p:nvPr/>
-        </p:nvSpPr>
-        <p:spPr>
-          <a:xfrm>
-            <a:off x="3112415" y="2072353"/>
-            <a:ext cx="473206" cy="523220"/>
-          </a:xfrm>
-          <a:prstGeom prst="rect">
-            <a:avLst/>
-          </a:prstGeom>
-          <a:noFill/>
-        </p:spPr>
-        <p:txBody>
-          <a:bodyPr wrap="none" rtlCol="0">
-            <a:spAutoFit/>
-          </a:bodyPr>
-          <a:lstStyle/>
-          <a:p>
-            <a:r>
-              <a:rPr kumimoji="1" lang="en-US" altLang="ja-JP" sz="2800" dirty="0" smtClean="0">
-                <a:solidFill>
-                  <a:srgbClr val="A82831"/>
-                </a:solidFill>
-                <a:latin typeface="メイリオ" panose="020B0604030504040204" pitchFamily="50" charset="-128"/>
-                <a:ea typeface="メイリオ" panose="020B0604030504040204" pitchFamily="50" charset="-128"/>
-              </a:rPr>
-              <a:t>×</a:t>
-            </a:r>
-            <a:endParaRPr kumimoji="1" lang="ja-JP" altLang="en-US" dirty="0">
-              <a:solidFill>
-                <a:srgbClr val="A82831"/>
-              </a:solidFill>
-              <a:latin typeface="メイリオ" panose="020B0604030504040204" pitchFamily="50" charset="-128"/>
-              <a:ea typeface="メイリオ" panose="020B0604030504040204" pitchFamily="50" charset="-128"/>
-            </a:endParaRPr>
-          </a:p>
-        </p:txBody>
-      </p:sp>
-      <p:sp>
-        <p:nvSpPr>
-          <p:cNvPr id="79" name="テキスト ボックス 78"/>
-          <p:cNvSpPr txBox="1"/>
-          <p:nvPr/>
-        </p:nvSpPr>
-        <p:spPr>
-          <a:xfrm>
-            <a:off x="3687857" y="1940170"/>
-            <a:ext cx="473206" cy="523220"/>
-          </a:xfrm>
-          <a:prstGeom prst="rect">
-            <a:avLst/>
-          </a:prstGeom>
-          <a:noFill/>
-        </p:spPr>
-        <p:txBody>
-          <a:bodyPr wrap="none" rtlCol="0">
-            <a:spAutoFit/>
-          </a:bodyPr>
-          <a:lstStyle/>
-          <a:p>
-            <a:r>
-              <a:rPr kumimoji="1" lang="en-US" altLang="ja-JP" sz="2800" dirty="0" smtClean="0">
-                <a:solidFill>
-                  <a:srgbClr val="A82831"/>
-                </a:solidFill>
-                <a:latin typeface="メイリオ" panose="020B0604030504040204" pitchFamily="50" charset="-128"/>
-                <a:ea typeface="メイリオ" panose="020B0604030504040204" pitchFamily="50" charset="-128"/>
-              </a:rPr>
-              <a:t>×</a:t>
-            </a:r>
-            <a:endParaRPr kumimoji="1" lang="ja-JP" altLang="en-US" dirty="0">
-              <a:solidFill>
-                <a:srgbClr val="A82831"/>
-              </a:solidFill>
-              <a:latin typeface="メイリオ" panose="020B0604030504040204" pitchFamily="50" charset="-128"/>
-              <a:ea typeface="メイリオ" panose="020B0604030504040204" pitchFamily="50" charset="-128"/>
-            </a:endParaRPr>
-          </a:p>
-        </p:txBody>
-      </p:sp>
-      <p:sp>
-        <p:nvSpPr>
-          <p:cNvPr id="80" name="テキスト ボックス 79"/>
-          <p:cNvSpPr txBox="1"/>
-          <p:nvPr/>
-        </p:nvSpPr>
-        <p:spPr>
-          <a:xfrm>
-            <a:off x="5009001" y="1625333"/>
-            <a:ext cx="543739" cy="523220"/>
-          </a:xfrm>
-          <a:prstGeom prst="rect">
-            <a:avLst/>
-          </a:prstGeom>
-          <a:noFill/>
-        </p:spPr>
-        <p:txBody>
-          <a:bodyPr wrap="none" rtlCol="0">
-            <a:spAutoFit/>
-          </a:bodyPr>
-          <a:lstStyle/>
-          <a:p>
-            <a:r>
-              <a:rPr kumimoji="1" lang="ja-JP" altLang="en-US" sz="2800" dirty="0" smtClean="0">
-                <a:solidFill>
-                  <a:schemeClr val="bg1">
-                    <a:lumMod val="50000"/>
-                  </a:schemeClr>
-                </a:solidFill>
-                <a:latin typeface="メイリオ" panose="020B0604030504040204" pitchFamily="50" charset="-128"/>
-                <a:ea typeface="メイリオ" panose="020B0604030504040204" pitchFamily="50" charset="-128"/>
-              </a:rPr>
-              <a:t>○</a:t>
-            </a:r>
-            <a:endParaRPr kumimoji="1" lang="ja-JP" altLang="en-US" dirty="0">
-              <a:solidFill>
-                <a:schemeClr val="bg1">
-                  <a:lumMod val="50000"/>
-                </a:schemeClr>
-              </a:solidFill>
-              <a:latin typeface="メイリオ" panose="020B0604030504040204" pitchFamily="50" charset="-128"/>
-              <a:ea typeface="メイリオ" panose="020B0604030504040204" pitchFamily="50" charset="-128"/>
-            </a:endParaRPr>
-          </a:p>
-        </p:txBody>
-      </p:sp>
-      <p:sp>
-        <p:nvSpPr>
-          <p:cNvPr id="81" name="テキスト ボックス 80"/>
-          <p:cNvSpPr txBox="1"/>
-          <p:nvPr/>
-        </p:nvSpPr>
-        <p:spPr>
-          <a:xfrm>
-            <a:off x="5709280" y="1777733"/>
-            <a:ext cx="543739" cy="523220"/>
-          </a:xfrm>
-          <a:prstGeom prst="rect">
-            <a:avLst/>
-          </a:prstGeom>
-          <a:noFill/>
-        </p:spPr>
-        <p:txBody>
-          <a:bodyPr wrap="none" rtlCol="0">
-            <a:spAutoFit/>
-          </a:bodyPr>
-          <a:lstStyle/>
-          <a:p>
-            <a:r>
-              <a:rPr kumimoji="1" lang="ja-JP" altLang="en-US" sz="2800" dirty="0" smtClean="0">
-                <a:solidFill>
-                  <a:schemeClr val="bg1">
-                    <a:lumMod val="50000"/>
-                  </a:schemeClr>
-                </a:solidFill>
-                <a:latin typeface="メイリオ" panose="020B0604030504040204" pitchFamily="50" charset="-128"/>
-                <a:ea typeface="メイリオ" panose="020B0604030504040204" pitchFamily="50" charset="-128"/>
-              </a:rPr>
-              <a:t>○</a:t>
-            </a:r>
-            <a:endParaRPr kumimoji="1" lang="ja-JP" altLang="en-US" dirty="0">
-              <a:solidFill>
-                <a:schemeClr val="bg1">
-                  <a:lumMod val="50000"/>
-                </a:schemeClr>
-              </a:solidFill>
-              <a:latin typeface="メイリオ" panose="020B0604030504040204" pitchFamily="50" charset="-128"/>
-              <a:ea typeface="メイリオ" panose="020B0604030504040204" pitchFamily="50" charset="-128"/>
-            </a:endParaRPr>
-          </a:p>
-        </p:txBody>
-      </p:sp>
-      <p:sp>
-        <p:nvSpPr>
-          <p:cNvPr id="82" name="テキスト ボックス 81"/>
-          <p:cNvSpPr txBox="1"/>
-          <p:nvPr/>
-        </p:nvSpPr>
-        <p:spPr>
-          <a:xfrm>
-            <a:off x="5129170" y="1962797"/>
-            <a:ext cx="543739" cy="523220"/>
-          </a:xfrm>
-          <a:prstGeom prst="rect">
-            <a:avLst/>
-          </a:prstGeom>
-          <a:noFill/>
-        </p:spPr>
-        <p:txBody>
-          <a:bodyPr wrap="none" rtlCol="0">
-            <a:spAutoFit/>
-          </a:bodyPr>
-          <a:lstStyle/>
-          <a:p>
-            <a:r>
-              <a:rPr kumimoji="1" lang="ja-JP" altLang="en-US" sz="2800" dirty="0" smtClean="0">
-                <a:solidFill>
-                  <a:schemeClr val="bg1">
-                    <a:lumMod val="50000"/>
-                  </a:schemeClr>
-                </a:solidFill>
-                <a:latin typeface="メイリオ" panose="020B0604030504040204" pitchFamily="50" charset="-128"/>
-                <a:ea typeface="メイリオ" panose="020B0604030504040204" pitchFamily="50" charset="-128"/>
-              </a:rPr>
-              <a:t>○</a:t>
-            </a:r>
-            <a:endParaRPr kumimoji="1" lang="ja-JP" altLang="en-US" dirty="0">
-              <a:solidFill>
-                <a:schemeClr val="bg1">
-                  <a:lumMod val="50000"/>
-                </a:schemeClr>
-              </a:solidFill>
-              <a:latin typeface="メイリオ" panose="020B0604030504040204" pitchFamily="50" charset="-128"/>
-              <a:ea typeface="メイリオ" panose="020B0604030504040204" pitchFamily="50" charset="-128"/>
-            </a:endParaRPr>
-          </a:p>
-        </p:txBody>
-      </p:sp>
-      <p:sp>
-        <p:nvSpPr>
-          <p:cNvPr id="83" name="テキスト ボックス 82"/>
-          <p:cNvSpPr txBox="1"/>
-          <p:nvPr/>
-        </p:nvSpPr>
-        <p:spPr>
-          <a:xfrm>
-            <a:off x="5630492" y="2145390"/>
-            <a:ext cx="543739" cy="523220"/>
-          </a:xfrm>
-          <a:prstGeom prst="rect">
-            <a:avLst/>
-          </a:prstGeom>
-          <a:noFill/>
-        </p:spPr>
-        <p:txBody>
-          <a:bodyPr wrap="none" rtlCol="0">
-            <a:spAutoFit/>
-          </a:bodyPr>
-          <a:lstStyle/>
-          <a:p>
-            <a:r>
-              <a:rPr kumimoji="1" lang="ja-JP" altLang="en-US" sz="2800" dirty="0" smtClean="0">
-                <a:solidFill>
-                  <a:schemeClr val="bg1">
-                    <a:lumMod val="50000"/>
-                  </a:schemeClr>
-                </a:solidFill>
-                <a:latin typeface="メイリオ" panose="020B0604030504040204" pitchFamily="50" charset="-128"/>
-                <a:ea typeface="メイリオ" panose="020B0604030504040204" pitchFamily="50" charset="-128"/>
-              </a:rPr>
-              <a:t>○</a:t>
-            </a:r>
-            <a:endParaRPr kumimoji="1" lang="ja-JP" altLang="en-US" dirty="0">
-              <a:solidFill>
-                <a:schemeClr val="bg1">
-                  <a:lumMod val="50000"/>
-                </a:schemeClr>
-              </a:solidFill>
-              <a:latin typeface="メイリオ" panose="020B0604030504040204" pitchFamily="50" charset="-128"/>
-              <a:ea typeface="メイリオ" panose="020B0604030504040204" pitchFamily="50" charset="-128"/>
-            </a:endParaRPr>
-          </a:p>
-        </p:txBody>
-      </p:sp>
-      <p:sp>
-        <p:nvSpPr>
-          <p:cNvPr id="84" name="テキスト ボックス 83"/>
-          <p:cNvSpPr txBox="1"/>
-          <p:nvPr/>
-        </p:nvSpPr>
-        <p:spPr>
-          <a:xfrm>
-            <a:off x="5401039" y="1581223"/>
-            <a:ext cx="543739" cy="523220"/>
-          </a:xfrm>
-          <a:prstGeom prst="rect">
-            <a:avLst/>
-          </a:prstGeom>
-          <a:noFill/>
-        </p:spPr>
-        <p:txBody>
-          <a:bodyPr wrap="none" rtlCol="0">
-            <a:spAutoFit/>
-          </a:bodyPr>
-          <a:lstStyle/>
-          <a:p>
-            <a:r>
-              <a:rPr kumimoji="1" lang="ja-JP" altLang="en-US" sz="2800" dirty="0" smtClean="0">
-                <a:solidFill>
-                  <a:schemeClr val="bg1">
-                    <a:lumMod val="50000"/>
-                  </a:schemeClr>
-                </a:solidFill>
-                <a:latin typeface="メイリオ" panose="020B0604030504040204" pitchFamily="50" charset="-128"/>
-                <a:ea typeface="メイリオ" panose="020B0604030504040204" pitchFamily="50" charset="-128"/>
-              </a:rPr>
-              <a:t>○</a:t>
-            </a:r>
-            <a:endParaRPr kumimoji="1" lang="ja-JP" altLang="en-US" dirty="0">
-              <a:solidFill>
-                <a:schemeClr val="bg1">
-                  <a:lumMod val="50000"/>
-                </a:schemeClr>
-              </a:solidFill>
-              <a:latin typeface="メイリオ" panose="020B0604030504040204" pitchFamily="50" charset="-128"/>
-              <a:ea typeface="メイリオ" panose="020B0604030504040204" pitchFamily="50" charset="-128"/>
-            </a:endParaRPr>
-          </a:p>
-        </p:txBody>
-      </p:sp>
-      <p:sp>
-        <p:nvSpPr>
-          <p:cNvPr id="85" name="テキスト ボックス 84"/>
-          <p:cNvSpPr txBox="1"/>
-          <p:nvPr/>
-        </p:nvSpPr>
-        <p:spPr>
-          <a:xfrm>
-            <a:off x="6523047" y="1581223"/>
-            <a:ext cx="543739" cy="523220"/>
-          </a:xfrm>
-          <a:prstGeom prst="rect">
-            <a:avLst/>
-          </a:prstGeom>
-          <a:noFill/>
-        </p:spPr>
-        <p:txBody>
-          <a:bodyPr wrap="none" rtlCol="0">
-            <a:spAutoFit/>
-          </a:bodyPr>
-          <a:lstStyle/>
-          <a:p>
-            <a:r>
-              <a:rPr kumimoji="1" lang="ja-JP" altLang="en-US" sz="2800" dirty="0" smtClean="0">
-                <a:solidFill>
-                  <a:schemeClr val="bg1">
-                    <a:lumMod val="50000"/>
-                  </a:schemeClr>
-                </a:solidFill>
-                <a:latin typeface="メイリオ" panose="020B0604030504040204" pitchFamily="50" charset="-128"/>
-                <a:ea typeface="メイリオ" panose="020B0604030504040204" pitchFamily="50" charset="-128"/>
-              </a:rPr>
-              <a:t>○</a:t>
-            </a:r>
-            <a:endParaRPr kumimoji="1" lang="ja-JP" altLang="en-US" dirty="0">
-              <a:solidFill>
-                <a:schemeClr val="bg1">
-                  <a:lumMod val="50000"/>
-                </a:schemeClr>
-              </a:solidFill>
-              <a:latin typeface="メイリオ" panose="020B0604030504040204" pitchFamily="50" charset="-128"/>
-              <a:ea typeface="メイリオ" panose="020B0604030504040204" pitchFamily="50" charset="-128"/>
-            </a:endParaRPr>
-          </a:p>
-        </p:txBody>
-      </p:sp>
-      <p:sp>
-        <p:nvSpPr>
-          <p:cNvPr id="86" name="テキスト ボックス 85"/>
-          <p:cNvSpPr txBox="1"/>
-          <p:nvPr/>
-        </p:nvSpPr>
-        <p:spPr>
-          <a:xfrm>
-            <a:off x="6295747" y="2008289"/>
-            <a:ext cx="543739" cy="523220"/>
-          </a:xfrm>
-          <a:prstGeom prst="rect">
-            <a:avLst/>
-          </a:prstGeom>
-          <a:noFill/>
-        </p:spPr>
-        <p:txBody>
-          <a:bodyPr wrap="none" rtlCol="0">
-            <a:spAutoFit/>
-          </a:bodyPr>
-          <a:lstStyle/>
-          <a:p>
-            <a:r>
-              <a:rPr kumimoji="1" lang="ja-JP" altLang="en-US" sz="2800" dirty="0" smtClean="0">
-                <a:solidFill>
-                  <a:schemeClr val="bg1">
-                    <a:lumMod val="50000"/>
-                  </a:schemeClr>
-                </a:solidFill>
-                <a:latin typeface="メイリオ" panose="020B0604030504040204" pitchFamily="50" charset="-128"/>
-                <a:ea typeface="メイリオ" panose="020B0604030504040204" pitchFamily="50" charset="-128"/>
-              </a:rPr>
-              <a:t>○</a:t>
-            </a:r>
-            <a:endParaRPr kumimoji="1" lang="ja-JP" altLang="en-US" dirty="0">
-              <a:solidFill>
-                <a:schemeClr val="bg1">
-                  <a:lumMod val="50000"/>
-                </a:schemeClr>
-              </a:solidFill>
-              <a:latin typeface="メイリオ" panose="020B0604030504040204" pitchFamily="50" charset="-128"/>
-              <a:ea typeface="メイリオ" panose="020B0604030504040204" pitchFamily="50" charset="-128"/>
-            </a:endParaRPr>
-          </a:p>
-        </p:txBody>
-      </p:sp>
-      <p:sp>
-        <p:nvSpPr>
-          <p:cNvPr id="87" name="テキスト ボックス 86"/>
-          <p:cNvSpPr txBox="1"/>
-          <p:nvPr/>
-        </p:nvSpPr>
-        <p:spPr>
-          <a:xfrm>
-            <a:off x="6720016" y="2224407"/>
-            <a:ext cx="543739" cy="523220"/>
-          </a:xfrm>
-          <a:prstGeom prst="rect">
-            <a:avLst/>
-          </a:prstGeom>
-          <a:noFill/>
-        </p:spPr>
-        <p:txBody>
-          <a:bodyPr wrap="none" rtlCol="0">
-            <a:spAutoFit/>
-          </a:bodyPr>
-          <a:lstStyle/>
-          <a:p>
-            <a:r>
-              <a:rPr kumimoji="1" lang="ja-JP" altLang="en-US" sz="2800" dirty="0" smtClean="0">
-                <a:solidFill>
-                  <a:schemeClr val="bg1">
-                    <a:lumMod val="50000"/>
-                  </a:schemeClr>
-                </a:solidFill>
-                <a:latin typeface="メイリオ" panose="020B0604030504040204" pitchFamily="50" charset="-128"/>
-                <a:ea typeface="メイリオ" panose="020B0604030504040204" pitchFamily="50" charset="-128"/>
-              </a:rPr>
-              <a:t>○</a:t>
-            </a:r>
-            <a:endParaRPr kumimoji="1" lang="ja-JP" altLang="en-US" dirty="0">
-              <a:solidFill>
-                <a:schemeClr val="bg1">
-                  <a:lumMod val="50000"/>
-                </a:schemeClr>
-              </a:solidFill>
-              <a:latin typeface="メイリオ" panose="020B0604030504040204" pitchFamily="50" charset="-128"/>
-              <a:ea typeface="メイリオ" panose="020B0604030504040204" pitchFamily="50" charset="-128"/>
-            </a:endParaRPr>
-          </a:p>
-        </p:txBody>
-      </p:sp>
-      <p:sp>
-        <p:nvSpPr>
-          <p:cNvPr id="88" name="テキスト ボックス 87"/>
-          <p:cNvSpPr txBox="1"/>
-          <p:nvPr/>
-        </p:nvSpPr>
-        <p:spPr>
-          <a:xfrm>
-            <a:off x="7040328" y="1921828"/>
-            <a:ext cx="543739" cy="523220"/>
-          </a:xfrm>
-          <a:prstGeom prst="rect">
-            <a:avLst/>
-          </a:prstGeom>
-          <a:noFill/>
-        </p:spPr>
-        <p:txBody>
-          <a:bodyPr wrap="none" rtlCol="0">
-            <a:spAutoFit/>
-          </a:bodyPr>
-          <a:lstStyle/>
-          <a:p>
-            <a:r>
-              <a:rPr kumimoji="1" lang="ja-JP" altLang="en-US" sz="2800" dirty="0" smtClean="0">
-                <a:solidFill>
-                  <a:schemeClr val="bg1">
-                    <a:lumMod val="50000"/>
-                  </a:schemeClr>
-                </a:solidFill>
-                <a:latin typeface="メイリオ" panose="020B0604030504040204" pitchFamily="50" charset="-128"/>
-                <a:ea typeface="メイリオ" panose="020B0604030504040204" pitchFamily="50" charset="-128"/>
-              </a:rPr>
-              <a:t>○</a:t>
-            </a:r>
-            <a:endParaRPr kumimoji="1" lang="ja-JP" altLang="en-US" dirty="0">
-              <a:solidFill>
-                <a:schemeClr val="bg1">
-                  <a:lumMod val="50000"/>
-                </a:schemeClr>
-              </a:solidFill>
-              <a:latin typeface="メイリオ" panose="020B0604030504040204" pitchFamily="50" charset="-128"/>
-              <a:ea typeface="メイリオ" panose="020B0604030504040204" pitchFamily="50" charset="-128"/>
-            </a:endParaRPr>
-          </a:p>
-        </p:txBody>
-      </p:sp>
-      <p:sp>
-        <p:nvSpPr>
-          <p:cNvPr id="89" name="テキスト ボックス 88"/>
-          <p:cNvSpPr txBox="1"/>
-          <p:nvPr/>
-        </p:nvSpPr>
-        <p:spPr>
-          <a:xfrm>
-            <a:off x="7588436" y="2126567"/>
-            <a:ext cx="543739" cy="523220"/>
-          </a:xfrm>
-          <a:prstGeom prst="rect">
-            <a:avLst/>
-          </a:prstGeom>
-          <a:noFill/>
-        </p:spPr>
-        <p:txBody>
-          <a:bodyPr wrap="none" rtlCol="0">
-            <a:spAutoFit/>
-          </a:bodyPr>
-          <a:lstStyle/>
-          <a:p>
-            <a:r>
-              <a:rPr kumimoji="1" lang="ja-JP" altLang="en-US" sz="2800" dirty="0" smtClean="0">
-                <a:solidFill>
-                  <a:schemeClr val="bg1">
-                    <a:lumMod val="50000"/>
-                  </a:schemeClr>
-                </a:solidFill>
-                <a:latin typeface="メイリオ" panose="020B0604030504040204" pitchFamily="50" charset="-128"/>
-                <a:ea typeface="メイリオ" panose="020B0604030504040204" pitchFamily="50" charset="-128"/>
-              </a:rPr>
-              <a:t>○</a:t>
-            </a:r>
-            <a:endParaRPr kumimoji="1" lang="ja-JP" altLang="en-US" dirty="0">
-              <a:solidFill>
-                <a:schemeClr val="bg1">
-                  <a:lumMod val="50000"/>
-                </a:schemeClr>
-              </a:solidFill>
-              <a:latin typeface="メイリオ" panose="020B0604030504040204" pitchFamily="50" charset="-128"/>
-              <a:ea typeface="メイリオ" panose="020B0604030504040204" pitchFamily="50" charset="-128"/>
-            </a:endParaRPr>
-          </a:p>
-        </p:txBody>
-      </p:sp>
       <p:cxnSp>
         <p:nvCxnSpPr>
-          <p:cNvPr id="91" name="直線コネクタ 90"/>
+          <p:cNvPr id="90" name="直線コネクタ 89"/>
           <p:cNvCxnSpPr/>
           <p:nvPr/>
         </p:nvCxnSpPr>
         <p:spPr>
           <a:xfrm>
-            <a:off x="4591771" y="2712720"/>
-            <a:ext cx="0" cy="411480"/>
+            <a:off x="239390" y="1366923"/>
+            <a:ext cx="4285313" cy="0"/>
           </a:xfrm>
           <a:prstGeom prst="line">
             <a:avLst/>
           </a:prstGeom>
           <a:ln w="12700">
             <a:solidFill>
-              <a:schemeClr val="bg1">
-                <a:lumMod val="65000"/>
-              </a:schemeClr>
-            </a:solidFill>
-          </a:ln>
-        </p:spPr>
-        <p:style>
-          <a:lnRef idx="2">
-            <a:schemeClr val="accent1"/>
-          </a:lnRef>
-          <a:fillRef idx="0">
-            <a:schemeClr val="accent1"/>
-          </a:fillRef>
-          <a:effectRef idx="1">
-            <a:schemeClr val="accent1"/>
-          </a:effectRef>
-          <a:fontRef idx="minor">
-            <a:schemeClr val="tx1"/>
-          </a:fontRef>
-        </p:style>
-      </p:cxnSp>
-      <p:cxnSp>
-        <p:nvCxnSpPr>
-          <p:cNvPr id="92" name="直線コネクタ 91"/>
-          <p:cNvCxnSpPr/>
-          <p:nvPr/>
-        </p:nvCxnSpPr>
-        <p:spPr>
-          <a:xfrm>
-            <a:off x="1822866" y="3129561"/>
-            <a:ext cx="5440889" cy="0"/>
-          </a:xfrm>
-          <a:prstGeom prst="line">
-            <a:avLst/>
-          </a:prstGeom>
-          <a:ln w="12700">
-            <a:solidFill>
-              <a:schemeClr val="bg1">
-                <a:lumMod val="50000"/>
-              </a:schemeClr>
+              <a:schemeClr val="tx1"/>
             </a:solidFill>
           </a:ln>
           <a:effectLst/>
@@ -14877,1562 +15177,14 @@
       </p:cxnSp>
       <p:sp>
         <p:nvSpPr>
-          <p:cNvPr id="100" name="正方形/長方形 99"/>
-          <p:cNvSpPr/>
-          <p:nvPr/>
-        </p:nvSpPr>
-        <p:spPr bwMode="auto">
-          <a:xfrm>
-            <a:off x="2023004" y="4354606"/>
-            <a:ext cx="1403511" cy="1938349"/>
-          </a:xfrm>
-          <a:prstGeom prst="rect">
-            <a:avLst/>
-          </a:prstGeom>
-          <a:solidFill>
-            <a:srgbClr val="FFFFFF"/>
-          </a:solidFill>
-          <a:ln w="25400">
-            <a:solidFill>
-              <a:schemeClr val="bg1">
-                <a:lumMod val="65000"/>
-              </a:schemeClr>
-            </a:solidFill>
-            <a:miter lim="800000"/>
-            <a:headEnd/>
-            <a:tailEnd/>
-          </a:ln>
-          <a:extLst/>
-        </p:spPr>
-        <p:txBody>
-          <a:bodyPr wrap="square" rtlCol="0" anchor="ctr">
-            <a:spAutoFit/>
-          </a:bodyPr>
-          <a:lstStyle/>
-          <a:p>
-            <a:pPr algn="ctr">
-              <a:lnSpc>
-                <a:spcPct val="130000"/>
-              </a:lnSpc>
-            </a:pPr>
-            <a:endParaRPr kumimoji="1" lang="ja-JP" altLang="en-US" sz="2000" b="1" i="0" dirty="0" smtClean="0">
-              <a:solidFill>
-                <a:srgbClr val="C0504D"/>
-              </a:solidFill>
-              <a:latin typeface="メイリオ" charset="0"/>
-              <a:ea typeface="メイリオ" charset="0"/>
-              <a:cs typeface="メイリオ" charset="0"/>
-            </a:endParaRPr>
-          </a:p>
-        </p:txBody>
-      </p:sp>
-      <p:grpSp>
-        <p:nvGrpSpPr>
-          <p:cNvPr id="36" name="グループ化 35"/>
-          <p:cNvGrpSpPr/>
-          <p:nvPr/>
-        </p:nvGrpSpPr>
-        <p:grpSpPr>
-          <a:xfrm>
-            <a:off x="234421" y="3129561"/>
-            <a:ext cx="3084420" cy="3179798"/>
-            <a:chOff x="234421" y="3129561"/>
-            <a:chExt cx="3084420" cy="3179798"/>
-          </a:xfrm>
-        </p:grpSpPr>
-        <p:cxnSp>
-          <p:nvCxnSpPr>
-            <p:cNvPr id="96" name="直線コネクタ 95"/>
-            <p:cNvCxnSpPr/>
-            <p:nvPr/>
-          </p:nvCxnSpPr>
-          <p:spPr>
-            <a:xfrm>
-              <a:off x="899160" y="3895417"/>
-              <a:ext cx="1798519" cy="0"/>
-            </a:xfrm>
-            <a:prstGeom prst="line">
-              <a:avLst/>
-            </a:prstGeom>
-            <a:ln w="12700">
-              <a:solidFill>
-                <a:schemeClr val="bg1">
-                  <a:lumMod val="50000"/>
-                </a:schemeClr>
-              </a:solidFill>
-            </a:ln>
-            <a:effectLst/>
-          </p:spPr>
-          <p:style>
-            <a:lnRef idx="2">
-              <a:schemeClr val="accent1"/>
-            </a:lnRef>
-            <a:fillRef idx="0">
-              <a:schemeClr val="accent1"/>
-            </a:fillRef>
-            <a:effectRef idx="1">
-              <a:schemeClr val="accent1"/>
-            </a:effectRef>
-            <a:fontRef idx="minor">
-              <a:schemeClr val="tx1"/>
-            </a:fontRef>
-          </p:style>
-        </p:cxnSp>
-        <p:cxnSp>
-          <p:nvCxnSpPr>
-            <p:cNvPr id="93" name="直線コネクタ 92"/>
-            <p:cNvCxnSpPr/>
-            <p:nvPr/>
-          </p:nvCxnSpPr>
-          <p:spPr>
-            <a:xfrm>
-              <a:off x="1806338" y="3129561"/>
-              <a:ext cx="0" cy="638072"/>
-            </a:xfrm>
-            <a:prstGeom prst="line">
-              <a:avLst/>
-            </a:prstGeom>
-            <a:ln w="12700">
-              <a:solidFill>
-                <a:schemeClr val="bg1">
-                  <a:lumMod val="65000"/>
-                </a:schemeClr>
-              </a:solidFill>
-            </a:ln>
-          </p:spPr>
-          <p:style>
-            <a:lnRef idx="2">
-              <a:schemeClr val="accent1"/>
-            </a:lnRef>
-            <a:fillRef idx="0">
-              <a:schemeClr val="accent1"/>
-            </a:fillRef>
-            <a:effectRef idx="1">
-              <a:schemeClr val="accent1"/>
-            </a:effectRef>
-            <a:fontRef idx="minor">
-              <a:schemeClr val="tx1"/>
-            </a:fontRef>
-          </p:style>
-        </p:cxnSp>
-        <p:sp>
-          <p:nvSpPr>
-            <p:cNvPr id="94" name="円/楕円 93"/>
-            <p:cNvSpPr/>
-            <p:nvPr/>
-          </p:nvSpPr>
-          <p:spPr bwMode="auto">
-            <a:xfrm>
-              <a:off x="1697261" y="3767633"/>
-              <a:ext cx="251210" cy="251210"/>
-            </a:xfrm>
-            <a:prstGeom prst="ellipse">
-              <a:avLst/>
-            </a:prstGeom>
-            <a:solidFill>
-              <a:schemeClr val="accent2">
-                <a:lumMod val="20000"/>
-                <a:lumOff val="80000"/>
-              </a:schemeClr>
-            </a:solidFill>
-            <a:ln>
-              <a:noFill/>
-            </a:ln>
-            <a:extLst/>
-          </p:spPr>
-          <p:txBody>
-            <a:bodyPr wrap="square" rtlCol="0" anchor="ctr">
-              <a:spAutoFit/>
-            </a:bodyPr>
-            <a:lstStyle/>
-            <a:p>
-              <a:pPr algn="ctr">
-                <a:lnSpc>
-                  <a:spcPct val="130000"/>
-                </a:lnSpc>
-              </a:pPr>
-              <a:endParaRPr kumimoji="1" lang="ja-JP" altLang="en-US" sz="2000" b="1" i="0" dirty="0" smtClean="0">
-                <a:solidFill>
-                  <a:srgbClr val="C0504D"/>
-                </a:solidFill>
-                <a:latin typeface="メイリオ" charset="0"/>
-                <a:ea typeface="メイリオ" charset="0"/>
-                <a:cs typeface="メイリオ" charset="0"/>
-              </a:endParaRPr>
-            </a:p>
-          </p:txBody>
-        </p:sp>
-        <p:sp>
-          <p:nvSpPr>
-            <p:cNvPr id="95" name="テキスト ボックス 94"/>
-            <p:cNvSpPr txBox="1"/>
-            <p:nvPr/>
-          </p:nvSpPr>
-          <p:spPr>
-            <a:xfrm>
-              <a:off x="1984070" y="3448597"/>
-              <a:ext cx="1029449" cy="338554"/>
-            </a:xfrm>
-            <a:prstGeom prst="rect">
-              <a:avLst/>
-            </a:prstGeom>
-            <a:noFill/>
-          </p:spPr>
-          <p:txBody>
-            <a:bodyPr wrap="none" rtlCol="0">
-              <a:spAutoFit/>
-            </a:bodyPr>
-            <a:lstStyle/>
-            <a:p>
-              <a:r>
-                <a:rPr lang="ja-JP" altLang="en-US" sz="1600" dirty="0" smtClean="0">
-                  <a:latin typeface="メイリオ" panose="020B0604030504040204" pitchFamily="50" charset="-128"/>
-                  <a:ea typeface="メイリオ" panose="020B0604030504040204" pitchFamily="50" charset="-128"/>
-                </a:rPr>
-                <a:t>階数 </a:t>
-              </a:r>
-              <a:r>
-                <a:rPr lang="en-US" altLang="ja-JP" sz="1600" dirty="0" smtClean="0">
-                  <a:latin typeface="メイリオ" panose="020B0604030504040204" pitchFamily="50" charset="-128"/>
-                  <a:ea typeface="メイリオ" panose="020B0604030504040204" pitchFamily="50" charset="-128"/>
-                </a:rPr>
-                <a:t>&gt; 7</a:t>
-              </a:r>
-              <a:endParaRPr kumimoji="1" lang="ja-JP" altLang="en-US" sz="1600" dirty="0">
-                <a:latin typeface="メイリオ" panose="020B0604030504040204" pitchFamily="50" charset="-128"/>
-                <a:ea typeface="メイリオ" panose="020B0604030504040204" pitchFamily="50" charset="-128"/>
-              </a:endParaRPr>
-            </a:p>
-          </p:txBody>
-        </p:sp>
-        <p:cxnSp>
-          <p:nvCxnSpPr>
-            <p:cNvPr id="97" name="直線コネクタ 96"/>
-            <p:cNvCxnSpPr/>
-            <p:nvPr/>
-          </p:nvCxnSpPr>
-          <p:spPr>
-            <a:xfrm>
-              <a:off x="899160" y="3895417"/>
-              <a:ext cx="0" cy="411480"/>
-            </a:xfrm>
-            <a:prstGeom prst="line">
-              <a:avLst/>
-            </a:prstGeom>
-            <a:ln w="12700">
-              <a:solidFill>
-                <a:schemeClr val="bg1">
-                  <a:lumMod val="65000"/>
-                </a:schemeClr>
-              </a:solidFill>
-            </a:ln>
-          </p:spPr>
-          <p:style>
-            <a:lnRef idx="2">
-              <a:schemeClr val="accent1"/>
-            </a:lnRef>
-            <a:fillRef idx="0">
-              <a:schemeClr val="accent1"/>
-            </a:fillRef>
-            <a:effectRef idx="1">
-              <a:schemeClr val="accent1"/>
-            </a:effectRef>
-            <a:fontRef idx="minor">
-              <a:schemeClr val="tx1"/>
-            </a:fontRef>
-          </p:style>
-        </p:cxnSp>
-        <p:cxnSp>
-          <p:nvCxnSpPr>
-            <p:cNvPr id="98" name="直線コネクタ 97"/>
-            <p:cNvCxnSpPr/>
-            <p:nvPr/>
-          </p:nvCxnSpPr>
-          <p:spPr>
-            <a:xfrm>
-              <a:off x="2702210" y="3895417"/>
-              <a:ext cx="0" cy="411480"/>
-            </a:xfrm>
-            <a:prstGeom prst="line">
-              <a:avLst/>
-            </a:prstGeom>
-            <a:ln w="12700">
-              <a:solidFill>
-                <a:schemeClr val="bg1">
-                  <a:lumMod val="65000"/>
-                </a:schemeClr>
-              </a:solidFill>
-            </a:ln>
-          </p:spPr>
-          <p:style>
-            <a:lnRef idx="2">
-              <a:schemeClr val="accent1"/>
-            </a:lnRef>
-            <a:fillRef idx="0">
-              <a:schemeClr val="accent1"/>
-            </a:fillRef>
-            <a:effectRef idx="1">
-              <a:schemeClr val="accent1"/>
-            </a:effectRef>
-            <a:fontRef idx="minor">
-              <a:schemeClr val="tx1"/>
-            </a:fontRef>
-          </p:style>
-        </p:cxnSp>
-        <p:sp>
-          <p:nvSpPr>
-            <p:cNvPr id="99" name="正方形/長方形 98"/>
-            <p:cNvSpPr/>
-            <p:nvPr/>
-          </p:nvSpPr>
-          <p:spPr bwMode="auto">
-            <a:xfrm>
-              <a:off x="234421" y="4371010"/>
-              <a:ext cx="1403511" cy="1938349"/>
-            </a:xfrm>
-            <a:prstGeom prst="rect">
-              <a:avLst/>
-            </a:prstGeom>
-            <a:solidFill>
-              <a:srgbClr val="FFFFFF"/>
-            </a:solidFill>
-            <a:ln w="25400">
-              <a:solidFill>
-                <a:schemeClr val="bg1">
-                  <a:lumMod val="65000"/>
-                </a:schemeClr>
-              </a:solidFill>
-              <a:miter lim="800000"/>
-              <a:headEnd/>
-              <a:tailEnd/>
-            </a:ln>
-            <a:extLst/>
-          </p:spPr>
-          <p:txBody>
-            <a:bodyPr wrap="square" rtlCol="0" anchor="ctr">
-              <a:spAutoFit/>
-            </a:bodyPr>
-            <a:lstStyle/>
-            <a:p>
-              <a:pPr algn="ctr">
-                <a:lnSpc>
-                  <a:spcPct val="130000"/>
-                </a:lnSpc>
-              </a:pPr>
-              <a:endParaRPr kumimoji="1" lang="ja-JP" altLang="en-US" sz="2000" b="1" i="0" dirty="0" smtClean="0">
-                <a:solidFill>
-                  <a:srgbClr val="C0504D"/>
-                </a:solidFill>
-                <a:latin typeface="メイリオ" charset="0"/>
-                <a:ea typeface="メイリオ" charset="0"/>
-                <a:cs typeface="メイリオ" charset="0"/>
-              </a:endParaRPr>
-            </a:p>
-          </p:txBody>
-        </p:sp>
-        <p:sp>
-          <p:nvSpPr>
-            <p:cNvPr id="101" name="テキスト ボックス 100"/>
-            <p:cNvSpPr txBox="1"/>
-            <p:nvPr/>
-          </p:nvSpPr>
-          <p:spPr>
-            <a:xfrm>
-              <a:off x="340354" y="5077596"/>
-              <a:ext cx="473206" cy="523220"/>
-            </a:xfrm>
-            <a:prstGeom prst="rect">
-              <a:avLst/>
-            </a:prstGeom>
-            <a:noFill/>
-          </p:spPr>
-          <p:txBody>
-            <a:bodyPr wrap="none" rtlCol="0">
-              <a:spAutoFit/>
-            </a:bodyPr>
-            <a:lstStyle/>
-            <a:p>
-              <a:r>
-                <a:rPr kumimoji="1" lang="en-US" altLang="ja-JP" sz="2800" dirty="0" smtClean="0">
-                  <a:solidFill>
-                    <a:srgbClr val="A82831"/>
-                  </a:solidFill>
-                  <a:latin typeface="メイリオ" panose="020B0604030504040204" pitchFamily="50" charset="-128"/>
-                  <a:ea typeface="メイリオ" panose="020B0604030504040204" pitchFamily="50" charset="-128"/>
-                </a:rPr>
-                <a:t>×</a:t>
-              </a:r>
-              <a:endParaRPr kumimoji="1" lang="ja-JP" altLang="en-US" dirty="0">
-                <a:solidFill>
-                  <a:srgbClr val="A82831"/>
-                </a:solidFill>
-                <a:latin typeface="メイリオ" panose="020B0604030504040204" pitchFamily="50" charset="-128"/>
-                <a:ea typeface="メイリオ" panose="020B0604030504040204" pitchFamily="50" charset="-128"/>
-              </a:endParaRPr>
-            </a:p>
-          </p:txBody>
-        </p:sp>
-        <p:sp>
-          <p:nvSpPr>
-            <p:cNvPr id="102" name="テキスト ボックス 101"/>
-            <p:cNvSpPr txBox="1"/>
-            <p:nvPr/>
-          </p:nvSpPr>
-          <p:spPr>
-            <a:xfrm>
-              <a:off x="425954" y="5658055"/>
-              <a:ext cx="473206" cy="523220"/>
-            </a:xfrm>
-            <a:prstGeom prst="rect">
-              <a:avLst/>
-            </a:prstGeom>
-            <a:noFill/>
-          </p:spPr>
-          <p:txBody>
-            <a:bodyPr wrap="none" rtlCol="0">
-              <a:spAutoFit/>
-            </a:bodyPr>
-            <a:lstStyle/>
-            <a:p>
-              <a:r>
-                <a:rPr kumimoji="1" lang="en-US" altLang="ja-JP" sz="2800" dirty="0" smtClean="0">
-                  <a:solidFill>
-                    <a:srgbClr val="A82831"/>
-                  </a:solidFill>
-                  <a:latin typeface="メイリオ" panose="020B0604030504040204" pitchFamily="50" charset="-128"/>
-                  <a:ea typeface="メイリオ" panose="020B0604030504040204" pitchFamily="50" charset="-128"/>
-                </a:rPr>
-                <a:t>×</a:t>
-              </a:r>
-              <a:endParaRPr kumimoji="1" lang="ja-JP" altLang="en-US" dirty="0">
-                <a:solidFill>
-                  <a:srgbClr val="A82831"/>
-                </a:solidFill>
-                <a:latin typeface="メイリオ" panose="020B0604030504040204" pitchFamily="50" charset="-128"/>
-                <a:ea typeface="メイリオ" panose="020B0604030504040204" pitchFamily="50" charset="-128"/>
-              </a:endParaRPr>
-            </a:p>
-          </p:txBody>
-        </p:sp>
-        <p:sp>
-          <p:nvSpPr>
-            <p:cNvPr id="103" name="テキスト ボックス 102"/>
-            <p:cNvSpPr txBox="1"/>
-            <p:nvPr/>
-          </p:nvSpPr>
-          <p:spPr>
-            <a:xfrm>
-              <a:off x="1001396" y="5525872"/>
-              <a:ext cx="473206" cy="523220"/>
-            </a:xfrm>
-            <a:prstGeom prst="rect">
-              <a:avLst/>
-            </a:prstGeom>
-            <a:noFill/>
-          </p:spPr>
-          <p:txBody>
-            <a:bodyPr wrap="none" rtlCol="0">
-              <a:spAutoFit/>
-            </a:bodyPr>
-            <a:lstStyle/>
-            <a:p>
-              <a:r>
-                <a:rPr kumimoji="1" lang="en-US" altLang="ja-JP" sz="2800" dirty="0" smtClean="0">
-                  <a:solidFill>
-                    <a:srgbClr val="A82831"/>
-                  </a:solidFill>
-                  <a:latin typeface="メイリオ" panose="020B0604030504040204" pitchFamily="50" charset="-128"/>
-                  <a:ea typeface="メイリオ" panose="020B0604030504040204" pitchFamily="50" charset="-128"/>
-                </a:rPr>
-                <a:t>×</a:t>
-              </a:r>
-              <a:endParaRPr kumimoji="1" lang="ja-JP" altLang="en-US" dirty="0">
-                <a:solidFill>
-                  <a:srgbClr val="A82831"/>
-                </a:solidFill>
-                <a:latin typeface="メイリオ" panose="020B0604030504040204" pitchFamily="50" charset="-128"/>
-                <a:ea typeface="メイリオ" panose="020B0604030504040204" pitchFamily="50" charset="-128"/>
-              </a:endParaRPr>
-            </a:p>
-          </p:txBody>
-        </p:sp>
-        <p:sp>
-          <p:nvSpPr>
-            <p:cNvPr id="104" name="テキスト ボックス 103"/>
-            <p:cNvSpPr txBox="1"/>
-            <p:nvPr/>
-          </p:nvSpPr>
-          <p:spPr>
-            <a:xfrm>
-              <a:off x="795627" y="4662883"/>
-              <a:ext cx="543739" cy="523220"/>
-            </a:xfrm>
-            <a:prstGeom prst="rect">
-              <a:avLst/>
-            </a:prstGeom>
-            <a:noFill/>
-          </p:spPr>
-          <p:txBody>
-            <a:bodyPr wrap="none" rtlCol="0">
-              <a:spAutoFit/>
-            </a:bodyPr>
-            <a:lstStyle/>
-            <a:p>
-              <a:r>
-                <a:rPr kumimoji="1" lang="ja-JP" altLang="en-US" sz="2800" dirty="0" smtClean="0">
-                  <a:solidFill>
-                    <a:schemeClr val="bg1">
-                      <a:lumMod val="50000"/>
-                    </a:schemeClr>
-                  </a:solidFill>
-                  <a:latin typeface="メイリオ" panose="020B0604030504040204" pitchFamily="50" charset="-128"/>
-                  <a:ea typeface="メイリオ" panose="020B0604030504040204" pitchFamily="50" charset="-128"/>
-                </a:rPr>
-                <a:t>○</a:t>
-              </a:r>
-              <a:endParaRPr kumimoji="1" lang="ja-JP" altLang="en-US" dirty="0">
-                <a:solidFill>
-                  <a:schemeClr val="bg1">
-                    <a:lumMod val="50000"/>
-                  </a:schemeClr>
-                </a:solidFill>
-                <a:latin typeface="メイリオ" panose="020B0604030504040204" pitchFamily="50" charset="-128"/>
-                <a:ea typeface="メイリオ" panose="020B0604030504040204" pitchFamily="50" charset="-128"/>
-              </a:endParaRPr>
-            </a:p>
-          </p:txBody>
-        </p:sp>
-        <p:sp>
-          <p:nvSpPr>
-            <p:cNvPr id="105" name="テキスト ボックス 104"/>
-            <p:cNvSpPr txBox="1"/>
-            <p:nvPr/>
-          </p:nvSpPr>
-          <p:spPr>
-            <a:xfrm>
-              <a:off x="915796" y="5000347"/>
-              <a:ext cx="543739" cy="523220"/>
-            </a:xfrm>
-            <a:prstGeom prst="rect">
-              <a:avLst/>
-            </a:prstGeom>
-            <a:noFill/>
-          </p:spPr>
-          <p:txBody>
-            <a:bodyPr wrap="none" rtlCol="0">
-              <a:spAutoFit/>
-            </a:bodyPr>
-            <a:lstStyle/>
-            <a:p>
-              <a:r>
-                <a:rPr kumimoji="1" lang="ja-JP" altLang="en-US" sz="2800" dirty="0" smtClean="0">
-                  <a:solidFill>
-                    <a:schemeClr val="bg1">
-                      <a:lumMod val="50000"/>
-                    </a:schemeClr>
-                  </a:solidFill>
-                  <a:latin typeface="メイリオ" panose="020B0604030504040204" pitchFamily="50" charset="-128"/>
-                  <a:ea typeface="メイリオ" panose="020B0604030504040204" pitchFamily="50" charset="-128"/>
-                </a:rPr>
-                <a:t>○</a:t>
-              </a:r>
-              <a:endParaRPr kumimoji="1" lang="ja-JP" altLang="en-US" dirty="0">
-                <a:solidFill>
-                  <a:schemeClr val="bg1">
-                    <a:lumMod val="50000"/>
-                  </a:schemeClr>
-                </a:solidFill>
-                <a:latin typeface="メイリオ" panose="020B0604030504040204" pitchFamily="50" charset="-128"/>
-                <a:ea typeface="メイリオ" panose="020B0604030504040204" pitchFamily="50" charset="-128"/>
-              </a:endParaRPr>
-            </a:p>
-          </p:txBody>
-        </p:sp>
-        <p:sp>
-          <p:nvSpPr>
-            <p:cNvPr id="106" name="テキスト ボックス 105"/>
-            <p:cNvSpPr txBox="1"/>
-            <p:nvPr/>
-          </p:nvSpPr>
-          <p:spPr>
-            <a:xfrm>
-              <a:off x="2121408" y="5063966"/>
-              <a:ext cx="543739" cy="523220"/>
-            </a:xfrm>
-            <a:prstGeom prst="rect">
-              <a:avLst/>
-            </a:prstGeom>
-            <a:noFill/>
-          </p:spPr>
-          <p:txBody>
-            <a:bodyPr wrap="none" rtlCol="0">
-              <a:spAutoFit/>
-            </a:bodyPr>
-            <a:lstStyle/>
-            <a:p>
-              <a:r>
-                <a:rPr kumimoji="1" lang="ja-JP" altLang="en-US" sz="2800" dirty="0" smtClean="0">
-                  <a:solidFill>
-                    <a:schemeClr val="bg1">
-                      <a:lumMod val="50000"/>
-                    </a:schemeClr>
-                  </a:solidFill>
-                  <a:latin typeface="メイリオ" panose="020B0604030504040204" pitchFamily="50" charset="-128"/>
-                  <a:ea typeface="メイリオ" panose="020B0604030504040204" pitchFamily="50" charset="-128"/>
-                </a:rPr>
-                <a:t>○</a:t>
-              </a:r>
-              <a:endParaRPr kumimoji="1" lang="ja-JP" altLang="en-US" dirty="0">
-                <a:solidFill>
-                  <a:schemeClr val="bg1">
-                    <a:lumMod val="50000"/>
-                  </a:schemeClr>
-                </a:solidFill>
-                <a:latin typeface="メイリオ" panose="020B0604030504040204" pitchFamily="50" charset="-128"/>
-                <a:ea typeface="メイリオ" panose="020B0604030504040204" pitchFamily="50" charset="-128"/>
-              </a:endParaRPr>
-            </a:p>
-          </p:txBody>
-        </p:sp>
-        <p:sp>
-          <p:nvSpPr>
-            <p:cNvPr id="107" name="テキスト ボックス 106"/>
-            <p:cNvSpPr txBox="1"/>
-            <p:nvPr/>
-          </p:nvSpPr>
-          <p:spPr>
-            <a:xfrm>
-              <a:off x="2241577" y="5401430"/>
-              <a:ext cx="543739" cy="523220"/>
-            </a:xfrm>
-            <a:prstGeom prst="rect">
-              <a:avLst/>
-            </a:prstGeom>
-            <a:noFill/>
-          </p:spPr>
-          <p:txBody>
-            <a:bodyPr wrap="none" rtlCol="0">
-              <a:spAutoFit/>
-            </a:bodyPr>
-            <a:lstStyle/>
-            <a:p>
-              <a:r>
-                <a:rPr kumimoji="1" lang="ja-JP" altLang="en-US" sz="2800" dirty="0" smtClean="0">
-                  <a:solidFill>
-                    <a:schemeClr val="bg1">
-                      <a:lumMod val="50000"/>
-                    </a:schemeClr>
-                  </a:solidFill>
-                  <a:latin typeface="メイリオ" panose="020B0604030504040204" pitchFamily="50" charset="-128"/>
-                  <a:ea typeface="メイリオ" panose="020B0604030504040204" pitchFamily="50" charset="-128"/>
-                </a:rPr>
-                <a:t>○</a:t>
-              </a:r>
-              <a:endParaRPr kumimoji="1" lang="ja-JP" altLang="en-US" dirty="0">
-                <a:solidFill>
-                  <a:schemeClr val="bg1">
-                    <a:lumMod val="50000"/>
-                  </a:schemeClr>
-                </a:solidFill>
-                <a:latin typeface="メイリオ" panose="020B0604030504040204" pitchFamily="50" charset="-128"/>
-                <a:ea typeface="メイリオ" panose="020B0604030504040204" pitchFamily="50" charset="-128"/>
-              </a:endParaRPr>
-            </a:p>
-          </p:txBody>
-        </p:sp>
-        <p:sp>
-          <p:nvSpPr>
-            <p:cNvPr id="108" name="テキスト ボックス 107"/>
-            <p:cNvSpPr txBox="1"/>
-            <p:nvPr/>
-          </p:nvSpPr>
-          <p:spPr>
-            <a:xfrm>
-              <a:off x="2742899" y="5584023"/>
-              <a:ext cx="543739" cy="523220"/>
-            </a:xfrm>
-            <a:prstGeom prst="rect">
-              <a:avLst/>
-            </a:prstGeom>
-            <a:noFill/>
-          </p:spPr>
-          <p:txBody>
-            <a:bodyPr wrap="none" rtlCol="0">
-              <a:spAutoFit/>
-            </a:bodyPr>
-            <a:lstStyle/>
-            <a:p>
-              <a:r>
-                <a:rPr kumimoji="1" lang="ja-JP" altLang="en-US" sz="2800" dirty="0" smtClean="0">
-                  <a:solidFill>
-                    <a:schemeClr val="bg1">
-                      <a:lumMod val="50000"/>
-                    </a:schemeClr>
-                  </a:solidFill>
-                  <a:latin typeface="メイリオ" panose="020B0604030504040204" pitchFamily="50" charset="-128"/>
-                  <a:ea typeface="メイリオ" panose="020B0604030504040204" pitchFamily="50" charset="-128"/>
-                </a:rPr>
-                <a:t>○</a:t>
-              </a:r>
-              <a:endParaRPr kumimoji="1" lang="ja-JP" altLang="en-US" dirty="0">
-                <a:solidFill>
-                  <a:schemeClr val="bg1">
-                    <a:lumMod val="50000"/>
-                  </a:schemeClr>
-                </a:solidFill>
-                <a:latin typeface="メイリオ" panose="020B0604030504040204" pitchFamily="50" charset="-128"/>
-                <a:ea typeface="メイリオ" panose="020B0604030504040204" pitchFamily="50" charset="-128"/>
-              </a:endParaRPr>
-            </a:p>
-          </p:txBody>
-        </p:sp>
-        <p:sp>
-          <p:nvSpPr>
-            <p:cNvPr id="109" name="テキスト ボックス 108"/>
-            <p:cNvSpPr txBox="1"/>
-            <p:nvPr/>
-          </p:nvSpPr>
-          <p:spPr>
-            <a:xfrm>
-              <a:off x="2270193" y="4630683"/>
-              <a:ext cx="473206" cy="523220"/>
-            </a:xfrm>
-            <a:prstGeom prst="rect">
-              <a:avLst/>
-            </a:prstGeom>
-            <a:noFill/>
-          </p:spPr>
-          <p:txBody>
-            <a:bodyPr wrap="none" rtlCol="0">
-              <a:spAutoFit/>
-            </a:bodyPr>
-            <a:lstStyle/>
-            <a:p>
-              <a:r>
-                <a:rPr kumimoji="1" lang="en-US" altLang="ja-JP" sz="2800" dirty="0" smtClean="0">
-                  <a:solidFill>
-                    <a:srgbClr val="A82831"/>
-                  </a:solidFill>
-                  <a:latin typeface="メイリオ" panose="020B0604030504040204" pitchFamily="50" charset="-128"/>
-                  <a:ea typeface="メイリオ" panose="020B0604030504040204" pitchFamily="50" charset="-128"/>
-                </a:rPr>
-                <a:t>×</a:t>
-              </a:r>
-              <a:endParaRPr kumimoji="1" lang="ja-JP" altLang="en-US" dirty="0">
-                <a:solidFill>
-                  <a:srgbClr val="A82831"/>
-                </a:solidFill>
-                <a:latin typeface="メイリオ" panose="020B0604030504040204" pitchFamily="50" charset="-128"/>
-                <a:ea typeface="メイリオ" panose="020B0604030504040204" pitchFamily="50" charset="-128"/>
-              </a:endParaRPr>
-            </a:p>
-          </p:txBody>
-        </p:sp>
-        <p:sp>
-          <p:nvSpPr>
-            <p:cNvPr id="110" name="テキスト ボックス 109"/>
-            <p:cNvSpPr txBox="1"/>
-            <p:nvPr/>
-          </p:nvSpPr>
-          <p:spPr>
-            <a:xfrm>
-              <a:off x="2845635" y="4498500"/>
-              <a:ext cx="473206" cy="523220"/>
-            </a:xfrm>
-            <a:prstGeom prst="rect">
-              <a:avLst/>
-            </a:prstGeom>
-            <a:noFill/>
-          </p:spPr>
-          <p:txBody>
-            <a:bodyPr wrap="none" rtlCol="0">
-              <a:spAutoFit/>
-            </a:bodyPr>
-            <a:lstStyle/>
-            <a:p>
-              <a:r>
-                <a:rPr kumimoji="1" lang="en-US" altLang="ja-JP" sz="2800" dirty="0" smtClean="0">
-                  <a:solidFill>
-                    <a:srgbClr val="A82831"/>
-                  </a:solidFill>
-                  <a:latin typeface="メイリオ" panose="020B0604030504040204" pitchFamily="50" charset="-128"/>
-                  <a:ea typeface="メイリオ" panose="020B0604030504040204" pitchFamily="50" charset="-128"/>
-                </a:rPr>
-                <a:t>×</a:t>
-              </a:r>
-              <a:endParaRPr kumimoji="1" lang="ja-JP" altLang="en-US" dirty="0">
-                <a:solidFill>
-                  <a:srgbClr val="A82831"/>
-                </a:solidFill>
-                <a:latin typeface="メイリオ" panose="020B0604030504040204" pitchFamily="50" charset="-128"/>
-                <a:ea typeface="メイリオ" panose="020B0604030504040204" pitchFamily="50" charset="-128"/>
-              </a:endParaRPr>
-            </a:p>
-          </p:txBody>
-        </p:sp>
-      </p:grpSp>
-      <p:grpSp>
-        <p:nvGrpSpPr>
-          <p:cNvPr id="111" name="グループ化 110"/>
-          <p:cNvGrpSpPr/>
-          <p:nvPr/>
-        </p:nvGrpSpPr>
-        <p:grpSpPr>
-          <a:xfrm>
-            <a:off x="5672341" y="3129561"/>
-            <a:ext cx="3102420" cy="3179798"/>
-            <a:chOff x="216421" y="3129561"/>
-            <a:chExt cx="3102420" cy="3179798"/>
-          </a:xfrm>
-        </p:grpSpPr>
-        <p:cxnSp>
-          <p:nvCxnSpPr>
-            <p:cNvPr id="112" name="直線コネクタ 111"/>
-            <p:cNvCxnSpPr/>
-            <p:nvPr/>
-          </p:nvCxnSpPr>
-          <p:spPr>
-            <a:xfrm>
-              <a:off x="899160" y="3895417"/>
-              <a:ext cx="1798519" cy="0"/>
-            </a:xfrm>
-            <a:prstGeom prst="line">
-              <a:avLst/>
-            </a:prstGeom>
-            <a:ln w="12700">
-              <a:solidFill>
-                <a:schemeClr val="bg1">
-                  <a:lumMod val="50000"/>
-                </a:schemeClr>
-              </a:solidFill>
-            </a:ln>
-            <a:effectLst/>
-          </p:spPr>
-          <p:style>
-            <a:lnRef idx="2">
-              <a:schemeClr val="accent1"/>
-            </a:lnRef>
-            <a:fillRef idx="0">
-              <a:schemeClr val="accent1"/>
-            </a:fillRef>
-            <a:effectRef idx="1">
-              <a:schemeClr val="accent1"/>
-            </a:effectRef>
-            <a:fontRef idx="minor">
-              <a:schemeClr val="tx1"/>
-            </a:fontRef>
-          </p:style>
-        </p:cxnSp>
-        <p:cxnSp>
-          <p:nvCxnSpPr>
-            <p:cNvPr id="113" name="直線コネクタ 112"/>
-            <p:cNvCxnSpPr/>
-            <p:nvPr/>
-          </p:nvCxnSpPr>
-          <p:spPr>
-            <a:xfrm>
-              <a:off x="1806338" y="3129561"/>
-              <a:ext cx="0" cy="638072"/>
-            </a:xfrm>
-            <a:prstGeom prst="line">
-              <a:avLst/>
-            </a:prstGeom>
-            <a:ln w="12700">
-              <a:solidFill>
-                <a:schemeClr val="bg1">
-                  <a:lumMod val="65000"/>
-                </a:schemeClr>
-              </a:solidFill>
-            </a:ln>
-          </p:spPr>
-          <p:style>
-            <a:lnRef idx="2">
-              <a:schemeClr val="accent1"/>
-            </a:lnRef>
-            <a:fillRef idx="0">
-              <a:schemeClr val="accent1"/>
-            </a:fillRef>
-            <a:effectRef idx="1">
-              <a:schemeClr val="accent1"/>
-            </a:effectRef>
-            <a:fontRef idx="minor">
-              <a:schemeClr val="tx1"/>
-            </a:fontRef>
-          </p:style>
-        </p:cxnSp>
-        <p:sp>
-          <p:nvSpPr>
-            <p:cNvPr id="114" name="円/楕円 113"/>
-            <p:cNvSpPr/>
-            <p:nvPr/>
-          </p:nvSpPr>
-          <p:spPr bwMode="auto">
-            <a:xfrm>
-              <a:off x="1697261" y="3767633"/>
-              <a:ext cx="251210" cy="251210"/>
-            </a:xfrm>
-            <a:prstGeom prst="ellipse">
-              <a:avLst/>
-            </a:prstGeom>
-            <a:solidFill>
-              <a:schemeClr val="accent2">
-                <a:lumMod val="20000"/>
-                <a:lumOff val="80000"/>
-              </a:schemeClr>
-            </a:solidFill>
-            <a:ln>
-              <a:noFill/>
-            </a:ln>
-            <a:extLst/>
-          </p:spPr>
-          <p:txBody>
-            <a:bodyPr wrap="square" rtlCol="0" anchor="ctr">
-              <a:spAutoFit/>
-            </a:bodyPr>
-            <a:lstStyle/>
-            <a:p>
-              <a:pPr algn="ctr">
-                <a:lnSpc>
-                  <a:spcPct val="130000"/>
-                </a:lnSpc>
-              </a:pPr>
-              <a:endParaRPr kumimoji="1" lang="ja-JP" altLang="en-US" sz="2000" b="1" i="0" dirty="0" smtClean="0">
-                <a:solidFill>
-                  <a:srgbClr val="C0504D"/>
-                </a:solidFill>
-                <a:latin typeface="メイリオ" charset="0"/>
-                <a:ea typeface="メイリオ" charset="0"/>
-                <a:cs typeface="メイリオ" charset="0"/>
-              </a:endParaRPr>
-            </a:p>
-          </p:txBody>
-        </p:sp>
-        <p:sp>
-          <p:nvSpPr>
-            <p:cNvPr id="115" name="テキスト ボックス 114"/>
-            <p:cNvSpPr txBox="1"/>
-            <p:nvPr/>
-          </p:nvSpPr>
-          <p:spPr>
-            <a:xfrm>
-              <a:off x="1984070" y="3448597"/>
-              <a:ext cx="1157689" cy="338554"/>
-            </a:xfrm>
-            <a:prstGeom prst="rect">
-              <a:avLst/>
-            </a:prstGeom>
-            <a:noFill/>
-          </p:spPr>
-          <p:txBody>
-            <a:bodyPr wrap="none" rtlCol="0">
-              <a:spAutoFit/>
-            </a:bodyPr>
-            <a:lstStyle/>
-            <a:p>
-              <a:r>
-                <a:rPr lang="ja-JP" altLang="en-US" sz="1600" dirty="0">
-                  <a:latin typeface="メイリオ" panose="020B0604030504040204" pitchFamily="50" charset="-128"/>
-                  <a:ea typeface="メイリオ" panose="020B0604030504040204" pitchFamily="50" charset="-128"/>
-                </a:rPr>
-                <a:t>面積</a:t>
-              </a:r>
-              <a:r>
-                <a:rPr lang="ja-JP" altLang="en-US" sz="1600" dirty="0" smtClean="0">
-                  <a:latin typeface="メイリオ" panose="020B0604030504040204" pitchFamily="50" charset="-128"/>
-                  <a:ea typeface="メイリオ" panose="020B0604030504040204" pitchFamily="50" charset="-128"/>
-                </a:rPr>
-                <a:t> </a:t>
-              </a:r>
-              <a:r>
-                <a:rPr lang="en-US" altLang="ja-JP" sz="1600" dirty="0" smtClean="0">
-                  <a:latin typeface="メイリオ" panose="020B0604030504040204" pitchFamily="50" charset="-128"/>
-                  <a:ea typeface="メイリオ" panose="020B0604030504040204" pitchFamily="50" charset="-128"/>
-                </a:rPr>
-                <a:t>&gt; 30</a:t>
-              </a:r>
-              <a:endParaRPr kumimoji="1" lang="ja-JP" altLang="en-US" sz="1600" dirty="0">
-                <a:latin typeface="メイリオ" panose="020B0604030504040204" pitchFamily="50" charset="-128"/>
-                <a:ea typeface="メイリオ" panose="020B0604030504040204" pitchFamily="50" charset="-128"/>
-              </a:endParaRPr>
-            </a:p>
-          </p:txBody>
-        </p:sp>
-        <p:cxnSp>
-          <p:nvCxnSpPr>
-            <p:cNvPr id="116" name="直線コネクタ 115"/>
-            <p:cNvCxnSpPr/>
-            <p:nvPr/>
-          </p:nvCxnSpPr>
-          <p:spPr>
-            <a:xfrm>
-              <a:off x="899160" y="3895417"/>
-              <a:ext cx="0" cy="411480"/>
-            </a:xfrm>
-            <a:prstGeom prst="line">
-              <a:avLst/>
-            </a:prstGeom>
-            <a:ln w="12700">
-              <a:solidFill>
-                <a:schemeClr val="bg1">
-                  <a:lumMod val="65000"/>
-                </a:schemeClr>
-              </a:solidFill>
-            </a:ln>
-          </p:spPr>
-          <p:style>
-            <a:lnRef idx="2">
-              <a:schemeClr val="accent1"/>
-            </a:lnRef>
-            <a:fillRef idx="0">
-              <a:schemeClr val="accent1"/>
-            </a:fillRef>
-            <a:effectRef idx="1">
-              <a:schemeClr val="accent1"/>
-            </a:effectRef>
-            <a:fontRef idx="minor">
-              <a:schemeClr val="tx1"/>
-            </a:fontRef>
-          </p:style>
-        </p:cxnSp>
-        <p:cxnSp>
-          <p:nvCxnSpPr>
-            <p:cNvPr id="117" name="直線コネクタ 116"/>
-            <p:cNvCxnSpPr/>
-            <p:nvPr/>
-          </p:nvCxnSpPr>
-          <p:spPr>
-            <a:xfrm>
-              <a:off x="2702210" y="3895417"/>
-              <a:ext cx="0" cy="411480"/>
-            </a:xfrm>
-            <a:prstGeom prst="line">
-              <a:avLst/>
-            </a:prstGeom>
-            <a:ln w="12700">
-              <a:solidFill>
-                <a:schemeClr val="bg1">
-                  <a:lumMod val="65000"/>
-                </a:schemeClr>
-              </a:solidFill>
-            </a:ln>
-          </p:spPr>
-          <p:style>
-            <a:lnRef idx="2">
-              <a:schemeClr val="accent1"/>
-            </a:lnRef>
-            <a:fillRef idx="0">
-              <a:schemeClr val="accent1"/>
-            </a:fillRef>
-            <a:effectRef idx="1">
-              <a:schemeClr val="accent1"/>
-            </a:effectRef>
-            <a:fontRef idx="minor">
-              <a:schemeClr val="tx1"/>
-            </a:fontRef>
-          </p:style>
-        </p:cxnSp>
-        <p:sp>
-          <p:nvSpPr>
-            <p:cNvPr id="118" name="正方形/長方形 117"/>
-            <p:cNvSpPr/>
-            <p:nvPr/>
-          </p:nvSpPr>
-          <p:spPr bwMode="auto">
-            <a:xfrm>
-              <a:off x="234421" y="4371010"/>
-              <a:ext cx="1403511" cy="1938349"/>
-            </a:xfrm>
-            <a:prstGeom prst="rect">
-              <a:avLst/>
-            </a:prstGeom>
-            <a:solidFill>
-              <a:srgbClr val="FFFFFF"/>
-            </a:solidFill>
-            <a:ln w="25400">
-              <a:solidFill>
-                <a:schemeClr val="bg1">
-                  <a:lumMod val="65000"/>
-                </a:schemeClr>
-              </a:solidFill>
-              <a:miter lim="800000"/>
-              <a:headEnd/>
-              <a:tailEnd/>
-            </a:ln>
-            <a:extLst/>
-          </p:spPr>
-          <p:txBody>
-            <a:bodyPr wrap="square" rtlCol="0" anchor="ctr">
-              <a:spAutoFit/>
-            </a:bodyPr>
-            <a:lstStyle/>
-            <a:p>
-              <a:pPr algn="ctr">
-                <a:lnSpc>
-                  <a:spcPct val="130000"/>
-                </a:lnSpc>
-              </a:pPr>
-              <a:endParaRPr kumimoji="1" lang="ja-JP" altLang="en-US" sz="2000" b="1" i="0" dirty="0" smtClean="0">
-                <a:solidFill>
-                  <a:srgbClr val="C0504D"/>
-                </a:solidFill>
-                <a:latin typeface="メイリオ" charset="0"/>
-                <a:ea typeface="メイリオ" charset="0"/>
-                <a:cs typeface="メイリオ" charset="0"/>
-              </a:endParaRPr>
-            </a:p>
-          </p:txBody>
-        </p:sp>
-        <p:sp>
-          <p:nvSpPr>
-            <p:cNvPr id="119" name="テキスト ボックス 118"/>
-            <p:cNvSpPr txBox="1"/>
-            <p:nvPr/>
-          </p:nvSpPr>
-          <p:spPr>
-            <a:xfrm>
-              <a:off x="2308219" y="5253388"/>
-              <a:ext cx="473206" cy="523220"/>
-            </a:xfrm>
-            <a:prstGeom prst="rect">
-              <a:avLst/>
-            </a:prstGeom>
-            <a:noFill/>
-          </p:spPr>
-          <p:txBody>
-            <a:bodyPr wrap="none" rtlCol="0">
-              <a:spAutoFit/>
-            </a:bodyPr>
-            <a:lstStyle/>
-            <a:p>
-              <a:r>
-                <a:rPr kumimoji="1" lang="en-US" altLang="ja-JP" sz="2800" dirty="0" smtClean="0">
-                  <a:solidFill>
-                    <a:srgbClr val="A82831"/>
-                  </a:solidFill>
-                  <a:latin typeface="メイリオ" panose="020B0604030504040204" pitchFamily="50" charset="-128"/>
-                  <a:ea typeface="メイリオ" panose="020B0604030504040204" pitchFamily="50" charset="-128"/>
-                </a:rPr>
-                <a:t>×</a:t>
-              </a:r>
-              <a:endParaRPr kumimoji="1" lang="ja-JP" altLang="en-US" dirty="0">
-                <a:solidFill>
-                  <a:srgbClr val="A82831"/>
-                </a:solidFill>
-                <a:latin typeface="メイリオ" panose="020B0604030504040204" pitchFamily="50" charset="-128"/>
-                <a:ea typeface="メイリオ" panose="020B0604030504040204" pitchFamily="50" charset="-128"/>
-              </a:endParaRPr>
-            </a:p>
-          </p:txBody>
-        </p:sp>
-        <p:sp>
-          <p:nvSpPr>
-            <p:cNvPr id="120" name="テキスト ボックス 119"/>
-            <p:cNvSpPr txBox="1"/>
-            <p:nvPr/>
-          </p:nvSpPr>
-          <p:spPr>
-            <a:xfrm>
-              <a:off x="425954" y="5658055"/>
-              <a:ext cx="473206" cy="523220"/>
-            </a:xfrm>
-            <a:prstGeom prst="rect">
-              <a:avLst/>
-            </a:prstGeom>
-            <a:noFill/>
-          </p:spPr>
-          <p:txBody>
-            <a:bodyPr wrap="none" rtlCol="0">
-              <a:spAutoFit/>
-            </a:bodyPr>
-            <a:lstStyle/>
-            <a:p>
-              <a:r>
-                <a:rPr kumimoji="1" lang="en-US" altLang="ja-JP" sz="2800" dirty="0" smtClean="0">
-                  <a:solidFill>
-                    <a:srgbClr val="A82831"/>
-                  </a:solidFill>
-                  <a:latin typeface="メイリオ" panose="020B0604030504040204" pitchFamily="50" charset="-128"/>
-                  <a:ea typeface="メイリオ" panose="020B0604030504040204" pitchFamily="50" charset="-128"/>
-                </a:rPr>
-                <a:t>×</a:t>
-              </a:r>
-              <a:endParaRPr kumimoji="1" lang="ja-JP" altLang="en-US" dirty="0">
-                <a:solidFill>
-                  <a:srgbClr val="A82831"/>
-                </a:solidFill>
-                <a:latin typeface="メイリオ" panose="020B0604030504040204" pitchFamily="50" charset="-128"/>
-                <a:ea typeface="メイリオ" panose="020B0604030504040204" pitchFamily="50" charset="-128"/>
-              </a:endParaRPr>
-            </a:p>
-          </p:txBody>
-        </p:sp>
-        <p:sp>
-          <p:nvSpPr>
-            <p:cNvPr id="121" name="テキスト ボックス 120"/>
-            <p:cNvSpPr txBox="1"/>
-            <p:nvPr/>
-          </p:nvSpPr>
-          <p:spPr>
-            <a:xfrm>
-              <a:off x="2738470" y="4979803"/>
-              <a:ext cx="473206" cy="523220"/>
-            </a:xfrm>
-            <a:prstGeom prst="rect">
-              <a:avLst/>
-            </a:prstGeom>
-            <a:noFill/>
-          </p:spPr>
-          <p:txBody>
-            <a:bodyPr wrap="none" rtlCol="0">
-              <a:spAutoFit/>
-            </a:bodyPr>
-            <a:lstStyle/>
-            <a:p>
-              <a:r>
-                <a:rPr kumimoji="1" lang="en-US" altLang="ja-JP" sz="2800" dirty="0" smtClean="0">
-                  <a:solidFill>
-                    <a:srgbClr val="A82831"/>
-                  </a:solidFill>
-                  <a:latin typeface="メイリオ" panose="020B0604030504040204" pitchFamily="50" charset="-128"/>
-                  <a:ea typeface="メイリオ" panose="020B0604030504040204" pitchFamily="50" charset="-128"/>
-                </a:rPr>
-                <a:t>×</a:t>
-              </a:r>
-              <a:endParaRPr kumimoji="1" lang="ja-JP" altLang="en-US" dirty="0">
-                <a:solidFill>
-                  <a:srgbClr val="A82831"/>
-                </a:solidFill>
-                <a:latin typeface="メイリオ" panose="020B0604030504040204" pitchFamily="50" charset="-128"/>
-                <a:ea typeface="メイリオ" panose="020B0604030504040204" pitchFamily="50" charset="-128"/>
-              </a:endParaRPr>
-            </a:p>
-          </p:txBody>
-        </p:sp>
-        <p:sp>
-          <p:nvSpPr>
-            <p:cNvPr id="122" name="テキスト ボックス 121"/>
-            <p:cNvSpPr txBox="1"/>
-            <p:nvPr/>
-          </p:nvSpPr>
-          <p:spPr>
-            <a:xfrm>
-              <a:off x="795627" y="4662883"/>
-              <a:ext cx="543739" cy="523220"/>
-            </a:xfrm>
-            <a:prstGeom prst="rect">
-              <a:avLst/>
-            </a:prstGeom>
-            <a:noFill/>
-          </p:spPr>
-          <p:txBody>
-            <a:bodyPr wrap="none" rtlCol="0">
-              <a:spAutoFit/>
-            </a:bodyPr>
-            <a:lstStyle/>
-            <a:p>
-              <a:r>
-                <a:rPr kumimoji="1" lang="ja-JP" altLang="en-US" sz="2800" dirty="0" smtClean="0">
-                  <a:solidFill>
-                    <a:schemeClr val="bg1">
-                      <a:lumMod val="50000"/>
-                    </a:schemeClr>
-                  </a:solidFill>
-                  <a:latin typeface="メイリオ" panose="020B0604030504040204" pitchFamily="50" charset="-128"/>
-                  <a:ea typeface="メイリオ" panose="020B0604030504040204" pitchFamily="50" charset="-128"/>
-                </a:rPr>
-                <a:t>○</a:t>
-              </a:r>
-              <a:endParaRPr kumimoji="1" lang="ja-JP" altLang="en-US" dirty="0">
-                <a:solidFill>
-                  <a:schemeClr val="bg1">
-                    <a:lumMod val="50000"/>
-                  </a:schemeClr>
-                </a:solidFill>
-                <a:latin typeface="メイリオ" panose="020B0604030504040204" pitchFamily="50" charset="-128"/>
-                <a:ea typeface="メイリオ" panose="020B0604030504040204" pitchFamily="50" charset="-128"/>
-              </a:endParaRPr>
-            </a:p>
-          </p:txBody>
-        </p:sp>
-        <p:sp>
-          <p:nvSpPr>
-            <p:cNvPr id="123" name="テキスト ボックス 122"/>
-            <p:cNvSpPr txBox="1"/>
-            <p:nvPr/>
-          </p:nvSpPr>
-          <p:spPr>
-            <a:xfrm>
-              <a:off x="915796" y="5000347"/>
-              <a:ext cx="543739" cy="523220"/>
-            </a:xfrm>
-            <a:prstGeom prst="rect">
-              <a:avLst/>
-            </a:prstGeom>
-            <a:noFill/>
-          </p:spPr>
-          <p:txBody>
-            <a:bodyPr wrap="none" rtlCol="0">
-              <a:spAutoFit/>
-            </a:bodyPr>
-            <a:lstStyle/>
-            <a:p>
-              <a:r>
-                <a:rPr kumimoji="1" lang="ja-JP" altLang="en-US" sz="2800" dirty="0" smtClean="0">
-                  <a:solidFill>
-                    <a:schemeClr val="bg1">
-                      <a:lumMod val="50000"/>
-                    </a:schemeClr>
-                  </a:solidFill>
-                  <a:latin typeface="メイリオ" panose="020B0604030504040204" pitchFamily="50" charset="-128"/>
-                  <a:ea typeface="メイリオ" panose="020B0604030504040204" pitchFamily="50" charset="-128"/>
-                </a:rPr>
-                <a:t>○</a:t>
-              </a:r>
-              <a:endParaRPr kumimoji="1" lang="ja-JP" altLang="en-US" dirty="0">
-                <a:solidFill>
-                  <a:schemeClr val="bg1">
-                    <a:lumMod val="50000"/>
-                  </a:schemeClr>
-                </a:solidFill>
-                <a:latin typeface="メイリオ" panose="020B0604030504040204" pitchFamily="50" charset="-128"/>
-                <a:ea typeface="メイリオ" panose="020B0604030504040204" pitchFamily="50" charset="-128"/>
-              </a:endParaRPr>
-            </a:p>
-          </p:txBody>
-        </p:sp>
-        <p:sp>
-          <p:nvSpPr>
-            <p:cNvPr id="124" name="テキスト ボックス 123"/>
-            <p:cNvSpPr txBox="1"/>
-            <p:nvPr/>
-          </p:nvSpPr>
-          <p:spPr>
-            <a:xfrm>
-              <a:off x="216421" y="5060405"/>
-              <a:ext cx="543739" cy="523220"/>
-            </a:xfrm>
-            <a:prstGeom prst="rect">
-              <a:avLst/>
-            </a:prstGeom>
-            <a:noFill/>
-          </p:spPr>
-          <p:txBody>
-            <a:bodyPr wrap="none" rtlCol="0">
-              <a:spAutoFit/>
-            </a:bodyPr>
-            <a:lstStyle/>
-            <a:p>
-              <a:r>
-                <a:rPr kumimoji="1" lang="ja-JP" altLang="en-US" sz="2800" dirty="0" smtClean="0">
-                  <a:solidFill>
-                    <a:schemeClr val="bg1">
-                      <a:lumMod val="50000"/>
-                    </a:schemeClr>
-                  </a:solidFill>
-                  <a:latin typeface="メイリオ" panose="020B0604030504040204" pitchFamily="50" charset="-128"/>
-                  <a:ea typeface="メイリオ" panose="020B0604030504040204" pitchFamily="50" charset="-128"/>
-                </a:rPr>
-                <a:t>○</a:t>
-              </a:r>
-              <a:endParaRPr kumimoji="1" lang="ja-JP" altLang="en-US" dirty="0">
-                <a:solidFill>
-                  <a:schemeClr val="bg1">
-                    <a:lumMod val="50000"/>
-                  </a:schemeClr>
-                </a:solidFill>
-                <a:latin typeface="メイリオ" panose="020B0604030504040204" pitchFamily="50" charset="-128"/>
-                <a:ea typeface="メイリオ" panose="020B0604030504040204" pitchFamily="50" charset="-128"/>
-              </a:endParaRPr>
-            </a:p>
-          </p:txBody>
-        </p:sp>
-        <p:sp>
-          <p:nvSpPr>
-            <p:cNvPr id="125" name="テキスト ボックス 124"/>
-            <p:cNvSpPr txBox="1"/>
-            <p:nvPr/>
-          </p:nvSpPr>
-          <p:spPr>
-            <a:xfrm>
-              <a:off x="873442" y="5553830"/>
-              <a:ext cx="543739" cy="523220"/>
-            </a:xfrm>
-            <a:prstGeom prst="rect">
-              <a:avLst/>
-            </a:prstGeom>
-            <a:noFill/>
-          </p:spPr>
-          <p:txBody>
-            <a:bodyPr wrap="none" rtlCol="0">
-              <a:spAutoFit/>
-            </a:bodyPr>
-            <a:lstStyle/>
-            <a:p>
-              <a:r>
-                <a:rPr kumimoji="1" lang="ja-JP" altLang="en-US" sz="2800" dirty="0" smtClean="0">
-                  <a:solidFill>
-                    <a:schemeClr val="bg1">
-                      <a:lumMod val="50000"/>
-                    </a:schemeClr>
-                  </a:solidFill>
-                  <a:latin typeface="メイリオ" panose="020B0604030504040204" pitchFamily="50" charset="-128"/>
-                  <a:ea typeface="メイリオ" panose="020B0604030504040204" pitchFamily="50" charset="-128"/>
-                </a:rPr>
-                <a:t>○</a:t>
-              </a:r>
-              <a:endParaRPr kumimoji="1" lang="ja-JP" altLang="en-US" dirty="0">
-                <a:solidFill>
-                  <a:schemeClr val="bg1">
-                    <a:lumMod val="50000"/>
-                  </a:schemeClr>
-                </a:solidFill>
-                <a:latin typeface="メイリオ" panose="020B0604030504040204" pitchFamily="50" charset="-128"/>
-                <a:ea typeface="メイリオ" panose="020B0604030504040204" pitchFamily="50" charset="-128"/>
-              </a:endParaRPr>
-            </a:p>
-          </p:txBody>
-        </p:sp>
-        <p:sp>
-          <p:nvSpPr>
-            <p:cNvPr id="126" name="テキスト ボックス 125"/>
-            <p:cNvSpPr txBox="1"/>
-            <p:nvPr/>
-          </p:nvSpPr>
-          <p:spPr>
-            <a:xfrm>
-              <a:off x="2742899" y="5584023"/>
-              <a:ext cx="543739" cy="523220"/>
-            </a:xfrm>
-            <a:prstGeom prst="rect">
-              <a:avLst/>
-            </a:prstGeom>
-            <a:noFill/>
-          </p:spPr>
-          <p:txBody>
-            <a:bodyPr wrap="none" rtlCol="0">
-              <a:spAutoFit/>
-            </a:bodyPr>
-            <a:lstStyle/>
-            <a:p>
-              <a:r>
-                <a:rPr kumimoji="1" lang="ja-JP" altLang="en-US" sz="2800" dirty="0" smtClean="0">
-                  <a:solidFill>
-                    <a:schemeClr val="bg1">
-                      <a:lumMod val="50000"/>
-                    </a:schemeClr>
-                  </a:solidFill>
-                  <a:latin typeface="メイリオ" panose="020B0604030504040204" pitchFamily="50" charset="-128"/>
-                  <a:ea typeface="メイリオ" panose="020B0604030504040204" pitchFamily="50" charset="-128"/>
-                </a:rPr>
-                <a:t>○</a:t>
-              </a:r>
-              <a:endParaRPr kumimoji="1" lang="ja-JP" altLang="en-US" dirty="0">
-                <a:solidFill>
-                  <a:schemeClr val="bg1">
-                    <a:lumMod val="50000"/>
-                  </a:schemeClr>
-                </a:solidFill>
-                <a:latin typeface="メイリオ" panose="020B0604030504040204" pitchFamily="50" charset="-128"/>
-                <a:ea typeface="メイリオ" panose="020B0604030504040204" pitchFamily="50" charset="-128"/>
-              </a:endParaRPr>
-            </a:p>
-          </p:txBody>
-        </p:sp>
-        <p:sp>
-          <p:nvSpPr>
-            <p:cNvPr id="127" name="テキスト ボックス 126"/>
-            <p:cNvSpPr txBox="1"/>
-            <p:nvPr/>
-          </p:nvSpPr>
-          <p:spPr>
-            <a:xfrm>
-              <a:off x="2270193" y="4630683"/>
-              <a:ext cx="473206" cy="523220"/>
-            </a:xfrm>
-            <a:prstGeom prst="rect">
-              <a:avLst/>
-            </a:prstGeom>
-            <a:noFill/>
-          </p:spPr>
-          <p:txBody>
-            <a:bodyPr wrap="none" rtlCol="0">
-              <a:spAutoFit/>
-            </a:bodyPr>
-            <a:lstStyle/>
-            <a:p>
-              <a:r>
-                <a:rPr kumimoji="1" lang="en-US" altLang="ja-JP" sz="2800" dirty="0" smtClean="0">
-                  <a:solidFill>
-                    <a:srgbClr val="A82831"/>
-                  </a:solidFill>
-                  <a:latin typeface="メイリオ" panose="020B0604030504040204" pitchFamily="50" charset="-128"/>
-                  <a:ea typeface="メイリオ" panose="020B0604030504040204" pitchFamily="50" charset="-128"/>
-                </a:rPr>
-                <a:t>×</a:t>
-              </a:r>
-              <a:endParaRPr kumimoji="1" lang="ja-JP" altLang="en-US" dirty="0">
-                <a:solidFill>
-                  <a:srgbClr val="A82831"/>
-                </a:solidFill>
-                <a:latin typeface="メイリオ" panose="020B0604030504040204" pitchFamily="50" charset="-128"/>
-                <a:ea typeface="メイリオ" panose="020B0604030504040204" pitchFamily="50" charset="-128"/>
-              </a:endParaRPr>
-            </a:p>
-          </p:txBody>
-        </p:sp>
-        <p:sp>
-          <p:nvSpPr>
-            <p:cNvPr id="128" name="テキスト ボックス 127"/>
-            <p:cNvSpPr txBox="1"/>
-            <p:nvPr/>
-          </p:nvSpPr>
-          <p:spPr>
-            <a:xfrm>
-              <a:off x="2845635" y="4498500"/>
-              <a:ext cx="473206" cy="523220"/>
-            </a:xfrm>
-            <a:prstGeom prst="rect">
-              <a:avLst/>
-            </a:prstGeom>
-            <a:noFill/>
-          </p:spPr>
-          <p:txBody>
-            <a:bodyPr wrap="none" rtlCol="0">
-              <a:spAutoFit/>
-            </a:bodyPr>
-            <a:lstStyle/>
-            <a:p>
-              <a:r>
-                <a:rPr kumimoji="1" lang="en-US" altLang="ja-JP" sz="2800" dirty="0" smtClean="0">
-                  <a:solidFill>
-                    <a:srgbClr val="A82831"/>
-                  </a:solidFill>
-                  <a:latin typeface="メイリオ" panose="020B0604030504040204" pitchFamily="50" charset="-128"/>
-                  <a:ea typeface="メイリオ" panose="020B0604030504040204" pitchFamily="50" charset="-128"/>
-                </a:rPr>
-                <a:t>×</a:t>
-              </a:r>
-              <a:endParaRPr kumimoji="1" lang="ja-JP" altLang="en-US" dirty="0">
-                <a:solidFill>
-                  <a:srgbClr val="A82831"/>
-                </a:solidFill>
-                <a:latin typeface="メイリオ" panose="020B0604030504040204" pitchFamily="50" charset="-128"/>
-                <a:ea typeface="メイリオ" panose="020B0604030504040204" pitchFamily="50" charset="-128"/>
-              </a:endParaRPr>
-            </a:p>
-          </p:txBody>
-        </p:sp>
-      </p:grpSp>
-      <p:sp>
-        <p:nvSpPr>
-          <p:cNvPr id="132" name="テキスト ボックス 131"/>
+          <p:cNvPr id="131" name="テキスト ボックス 130"/>
           <p:cNvSpPr txBox="1"/>
           <p:nvPr/>
         </p:nvSpPr>
         <p:spPr>
           <a:xfrm>
-            <a:off x="1505289" y="2823235"/>
-            <a:ext cx="654346" cy="769441"/>
+            <a:off x="1968278" y="1074912"/>
+            <a:ext cx="1082348" cy="307777"/>
           </a:xfrm>
           <a:prstGeom prst="rect">
             <a:avLst/>
@@ -16446,35 +15198,31 @@
           <a:lstStyle/>
           <a:p>
             <a:r>
-              <a:rPr kumimoji="1" lang="en-US" altLang="ja-JP" sz="4400" b="1" dirty="0" smtClean="0">
-                <a:solidFill>
-                  <a:srgbClr val="A82831"/>
-                </a:solidFill>
-                <a:latin typeface="メイリオ" panose="020B0604030504040204" pitchFamily="50" charset="-128"/>
-                <a:ea typeface="メイリオ" panose="020B0604030504040204" pitchFamily="50" charset="-128"/>
-              </a:rPr>
-              <a:t>×</a:t>
-            </a:r>
-            <a:endParaRPr kumimoji="1" lang="ja-JP" altLang="en-US" sz="3200" b="1" dirty="0">
-              <a:solidFill>
-                <a:srgbClr val="A82831"/>
-              </a:solidFill>
+              <a:rPr lang="ja-JP" altLang="en-US" sz="1400" dirty="0" smtClean="0">
+                <a:latin typeface="メイリオ" panose="020B0604030504040204" pitchFamily="50" charset="-128"/>
+                <a:ea typeface="メイリオ" panose="020B0604030504040204" pitchFamily="50" charset="-128"/>
+                <a:cs typeface="ヒラギノ角ゴ Pro W3"/>
+              </a:rPr>
+              <a:t>ジニ不純度</a:t>
+            </a:r>
+            <a:endParaRPr lang="ja-JP" altLang="en-US" sz="1400" dirty="0">
               <a:latin typeface="メイリオ" panose="020B0604030504040204" pitchFamily="50" charset="-128"/>
               <a:ea typeface="メイリオ" panose="020B0604030504040204" pitchFamily="50" charset="-128"/>
+              <a:cs typeface="ヒラギノ角ゴ Pro W3"/>
             </a:endParaRPr>
           </a:p>
         </p:txBody>
       </p:sp>
       <p:sp>
         <p:nvSpPr>
-          <p:cNvPr id="133" name="テキスト ボックス 132"/>
+          <p:cNvPr id="135" name="テキスト ボックス 134"/>
           <p:cNvSpPr txBox="1"/>
           <p:nvPr/>
         </p:nvSpPr>
         <p:spPr>
           <a:xfrm>
-            <a:off x="6915455" y="2823235"/>
-            <a:ext cx="748923" cy="769441"/>
+            <a:off x="6101298" y="1085418"/>
+            <a:ext cx="1261884" cy="307777"/>
           </a:xfrm>
           <a:prstGeom prst="rect">
             <a:avLst/>
@@ -16488,25 +15236,703 @@
           <a:lstStyle/>
           <a:p>
             <a:r>
-              <a:rPr lang="ja-JP" altLang="en-US" sz="4400" b="1" dirty="0">
-                <a:solidFill>
-                  <a:srgbClr val="A82831"/>
-                </a:solidFill>
-                <a:latin typeface="メイリオ" panose="020B0604030504040204" pitchFamily="50" charset="-128"/>
-                <a:ea typeface="メイリオ" panose="020B0604030504040204" pitchFamily="50" charset="-128"/>
-              </a:rPr>
-              <a:t>○</a:t>
-            </a:r>
-            <a:endParaRPr kumimoji="1" lang="ja-JP" altLang="en-US" sz="3200" b="1" dirty="0">
-              <a:solidFill>
-                <a:srgbClr val="A82831"/>
-              </a:solidFill>
+              <a:rPr lang="ja-JP" altLang="en-US" sz="1400" dirty="0" smtClean="0">
+                <a:latin typeface="メイリオ" panose="020B0604030504040204" pitchFamily="50" charset="-128"/>
+                <a:ea typeface="メイリオ" panose="020B0604030504040204" pitchFamily="50" charset="-128"/>
+                <a:cs typeface="ヒラギノ角ゴ Pro W3"/>
+              </a:rPr>
+              <a:t>エントロピー</a:t>
+            </a:r>
+            <a:endParaRPr lang="ja-JP" altLang="en-US" sz="1400" dirty="0">
               <a:latin typeface="メイリオ" panose="020B0604030504040204" pitchFamily="50" charset="-128"/>
               <a:ea typeface="メイリオ" panose="020B0604030504040204" pitchFamily="50" charset="-128"/>
+              <a:cs typeface="ヒラギノ角ゴ Pro W3"/>
             </a:endParaRPr>
           </a:p>
         </p:txBody>
       </p:sp>
+      <p:cxnSp>
+        <p:nvCxnSpPr>
+          <p:cNvPr id="136" name="直線コネクタ 135"/>
+          <p:cNvCxnSpPr/>
+          <p:nvPr/>
+        </p:nvCxnSpPr>
+        <p:spPr>
+          <a:xfrm>
+            <a:off x="4589583" y="1377429"/>
+            <a:ext cx="4285313" cy="0"/>
+          </a:xfrm>
+          <a:prstGeom prst="line">
+            <a:avLst/>
+          </a:prstGeom>
+          <a:ln w="12700">
+            <a:solidFill>
+              <a:schemeClr val="tx1"/>
+            </a:solidFill>
+          </a:ln>
+          <a:effectLst/>
+        </p:spPr>
+        <p:style>
+          <a:lnRef idx="2">
+            <a:schemeClr val="accent1"/>
+          </a:lnRef>
+          <a:fillRef idx="0">
+            <a:schemeClr val="accent1"/>
+          </a:fillRef>
+          <a:effectRef idx="1">
+            <a:schemeClr val="accent1"/>
+          </a:effectRef>
+          <a:fontRef idx="minor">
+            <a:schemeClr val="tx1"/>
+          </a:fontRef>
+        </p:style>
+      </p:cxnSp>
+      <mc:AlternateContent xmlns:mc="http://schemas.openxmlformats.org/markup-compatibility/2006" xmlns:a14="http://schemas.microsoft.com/office/drawing/2010/main">
+        <mc:Choice Requires="a14">
+          <p:sp>
+            <p:nvSpPr>
+              <p:cNvPr id="2" name="テキスト ボックス 1"/>
+              <p:cNvSpPr txBox="1"/>
+              <p:nvPr/>
+            </p:nvSpPr>
+            <p:spPr>
+              <a:xfrm>
+                <a:off x="4719958" y="1758570"/>
+                <a:ext cx="4024563" cy="1008225"/>
+              </a:xfrm>
+              <a:prstGeom prst="rect">
+                <a:avLst/>
+              </a:prstGeom>
+              <a:noFill/>
+            </p:spPr>
+            <p:txBody>
+              <a:bodyPr wrap="none" lIns="0" tIns="0" rIns="0" bIns="0" rtlCol="0">
+                <a:spAutoFit/>
+              </a:bodyPr>
+              <a:lstStyle/>
+              <a:p>
+                <a:pPr/>
+                <a14:m>
+                  <m:oMathPara xmlns:m="http://schemas.openxmlformats.org/officeDocument/2006/math">
+                    <m:oMathParaPr>
+                      <m:jc m:val="centerGroup"/>
+                    </m:oMathParaPr>
+                    <m:oMath xmlns:m="http://schemas.openxmlformats.org/officeDocument/2006/math">
+                      <m:sSub>
+                        <m:sSubPr>
+                          <m:ctrlPr>
+                            <a:rPr kumimoji="1" lang="en-US" altLang="ja-JP" sz="2400" i="1" smtClean="0">
+                              <a:latin typeface="Cambria Math" panose="02040503050406030204" pitchFamily="18" charset="0"/>
+                            </a:rPr>
+                          </m:ctrlPr>
+                        </m:sSubPr>
+                        <m:e>
+                          <m:r>
+                            <a:rPr kumimoji="1" lang="en-US" altLang="ja-JP" sz="2400" b="0" i="1" smtClean="0">
+                              <a:latin typeface="Cambria Math" panose="02040503050406030204" pitchFamily="18" charset="0"/>
+                            </a:rPr>
+                            <m:t>𝐼</m:t>
+                          </m:r>
+                        </m:e>
+                        <m:sub>
+                          <m:r>
+                            <a:rPr kumimoji="1" lang="en-US" altLang="ja-JP" sz="2400" b="0" i="1" smtClean="0">
+                              <a:latin typeface="Cambria Math" panose="02040503050406030204" pitchFamily="18" charset="0"/>
+                            </a:rPr>
+                            <m:t>𝐻</m:t>
+                          </m:r>
+                        </m:sub>
+                      </m:sSub>
+                      <m:d>
+                        <m:dPr>
+                          <m:ctrlPr>
+                            <a:rPr kumimoji="1" lang="en-US" altLang="ja-JP" sz="2400" b="0" i="1" smtClean="0">
+                              <a:latin typeface="Cambria Math" panose="02040503050406030204" pitchFamily="18" charset="0"/>
+                            </a:rPr>
+                          </m:ctrlPr>
+                        </m:dPr>
+                        <m:e>
+                          <m:r>
+                            <a:rPr kumimoji="1" lang="en-US" altLang="ja-JP" sz="2400" b="0" i="1" smtClean="0">
+                              <a:latin typeface="Cambria Math" panose="02040503050406030204" pitchFamily="18" charset="0"/>
+                            </a:rPr>
+                            <m:t>𝑡</m:t>
+                          </m:r>
+                        </m:e>
+                      </m:d>
+                      <m:r>
+                        <a:rPr kumimoji="1" lang="en-US" altLang="ja-JP" sz="2400" b="0" i="1" smtClean="0">
+                          <a:latin typeface="Cambria Math" panose="02040503050406030204" pitchFamily="18" charset="0"/>
+                        </a:rPr>
+                        <m:t>=−</m:t>
+                      </m:r>
+                      <m:nary>
+                        <m:naryPr>
+                          <m:chr m:val="∑"/>
+                          <m:ctrlPr>
+                            <a:rPr kumimoji="1" lang="en-US" altLang="ja-JP" sz="2400" b="0" i="1" smtClean="0">
+                              <a:latin typeface="Cambria Math" panose="02040503050406030204" pitchFamily="18" charset="0"/>
+                            </a:rPr>
+                          </m:ctrlPr>
+                        </m:naryPr>
+                        <m:sub>
+                          <m:r>
+                            <m:rPr>
+                              <m:brk m:alnAt="23"/>
+                            </m:rPr>
+                            <a:rPr kumimoji="1" lang="en-US" altLang="ja-JP" sz="2400" b="0" i="1" smtClean="0">
+                              <a:latin typeface="Cambria Math" panose="02040503050406030204" pitchFamily="18" charset="0"/>
+                            </a:rPr>
+                            <m:t>𝑖</m:t>
+                          </m:r>
+                          <m:r>
+                            <a:rPr kumimoji="1" lang="en-US" altLang="ja-JP" sz="2400" b="0" i="1" smtClean="0">
+                              <a:latin typeface="Cambria Math" panose="02040503050406030204" pitchFamily="18" charset="0"/>
+                            </a:rPr>
+                            <m:t>=1</m:t>
+                          </m:r>
+                        </m:sub>
+                        <m:sup>
+                          <m:r>
+                            <a:rPr kumimoji="1" lang="en-US" altLang="ja-JP" sz="2400" b="0" i="1" smtClean="0">
+                              <a:latin typeface="Cambria Math" panose="02040503050406030204" pitchFamily="18" charset="0"/>
+                            </a:rPr>
+                            <m:t>𝑐</m:t>
+                          </m:r>
+                        </m:sup>
+                        <m:e>
+                          <m:r>
+                            <a:rPr kumimoji="1" lang="en-US" altLang="ja-JP" sz="2400" b="0" i="1" smtClean="0">
+                              <a:latin typeface="Cambria Math" panose="02040503050406030204" pitchFamily="18" charset="0"/>
+                            </a:rPr>
+                            <m:t>𝑝</m:t>
+                          </m:r>
+                          <m:d>
+                            <m:dPr>
+                              <m:ctrlPr>
+                                <a:rPr kumimoji="1" lang="en-US" altLang="ja-JP" sz="2400" b="0" i="1" smtClean="0">
+                                  <a:latin typeface="Cambria Math" panose="02040503050406030204" pitchFamily="18" charset="0"/>
+                                </a:rPr>
+                              </m:ctrlPr>
+                            </m:dPr>
+                            <m:e>
+                              <m:r>
+                                <a:rPr kumimoji="1" lang="en-US" altLang="ja-JP" sz="2400" b="0" i="1" smtClean="0">
+                                  <a:latin typeface="Cambria Math" panose="02040503050406030204" pitchFamily="18" charset="0"/>
+                                </a:rPr>
+                                <m:t>𝑖</m:t>
+                              </m:r>
+                            </m:e>
+                            <m:e>
+                              <m:r>
+                                <a:rPr kumimoji="1" lang="en-US" altLang="ja-JP" sz="2400" b="0" i="1" smtClean="0">
+                                  <a:latin typeface="Cambria Math" panose="02040503050406030204" pitchFamily="18" charset="0"/>
+                                </a:rPr>
+                                <m:t>𝑡</m:t>
+                              </m:r>
+                            </m:e>
+                          </m:d>
+                          <m:r>
+                            <a:rPr kumimoji="1" lang="en-US" altLang="ja-JP" sz="2400" b="0" i="1" smtClean="0">
+                              <a:latin typeface="Cambria Math" panose="02040503050406030204" pitchFamily="18" charset="0"/>
+                            </a:rPr>
+                            <m:t>𝑙𝑜</m:t>
+                          </m:r>
+                          <m:sSub>
+                            <m:sSubPr>
+                              <m:ctrlPr>
+                                <a:rPr kumimoji="1" lang="en-US" altLang="ja-JP" sz="2400" b="0" i="1" smtClean="0">
+                                  <a:latin typeface="Cambria Math" panose="02040503050406030204" pitchFamily="18" charset="0"/>
+                                </a:rPr>
+                              </m:ctrlPr>
+                            </m:sSubPr>
+                            <m:e>
+                              <m:r>
+                                <a:rPr kumimoji="1" lang="en-US" altLang="ja-JP" sz="2400" b="0" i="1" smtClean="0">
+                                  <a:latin typeface="Cambria Math" panose="02040503050406030204" pitchFamily="18" charset="0"/>
+                                </a:rPr>
+                                <m:t>𝑔</m:t>
+                              </m:r>
+                            </m:e>
+                            <m:sub>
+                              <m:r>
+                                <a:rPr kumimoji="1" lang="en-US" altLang="ja-JP" sz="2400" b="0" i="1" smtClean="0">
+                                  <a:latin typeface="Cambria Math" panose="02040503050406030204" pitchFamily="18" charset="0"/>
+                                </a:rPr>
+                                <m:t>2</m:t>
+                              </m:r>
+                            </m:sub>
+                          </m:sSub>
+                          <m:r>
+                            <a:rPr kumimoji="1" lang="en-US" altLang="ja-JP" sz="2400" b="0" i="1" smtClean="0">
+                              <a:latin typeface="Cambria Math" panose="02040503050406030204" pitchFamily="18" charset="0"/>
+                            </a:rPr>
+                            <m:t>𝑝</m:t>
+                          </m:r>
+                          <m:r>
+                            <a:rPr kumimoji="1" lang="en-US" altLang="ja-JP" sz="2400" b="0" i="1" smtClean="0">
+                              <a:latin typeface="Cambria Math" panose="02040503050406030204" pitchFamily="18" charset="0"/>
+                            </a:rPr>
+                            <m:t>(</m:t>
+                          </m:r>
+                          <m:r>
+                            <a:rPr kumimoji="1" lang="en-US" altLang="ja-JP" sz="2400" b="0" i="1" smtClean="0">
+                              <a:latin typeface="Cambria Math" panose="02040503050406030204" pitchFamily="18" charset="0"/>
+                            </a:rPr>
+                            <m:t>𝑖</m:t>
+                          </m:r>
+                          <m:r>
+                            <a:rPr kumimoji="1" lang="en-US" altLang="ja-JP" sz="2400" b="0" i="1" smtClean="0">
+                              <a:latin typeface="Cambria Math" panose="02040503050406030204" pitchFamily="18" charset="0"/>
+                            </a:rPr>
+                            <m:t>|</m:t>
+                          </m:r>
+                          <m:r>
+                            <a:rPr kumimoji="1" lang="en-US" altLang="ja-JP" sz="2400" b="0" i="1" smtClean="0">
+                              <a:latin typeface="Cambria Math" panose="02040503050406030204" pitchFamily="18" charset="0"/>
+                            </a:rPr>
+                            <m:t>𝑡</m:t>
+                          </m:r>
+                          <m:r>
+                            <a:rPr kumimoji="1" lang="en-US" altLang="ja-JP" sz="2400" b="0" i="1" smtClean="0">
+                              <a:latin typeface="Cambria Math" panose="02040503050406030204" pitchFamily="18" charset="0"/>
+                            </a:rPr>
+                            <m:t>)</m:t>
+                          </m:r>
+                        </m:e>
+                      </m:nary>
+                    </m:oMath>
+                  </m:oMathPara>
+                </a14:m>
+                <a:endParaRPr kumimoji="1" lang="ja-JP" altLang="en-US" sz="2400" dirty="0" smtClean="0">
+                  <a:latin typeface="ヒラギノ角ゴ Pro W3"/>
+                  <a:ea typeface="ヒラギノ角ゴ Pro W3"/>
+                  <a:cs typeface="ヒラギノ角ゴ Pro W3"/>
+                </a:endParaRPr>
+              </a:p>
+            </p:txBody>
+          </p:sp>
+        </mc:Choice>
+        <mc:Fallback xmlns="">
+          <p:sp>
+            <p:nvSpPr>
+              <p:cNvPr id="2" name="テキスト ボックス 1"/>
+              <p:cNvSpPr txBox="1">
+                <a:spLocks noRot="1" noChangeAspect="1" noMove="1" noResize="1" noEditPoints="1" noAdjustHandles="1" noChangeArrowheads="1" noChangeShapeType="1" noTextEdit="1"/>
+              </p:cNvSpPr>
+              <p:nvPr/>
+            </p:nvSpPr>
+            <p:spPr>
+              <a:xfrm>
+                <a:off x="4719958" y="1758570"/>
+                <a:ext cx="4024563" cy="1008225"/>
+              </a:xfrm>
+              <a:prstGeom prst="rect">
+                <a:avLst/>
+              </a:prstGeom>
+              <a:blipFill rotWithShape="0">
+                <a:blip r:embed="rId3"/>
+                <a:stretch>
+                  <a:fillRect/>
+                </a:stretch>
+              </a:blipFill>
+            </p:spPr>
+            <p:txBody>
+              <a:bodyPr/>
+              <a:lstStyle/>
+              <a:p>
+                <a:r>
+                  <a:rPr lang="ja-JP" altLang="en-US">
+                    <a:noFill/>
+                  </a:rPr>
+                  <a:t> </a:t>
+                </a:r>
+              </a:p>
+            </p:txBody>
+          </p:sp>
+        </mc:Fallback>
+      </mc:AlternateContent>
+      <mc:AlternateContent xmlns:mc="http://schemas.openxmlformats.org/markup-compatibility/2006" xmlns:a14="http://schemas.microsoft.com/office/drawing/2010/main">
+        <mc:Choice Requires="a14">
+          <p:sp>
+            <p:nvSpPr>
+              <p:cNvPr id="10" name="テキスト ボックス 9"/>
+              <p:cNvSpPr txBox="1"/>
+              <p:nvPr/>
+            </p:nvSpPr>
+            <p:spPr>
+              <a:xfrm>
+                <a:off x="316576" y="1766891"/>
+                <a:ext cx="4385752" cy="1931554"/>
+              </a:xfrm>
+              <a:prstGeom prst="rect">
+                <a:avLst/>
+              </a:prstGeom>
+              <a:noFill/>
+            </p:spPr>
+            <p:txBody>
+              <a:bodyPr wrap="none" lIns="0" tIns="0" rIns="0" bIns="0" rtlCol="0">
+                <a:spAutoFit/>
+              </a:bodyPr>
+              <a:lstStyle/>
+              <a:p>
+                <a:pPr/>
+                <a14:m>
+                  <m:oMathPara xmlns:m="http://schemas.openxmlformats.org/officeDocument/2006/math">
+                    <m:oMathParaPr>
+                      <m:jc m:val="centerGroup"/>
+                    </m:oMathParaPr>
+                    <m:oMath xmlns:m="http://schemas.openxmlformats.org/officeDocument/2006/math">
+                      <m:sSub>
+                        <m:sSubPr>
+                          <m:ctrlPr>
+                            <a:rPr kumimoji="1" lang="en-US" altLang="ja-JP" sz="2400" i="1" smtClean="0">
+                              <a:latin typeface="Cambria Math" panose="02040503050406030204" pitchFamily="18" charset="0"/>
+                            </a:rPr>
+                          </m:ctrlPr>
+                        </m:sSubPr>
+                        <m:e>
+                          <m:r>
+                            <a:rPr kumimoji="1" lang="en-US" altLang="ja-JP" sz="2400" b="0" i="1" smtClean="0">
+                              <a:latin typeface="Cambria Math" panose="02040503050406030204" pitchFamily="18" charset="0"/>
+                            </a:rPr>
+                            <m:t>𝐼</m:t>
+                          </m:r>
+                        </m:e>
+                        <m:sub>
+                          <m:r>
+                            <a:rPr kumimoji="1" lang="en-US" altLang="ja-JP" sz="2400" b="0" i="1" smtClean="0">
+                              <a:latin typeface="Cambria Math" panose="02040503050406030204" pitchFamily="18" charset="0"/>
+                            </a:rPr>
+                            <m:t>𝐺</m:t>
+                          </m:r>
+                        </m:sub>
+                      </m:sSub>
+                      <m:d>
+                        <m:dPr>
+                          <m:ctrlPr>
+                            <a:rPr kumimoji="1" lang="en-US" altLang="ja-JP" sz="2400" b="0" i="1" smtClean="0">
+                              <a:latin typeface="Cambria Math" panose="02040503050406030204" pitchFamily="18" charset="0"/>
+                            </a:rPr>
+                          </m:ctrlPr>
+                        </m:dPr>
+                        <m:e>
+                          <m:r>
+                            <a:rPr kumimoji="1" lang="en-US" altLang="ja-JP" sz="2400" b="0" i="1" smtClean="0">
+                              <a:latin typeface="Cambria Math" panose="02040503050406030204" pitchFamily="18" charset="0"/>
+                            </a:rPr>
+                            <m:t>𝑡</m:t>
+                          </m:r>
+                        </m:e>
+                      </m:d>
+                      <m:r>
+                        <a:rPr kumimoji="1" lang="en-US" altLang="ja-JP" sz="2400" b="0" i="1" smtClean="0">
+                          <a:latin typeface="Cambria Math" panose="02040503050406030204" pitchFamily="18" charset="0"/>
+                        </a:rPr>
+                        <m:t>=</m:t>
+                      </m:r>
+                      <m:nary>
+                        <m:naryPr>
+                          <m:chr m:val="∑"/>
+                          <m:ctrlPr>
+                            <a:rPr kumimoji="1" lang="en-US" altLang="ja-JP" sz="2400" b="0" i="1" smtClean="0">
+                              <a:latin typeface="Cambria Math" panose="02040503050406030204" pitchFamily="18" charset="0"/>
+                            </a:rPr>
+                          </m:ctrlPr>
+                        </m:naryPr>
+                        <m:sub>
+                          <m:r>
+                            <m:rPr>
+                              <m:brk m:alnAt="23"/>
+                            </m:rPr>
+                            <a:rPr kumimoji="1" lang="en-US" altLang="ja-JP" sz="2400" b="0" i="1" smtClean="0">
+                              <a:latin typeface="Cambria Math" panose="02040503050406030204" pitchFamily="18" charset="0"/>
+                            </a:rPr>
+                            <m:t>𝑖</m:t>
+                          </m:r>
+                          <m:r>
+                            <a:rPr kumimoji="1" lang="en-US" altLang="ja-JP" sz="2400" b="0" i="1" smtClean="0">
+                              <a:latin typeface="Cambria Math" panose="02040503050406030204" pitchFamily="18" charset="0"/>
+                            </a:rPr>
+                            <m:t>=1</m:t>
+                          </m:r>
+                        </m:sub>
+                        <m:sup>
+                          <m:r>
+                            <a:rPr kumimoji="1" lang="en-US" altLang="ja-JP" sz="2400" b="0" i="1" smtClean="0">
+                              <a:latin typeface="Cambria Math" panose="02040503050406030204" pitchFamily="18" charset="0"/>
+                            </a:rPr>
+                            <m:t>𝑐</m:t>
+                          </m:r>
+                        </m:sup>
+                        <m:e>
+                          <m:r>
+                            <a:rPr kumimoji="1" lang="en-US" altLang="ja-JP" sz="2400" b="0" i="1" smtClean="0">
+                              <a:latin typeface="Cambria Math" panose="02040503050406030204" pitchFamily="18" charset="0"/>
+                            </a:rPr>
+                            <m:t>𝑝</m:t>
+                          </m:r>
+                          <m:d>
+                            <m:dPr>
+                              <m:ctrlPr>
+                                <a:rPr kumimoji="1" lang="en-US" altLang="ja-JP" sz="2400" b="0" i="1" smtClean="0">
+                                  <a:latin typeface="Cambria Math" panose="02040503050406030204" pitchFamily="18" charset="0"/>
+                                </a:rPr>
+                              </m:ctrlPr>
+                            </m:dPr>
+                            <m:e>
+                              <m:r>
+                                <a:rPr kumimoji="1" lang="en-US" altLang="ja-JP" sz="2400" b="0" i="1" smtClean="0">
+                                  <a:latin typeface="Cambria Math" panose="02040503050406030204" pitchFamily="18" charset="0"/>
+                                </a:rPr>
+                                <m:t>𝑖</m:t>
+                              </m:r>
+                            </m:e>
+                            <m:e>
+                              <m:r>
+                                <a:rPr kumimoji="1" lang="en-US" altLang="ja-JP" sz="2400" b="0" i="1" smtClean="0">
+                                  <a:latin typeface="Cambria Math" panose="02040503050406030204" pitchFamily="18" charset="0"/>
+                                </a:rPr>
+                                <m:t>𝑡</m:t>
+                              </m:r>
+                            </m:e>
+                          </m:d>
+                          <m:r>
+                            <a:rPr kumimoji="1" lang="en-US" altLang="ja-JP" sz="2400" b="0" i="1" smtClean="0">
+                              <a:latin typeface="Cambria Math" panose="02040503050406030204" pitchFamily="18" charset="0"/>
+                            </a:rPr>
+                            <m:t>(1−</m:t>
+                          </m:r>
+                          <m:r>
+                            <a:rPr kumimoji="1" lang="en-US" altLang="ja-JP" sz="2400" b="0" i="1" smtClean="0">
+                              <a:latin typeface="Cambria Math" panose="02040503050406030204" pitchFamily="18" charset="0"/>
+                            </a:rPr>
+                            <m:t>𝑝</m:t>
+                          </m:r>
+                          <m:d>
+                            <m:dPr>
+                              <m:ctrlPr>
+                                <a:rPr kumimoji="1" lang="en-US" altLang="ja-JP" sz="2400" b="0" i="1" smtClean="0">
+                                  <a:latin typeface="Cambria Math" panose="02040503050406030204" pitchFamily="18" charset="0"/>
+                                </a:rPr>
+                              </m:ctrlPr>
+                            </m:dPr>
+                            <m:e>
+                              <m:r>
+                                <a:rPr kumimoji="1" lang="en-US" altLang="ja-JP" sz="2400" b="0" i="1" smtClean="0">
+                                  <a:latin typeface="Cambria Math" panose="02040503050406030204" pitchFamily="18" charset="0"/>
+                                </a:rPr>
+                                <m:t>𝑖</m:t>
+                              </m:r>
+                            </m:e>
+                            <m:e>
+                              <m:r>
+                                <a:rPr kumimoji="1" lang="en-US" altLang="ja-JP" sz="2400" b="0" i="1" smtClean="0">
+                                  <a:latin typeface="Cambria Math" panose="02040503050406030204" pitchFamily="18" charset="0"/>
+                                </a:rPr>
+                                <m:t>𝑡</m:t>
+                              </m:r>
+                            </m:e>
+                          </m:d>
+                          <m:r>
+                            <a:rPr kumimoji="1" lang="en-US" altLang="ja-JP" sz="2400" b="0" i="1" smtClean="0">
+                              <a:latin typeface="Cambria Math" panose="02040503050406030204" pitchFamily="18" charset="0"/>
+                            </a:rPr>
+                            <m:t>)</m:t>
+                          </m:r>
+                        </m:e>
+                      </m:nary>
+                    </m:oMath>
+                  </m:oMathPara>
+                </a14:m>
+                <a:endParaRPr kumimoji="1" lang="en-US" altLang="ja-JP" sz="2400" dirty="0" smtClean="0">
+                  <a:latin typeface="ヒラギノ角ゴ Pro W3"/>
+                  <a:ea typeface="ヒラギノ角ゴ Pro W3"/>
+                  <a:cs typeface="ヒラギノ角ゴ Pro W3"/>
+                </a:endParaRPr>
+              </a:p>
+              <a:p>
+                <a:endParaRPr kumimoji="1" lang="en-US" altLang="ja-JP" sz="2400" dirty="0" smtClean="0">
+                  <a:latin typeface="ヒラギノ角ゴ Pro W3"/>
+                  <a:ea typeface="ヒラギノ角ゴ Pro W3"/>
+                  <a:cs typeface="ヒラギノ角ゴ Pro W3"/>
+                </a:endParaRPr>
+              </a:p>
+              <a:p>
+                <a14:m>
+                  <m:oMath xmlns:m="http://schemas.openxmlformats.org/officeDocument/2006/math">
+                    <m:r>
+                      <a:rPr lang="en-US" altLang="ja-JP" b="0" i="1" smtClean="0">
+                        <a:latin typeface="Cambria Math" panose="02040503050406030204" pitchFamily="18" charset="0"/>
+                      </a:rPr>
+                      <m:t>𝑝</m:t>
+                    </m:r>
+                    <m:d>
+                      <m:dPr>
+                        <m:ctrlPr>
+                          <a:rPr lang="en-US" altLang="ja-JP" i="1">
+                            <a:latin typeface="Cambria Math" panose="02040503050406030204" pitchFamily="18" charset="0"/>
+                          </a:rPr>
+                        </m:ctrlPr>
+                      </m:dPr>
+                      <m:e>
+                        <m:r>
+                          <a:rPr lang="en-US" altLang="ja-JP" b="0" i="1" smtClean="0">
+                            <a:latin typeface="Cambria Math" panose="02040503050406030204" pitchFamily="18" charset="0"/>
+                          </a:rPr>
+                          <m:t>𝑖</m:t>
+                        </m:r>
+                        <m:r>
+                          <a:rPr lang="en-US" altLang="ja-JP" b="0" i="1" smtClean="0">
+                            <a:latin typeface="Cambria Math" panose="02040503050406030204" pitchFamily="18" charset="0"/>
+                          </a:rPr>
+                          <m:t>|</m:t>
+                        </m:r>
+                        <m:r>
+                          <a:rPr lang="en-US" altLang="ja-JP" i="1">
+                            <a:latin typeface="Cambria Math" panose="02040503050406030204" pitchFamily="18" charset="0"/>
+                          </a:rPr>
+                          <m:t>𝑡</m:t>
+                        </m:r>
+                      </m:e>
+                    </m:d>
+                    <m:r>
+                      <a:rPr lang="en-US" altLang="ja-JP" i="1">
+                        <a:latin typeface="Cambria Math" panose="02040503050406030204" pitchFamily="18" charset="0"/>
+                      </a:rPr>
+                      <m:t>=</m:t>
+                    </m:r>
+                    <m:r>
+                      <a:rPr lang="ja-JP" altLang="en-US" i="1" smtClean="0">
+                        <a:latin typeface="Cambria Math" panose="02040503050406030204" pitchFamily="18" charset="0"/>
+                      </a:rPr>
+                      <m:t>特定</m:t>
+                    </m:r>
+                    <m:r>
+                      <a:rPr kumimoji="1" lang="ja-JP" altLang="en-US" i="1" dirty="0" smtClean="0">
+                        <a:latin typeface="Cambria Math" panose="02040503050406030204" pitchFamily="18" charset="0"/>
+                        <a:ea typeface="ヒラギノ角ゴ Pro W3"/>
+                        <a:cs typeface="ヒラギノ角ゴ Pro W3"/>
+                      </a:rPr>
+                      <m:t>の</m:t>
+                    </m:r>
+                  </m:oMath>
+                </a14:m>
+                <a:r>
+                  <a:rPr kumimoji="1" lang="ja-JP" altLang="en-US" dirty="0" smtClean="0">
+                    <a:latin typeface="メイリオ" panose="020B0604030504040204" pitchFamily="50" charset="-128"/>
+                    <a:ea typeface="メイリオ" panose="020B0604030504040204" pitchFamily="50" charset="-128"/>
+                    <a:cs typeface="ヒラギノ角ゴ Pro W3"/>
+                  </a:rPr>
+                  <a:t>ノード</a:t>
+                </a:r>
+                <a:r>
+                  <a:rPr kumimoji="1" lang="en-US" altLang="ja-JP" dirty="0" smtClean="0">
+                    <a:latin typeface="メイリオ" panose="020B0604030504040204" pitchFamily="50" charset="-128"/>
+                    <a:ea typeface="メイリオ" panose="020B0604030504040204" pitchFamily="50" charset="-128"/>
+                    <a:cs typeface="ヒラギノ角ゴ Pro W3"/>
+                  </a:rPr>
+                  <a:t>t</a:t>
+                </a:r>
+                <a:r>
+                  <a:rPr kumimoji="1" lang="ja-JP" altLang="en-US" dirty="0" smtClean="0">
+                    <a:latin typeface="メイリオ" panose="020B0604030504040204" pitchFamily="50" charset="-128"/>
+                    <a:ea typeface="メイリオ" panose="020B0604030504040204" pitchFamily="50" charset="-128"/>
+                    <a:cs typeface="ヒラギノ角ゴ Pro W3"/>
+                  </a:rPr>
+                  <a:t>においてクラス</a:t>
+                </a:r>
+                <a:r>
+                  <a:rPr kumimoji="1" lang="en-US" altLang="ja-JP" dirty="0" smtClean="0">
+                    <a:latin typeface="メイリオ" panose="020B0604030504040204" pitchFamily="50" charset="-128"/>
+                    <a:ea typeface="メイリオ" panose="020B0604030504040204" pitchFamily="50" charset="-128"/>
+                    <a:cs typeface="ヒラギノ角ゴ Pro W3"/>
+                  </a:rPr>
+                  <a:t>I</a:t>
+                </a:r>
+              </a:p>
+              <a:p>
+                <a:r>
+                  <a:rPr kumimoji="1" lang="ja-JP" altLang="en-US" dirty="0" smtClean="0">
+                    <a:latin typeface="メイリオ" panose="020B0604030504040204" pitchFamily="50" charset="-128"/>
+                    <a:ea typeface="メイリオ" panose="020B0604030504040204" pitchFamily="50" charset="-128"/>
+                    <a:cs typeface="ヒラギノ角ゴ Pro W3"/>
+                  </a:rPr>
+                  <a:t>に属するサンプルの割合</a:t>
+                </a:r>
+              </a:p>
+            </p:txBody>
+          </p:sp>
+        </mc:Choice>
+        <mc:Fallback xmlns="">
+          <p:sp>
+            <p:nvSpPr>
+              <p:cNvPr id="10" name="テキスト ボックス 9"/>
+              <p:cNvSpPr txBox="1">
+                <a:spLocks noRot="1" noChangeAspect="1" noMove="1" noResize="1" noEditPoints="1" noAdjustHandles="1" noChangeArrowheads="1" noChangeShapeType="1" noTextEdit="1"/>
+              </p:cNvSpPr>
+              <p:nvPr/>
+            </p:nvSpPr>
+            <p:spPr>
+              <a:xfrm>
+                <a:off x="316576" y="1766891"/>
+                <a:ext cx="4385752" cy="1931554"/>
+              </a:xfrm>
+              <a:prstGeom prst="rect">
+                <a:avLst/>
+              </a:prstGeom>
+              <a:blipFill rotWithShape="0">
+                <a:blip r:embed="rId4"/>
+                <a:stretch>
+                  <a:fillRect l="-3338" b="-6625"/>
+                </a:stretch>
+              </a:blipFill>
+            </p:spPr>
+            <p:txBody>
+              <a:bodyPr/>
+              <a:lstStyle/>
+              <a:p>
+                <a:r>
+                  <a:rPr lang="ja-JP" altLang="en-US">
+                    <a:noFill/>
+                  </a:rPr>
+                  <a:t> </a:t>
+                </a:r>
+              </a:p>
+            </p:txBody>
+          </p:sp>
+        </mc:Fallback>
+      </mc:AlternateContent>
+      <p:pic>
+        <p:nvPicPr>
+          <p:cNvPr id="4" name="図 3"/>
+          <p:cNvPicPr>
+            <a:picLocks noChangeAspect="1"/>
+          </p:cNvPicPr>
+          <p:nvPr/>
+        </p:nvPicPr>
+        <p:blipFill>
+          <a:blip r:embed="rId5">
+            <a:extLst>
+              <a:ext uri="{28A0092B-C50C-407E-A947-70E740481C1C}">
+                <a14:useLocalDpi xmlns:a14="http://schemas.microsoft.com/office/drawing/2010/main" val="0"/>
+              </a:ext>
+            </a:extLst>
+          </a:blip>
+          <a:stretch>
+            <a:fillRect/>
+          </a:stretch>
+        </p:blipFill>
+        <p:spPr>
+          <a:xfrm>
+            <a:off x="2692898" y="3698445"/>
+            <a:ext cx="3693360" cy="2772914"/>
+          </a:xfrm>
+          <a:prstGeom prst="rect">
+            <a:avLst/>
+          </a:prstGeom>
+        </p:spPr>
+      </p:pic>
     </p:spTree>
     <p:extLst>
       <p:ext uri="{BB962C8B-B14F-4D97-AF65-F5344CB8AC3E}">
@@ -16527,7 +15953,7 @@
 </p:sld>
 </file>
 
-<file path=ppt/slides/slide7.xml><?xml version="1.0" encoding="utf-8"?>
+<file path=ppt/slides/slide8.xml><?xml version="1.0" encoding="utf-8"?>
 <p:sld xmlns:a="http://schemas.openxmlformats.org/drawingml/2006/main" xmlns:r="http://schemas.openxmlformats.org/officeDocument/2006/relationships" xmlns:p="http://schemas.openxmlformats.org/presentationml/2006/main">
   <p:cSld>
     <p:spTree>
@@ -16561,7 +15987,7 @@
           <a:p>
             <a:fld id="{EBB39137-EBDC-2D4F-98A6-83D1C4F5C52B}" type="slidenum">
               <a:rPr kumimoji="1" lang="ja-JP" altLang="en-US" smtClean="0"/>
-              <a:t>7</a:t>
+              <a:t>8</a:t>
             </a:fld>
             <a:endParaRPr kumimoji="1" lang="ja-JP" altLang="en-US" dirty="0"/>
           </a:p>
@@ -19069,6 +18495,1156 @@
     <p:extLst>
       <p:ext uri="{BB962C8B-B14F-4D97-AF65-F5344CB8AC3E}">
         <p14:creationId xmlns:p14="http://schemas.microsoft.com/office/powerpoint/2010/main" val="3244425659"/>
+      </p:ext>
+    </p:extLst>
+  </p:cSld>
+  <p:clrMapOvr>
+    <a:masterClrMapping/>
+  </p:clrMapOvr>
+  <p:timing>
+    <p:tnLst>
+      <p:par>
+        <p:cTn id="1" dur="indefinite" restart="never" nodeType="tmRoot"/>
+      </p:par>
+    </p:tnLst>
+  </p:timing>
+</p:sld>
+</file>
+
+<file path=ppt/slides/slide9.xml><?xml version="1.0" encoding="utf-8"?>
+<p:sld xmlns:a="http://schemas.openxmlformats.org/drawingml/2006/main" xmlns:r="http://schemas.openxmlformats.org/officeDocument/2006/relationships" xmlns:p="http://schemas.openxmlformats.org/presentationml/2006/main">
+  <p:cSld>
+    <p:spTree>
+      <p:nvGrpSpPr>
+        <p:cNvPr id="1" name=""/>
+        <p:cNvGrpSpPr/>
+        <p:nvPr/>
+      </p:nvGrpSpPr>
+      <p:grpSpPr>
+        <a:xfrm>
+          <a:off x="0" y="0"/>
+          <a:ext cx="0" cy="0"/>
+          <a:chOff x="0" y="0"/>
+          <a:chExt cx="0" cy="0"/>
+        </a:xfrm>
+      </p:grpSpPr>
+      <p:sp>
+        <p:nvSpPr>
+          <p:cNvPr id="5" name="スライド番号プレースホルダー 4"/>
+          <p:cNvSpPr>
+            <a:spLocks noGrp="1"/>
+          </p:cNvSpPr>
+          <p:nvPr>
+            <p:ph type="sldNum" sz="quarter" idx="12"/>
+          </p:nvPr>
+        </p:nvSpPr>
+        <p:spPr/>
+        <p:txBody>
+          <a:bodyPr/>
+          <a:lstStyle/>
+          <a:p>
+            <a:fld id="{EBB39137-EBDC-2D4F-98A6-83D1C4F5C52B}" type="slidenum">
+              <a:rPr kumimoji="1" lang="ja-JP" altLang="en-US" smtClean="0"/>
+              <a:t>9</a:t>
+            </a:fld>
+            <a:endParaRPr kumimoji="1" lang="ja-JP" altLang="en-US" dirty="0"/>
+          </a:p>
+        </p:txBody>
+      </p:sp>
+      <p:sp>
+        <p:nvSpPr>
+          <p:cNvPr id="39" name="タイトル 1"/>
+          <p:cNvSpPr txBox="1">
+            <a:spLocks/>
+          </p:cNvSpPr>
+          <p:nvPr/>
+        </p:nvSpPr>
+        <p:spPr>
+          <a:xfrm>
+            <a:off x="215329" y="499098"/>
+            <a:ext cx="8763679" cy="576064"/>
+          </a:xfrm>
+          <a:prstGeom prst="rect">
+            <a:avLst/>
+          </a:prstGeom>
+        </p:spPr>
+        <p:txBody>
+          <a:bodyPr vert="horz" lIns="91440" tIns="45720" rIns="91440" bIns="45720" rtlCol="0" anchor="ctr">
+            <a:noAutofit/>
+          </a:bodyPr>
+          <a:lstStyle>
+            <a:lvl1pPr algn="l" defTabSz="457200" rtl="0" eaLnBrk="1" latinLnBrk="0" hangingPunct="1">
+              <a:lnSpc>
+                <a:spcPct val="110000"/>
+              </a:lnSpc>
+              <a:spcBef>
+                <a:spcPct val="0"/>
+              </a:spcBef>
+              <a:buNone/>
+              <a:defRPr kumimoji="1" sz="2000" b="0" i="0" kern="1200">
+                <a:solidFill>
+                  <a:srgbClr val="A82831"/>
+                </a:solidFill>
+                <a:latin typeface="ヒラギノ角ゴ ProN W6"/>
+                <a:ea typeface="ヒラギノ角ゴ ProN W6"/>
+                <a:cs typeface="ヒラギノ角ゴ ProN W6"/>
+              </a:defRPr>
+            </a:lvl1pPr>
+          </a:lstStyle>
+          <a:p>
+            <a:pPr defTabSz="914400" fontAlgn="base">
+              <a:spcAft>
+                <a:spcPct val="0"/>
+              </a:spcAft>
+            </a:pPr>
+            <a:r>
+              <a:rPr lang="ja-JP" altLang="en-US" dirty="0" smtClean="0">
+                <a:latin typeface="メイリオ" panose="020B0604030504040204" pitchFamily="50" charset="-128"/>
+                <a:ea typeface="メイリオ" panose="020B0604030504040204" pitchFamily="50" charset="-128"/>
+              </a:rPr>
+              <a:t>特に重要なパラメーターは木の数、ノードの特徴量数、深さの</a:t>
+            </a:r>
+            <a:r>
+              <a:rPr lang="en-US" altLang="ja-JP" dirty="0" smtClean="0">
+                <a:latin typeface="メイリオ" panose="020B0604030504040204" pitchFamily="50" charset="-128"/>
+                <a:ea typeface="メイリオ" panose="020B0604030504040204" pitchFamily="50" charset="-128"/>
+              </a:rPr>
+              <a:t>3</a:t>
+            </a:r>
+            <a:r>
+              <a:rPr lang="ja-JP" altLang="en-US" dirty="0" smtClean="0">
+                <a:latin typeface="メイリオ" panose="020B0604030504040204" pitchFamily="50" charset="-128"/>
+                <a:ea typeface="メイリオ" panose="020B0604030504040204" pitchFamily="50" charset="-128"/>
+              </a:rPr>
+              <a:t>つ</a:t>
+            </a:r>
+            <a:endParaRPr lang="en-US" altLang="ja-JP" dirty="0" smtClean="0">
+              <a:latin typeface="メイリオ" panose="020B0604030504040204" pitchFamily="50" charset="-128"/>
+              <a:ea typeface="メイリオ" panose="020B0604030504040204" pitchFamily="50" charset="-128"/>
+            </a:endParaRPr>
+          </a:p>
+        </p:txBody>
+      </p:sp>
+      <p:sp>
+        <p:nvSpPr>
+          <p:cNvPr id="40" name="テキスト プレースホルダー 6"/>
+          <p:cNvSpPr>
+            <a:spLocks noGrp="1"/>
+          </p:cNvSpPr>
+          <p:nvPr>
+            <p:ph type="body" sz="quarter" idx="13"/>
+          </p:nvPr>
+        </p:nvSpPr>
+        <p:spPr>
+          <a:xfrm>
+            <a:off x="213322" y="404664"/>
+            <a:ext cx="8652512" cy="202034"/>
+          </a:xfrm>
+        </p:spPr>
+        <p:txBody>
+          <a:bodyPr>
+            <a:noAutofit/>
+          </a:bodyPr>
+          <a:lstStyle/>
+          <a:p>
+            <a:r>
+              <a:rPr lang="ja-JP" altLang="en-US" sz="1400" dirty="0" smtClean="0">
+                <a:latin typeface="メイリオ" panose="020B0604030504040204" pitchFamily="50" charset="-128"/>
+                <a:ea typeface="メイリオ" panose="020B0604030504040204" pitchFamily="50" charset="-128"/>
+              </a:rPr>
+              <a:t>ランダムフォレスト</a:t>
+            </a:r>
+            <a:r>
+              <a:rPr lang="en-US" altLang="ja-JP" sz="1400" dirty="0" smtClean="0">
+                <a:latin typeface="メイリオ" panose="020B0604030504040204" pitchFamily="50" charset="-128"/>
+                <a:ea typeface="メイリオ" panose="020B0604030504040204" pitchFamily="50" charset="-128"/>
+              </a:rPr>
+              <a:t>(</a:t>
+            </a:r>
+            <a:r>
+              <a:rPr lang="ja-JP" altLang="en-US" sz="1400" dirty="0" smtClean="0">
+                <a:latin typeface="メイリオ" panose="020B0604030504040204" pitchFamily="50" charset="-128"/>
+                <a:ea typeface="メイリオ" panose="020B0604030504040204" pitchFamily="50" charset="-128"/>
+              </a:rPr>
+              <a:t>決定木</a:t>
+            </a:r>
+            <a:r>
+              <a:rPr lang="en-US" altLang="ja-JP" sz="1400" dirty="0" smtClean="0">
+                <a:latin typeface="メイリオ" panose="020B0604030504040204" pitchFamily="50" charset="-128"/>
+                <a:ea typeface="メイリオ" panose="020B0604030504040204" pitchFamily="50" charset="-128"/>
+              </a:rPr>
+              <a:t>)</a:t>
+            </a:r>
+            <a:endParaRPr kumimoji="1" lang="ja-JP" altLang="en-US" sz="1400" dirty="0">
+              <a:latin typeface="メイリオ" panose="020B0604030504040204" pitchFamily="50" charset="-128"/>
+              <a:ea typeface="メイリオ" panose="020B0604030504040204" pitchFamily="50" charset="-128"/>
+            </a:endParaRPr>
+          </a:p>
+        </p:txBody>
+      </p:sp>
+      <p:cxnSp>
+        <p:nvCxnSpPr>
+          <p:cNvPr id="6" name="直線コネクタ 5"/>
+          <p:cNvCxnSpPr/>
+          <p:nvPr/>
+        </p:nvCxnSpPr>
+        <p:spPr>
+          <a:xfrm>
+            <a:off x="1824397" y="1308290"/>
+            <a:ext cx="4427200" cy="0"/>
+          </a:xfrm>
+          <a:prstGeom prst="line">
+            <a:avLst/>
+          </a:prstGeom>
+          <a:ln w="12700">
+            <a:solidFill>
+              <a:schemeClr val="tx1"/>
+            </a:solidFill>
+          </a:ln>
+          <a:effectLst/>
+        </p:spPr>
+        <p:style>
+          <a:lnRef idx="2">
+            <a:schemeClr val="accent1"/>
+          </a:lnRef>
+          <a:fillRef idx="0">
+            <a:schemeClr val="accent1"/>
+          </a:fillRef>
+          <a:effectRef idx="1">
+            <a:schemeClr val="accent1"/>
+          </a:effectRef>
+          <a:fontRef idx="minor">
+            <a:schemeClr val="tx1"/>
+          </a:fontRef>
+        </p:style>
+      </p:cxnSp>
+      <p:sp>
+        <p:nvSpPr>
+          <p:cNvPr id="7" name="正方形/長方形 6"/>
+          <p:cNvSpPr/>
+          <p:nvPr/>
+        </p:nvSpPr>
+        <p:spPr bwMode="auto">
+          <a:xfrm>
+            <a:off x="126609" y="1542705"/>
+            <a:ext cx="1547446" cy="1491175"/>
+          </a:xfrm>
+          <a:prstGeom prst="rect">
+            <a:avLst/>
+          </a:prstGeom>
+          <a:solidFill>
+            <a:schemeClr val="accent2">
+              <a:lumMod val="60000"/>
+              <a:lumOff val="40000"/>
+            </a:schemeClr>
+          </a:solidFill>
+          <a:ln w="9525">
+            <a:solidFill>
+              <a:srgbClr val="BFBFBF"/>
+            </a:solidFill>
+            <a:miter lim="800000"/>
+            <a:headEnd/>
+            <a:tailEnd/>
+          </a:ln>
+        </p:spPr>
+        <p:txBody>
+          <a:bodyPr wrap="none" lIns="36000" rIns="36000" rtlCol="0" anchor="ctr"/>
+          <a:lstStyle/>
+          <a:p>
+            <a:pPr algn="ctr"/>
+            <a:endParaRPr kumimoji="1" lang="ja-JP" altLang="en-US" sz="1400" dirty="0">
+              <a:solidFill>
+                <a:srgbClr val="FFFFFF"/>
+              </a:solidFill>
+              <a:latin typeface="ヒラギノ角ゴ Pro W3"/>
+              <a:ea typeface="ヒラギノ角ゴ Pro W3"/>
+              <a:cs typeface="ヒラギノ角ゴ Pro W3"/>
+            </a:endParaRPr>
+          </a:p>
+        </p:txBody>
+      </p:sp>
+      <p:cxnSp>
+        <p:nvCxnSpPr>
+          <p:cNvPr id="8" name="直線コネクタ 7"/>
+          <p:cNvCxnSpPr/>
+          <p:nvPr/>
+        </p:nvCxnSpPr>
+        <p:spPr>
+          <a:xfrm>
+            <a:off x="140677" y="3150547"/>
+            <a:ext cx="8753299" cy="0"/>
+          </a:xfrm>
+          <a:prstGeom prst="line">
+            <a:avLst/>
+          </a:prstGeom>
+          <a:ln w="25400">
+            <a:solidFill>
+              <a:schemeClr val="bg1">
+                <a:lumMod val="75000"/>
+              </a:schemeClr>
+            </a:solidFill>
+            <a:prstDash val="sysDot"/>
+          </a:ln>
+          <a:effectLst/>
+        </p:spPr>
+        <p:style>
+          <a:lnRef idx="2">
+            <a:schemeClr val="accent1"/>
+          </a:lnRef>
+          <a:fillRef idx="0">
+            <a:schemeClr val="accent1"/>
+          </a:fillRef>
+          <a:effectRef idx="1">
+            <a:schemeClr val="accent1"/>
+          </a:effectRef>
+          <a:fontRef idx="minor">
+            <a:schemeClr val="tx1"/>
+          </a:fontRef>
+        </p:style>
+      </p:cxnSp>
+      <p:sp>
+        <p:nvSpPr>
+          <p:cNvPr id="9" name="テキスト ボックス 8"/>
+          <p:cNvSpPr txBox="1"/>
+          <p:nvPr/>
+        </p:nvSpPr>
+        <p:spPr>
+          <a:xfrm>
+            <a:off x="346334" y="2143575"/>
+            <a:ext cx="1107996" cy="461665"/>
+          </a:xfrm>
+          <a:prstGeom prst="rect">
+            <a:avLst/>
+          </a:prstGeom>
+          <a:noFill/>
+        </p:spPr>
+        <p:txBody>
+          <a:bodyPr wrap="none" rtlCol="0">
+            <a:spAutoFit/>
+          </a:bodyPr>
+          <a:lstStyle/>
+          <a:p>
+            <a:r>
+              <a:rPr lang="ja-JP" altLang="en-US" sz="2400" b="1" dirty="0">
+                <a:latin typeface="メイリオ" panose="020B0604030504040204" pitchFamily="50" charset="-128"/>
+                <a:ea typeface="メイリオ" panose="020B0604030504040204" pitchFamily="50" charset="-128"/>
+                <a:cs typeface="ヒラギノ角ゴ Pro W3"/>
+              </a:rPr>
+              <a:t>木</a:t>
+            </a:r>
+            <a:r>
+              <a:rPr lang="ja-JP" altLang="en-US" sz="2400" b="1" dirty="0" smtClean="0">
+                <a:latin typeface="メイリオ" panose="020B0604030504040204" pitchFamily="50" charset="-128"/>
+                <a:ea typeface="メイリオ" panose="020B0604030504040204" pitchFamily="50" charset="-128"/>
+                <a:cs typeface="ヒラギノ角ゴ Pro W3"/>
+              </a:rPr>
+              <a:t>の数</a:t>
+            </a:r>
+            <a:endParaRPr kumimoji="1" lang="ja-JP" altLang="en-US" sz="2400" b="1" dirty="0" smtClean="0">
+              <a:latin typeface="メイリオ" panose="020B0604030504040204" pitchFamily="50" charset="-128"/>
+              <a:ea typeface="メイリオ" panose="020B0604030504040204" pitchFamily="50" charset="-128"/>
+              <a:cs typeface="ヒラギノ角ゴ Pro W3"/>
+            </a:endParaRPr>
+          </a:p>
+        </p:txBody>
+      </p:sp>
+      <p:sp>
+        <p:nvSpPr>
+          <p:cNvPr id="10" name="正方形/長方形 9"/>
+          <p:cNvSpPr/>
+          <p:nvPr/>
+        </p:nvSpPr>
+        <p:spPr bwMode="auto">
+          <a:xfrm>
+            <a:off x="120993" y="3268294"/>
+            <a:ext cx="1547446" cy="1491175"/>
+          </a:xfrm>
+          <a:prstGeom prst="rect">
+            <a:avLst/>
+          </a:prstGeom>
+          <a:solidFill>
+            <a:schemeClr val="accent2">
+              <a:lumMod val="60000"/>
+              <a:lumOff val="40000"/>
+            </a:schemeClr>
+          </a:solidFill>
+          <a:ln w="9525">
+            <a:solidFill>
+              <a:srgbClr val="BFBFBF"/>
+            </a:solidFill>
+            <a:miter lim="800000"/>
+            <a:headEnd/>
+            <a:tailEnd/>
+          </a:ln>
+        </p:spPr>
+        <p:txBody>
+          <a:bodyPr wrap="none" lIns="36000" rIns="36000" rtlCol="0" anchor="ctr"/>
+          <a:lstStyle/>
+          <a:p>
+            <a:pPr algn="ctr"/>
+            <a:endParaRPr kumimoji="1" lang="ja-JP" altLang="en-US" sz="1400" dirty="0">
+              <a:solidFill>
+                <a:srgbClr val="FFFFFF"/>
+              </a:solidFill>
+              <a:latin typeface="ヒラギノ角ゴ Pro W3"/>
+              <a:ea typeface="ヒラギノ角ゴ Pro W3"/>
+              <a:cs typeface="ヒラギノ角ゴ Pro W3"/>
+            </a:endParaRPr>
+          </a:p>
+        </p:txBody>
+      </p:sp>
+      <p:cxnSp>
+        <p:nvCxnSpPr>
+          <p:cNvPr id="11" name="直線コネクタ 10"/>
+          <p:cNvCxnSpPr/>
+          <p:nvPr/>
+        </p:nvCxnSpPr>
+        <p:spPr>
+          <a:xfrm>
+            <a:off x="135061" y="4880726"/>
+            <a:ext cx="8753299" cy="0"/>
+          </a:xfrm>
+          <a:prstGeom prst="line">
+            <a:avLst/>
+          </a:prstGeom>
+          <a:ln w="25400">
+            <a:solidFill>
+              <a:schemeClr val="bg1">
+                <a:lumMod val="75000"/>
+              </a:schemeClr>
+            </a:solidFill>
+            <a:prstDash val="sysDot"/>
+          </a:ln>
+          <a:effectLst/>
+        </p:spPr>
+        <p:style>
+          <a:lnRef idx="2">
+            <a:schemeClr val="accent1"/>
+          </a:lnRef>
+          <a:fillRef idx="0">
+            <a:schemeClr val="accent1"/>
+          </a:fillRef>
+          <a:effectRef idx="1">
+            <a:schemeClr val="accent1"/>
+          </a:effectRef>
+          <a:fontRef idx="minor">
+            <a:schemeClr val="tx1"/>
+          </a:fontRef>
+        </p:style>
+      </p:cxnSp>
+      <p:sp>
+        <p:nvSpPr>
+          <p:cNvPr id="12" name="テキスト ボックス 11"/>
+          <p:cNvSpPr txBox="1"/>
+          <p:nvPr/>
+        </p:nvSpPr>
+        <p:spPr>
+          <a:xfrm>
+            <a:off x="346334" y="3869164"/>
+            <a:ext cx="1107996" cy="461665"/>
+          </a:xfrm>
+          <a:prstGeom prst="rect">
+            <a:avLst/>
+          </a:prstGeom>
+          <a:noFill/>
+        </p:spPr>
+        <p:txBody>
+          <a:bodyPr wrap="none" rtlCol="0">
+            <a:spAutoFit/>
+          </a:bodyPr>
+          <a:lstStyle/>
+          <a:p>
+            <a:r>
+              <a:rPr lang="ja-JP" altLang="en-US" sz="2400" b="1" dirty="0" smtClean="0">
+                <a:latin typeface="メイリオ" panose="020B0604030504040204" pitchFamily="50" charset="-128"/>
+                <a:ea typeface="メイリオ" panose="020B0604030504040204" pitchFamily="50" charset="-128"/>
+                <a:cs typeface="ヒラギノ角ゴ Pro W3"/>
+              </a:rPr>
+              <a:t>特徴</a:t>
+            </a:r>
+            <a:r>
+              <a:rPr lang="ja-JP" altLang="en-US" sz="2400" b="1" dirty="0">
+                <a:latin typeface="メイリオ" panose="020B0604030504040204" pitchFamily="50" charset="-128"/>
+                <a:ea typeface="メイリオ" panose="020B0604030504040204" pitchFamily="50" charset="-128"/>
+                <a:cs typeface="ヒラギノ角ゴ Pro W3"/>
+              </a:rPr>
+              <a:t>量</a:t>
+            </a:r>
+            <a:endParaRPr kumimoji="1" lang="ja-JP" altLang="en-US" sz="2400" b="1" dirty="0" smtClean="0">
+              <a:latin typeface="メイリオ" panose="020B0604030504040204" pitchFamily="50" charset="-128"/>
+              <a:ea typeface="メイリオ" panose="020B0604030504040204" pitchFamily="50" charset="-128"/>
+              <a:cs typeface="ヒラギノ角ゴ Pro W3"/>
+            </a:endParaRPr>
+          </a:p>
+        </p:txBody>
+      </p:sp>
+      <p:sp>
+        <p:nvSpPr>
+          <p:cNvPr id="13" name="正方形/長方形 12"/>
+          <p:cNvSpPr/>
+          <p:nvPr/>
+        </p:nvSpPr>
+        <p:spPr bwMode="auto">
+          <a:xfrm>
+            <a:off x="135061" y="4998472"/>
+            <a:ext cx="1547446" cy="1491175"/>
+          </a:xfrm>
+          <a:prstGeom prst="rect">
+            <a:avLst/>
+          </a:prstGeom>
+          <a:solidFill>
+            <a:schemeClr val="accent2">
+              <a:lumMod val="60000"/>
+              <a:lumOff val="40000"/>
+            </a:schemeClr>
+          </a:solidFill>
+          <a:ln w="9525">
+            <a:solidFill>
+              <a:srgbClr val="BFBFBF"/>
+            </a:solidFill>
+            <a:miter lim="800000"/>
+            <a:headEnd/>
+            <a:tailEnd/>
+          </a:ln>
+        </p:spPr>
+        <p:txBody>
+          <a:bodyPr wrap="none" lIns="36000" rIns="36000" rtlCol="0" anchor="ctr"/>
+          <a:lstStyle/>
+          <a:p>
+            <a:pPr algn="ctr"/>
+            <a:endParaRPr kumimoji="1" lang="ja-JP" altLang="en-US" sz="1400" dirty="0">
+              <a:solidFill>
+                <a:srgbClr val="FFFFFF"/>
+              </a:solidFill>
+              <a:latin typeface="ヒラギノ角ゴ Pro W3"/>
+              <a:ea typeface="ヒラギノ角ゴ Pro W3"/>
+              <a:cs typeface="ヒラギノ角ゴ Pro W3"/>
+            </a:endParaRPr>
+          </a:p>
+        </p:txBody>
+      </p:sp>
+      <p:sp>
+        <p:nvSpPr>
+          <p:cNvPr id="15" name="テキスト ボックス 14"/>
+          <p:cNvSpPr txBox="1"/>
+          <p:nvPr/>
+        </p:nvSpPr>
+        <p:spPr>
+          <a:xfrm>
+            <a:off x="494606" y="5599342"/>
+            <a:ext cx="800219" cy="461665"/>
+          </a:xfrm>
+          <a:prstGeom prst="rect">
+            <a:avLst/>
+          </a:prstGeom>
+          <a:noFill/>
+        </p:spPr>
+        <p:txBody>
+          <a:bodyPr wrap="none" rtlCol="0">
+            <a:spAutoFit/>
+          </a:bodyPr>
+          <a:lstStyle/>
+          <a:p>
+            <a:r>
+              <a:rPr kumimoji="1" lang="ja-JP" altLang="en-US" sz="2400" b="1" dirty="0" smtClean="0">
+                <a:latin typeface="メイリオ" panose="020B0604030504040204" pitchFamily="50" charset="-128"/>
+                <a:ea typeface="メイリオ" panose="020B0604030504040204" pitchFamily="50" charset="-128"/>
+                <a:cs typeface="ヒラギノ角ゴ Pro W3"/>
+              </a:rPr>
+              <a:t>深さ</a:t>
+            </a:r>
+            <a:endParaRPr kumimoji="1" lang="ja-JP" altLang="en-US" sz="2400" b="1" dirty="0" smtClean="0">
+              <a:latin typeface="メイリオ" panose="020B0604030504040204" pitchFamily="50" charset="-128"/>
+              <a:ea typeface="メイリオ" panose="020B0604030504040204" pitchFamily="50" charset="-128"/>
+              <a:cs typeface="ヒラギノ角ゴ Pro W3"/>
+            </a:endParaRPr>
+          </a:p>
+        </p:txBody>
+      </p:sp>
+      <p:cxnSp>
+        <p:nvCxnSpPr>
+          <p:cNvPr id="17" name="直線コネクタ 16"/>
+          <p:cNvCxnSpPr/>
+          <p:nvPr/>
+        </p:nvCxnSpPr>
+        <p:spPr>
+          <a:xfrm>
+            <a:off x="6474012" y="1308290"/>
+            <a:ext cx="2414348" cy="0"/>
+          </a:xfrm>
+          <a:prstGeom prst="line">
+            <a:avLst/>
+          </a:prstGeom>
+          <a:ln w="12700">
+            <a:solidFill>
+              <a:schemeClr val="tx1"/>
+            </a:solidFill>
+          </a:ln>
+          <a:effectLst/>
+        </p:spPr>
+        <p:style>
+          <a:lnRef idx="2">
+            <a:schemeClr val="accent1"/>
+          </a:lnRef>
+          <a:fillRef idx="0">
+            <a:schemeClr val="accent1"/>
+          </a:fillRef>
+          <a:effectRef idx="1">
+            <a:schemeClr val="accent1"/>
+          </a:effectRef>
+          <a:fontRef idx="minor">
+            <a:schemeClr val="tx1"/>
+          </a:fontRef>
+        </p:style>
+      </p:cxnSp>
+      <p:sp>
+        <p:nvSpPr>
+          <p:cNvPr id="16" name="テキスト ボックス 15"/>
+          <p:cNvSpPr txBox="1"/>
+          <p:nvPr/>
+        </p:nvSpPr>
+        <p:spPr>
+          <a:xfrm>
+            <a:off x="1824397" y="1027643"/>
+            <a:ext cx="4427200" cy="307777"/>
+          </a:xfrm>
+          <a:prstGeom prst="rect">
+            <a:avLst/>
+          </a:prstGeom>
+          <a:noFill/>
+        </p:spPr>
+        <p:txBody>
+          <a:bodyPr wrap="square" rtlCol="0">
+            <a:spAutoFit/>
+          </a:bodyPr>
+          <a:lstStyle/>
+          <a:p>
+            <a:pPr algn="ctr"/>
+            <a:r>
+              <a:rPr kumimoji="1" lang="ja-JP" altLang="en-US" sz="1400" dirty="0" smtClean="0">
+                <a:latin typeface="メイリオ" panose="020B0604030504040204" pitchFamily="50" charset="-128"/>
+                <a:ea typeface="メイリオ" panose="020B0604030504040204" pitchFamily="50" charset="-128"/>
+                <a:cs typeface="ヒラギノ角ゴ Pro W3"/>
+              </a:rPr>
+              <a:t>概要</a:t>
+            </a:r>
+            <a:endParaRPr kumimoji="1" lang="ja-JP" altLang="en-US" sz="1400" dirty="0" smtClean="0">
+              <a:latin typeface="メイリオ" panose="020B0604030504040204" pitchFamily="50" charset="-128"/>
+              <a:ea typeface="メイリオ" panose="020B0604030504040204" pitchFamily="50" charset="-128"/>
+              <a:cs typeface="ヒラギノ角ゴ Pro W3"/>
+            </a:endParaRPr>
+          </a:p>
+        </p:txBody>
+      </p:sp>
+      <p:sp>
+        <p:nvSpPr>
+          <p:cNvPr id="20" name="テキスト ボックス 19"/>
+          <p:cNvSpPr txBox="1"/>
+          <p:nvPr/>
+        </p:nvSpPr>
+        <p:spPr>
+          <a:xfrm>
+            <a:off x="6503853" y="991768"/>
+            <a:ext cx="2390123" cy="316521"/>
+          </a:xfrm>
+          <a:prstGeom prst="rect">
+            <a:avLst/>
+          </a:prstGeom>
+          <a:noFill/>
+        </p:spPr>
+        <p:txBody>
+          <a:bodyPr wrap="square" rtlCol="0">
+            <a:spAutoFit/>
+          </a:bodyPr>
+          <a:lstStyle/>
+          <a:p>
+            <a:pPr algn="ctr"/>
+            <a:r>
+              <a:rPr lang="ja-JP" altLang="en-US" sz="1400" dirty="0">
+                <a:latin typeface="メイリオ" panose="020B0604030504040204" pitchFamily="50" charset="-128"/>
+                <a:ea typeface="メイリオ" panose="020B0604030504040204" pitchFamily="50" charset="-128"/>
+                <a:cs typeface="ヒラギノ角ゴ Pro W3"/>
+              </a:rPr>
+              <a:t>チューニング</a:t>
+            </a:r>
+            <a:endParaRPr kumimoji="1" lang="ja-JP" altLang="en-US" sz="1400" dirty="0" smtClean="0">
+              <a:latin typeface="メイリオ" panose="020B0604030504040204" pitchFamily="50" charset="-128"/>
+              <a:ea typeface="メイリオ" panose="020B0604030504040204" pitchFamily="50" charset="-128"/>
+              <a:cs typeface="ヒラギノ角ゴ Pro W3"/>
+            </a:endParaRPr>
+          </a:p>
+        </p:txBody>
+      </p:sp>
+      <p:sp>
+        <p:nvSpPr>
+          <p:cNvPr id="21" name="テキスト ボックス 20"/>
+          <p:cNvSpPr txBox="1"/>
+          <p:nvPr/>
+        </p:nvSpPr>
+        <p:spPr>
+          <a:xfrm>
+            <a:off x="1793864" y="1841049"/>
+            <a:ext cx="4698722" cy="830997"/>
+          </a:xfrm>
+          <a:prstGeom prst="rect">
+            <a:avLst/>
+          </a:prstGeom>
+          <a:noFill/>
+        </p:spPr>
+        <p:txBody>
+          <a:bodyPr wrap="none" rtlCol="0">
+            <a:spAutoFit/>
+          </a:bodyPr>
+          <a:lstStyle/>
+          <a:p>
+            <a:pPr>
+              <a:lnSpc>
+                <a:spcPct val="150000"/>
+              </a:lnSpc>
+            </a:pPr>
+            <a:r>
+              <a:rPr lang="ja-JP" altLang="en-US" sz="1600" dirty="0" smtClean="0">
+                <a:latin typeface="メイリオ" panose="020B0604030504040204" pitchFamily="50" charset="-128"/>
+                <a:ea typeface="メイリオ" panose="020B0604030504040204" pitchFamily="50" charset="-128"/>
+                <a:cs typeface="ヒラギノ角ゴ Pro W3"/>
+              </a:rPr>
+              <a:t>与えられたデータ集合から生やす決定木の数。</a:t>
+            </a:r>
+            <a:endParaRPr lang="en-US" altLang="ja-JP" sz="1600" dirty="0" smtClean="0">
+              <a:latin typeface="メイリオ" panose="020B0604030504040204" pitchFamily="50" charset="-128"/>
+              <a:ea typeface="メイリオ" panose="020B0604030504040204" pitchFamily="50" charset="-128"/>
+              <a:cs typeface="ヒラギノ角ゴ Pro W3"/>
+            </a:endParaRPr>
+          </a:p>
+          <a:p>
+            <a:pPr>
+              <a:lnSpc>
+                <a:spcPct val="150000"/>
+              </a:lnSpc>
+            </a:pPr>
+            <a:r>
+              <a:rPr lang="ja-JP" altLang="en-US" sz="1600" dirty="0">
+                <a:latin typeface="メイリオ" panose="020B0604030504040204" pitchFamily="50" charset="-128"/>
+                <a:ea typeface="メイリオ" panose="020B0604030504040204" pitchFamily="50" charset="-128"/>
+                <a:cs typeface="ヒラギノ角ゴ Pro W3"/>
+              </a:rPr>
+              <a:t>木</a:t>
+            </a:r>
+            <a:r>
+              <a:rPr lang="ja-JP" altLang="en-US" sz="1600" dirty="0" smtClean="0">
+                <a:latin typeface="メイリオ" panose="020B0604030504040204" pitchFamily="50" charset="-128"/>
+                <a:ea typeface="メイリオ" panose="020B0604030504040204" pitchFamily="50" charset="-128"/>
+                <a:cs typeface="ヒラギノ角ゴ Pro W3"/>
+              </a:rPr>
+              <a:t>の</a:t>
+            </a:r>
+            <a:r>
+              <a:rPr lang="ja-JP" altLang="en-US" sz="1600" dirty="0">
+                <a:latin typeface="メイリオ" panose="020B0604030504040204" pitchFamily="50" charset="-128"/>
+                <a:ea typeface="メイリオ" panose="020B0604030504040204" pitchFamily="50" charset="-128"/>
+                <a:cs typeface="ヒラギノ角ゴ Pro W3"/>
+              </a:rPr>
+              <a:t>数</a:t>
+            </a:r>
+            <a:r>
+              <a:rPr lang="ja-JP" altLang="en-US" sz="1600" dirty="0" smtClean="0">
+                <a:latin typeface="メイリオ" panose="020B0604030504040204" pitchFamily="50" charset="-128"/>
+                <a:ea typeface="メイリオ" panose="020B0604030504040204" pitchFamily="50" charset="-128"/>
+                <a:cs typeface="ヒラギノ角ゴ Pro W3"/>
+              </a:rPr>
+              <a:t>が多い方が表現能力が高まる傾向にある。</a:t>
+            </a:r>
+            <a:endParaRPr lang="en-US" altLang="ja-JP" sz="1600" dirty="0" smtClean="0">
+              <a:latin typeface="メイリオ" panose="020B0604030504040204" pitchFamily="50" charset="-128"/>
+              <a:ea typeface="メイリオ" panose="020B0604030504040204" pitchFamily="50" charset="-128"/>
+              <a:cs typeface="ヒラギノ角ゴ Pro W3"/>
+            </a:endParaRPr>
+          </a:p>
+        </p:txBody>
+      </p:sp>
+      <p:sp>
+        <p:nvSpPr>
+          <p:cNvPr id="22" name="テキスト ボックス 21"/>
+          <p:cNvSpPr txBox="1"/>
+          <p:nvPr/>
+        </p:nvSpPr>
+        <p:spPr>
+          <a:xfrm>
+            <a:off x="1824397" y="3783048"/>
+            <a:ext cx="3057247" cy="461665"/>
+          </a:xfrm>
+          <a:prstGeom prst="rect">
+            <a:avLst/>
+          </a:prstGeom>
+          <a:noFill/>
+        </p:spPr>
+        <p:txBody>
+          <a:bodyPr wrap="none" rtlCol="0">
+            <a:spAutoFit/>
+          </a:bodyPr>
+          <a:lstStyle/>
+          <a:p>
+            <a:pPr>
+              <a:lnSpc>
+                <a:spcPct val="150000"/>
+              </a:lnSpc>
+            </a:pPr>
+            <a:r>
+              <a:rPr lang="ja-JP" altLang="en-US" sz="1600" dirty="0" smtClean="0">
+                <a:latin typeface="メイリオ" panose="020B0604030504040204" pitchFamily="50" charset="-128"/>
+                <a:ea typeface="メイリオ" panose="020B0604030504040204" pitchFamily="50" charset="-128"/>
+                <a:cs typeface="ヒラギノ角ゴ Pro W3"/>
+              </a:rPr>
+              <a:t>各決定木で用いる特徴量の数。</a:t>
+            </a:r>
+            <a:endParaRPr lang="en-US" altLang="ja-JP" sz="1600" dirty="0" smtClean="0">
+              <a:latin typeface="メイリオ" panose="020B0604030504040204" pitchFamily="50" charset="-128"/>
+              <a:ea typeface="メイリオ" panose="020B0604030504040204" pitchFamily="50" charset="-128"/>
+              <a:cs typeface="ヒラギノ角ゴ Pro W3"/>
+            </a:endParaRPr>
+          </a:p>
+        </p:txBody>
+      </p:sp>
+      <p:sp>
+        <p:nvSpPr>
+          <p:cNvPr id="23" name="テキスト ボックス 22"/>
+          <p:cNvSpPr txBox="1"/>
+          <p:nvPr/>
+        </p:nvSpPr>
+        <p:spPr>
+          <a:xfrm>
+            <a:off x="6562931" y="1851086"/>
+            <a:ext cx="2236510" cy="830997"/>
+          </a:xfrm>
+          <a:prstGeom prst="rect">
+            <a:avLst/>
+          </a:prstGeom>
+          <a:noFill/>
+        </p:spPr>
+        <p:txBody>
+          <a:bodyPr wrap="none" rtlCol="0">
+            <a:spAutoFit/>
+          </a:bodyPr>
+          <a:lstStyle/>
+          <a:p>
+            <a:pPr>
+              <a:lnSpc>
+                <a:spcPct val="150000"/>
+              </a:lnSpc>
+            </a:pPr>
+            <a:r>
+              <a:rPr lang="ja-JP" altLang="en-US" sz="1600" dirty="0">
+                <a:latin typeface="メイリオ" panose="020B0604030504040204" pitchFamily="50" charset="-128"/>
+                <a:ea typeface="メイリオ" panose="020B0604030504040204" pitchFamily="50" charset="-128"/>
+                <a:cs typeface="ヒラギノ角ゴ Pro W3"/>
+              </a:rPr>
+              <a:t>増</a:t>
+            </a:r>
+            <a:r>
+              <a:rPr lang="ja-JP" altLang="en-US" sz="1600" dirty="0" smtClean="0">
+                <a:latin typeface="メイリオ" panose="020B0604030504040204" pitchFamily="50" charset="-128"/>
+                <a:ea typeface="メイリオ" panose="020B0604030504040204" pitchFamily="50" charset="-128"/>
+                <a:cs typeface="ヒラギノ角ゴ Pro W3"/>
+              </a:rPr>
+              <a:t>やしていき、結果が</a:t>
+            </a:r>
+            <a:endParaRPr lang="en-US" altLang="ja-JP" sz="1600" dirty="0" smtClean="0">
+              <a:latin typeface="メイリオ" panose="020B0604030504040204" pitchFamily="50" charset="-128"/>
+              <a:ea typeface="メイリオ" panose="020B0604030504040204" pitchFamily="50" charset="-128"/>
+              <a:cs typeface="ヒラギノ角ゴ Pro W3"/>
+            </a:endParaRPr>
+          </a:p>
+          <a:p>
+            <a:pPr>
+              <a:lnSpc>
+                <a:spcPct val="150000"/>
+              </a:lnSpc>
+            </a:pPr>
+            <a:r>
+              <a:rPr lang="ja-JP" altLang="en-US" sz="1600" dirty="0" smtClean="0">
+                <a:latin typeface="メイリオ" panose="020B0604030504040204" pitchFamily="50" charset="-128"/>
+                <a:ea typeface="メイリオ" panose="020B0604030504040204" pitchFamily="50" charset="-128"/>
+                <a:cs typeface="ヒラギノ角ゴ Pro W3"/>
+              </a:rPr>
+              <a:t>安定する値を選択</a:t>
+            </a:r>
+            <a:endParaRPr lang="en-US" altLang="ja-JP" sz="1600" dirty="0" smtClean="0">
+              <a:latin typeface="メイリオ" panose="020B0604030504040204" pitchFamily="50" charset="-128"/>
+              <a:ea typeface="メイリオ" panose="020B0604030504040204" pitchFamily="50" charset="-128"/>
+              <a:cs typeface="ヒラギノ角ゴ Pro W3"/>
+            </a:endParaRPr>
+          </a:p>
+        </p:txBody>
+      </p:sp>
+      <p:sp>
+        <p:nvSpPr>
+          <p:cNvPr id="24" name="テキスト ボックス 23"/>
+          <p:cNvSpPr txBox="1"/>
+          <p:nvPr/>
+        </p:nvSpPr>
+        <p:spPr>
+          <a:xfrm>
+            <a:off x="6474012" y="3415472"/>
+            <a:ext cx="2646878" cy="1200329"/>
+          </a:xfrm>
+          <a:prstGeom prst="rect">
+            <a:avLst/>
+          </a:prstGeom>
+          <a:noFill/>
+        </p:spPr>
+        <p:txBody>
+          <a:bodyPr wrap="none" rtlCol="0">
+            <a:spAutoFit/>
+          </a:bodyPr>
+          <a:lstStyle/>
+          <a:p>
+            <a:pPr>
+              <a:lnSpc>
+                <a:spcPct val="150000"/>
+              </a:lnSpc>
+            </a:pPr>
+            <a:r>
+              <a:rPr lang="ja-JP" altLang="en-US" sz="1600" dirty="0" smtClean="0">
+                <a:latin typeface="メイリオ" panose="020B0604030504040204" pitchFamily="50" charset="-128"/>
+                <a:ea typeface="メイリオ" panose="020B0604030504040204" pitchFamily="50" charset="-128"/>
+                <a:cs typeface="ヒラギノ角ゴ Pro W3"/>
+              </a:rPr>
+              <a:t>次元数</a:t>
+            </a:r>
+            <a:r>
+              <a:rPr lang="en-US" altLang="ja-JP" sz="1600" dirty="0" smtClean="0">
+                <a:latin typeface="メイリオ" panose="020B0604030504040204" pitchFamily="50" charset="-128"/>
+                <a:ea typeface="メイリオ" panose="020B0604030504040204" pitchFamily="50" charset="-128"/>
+                <a:cs typeface="ヒラギノ角ゴ Pro W3"/>
+              </a:rPr>
+              <a:t>N</a:t>
+            </a:r>
+            <a:r>
+              <a:rPr lang="ja-JP" altLang="en-US" sz="1600" dirty="0" smtClean="0">
+                <a:latin typeface="メイリオ" panose="020B0604030504040204" pitchFamily="50" charset="-128"/>
+                <a:ea typeface="メイリオ" panose="020B0604030504040204" pitchFamily="50" charset="-128"/>
+                <a:cs typeface="ヒラギノ角ゴ Pro W3"/>
+              </a:rPr>
+              <a:t>に対して√</a:t>
+            </a:r>
+            <a:r>
+              <a:rPr lang="en-US" altLang="ja-JP" sz="1600" dirty="0" smtClean="0">
+                <a:latin typeface="メイリオ" panose="020B0604030504040204" pitchFamily="50" charset="-128"/>
+                <a:ea typeface="メイリオ" panose="020B0604030504040204" pitchFamily="50" charset="-128"/>
+                <a:cs typeface="ヒラギノ角ゴ Pro W3"/>
+              </a:rPr>
+              <a:t>N</a:t>
+            </a:r>
+            <a:r>
+              <a:rPr lang="ja-JP" altLang="en-US" sz="1600" dirty="0" smtClean="0">
+                <a:latin typeface="メイリオ" panose="020B0604030504040204" pitchFamily="50" charset="-128"/>
+                <a:ea typeface="メイリオ" panose="020B0604030504040204" pitchFamily="50" charset="-128"/>
+                <a:cs typeface="ヒラギノ角ゴ Pro W3"/>
+              </a:rPr>
+              <a:t>が</a:t>
+            </a:r>
+            <a:endParaRPr lang="en-US" altLang="ja-JP" sz="1600" dirty="0" smtClean="0">
+              <a:latin typeface="メイリオ" panose="020B0604030504040204" pitchFamily="50" charset="-128"/>
+              <a:ea typeface="メイリオ" panose="020B0604030504040204" pitchFamily="50" charset="-128"/>
+              <a:cs typeface="ヒラギノ角ゴ Pro W3"/>
+            </a:endParaRPr>
+          </a:p>
+          <a:p>
+            <a:pPr>
+              <a:lnSpc>
+                <a:spcPct val="150000"/>
+              </a:lnSpc>
+            </a:pPr>
+            <a:r>
+              <a:rPr lang="ja-JP" altLang="en-US" sz="1600" dirty="0">
+                <a:latin typeface="メイリオ" panose="020B0604030504040204" pitchFamily="50" charset="-128"/>
+                <a:ea typeface="メイリオ" panose="020B0604030504040204" pitchFamily="50" charset="-128"/>
+                <a:cs typeface="ヒラギノ角ゴ Pro W3"/>
+              </a:rPr>
+              <a:t>目安</a:t>
+            </a:r>
+            <a:r>
+              <a:rPr lang="ja-JP" altLang="en-US" sz="1600" dirty="0" smtClean="0">
+                <a:latin typeface="メイリオ" panose="020B0604030504040204" pitchFamily="50" charset="-128"/>
+                <a:ea typeface="メイリオ" panose="020B0604030504040204" pitchFamily="50" charset="-128"/>
+                <a:cs typeface="ヒラギノ角ゴ Pro W3"/>
+              </a:rPr>
+              <a:t>ではあるが、周辺を</a:t>
+            </a:r>
+            <a:endParaRPr lang="en-US" altLang="ja-JP" sz="1600" dirty="0" smtClean="0">
+              <a:latin typeface="メイリオ" panose="020B0604030504040204" pitchFamily="50" charset="-128"/>
+              <a:ea typeface="メイリオ" panose="020B0604030504040204" pitchFamily="50" charset="-128"/>
+              <a:cs typeface="ヒラギノ角ゴ Pro W3"/>
+            </a:endParaRPr>
+          </a:p>
+          <a:p>
+            <a:pPr>
+              <a:lnSpc>
+                <a:spcPct val="150000"/>
+              </a:lnSpc>
+            </a:pPr>
+            <a:r>
+              <a:rPr lang="ja-JP" altLang="en-US" sz="1600" dirty="0" smtClean="0">
+                <a:latin typeface="メイリオ" panose="020B0604030504040204" pitchFamily="50" charset="-128"/>
+                <a:ea typeface="メイリオ" panose="020B0604030504040204" pitchFamily="50" charset="-128"/>
+                <a:cs typeface="ヒラギノ角ゴ Pro W3"/>
+              </a:rPr>
+              <a:t>試して最も良いものを選択</a:t>
+            </a:r>
+            <a:endParaRPr lang="en-US" altLang="ja-JP" sz="1600" dirty="0" smtClean="0">
+              <a:latin typeface="メイリオ" panose="020B0604030504040204" pitchFamily="50" charset="-128"/>
+              <a:ea typeface="メイリオ" panose="020B0604030504040204" pitchFamily="50" charset="-128"/>
+              <a:cs typeface="ヒラギノ角ゴ Pro W3"/>
+            </a:endParaRPr>
+          </a:p>
+        </p:txBody>
+      </p:sp>
+      <p:sp>
+        <p:nvSpPr>
+          <p:cNvPr id="25" name="テキスト ボックス 24"/>
+          <p:cNvSpPr txBox="1"/>
+          <p:nvPr/>
+        </p:nvSpPr>
+        <p:spPr>
+          <a:xfrm>
+            <a:off x="1824397" y="5359488"/>
+            <a:ext cx="3467616" cy="830997"/>
+          </a:xfrm>
+          <a:prstGeom prst="rect">
+            <a:avLst/>
+          </a:prstGeom>
+          <a:noFill/>
+        </p:spPr>
+        <p:txBody>
+          <a:bodyPr wrap="none" rtlCol="0">
+            <a:spAutoFit/>
+          </a:bodyPr>
+          <a:lstStyle/>
+          <a:p>
+            <a:pPr>
+              <a:lnSpc>
+                <a:spcPct val="150000"/>
+              </a:lnSpc>
+            </a:pPr>
+            <a:r>
+              <a:rPr lang="ja-JP" altLang="en-US" sz="1600" dirty="0">
+                <a:latin typeface="メイリオ" panose="020B0604030504040204" pitchFamily="50" charset="-128"/>
+                <a:ea typeface="メイリオ" panose="020B0604030504040204" pitchFamily="50" charset="-128"/>
+                <a:cs typeface="ヒラギノ角ゴ Pro W3"/>
+              </a:rPr>
+              <a:t>分岐</a:t>
+            </a:r>
+            <a:r>
+              <a:rPr lang="ja-JP" altLang="en-US" sz="1600" dirty="0" smtClean="0">
+                <a:latin typeface="メイリオ" panose="020B0604030504040204" pitchFamily="50" charset="-128"/>
+                <a:ea typeface="メイリオ" panose="020B0604030504040204" pitchFamily="50" charset="-128"/>
+                <a:cs typeface="ヒラギノ角ゴ Pro W3"/>
+              </a:rPr>
+              <a:t>をどこまで繰り返すかの上限。</a:t>
+            </a:r>
+            <a:endParaRPr lang="en-US" altLang="ja-JP" sz="1600" dirty="0" smtClean="0">
+              <a:latin typeface="メイリオ" panose="020B0604030504040204" pitchFamily="50" charset="-128"/>
+              <a:ea typeface="メイリオ" panose="020B0604030504040204" pitchFamily="50" charset="-128"/>
+              <a:cs typeface="ヒラギノ角ゴ Pro W3"/>
+            </a:endParaRPr>
+          </a:p>
+          <a:p>
+            <a:pPr>
+              <a:lnSpc>
+                <a:spcPct val="150000"/>
+              </a:lnSpc>
+            </a:pPr>
+            <a:r>
+              <a:rPr lang="ja-JP" altLang="en-US" sz="1600" dirty="0">
+                <a:latin typeface="メイリオ" panose="020B0604030504040204" pitchFamily="50" charset="-128"/>
+                <a:ea typeface="メイリオ" panose="020B0604030504040204" pitchFamily="50" charset="-128"/>
+                <a:cs typeface="ヒラギノ角ゴ Pro W3"/>
+              </a:rPr>
+              <a:t>深</a:t>
+            </a:r>
+            <a:r>
+              <a:rPr lang="ja-JP" altLang="en-US" sz="1600" dirty="0" smtClean="0">
+                <a:latin typeface="メイリオ" panose="020B0604030504040204" pitchFamily="50" charset="-128"/>
+                <a:ea typeface="メイリオ" panose="020B0604030504040204" pitchFamily="50" charset="-128"/>
+                <a:cs typeface="ヒラギノ角ゴ Pro W3"/>
+              </a:rPr>
+              <a:t>いと過学習に陥る。</a:t>
+            </a:r>
+            <a:endParaRPr lang="en-US" altLang="ja-JP" sz="1600" dirty="0" smtClean="0">
+              <a:latin typeface="メイリオ" panose="020B0604030504040204" pitchFamily="50" charset="-128"/>
+              <a:ea typeface="メイリオ" panose="020B0604030504040204" pitchFamily="50" charset="-128"/>
+              <a:cs typeface="ヒラギノ角ゴ Pro W3"/>
+            </a:endParaRPr>
+          </a:p>
+        </p:txBody>
+      </p:sp>
+      <p:sp>
+        <p:nvSpPr>
+          <p:cNvPr id="26" name="テキスト ボックス 25"/>
+          <p:cNvSpPr txBox="1"/>
+          <p:nvPr/>
+        </p:nvSpPr>
+        <p:spPr>
+          <a:xfrm>
+            <a:off x="6474012" y="5328560"/>
+            <a:ext cx="2236510" cy="830997"/>
+          </a:xfrm>
+          <a:prstGeom prst="rect">
+            <a:avLst/>
+          </a:prstGeom>
+          <a:noFill/>
+        </p:spPr>
+        <p:txBody>
+          <a:bodyPr wrap="none" rtlCol="0">
+            <a:spAutoFit/>
+          </a:bodyPr>
+          <a:lstStyle/>
+          <a:p>
+            <a:pPr>
+              <a:lnSpc>
+                <a:spcPct val="150000"/>
+              </a:lnSpc>
+            </a:pPr>
+            <a:r>
+              <a:rPr lang="ja-JP" altLang="en-US" sz="1600" dirty="0" smtClean="0">
+                <a:latin typeface="メイリオ" panose="020B0604030504040204" pitchFamily="50" charset="-128"/>
+                <a:ea typeface="メイリオ" panose="020B0604030504040204" pitchFamily="50" charset="-128"/>
+                <a:cs typeface="ヒラギノ角ゴ Pro W3"/>
+              </a:rPr>
+              <a:t>交差検定などの結果を</a:t>
+            </a:r>
+            <a:endParaRPr lang="en-US" altLang="ja-JP" sz="1600" dirty="0" smtClean="0">
+              <a:latin typeface="メイリオ" panose="020B0604030504040204" pitchFamily="50" charset="-128"/>
+              <a:ea typeface="メイリオ" panose="020B0604030504040204" pitchFamily="50" charset="-128"/>
+              <a:cs typeface="ヒラギノ角ゴ Pro W3"/>
+            </a:endParaRPr>
+          </a:p>
+          <a:p>
+            <a:pPr>
+              <a:lnSpc>
+                <a:spcPct val="150000"/>
+              </a:lnSpc>
+            </a:pPr>
+            <a:r>
+              <a:rPr lang="ja-JP" altLang="en-US" sz="1600" dirty="0" smtClean="0">
+                <a:latin typeface="メイリオ" panose="020B0604030504040204" pitchFamily="50" charset="-128"/>
+                <a:ea typeface="メイリオ" panose="020B0604030504040204" pitchFamily="50" charset="-128"/>
+                <a:cs typeface="ヒラギノ角ゴ Pro W3"/>
+              </a:rPr>
+              <a:t>見ながら調整</a:t>
+            </a:r>
+            <a:endParaRPr lang="en-US" altLang="ja-JP" sz="1600" dirty="0" smtClean="0">
+              <a:latin typeface="メイリオ" panose="020B0604030504040204" pitchFamily="50" charset="-128"/>
+              <a:ea typeface="メイリオ" panose="020B0604030504040204" pitchFamily="50" charset="-128"/>
+              <a:cs typeface="ヒラギノ角ゴ Pro W3"/>
+            </a:endParaRPr>
+          </a:p>
+        </p:txBody>
+      </p:sp>
+    </p:spTree>
+    <p:extLst>
+      <p:ext uri="{BB962C8B-B14F-4D97-AF65-F5344CB8AC3E}">
+        <p14:creationId xmlns:p14="http://schemas.microsoft.com/office/powerpoint/2010/main" val="1900241230"/>
       </p:ext>
     </p:extLst>
   </p:cSld>

--- a/1_logit_and_random_forest/files/document.pptx
+++ b/1_logit_and_random_forest/files/document.pptx
@@ -27453,8 +27453,8 @@
           </a:p>
         </p:txBody>
       </p:sp>
-      <mc:AlternateContent xmlns:mc="http://schemas.openxmlformats.org/markup-compatibility/2006" xmlns:a14="http://schemas.microsoft.com/office/drawing/2010/main">
-        <mc:Choice Requires="a14">
+      <mc:AlternateContent xmlns:mc="http://schemas.openxmlformats.org/markup-compatibility/2006">
+        <mc:Choice xmlns:a14="http://schemas.microsoft.com/office/drawing/2010/main" Requires="a14">
           <p:sp>
             <p:nvSpPr>
               <p:cNvPr id="8" name="テキスト ボックス 7"/>
@@ -27463,8 +27463,8 @@
             </p:nvSpPr>
             <p:spPr>
               <a:xfrm>
-                <a:off x="2665357" y="3331348"/>
-                <a:ext cx="4066883" cy="816634"/>
+                <a:off x="2131881" y="3331348"/>
+                <a:ext cx="4817408" cy="816634"/>
               </a:xfrm>
               <a:prstGeom prst="rect">
                 <a:avLst/>
@@ -27490,7 +27490,15 @@
                           <a:ea typeface="Cambria Math" panose="02040503050406030204" pitchFamily="18" charset="0"/>
                           <a:cs typeface="ヒラギノ角ゴ Pro W3"/>
                         </a:rPr>
-                        <m:t>∅</m:t>
+                        <m:t>𝑝</m:t>
+                      </m:r>
+                      <m:r>
+                        <a:rPr kumimoji="1" lang="en-US" altLang="ja-JP" sz="2800" b="0" i="1" smtClean="0">
+                          <a:latin typeface="Cambria Math" panose="02040503050406030204" pitchFamily="18" charset="0"/>
+                          <a:ea typeface="Cambria Math" panose="02040503050406030204" pitchFamily="18" charset="0"/>
+                          <a:cs typeface="ヒラギノ角ゴ Pro W3"/>
+                        </a:rPr>
+                        <m:t>=∅</m:t>
                       </m:r>
                       <m:d>
                         <m:dPr>
@@ -27636,7 +27644,7 @@
             </p:txBody>
           </p:sp>
         </mc:Choice>
-        <mc:Fallback xmlns="">
+        <mc:Fallback>
           <p:sp>
             <p:nvSpPr>
               <p:cNvPr id="8" name="テキスト ボックス 7"/>
@@ -27647,8 +27655,8 @@
             </p:nvSpPr>
             <p:spPr>
               <a:xfrm>
-                <a:off x="2665357" y="3331348"/>
-                <a:ext cx="4066883" cy="816634"/>
+                <a:off x="2131881" y="3331348"/>
+                <a:ext cx="4817408" cy="816634"/>
               </a:xfrm>
               <a:prstGeom prst="rect">
                 <a:avLst/>
@@ -28080,7 +28088,21 @@
                 <a:latin typeface="メイリオ" panose="020B0604030504040204" pitchFamily="50" charset="-128"/>
                 <a:ea typeface="メイリオ" panose="020B0604030504040204" pitchFamily="50" charset="-128"/>
               </a:rPr>
-              <a:t>過学習への滞欧</a:t>
+              <a:t>過学習へ</a:t>
+            </a:r>
+            <a:r>
+              <a:rPr lang="ja-JP" altLang="en-US" sz="1600" dirty="0" smtClean="0">
+                <a:latin typeface="メイリオ" panose="020B0604030504040204" pitchFamily="50" charset="-128"/>
+                <a:ea typeface="メイリオ" panose="020B0604030504040204" pitchFamily="50" charset="-128"/>
+              </a:rPr>
+              <a:t>の</a:t>
+            </a:r>
+            <a:r>
+              <a:rPr lang="ja-JP" altLang="en-US" sz="1600" dirty="0">
+                <a:latin typeface="メイリオ" panose="020B0604030504040204" pitchFamily="50" charset="-128"/>
+                <a:ea typeface="メイリオ" panose="020B0604030504040204" pitchFamily="50" charset="-128"/>
+              </a:rPr>
+              <a:t>対応</a:t>
             </a:r>
             <a:r>
               <a:rPr kumimoji="1" lang="en-US" altLang="ja-JP" dirty="0" smtClean="0">
@@ -28167,8 +28189,8 @@
           </a:prstGeom>
         </p:spPr>
       </p:pic>
-      <mc:AlternateContent xmlns:mc="http://schemas.openxmlformats.org/markup-compatibility/2006" xmlns:a14="http://schemas.microsoft.com/office/drawing/2010/main">
-        <mc:Choice Requires="a14">
+      <mc:AlternateContent xmlns:mc="http://schemas.openxmlformats.org/markup-compatibility/2006">
+        <mc:Choice xmlns:a14="http://schemas.microsoft.com/office/drawing/2010/main" Requires="a14">
           <p:sp>
             <p:nvSpPr>
               <p:cNvPr id="11" name="テキスト ボックス 10"/>
@@ -28178,7 +28200,7 @@
             <p:spPr>
               <a:xfrm>
                 <a:off x="1096148" y="1102210"/>
-                <a:ext cx="1691232" cy="430887"/>
+                <a:ext cx="1821909" cy="430887"/>
               </a:xfrm>
               <a:prstGeom prst="rect">
                 <a:avLst/>
@@ -28222,7 +28244,7 @@
                                 <a:rPr kumimoji="1" lang="en-US" altLang="ja-JP" sz="2800" b="0" i="1" smtClean="0">
                                   <a:latin typeface="Cambria Math" panose="02040503050406030204" pitchFamily="18" charset="0"/>
                                 </a:rPr>
-                                <m:t>𝑥</m:t>
+                                <m:t>𝑤</m:t>
                               </m:r>
                             </m:e>
                             <m:sub>
@@ -28263,10 +28285,10 @@
                             </m:sSubPr>
                             <m:e>
                               <m:r>
-                                <a:rPr lang="en-US" altLang="ja-JP" sz="2800" i="1">
+                                <a:rPr lang="en-US" altLang="ja-JP" sz="2800" b="0" i="1" smtClean="0">
                                   <a:latin typeface="Cambria Math" panose="02040503050406030204" pitchFamily="18" charset="0"/>
                                 </a:rPr>
-                                <m:t>𝑥</m:t>
+                                <m:t>𝑤</m:t>
                               </m:r>
                             </m:e>
                             <m:sub>
@@ -28290,7 +28312,7 @@
             </p:txBody>
           </p:sp>
         </mc:Choice>
-        <mc:Fallback xmlns="">
+        <mc:Fallback>
           <p:sp>
             <p:nvSpPr>
               <p:cNvPr id="11" name="テキスト ボックス 10"/>
@@ -28302,7 +28324,7 @@
             <p:spPr>
               <a:xfrm>
                 <a:off x="1096148" y="1102210"/>
-                <a:ext cx="1691232" cy="430887"/>
+                <a:ext cx="1821909" cy="430887"/>
               </a:xfrm>
               <a:prstGeom prst="rect">
                 <a:avLst/>
@@ -28329,8 +28351,8 @@
           </p:sp>
         </mc:Fallback>
       </mc:AlternateContent>
-      <mc:AlternateContent xmlns:mc="http://schemas.openxmlformats.org/markup-compatibility/2006" xmlns:a14="http://schemas.microsoft.com/office/drawing/2010/main">
-        <mc:Choice Requires="a14">
+      <mc:AlternateContent xmlns:mc="http://schemas.openxmlformats.org/markup-compatibility/2006">
+        <mc:Choice xmlns:a14="http://schemas.microsoft.com/office/drawing/2010/main" Requires="a14">
           <p:sp>
             <p:nvSpPr>
               <p:cNvPr id="12" name="テキスト ボックス 11"/>
@@ -28340,7 +28362,7 @@
             <p:spPr>
               <a:xfrm>
                 <a:off x="4980994" y="995129"/>
-                <a:ext cx="2639248" cy="645048"/>
+                <a:ext cx="2755883" cy="645048"/>
               </a:xfrm>
               <a:prstGeom prst="rect">
                 <a:avLst/>
@@ -28413,7 +28435,7 @@
                                             <a:rPr kumimoji="1" lang="en-US" altLang="ja-JP" sz="2800" b="0" i="1" smtClean="0">
                                               <a:latin typeface="Cambria Math" panose="02040503050406030204" pitchFamily="18" charset="0"/>
                                             </a:rPr>
-                                            <m:t>𝑥</m:t>
+                                            <m:t>𝑤</m:t>
                                           </m:r>
                                         </m:e>
                                         <m:sub>
@@ -28475,10 +28497,10 @@
                                     </m:sSubPr>
                                     <m:e>
                                       <m:r>
-                                        <a:rPr lang="en-US" altLang="ja-JP" sz="2800" i="1">
+                                        <a:rPr lang="en-US" altLang="ja-JP" sz="2800" b="0" i="1" smtClean="0">
                                           <a:latin typeface="Cambria Math" panose="02040503050406030204" pitchFamily="18" charset="0"/>
                                         </a:rPr>
-                                        <m:t>𝑥</m:t>
+                                        <m:t>𝑤</m:t>
                                       </m:r>
                                     </m:e>
                                     <m:sub>
@@ -28515,7 +28537,7 @@
             </p:txBody>
           </p:sp>
         </mc:Choice>
-        <mc:Fallback xmlns="">
+        <mc:Fallback>
           <p:sp>
             <p:nvSpPr>
               <p:cNvPr id="12" name="テキスト ボックス 11"/>
@@ -28527,7 +28549,7 @@
             <p:spPr>
               <a:xfrm>
                 <a:off x="4980994" y="995129"/>
-                <a:ext cx="2639248" cy="645048"/>
+                <a:ext cx="2755883" cy="645048"/>
               </a:xfrm>
               <a:prstGeom prst="rect">
                 <a:avLst/>
